--- a/trunk/06.Personal Archives/02.TuyenMQ/MS_Slide.pptx
+++ b/trunk/06.Personal Archives/02.TuyenMQ/MS_Slide.pptx
@@ -131,7 +131,7 @@
   <p:cmAuthor id="1" name="Tuân Bùi Tiến" initials="TBT" lastIdx="1" clrIdx="0">
     <p:extLst>
       <p:ext uri="{19B8F6BF-5375-455C-9EA6-DF929625EA0E}">
-        <p15:presenceInfo xmlns:p15="http://schemas.microsoft.com/office/powerpoint/2012/main" xmlns="" userId="0cb1e858a0857d96" providerId="Windows Live"/>
+        <p15:presenceInfo xmlns="" xmlns:p15="http://schemas.microsoft.com/office/powerpoint/2012/main" userId="0cb1e858a0857d96" providerId="Windows Live"/>
       </p:ext>
     </p:extLst>
   </p:cmAuthor>
@@ -3875,6 +3875,925 @@
     <dgm:fillClrLst meth="repeat">
       <a:schemeClr val="accent1">
         <a:tint val="60000"/>
+      </a:schemeClr>
+    </dgm:fillClrLst>
+    <dgm:linClrLst meth="repeat">
+      <a:schemeClr val="lt1"/>
+    </dgm:linClrLst>
+    <dgm:effectClrLst/>
+    <dgm:txLinClrLst/>
+    <dgm:txFillClrLst meth="repeat">
+      <a:schemeClr val="dk1"/>
+    </dgm:txFillClrLst>
+    <dgm:txEffectClrLst/>
+  </dgm:styleLbl>
+  <dgm:styleLbl name="revTx">
+    <dgm:fillClrLst meth="repeat">
+      <a:schemeClr val="lt1">
+        <a:alpha val="0"/>
+      </a:schemeClr>
+    </dgm:fillClrLst>
+    <dgm:linClrLst meth="repeat">
+      <a:schemeClr val="dk1">
+        <a:alpha val="0"/>
+      </a:schemeClr>
+    </dgm:linClrLst>
+    <dgm:effectClrLst/>
+    <dgm:txLinClrLst/>
+    <dgm:txFillClrLst meth="repeat">
+      <a:schemeClr val="tx1"/>
+    </dgm:txFillClrLst>
+    <dgm:txEffectClrLst/>
+  </dgm:styleLbl>
+</dgm:colorsDef>
+</file>
+
+<file path=ppt/diagrams/colors6.xml><?xml version="1.0" encoding="utf-8"?>
+<dgm:colorsDef xmlns:dgm="http://schemas.openxmlformats.org/drawingml/2006/diagram" xmlns:a="http://schemas.openxmlformats.org/drawingml/2006/main" uniqueId="urn:microsoft.com/office/officeart/2005/8/colors/colorful1#1">
+  <dgm:title val=""/>
+  <dgm:desc val=""/>
+  <dgm:catLst>
+    <dgm:cat type="colorful" pri="10100"/>
+  </dgm:catLst>
+  <dgm:styleLbl name="node0">
+    <dgm:fillClrLst meth="repeat">
+      <a:schemeClr val="accent1"/>
+    </dgm:fillClrLst>
+    <dgm:linClrLst meth="repeat">
+      <a:schemeClr val="lt1"/>
+    </dgm:linClrLst>
+    <dgm:effectClrLst/>
+    <dgm:txLinClrLst/>
+    <dgm:txFillClrLst/>
+    <dgm:txEffectClrLst/>
+  </dgm:styleLbl>
+  <dgm:styleLbl name="node1">
+    <dgm:fillClrLst meth="repeat">
+      <a:schemeClr val="accent2"/>
+      <a:schemeClr val="accent3"/>
+      <a:schemeClr val="accent4"/>
+      <a:schemeClr val="accent5"/>
+      <a:schemeClr val="accent6"/>
+    </dgm:fillClrLst>
+    <dgm:linClrLst meth="repeat">
+      <a:schemeClr val="lt1"/>
+    </dgm:linClrLst>
+    <dgm:effectClrLst/>
+    <dgm:txLinClrLst/>
+    <dgm:txFillClrLst/>
+    <dgm:txEffectClrLst/>
+  </dgm:styleLbl>
+  <dgm:styleLbl name="alignNode1">
+    <dgm:fillClrLst meth="repeat">
+      <a:schemeClr val="accent2"/>
+      <a:schemeClr val="accent3"/>
+      <a:schemeClr val="accent4"/>
+      <a:schemeClr val="accent5"/>
+      <a:schemeClr val="accent6"/>
+    </dgm:fillClrLst>
+    <dgm:linClrLst meth="repeat">
+      <a:schemeClr val="accent2"/>
+      <a:schemeClr val="accent3"/>
+      <a:schemeClr val="accent4"/>
+      <a:schemeClr val="accent5"/>
+      <a:schemeClr val="accent6"/>
+    </dgm:linClrLst>
+    <dgm:effectClrLst/>
+    <dgm:txLinClrLst/>
+    <dgm:txFillClrLst/>
+    <dgm:txEffectClrLst/>
+  </dgm:styleLbl>
+  <dgm:styleLbl name="lnNode1">
+    <dgm:fillClrLst meth="repeat">
+      <a:schemeClr val="accent2"/>
+      <a:schemeClr val="accent3"/>
+      <a:schemeClr val="accent4"/>
+      <a:schemeClr val="accent5"/>
+      <a:schemeClr val="accent6"/>
+    </dgm:fillClrLst>
+    <dgm:linClrLst meth="repeat">
+      <a:schemeClr val="lt1"/>
+    </dgm:linClrLst>
+    <dgm:effectClrLst/>
+    <dgm:txLinClrLst/>
+    <dgm:txFillClrLst/>
+    <dgm:txEffectClrLst/>
+  </dgm:styleLbl>
+  <dgm:styleLbl name="vennNode1">
+    <dgm:fillClrLst meth="repeat">
+      <a:schemeClr val="accent2">
+        <a:alpha val="50000"/>
+      </a:schemeClr>
+      <a:schemeClr val="accent3">
+        <a:alpha val="50000"/>
+      </a:schemeClr>
+      <a:schemeClr val="accent4">
+        <a:alpha val="50000"/>
+      </a:schemeClr>
+      <a:schemeClr val="accent5">
+        <a:alpha val="50000"/>
+      </a:schemeClr>
+      <a:schemeClr val="accent6">
+        <a:alpha val="50000"/>
+      </a:schemeClr>
+    </dgm:fillClrLst>
+    <dgm:linClrLst meth="repeat">
+      <a:schemeClr val="lt1"/>
+    </dgm:linClrLst>
+    <dgm:effectClrLst/>
+    <dgm:txLinClrLst/>
+    <dgm:txFillClrLst/>
+    <dgm:txEffectClrLst/>
+  </dgm:styleLbl>
+  <dgm:styleLbl name="node2">
+    <dgm:fillClrLst>
+      <a:schemeClr val="accent2"/>
+    </dgm:fillClrLst>
+    <dgm:linClrLst meth="repeat">
+      <a:schemeClr val="lt1"/>
+    </dgm:linClrLst>
+    <dgm:effectClrLst/>
+    <dgm:txLinClrLst/>
+    <dgm:txFillClrLst/>
+    <dgm:txEffectClrLst/>
+  </dgm:styleLbl>
+  <dgm:styleLbl name="node3">
+    <dgm:fillClrLst>
+      <a:schemeClr val="accent3"/>
+    </dgm:fillClrLst>
+    <dgm:linClrLst meth="repeat">
+      <a:schemeClr val="lt1"/>
+    </dgm:linClrLst>
+    <dgm:effectClrLst/>
+    <dgm:txLinClrLst/>
+    <dgm:txFillClrLst/>
+    <dgm:txEffectClrLst/>
+  </dgm:styleLbl>
+  <dgm:styleLbl name="node4">
+    <dgm:fillClrLst>
+      <a:schemeClr val="accent4"/>
+    </dgm:fillClrLst>
+    <dgm:linClrLst meth="repeat">
+      <a:schemeClr val="lt1"/>
+    </dgm:linClrLst>
+    <dgm:effectClrLst/>
+    <dgm:txLinClrLst/>
+    <dgm:txFillClrLst/>
+    <dgm:txEffectClrLst/>
+  </dgm:styleLbl>
+  <dgm:styleLbl name="fgImgPlace1">
+    <dgm:fillClrLst meth="repeat">
+      <a:schemeClr val="accent2">
+        <a:tint val="50000"/>
+      </a:schemeClr>
+      <a:schemeClr val="accent3">
+        <a:tint val="50000"/>
+      </a:schemeClr>
+      <a:schemeClr val="accent4">
+        <a:tint val="50000"/>
+      </a:schemeClr>
+      <a:schemeClr val="accent5">
+        <a:tint val="50000"/>
+      </a:schemeClr>
+      <a:schemeClr val="accent6">
+        <a:tint val="50000"/>
+      </a:schemeClr>
+    </dgm:fillClrLst>
+    <dgm:linClrLst meth="repeat">
+      <a:schemeClr val="lt1"/>
+    </dgm:linClrLst>
+    <dgm:effectClrLst/>
+    <dgm:txLinClrLst/>
+    <dgm:txFillClrLst meth="repeat">
+      <a:schemeClr val="lt1"/>
+    </dgm:txFillClrLst>
+    <dgm:txEffectClrLst/>
+  </dgm:styleLbl>
+  <dgm:styleLbl name="alignImgPlace1">
+    <dgm:fillClrLst>
+      <a:schemeClr val="accent1">
+        <a:tint val="50000"/>
+      </a:schemeClr>
+      <a:schemeClr val="accent2">
+        <a:tint val="20000"/>
+      </a:schemeClr>
+    </dgm:fillClrLst>
+    <dgm:linClrLst meth="repeat">
+      <a:schemeClr val="lt1"/>
+    </dgm:linClrLst>
+    <dgm:effectClrLst/>
+    <dgm:txLinClrLst/>
+    <dgm:txFillClrLst meth="repeat">
+      <a:schemeClr val="lt1"/>
+    </dgm:txFillClrLst>
+    <dgm:txEffectClrLst/>
+  </dgm:styleLbl>
+  <dgm:styleLbl name="bgImgPlace1">
+    <dgm:fillClrLst>
+      <a:schemeClr val="accent1">
+        <a:tint val="50000"/>
+      </a:schemeClr>
+      <a:schemeClr val="accent2">
+        <a:tint val="20000"/>
+      </a:schemeClr>
+    </dgm:fillClrLst>
+    <dgm:linClrLst meth="repeat">
+      <a:schemeClr val="lt1"/>
+    </dgm:linClrLst>
+    <dgm:effectClrLst/>
+    <dgm:txLinClrLst/>
+    <dgm:txFillClrLst meth="repeat">
+      <a:schemeClr val="lt1"/>
+    </dgm:txFillClrLst>
+    <dgm:txEffectClrLst/>
+  </dgm:styleLbl>
+  <dgm:styleLbl name="sibTrans2D1">
+    <dgm:fillClrLst meth="repeat">
+      <a:schemeClr val="accent2"/>
+      <a:schemeClr val="accent3"/>
+      <a:schemeClr val="accent4"/>
+      <a:schemeClr val="accent5"/>
+      <a:schemeClr val="accent6"/>
+    </dgm:fillClrLst>
+    <dgm:linClrLst meth="cycle">
+      <a:schemeClr val="lt1"/>
+    </dgm:linClrLst>
+    <dgm:effectClrLst/>
+    <dgm:txLinClrLst/>
+    <dgm:txFillClrLst/>
+    <dgm:txEffectClrLst/>
+  </dgm:styleLbl>
+  <dgm:styleLbl name="fgSibTrans2D1">
+    <dgm:fillClrLst meth="repeat">
+      <a:schemeClr val="accent2"/>
+      <a:schemeClr val="accent3"/>
+      <a:schemeClr val="accent4"/>
+      <a:schemeClr val="accent5"/>
+      <a:schemeClr val="accent6"/>
+    </dgm:fillClrLst>
+    <dgm:linClrLst meth="cycle">
+      <a:schemeClr val="lt1"/>
+    </dgm:linClrLst>
+    <dgm:effectClrLst/>
+    <dgm:txLinClrLst/>
+    <dgm:txFillClrLst meth="repeat">
+      <a:schemeClr val="lt1"/>
+    </dgm:txFillClrLst>
+    <dgm:txEffectClrLst/>
+  </dgm:styleLbl>
+  <dgm:styleLbl name="bgSibTrans2D1">
+    <dgm:fillClrLst meth="repeat">
+      <a:schemeClr val="accent2"/>
+      <a:schemeClr val="accent3"/>
+      <a:schemeClr val="accent4"/>
+      <a:schemeClr val="accent5"/>
+      <a:schemeClr val="accent6"/>
+    </dgm:fillClrLst>
+    <dgm:linClrLst meth="cycle">
+      <a:schemeClr val="lt1"/>
+    </dgm:linClrLst>
+    <dgm:effectClrLst/>
+    <dgm:txLinClrLst/>
+    <dgm:txFillClrLst meth="repeat">
+      <a:schemeClr val="lt1"/>
+    </dgm:txFillClrLst>
+    <dgm:txEffectClrLst/>
+  </dgm:styleLbl>
+  <dgm:styleLbl name="sibTrans1D1">
+    <dgm:fillClrLst meth="repeat">
+      <a:schemeClr val="accent2"/>
+      <a:schemeClr val="accent3"/>
+      <a:schemeClr val="accent4"/>
+      <a:schemeClr val="accent5"/>
+      <a:schemeClr val="accent6"/>
+    </dgm:fillClrLst>
+    <dgm:linClrLst meth="repeat">
+      <a:schemeClr val="accent2"/>
+      <a:schemeClr val="accent3"/>
+      <a:schemeClr val="accent4"/>
+      <a:schemeClr val="accent5"/>
+      <a:schemeClr val="accent6"/>
+    </dgm:linClrLst>
+    <dgm:effectClrLst/>
+    <dgm:txLinClrLst/>
+    <dgm:txFillClrLst meth="repeat">
+      <a:schemeClr val="tx1"/>
+    </dgm:txFillClrLst>
+    <dgm:txEffectClrLst/>
+  </dgm:styleLbl>
+  <dgm:styleLbl name="callout">
+    <dgm:fillClrLst meth="repeat">
+      <a:schemeClr val="accent2"/>
+    </dgm:fillClrLst>
+    <dgm:linClrLst meth="repeat">
+      <a:schemeClr val="accent2">
+        <a:tint val="50000"/>
+      </a:schemeClr>
+    </dgm:linClrLst>
+    <dgm:effectClrLst/>
+    <dgm:txLinClrLst/>
+    <dgm:txFillClrLst meth="repeat">
+      <a:schemeClr val="tx1"/>
+    </dgm:txFillClrLst>
+    <dgm:txEffectClrLst/>
+  </dgm:styleLbl>
+  <dgm:styleLbl name="asst0">
+    <dgm:fillClrLst meth="repeat">
+      <a:schemeClr val="accent1"/>
+    </dgm:fillClrLst>
+    <dgm:linClrLst meth="repeat">
+      <a:schemeClr val="lt1"/>
+    </dgm:linClrLst>
+    <dgm:effectClrLst/>
+    <dgm:txLinClrLst/>
+    <dgm:txFillClrLst/>
+    <dgm:txEffectClrLst/>
+  </dgm:styleLbl>
+  <dgm:styleLbl name="asst1">
+    <dgm:fillClrLst meth="repeat">
+      <a:schemeClr val="accent2"/>
+    </dgm:fillClrLst>
+    <dgm:linClrLst meth="repeat">
+      <a:schemeClr val="lt1"/>
+    </dgm:linClrLst>
+    <dgm:effectClrLst/>
+    <dgm:txLinClrLst/>
+    <dgm:txFillClrLst/>
+    <dgm:txEffectClrLst/>
+  </dgm:styleLbl>
+  <dgm:styleLbl name="asst2">
+    <dgm:fillClrLst>
+      <a:schemeClr val="accent3"/>
+    </dgm:fillClrLst>
+    <dgm:linClrLst meth="repeat">
+      <a:schemeClr val="lt1"/>
+    </dgm:linClrLst>
+    <dgm:effectClrLst/>
+    <dgm:txLinClrLst/>
+    <dgm:txFillClrLst/>
+    <dgm:txEffectClrLst/>
+  </dgm:styleLbl>
+  <dgm:styleLbl name="asst3">
+    <dgm:fillClrLst>
+      <a:schemeClr val="accent4"/>
+    </dgm:fillClrLst>
+    <dgm:linClrLst meth="repeat">
+      <a:schemeClr val="lt1"/>
+    </dgm:linClrLst>
+    <dgm:effectClrLst/>
+    <dgm:txLinClrLst/>
+    <dgm:txFillClrLst/>
+    <dgm:txEffectClrLst/>
+  </dgm:styleLbl>
+  <dgm:styleLbl name="asst4">
+    <dgm:fillClrLst>
+      <a:schemeClr val="accent5"/>
+    </dgm:fillClrLst>
+    <dgm:linClrLst meth="repeat">
+      <a:schemeClr val="lt1"/>
+    </dgm:linClrLst>
+    <dgm:effectClrLst/>
+    <dgm:txLinClrLst/>
+    <dgm:txFillClrLst/>
+    <dgm:txEffectClrLst/>
+  </dgm:styleLbl>
+  <dgm:styleLbl name="parChTrans2D1">
+    <dgm:fillClrLst meth="repeat">
+      <a:schemeClr val="accent2"/>
+    </dgm:fillClrLst>
+    <dgm:linClrLst meth="repeat">
+      <a:schemeClr val="lt1"/>
+    </dgm:linClrLst>
+    <dgm:effectClrLst/>
+    <dgm:txLinClrLst/>
+    <dgm:txFillClrLst meth="repeat">
+      <a:schemeClr val="lt1"/>
+    </dgm:txFillClrLst>
+    <dgm:txEffectClrLst/>
+  </dgm:styleLbl>
+  <dgm:styleLbl name="parChTrans2D2">
+    <dgm:fillClrLst meth="repeat">
+      <a:schemeClr val="accent3"/>
+    </dgm:fillClrLst>
+    <dgm:linClrLst meth="repeat">
+      <a:schemeClr val="lt1"/>
+    </dgm:linClrLst>
+    <dgm:effectClrLst/>
+    <dgm:txLinClrLst/>
+    <dgm:txFillClrLst/>
+    <dgm:txEffectClrLst/>
+  </dgm:styleLbl>
+  <dgm:styleLbl name="parChTrans2D3">
+    <dgm:fillClrLst meth="repeat">
+      <a:schemeClr val="accent4"/>
+    </dgm:fillClrLst>
+    <dgm:linClrLst meth="repeat">
+      <a:schemeClr val="lt1"/>
+    </dgm:linClrLst>
+    <dgm:effectClrLst/>
+    <dgm:txLinClrLst/>
+    <dgm:txFillClrLst/>
+    <dgm:txEffectClrLst/>
+  </dgm:styleLbl>
+  <dgm:styleLbl name="parChTrans2D4">
+    <dgm:fillClrLst meth="repeat">
+      <a:schemeClr val="accent5"/>
+    </dgm:fillClrLst>
+    <dgm:linClrLst meth="repeat">
+      <a:schemeClr val="lt1"/>
+    </dgm:linClrLst>
+    <dgm:effectClrLst/>
+    <dgm:txLinClrLst/>
+    <dgm:txFillClrLst meth="repeat">
+      <a:schemeClr val="lt1"/>
+    </dgm:txFillClrLst>
+    <dgm:txEffectClrLst/>
+  </dgm:styleLbl>
+  <dgm:styleLbl name="parChTrans1D1">
+    <dgm:fillClrLst meth="repeat">
+      <a:schemeClr val="accent2"/>
+    </dgm:fillClrLst>
+    <dgm:linClrLst meth="repeat">
+      <a:schemeClr val="accent1"/>
+    </dgm:linClrLst>
+    <dgm:effectClrLst/>
+    <dgm:txLinClrLst/>
+    <dgm:txFillClrLst meth="repeat">
+      <a:schemeClr val="tx1"/>
+    </dgm:txFillClrLst>
+    <dgm:txEffectClrLst/>
+  </dgm:styleLbl>
+  <dgm:styleLbl name="parChTrans1D2">
+    <dgm:fillClrLst meth="repeat">
+      <a:schemeClr val="accent3">
+        <a:tint val="90000"/>
+      </a:schemeClr>
+    </dgm:fillClrLst>
+    <dgm:linClrLst meth="repeat">
+      <a:schemeClr val="accent2"/>
+    </dgm:linClrLst>
+    <dgm:effectClrLst/>
+    <dgm:txLinClrLst/>
+    <dgm:txFillClrLst meth="repeat">
+      <a:schemeClr val="tx1"/>
+    </dgm:txFillClrLst>
+    <dgm:txEffectClrLst/>
+  </dgm:styleLbl>
+  <dgm:styleLbl name="parChTrans1D3">
+    <dgm:fillClrLst meth="repeat">
+      <a:schemeClr val="accent4">
+        <a:tint val="70000"/>
+      </a:schemeClr>
+    </dgm:fillClrLst>
+    <dgm:linClrLst meth="repeat">
+      <a:schemeClr val="accent3"/>
+    </dgm:linClrLst>
+    <dgm:effectClrLst/>
+    <dgm:txLinClrLst/>
+    <dgm:txFillClrLst meth="repeat">
+      <a:schemeClr val="tx1"/>
+    </dgm:txFillClrLst>
+    <dgm:txEffectClrLst/>
+  </dgm:styleLbl>
+  <dgm:styleLbl name="parChTrans1D4">
+    <dgm:fillClrLst meth="repeat">
+      <a:schemeClr val="accent5">
+        <a:tint val="50000"/>
+      </a:schemeClr>
+    </dgm:fillClrLst>
+    <dgm:linClrLst meth="repeat">
+      <a:schemeClr val="accent4"/>
+    </dgm:linClrLst>
+    <dgm:effectClrLst/>
+    <dgm:txLinClrLst/>
+    <dgm:txFillClrLst meth="repeat">
+      <a:schemeClr val="tx1"/>
+    </dgm:txFillClrLst>
+    <dgm:txEffectClrLst/>
+  </dgm:styleLbl>
+  <dgm:styleLbl name="fgAcc1">
+    <dgm:fillClrLst meth="repeat">
+      <a:schemeClr val="lt1">
+        <a:alpha val="90000"/>
+      </a:schemeClr>
+    </dgm:fillClrLst>
+    <dgm:linClrLst meth="repeat">
+      <a:schemeClr val="accent2"/>
+      <a:schemeClr val="accent3"/>
+      <a:schemeClr val="accent4"/>
+      <a:schemeClr val="accent5"/>
+      <a:schemeClr val="accent6"/>
+    </dgm:linClrLst>
+    <dgm:effectClrLst/>
+    <dgm:txLinClrLst/>
+    <dgm:txFillClrLst meth="repeat">
+      <a:schemeClr val="dk1"/>
+    </dgm:txFillClrLst>
+    <dgm:txEffectClrLst/>
+  </dgm:styleLbl>
+  <dgm:styleLbl name="conFgAcc1">
+    <dgm:fillClrLst meth="repeat">
+      <a:schemeClr val="lt1">
+        <a:alpha val="90000"/>
+      </a:schemeClr>
+    </dgm:fillClrLst>
+    <dgm:linClrLst meth="repeat">
+      <a:schemeClr val="accent2"/>
+      <a:schemeClr val="accent3"/>
+      <a:schemeClr val="accent4"/>
+      <a:schemeClr val="accent5"/>
+      <a:schemeClr val="accent6"/>
+    </dgm:linClrLst>
+    <dgm:effectClrLst/>
+    <dgm:txLinClrLst/>
+    <dgm:txFillClrLst meth="repeat">
+      <a:schemeClr val="dk1"/>
+    </dgm:txFillClrLst>
+    <dgm:txEffectClrLst/>
+  </dgm:styleLbl>
+  <dgm:styleLbl name="alignAcc1">
+    <dgm:fillClrLst meth="repeat">
+      <a:schemeClr val="lt1">
+        <a:alpha val="90000"/>
+      </a:schemeClr>
+    </dgm:fillClrLst>
+    <dgm:linClrLst meth="repeat">
+      <a:schemeClr val="accent2"/>
+      <a:schemeClr val="accent3"/>
+      <a:schemeClr val="accent4"/>
+      <a:schemeClr val="accent5"/>
+      <a:schemeClr val="accent6"/>
+    </dgm:linClrLst>
+    <dgm:effectClrLst/>
+    <dgm:txLinClrLst/>
+    <dgm:txFillClrLst meth="repeat">
+      <a:schemeClr val="dk1"/>
+    </dgm:txFillClrLst>
+    <dgm:txEffectClrLst/>
+  </dgm:styleLbl>
+  <dgm:styleLbl name="trAlignAcc1">
+    <dgm:fillClrLst meth="repeat">
+      <a:schemeClr val="lt1">
+        <a:alpha val="40000"/>
+      </a:schemeClr>
+    </dgm:fillClrLst>
+    <dgm:linClrLst meth="repeat">
+      <a:schemeClr val="accent1"/>
+    </dgm:linClrLst>
+    <dgm:effectClrLst/>
+    <dgm:txLinClrLst/>
+    <dgm:txFillClrLst meth="repeat">
+      <a:schemeClr val="dk1"/>
+    </dgm:txFillClrLst>
+    <dgm:txEffectClrLst/>
+  </dgm:styleLbl>
+  <dgm:styleLbl name="bgAcc1">
+    <dgm:fillClrLst meth="repeat">
+      <a:schemeClr val="lt1">
+        <a:alpha val="90000"/>
+      </a:schemeClr>
+    </dgm:fillClrLst>
+    <dgm:linClrLst meth="repeat">
+      <a:schemeClr val="accent2"/>
+      <a:schemeClr val="accent3"/>
+      <a:schemeClr val="accent4"/>
+      <a:schemeClr val="accent5"/>
+      <a:schemeClr val="accent6"/>
+    </dgm:linClrLst>
+    <dgm:effectClrLst/>
+    <dgm:txLinClrLst/>
+    <dgm:txFillClrLst meth="repeat">
+      <a:schemeClr val="dk1"/>
+    </dgm:txFillClrLst>
+    <dgm:txEffectClrLst/>
+  </dgm:styleLbl>
+  <dgm:styleLbl name="solidFgAcc1">
+    <dgm:fillClrLst meth="repeat">
+      <a:schemeClr val="lt1"/>
+    </dgm:fillClrLst>
+    <dgm:linClrLst meth="repeat">
+      <a:schemeClr val="accent2"/>
+      <a:schemeClr val="accent3"/>
+      <a:schemeClr val="accent4"/>
+      <a:schemeClr val="accent5"/>
+      <a:schemeClr val="accent6"/>
+    </dgm:linClrLst>
+    <dgm:effectClrLst/>
+    <dgm:txLinClrLst/>
+    <dgm:txFillClrLst meth="repeat">
+      <a:schemeClr val="dk1"/>
+    </dgm:txFillClrLst>
+    <dgm:txEffectClrLst/>
+  </dgm:styleLbl>
+  <dgm:styleLbl name="solidAlignAcc1">
+    <dgm:fillClrLst meth="repeat">
+      <a:schemeClr val="lt1"/>
+    </dgm:fillClrLst>
+    <dgm:linClrLst meth="repeat">
+      <a:schemeClr val="accent2"/>
+      <a:schemeClr val="accent3"/>
+      <a:schemeClr val="accent4"/>
+      <a:schemeClr val="accent5"/>
+      <a:schemeClr val="accent6"/>
+    </dgm:linClrLst>
+    <dgm:effectClrLst/>
+    <dgm:txLinClrLst/>
+    <dgm:txFillClrLst meth="repeat">
+      <a:schemeClr val="dk1"/>
+    </dgm:txFillClrLst>
+    <dgm:txEffectClrLst/>
+  </dgm:styleLbl>
+  <dgm:styleLbl name="solidBgAcc1">
+    <dgm:fillClrLst meth="repeat">
+      <a:schemeClr val="lt1"/>
+    </dgm:fillClrLst>
+    <dgm:linClrLst meth="repeat">
+      <a:schemeClr val="accent2"/>
+      <a:schemeClr val="accent3"/>
+      <a:schemeClr val="accent4"/>
+      <a:schemeClr val="accent5"/>
+      <a:schemeClr val="accent6"/>
+    </dgm:linClrLst>
+    <dgm:effectClrLst/>
+    <dgm:txLinClrLst/>
+    <dgm:txFillClrLst meth="repeat">
+      <a:schemeClr val="dk1"/>
+    </dgm:txFillClrLst>
+    <dgm:txEffectClrLst/>
+  </dgm:styleLbl>
+  <dgm:styleLbl name="fgAccFollowNode1">
+    <dgm:fillClrLst meth="repeat">
+      <a:schemeClr val="accent2">
+        <a:tint val="40000"/>
+        <a:alpha val="90000"/>
+      </a:schemeClr>
+      <a:schemeClr val="accent3">
+        <a:tint val="40000"/>
+        <a:alpha val="90000"/>
+      </a:schemeClr>
+      <a:schemeClr val="accent4">
+        <a:tint val="40000"/>
+        <a:alpha val="90000"/>
+      </a:schemeClr>
+      <a:schemeClr val="accent5">
+        <a:tint val="40000"/>
+        <a:alpha val="90000"/>
+      </a:schemeClr>
+      <a:schemeClr val="accent6">
+        <a:tint val="40000"/>
+        <a:alpha val="90000"/>
+      </a:schemeClr>
+    </dgm:fillClrLst>
+    <dgm:linClrLst meth="repeat">
+      <a:schemeClr val="accent2">
+        <a:tint val="40000"/>
+        <a:alpha val="90000"/>
+      </a:schemeClr>
+      <a:schemeClr val="accent3">
+        <a:tint val="40000"/>
+        <a:alpha val="90000"/>
+      </a:schemeClr>
+      <a:schemeClr val="accent4">
+        <a:tint val="40000"/>
+        <a:alpha val="90000"/>
+      </a:schemeClr>
+      <a:schemeClr val="accent5">
+        <a:tint val="40000"/>
+        <a:alpha val="90000"/>
+      </a:schemeClr>
+      <a:schemeClr val="accent6">
+        <a:tint val="40000"/>
+        <a:alpha val="90000"/>
+      </a:schemeClr>
+    </dgm:linClrLst>
+    <dgm:effectClrLst/>
+    <dgm:txLinClrLst/>
+    <dgm:txFillClrLst meth="repeat">
+      <a:schemeClr val="dk1"/>
+    </dgm:txFillClrLst>
+    <dgm:txEffectClrLst/>
+  </dgm:styleLbl>
+  <dgm:styleLbl name="alignAccFollowNode1">
+    <dgm:fillClrLst meth="repeat">
+      <a:schemeClr val="accent2">
+        <a:tint val="40000"/>
+        <a:alpha val="90000"/>
+      </a:schemeClr>
+      <a:schemeClr val="accent3">
+        <a:tint val="40000"/>
+        <a:alpha val="90000"/>
+      </a:schemeClr>
+      <a:schemeClr val="accent4">
+        <a:tint val="40000"/>
+        <a:alpha val="90000"/>
+      </a:schemeClr>
+      <a:schemeClr val="accent5">
+        <a:tint val="40000"/>
+        <a:alpha val="90000"/>
+      </a:schemeClr>
+      <a:schemeClr val="accent6">
+        <a:tint val="40000"/>
+        <a:alpha val="90000"/>
+      </a:schemeClr>
+    </dgm:fillClrLst>
+    <dgm:linClrLst meth="repeat">
+      <a:schemeClr val="accent2">
+        <a:tint val="40000"/>
+        <a:alpha val="90000"/>
+      </a:schemeClr>
+      <a:schemeClr val="accent3">
+        <a:tint val="40000"/>
+        <a:alpha val="90000"/>
+      </a:schemeClr>
+      <a:schemeClr val="accent4">
+        <a:tint val="40000"/>
+        <a:alpha val="90000"/>
+      </a:schemeClr>
+      <a:schemeClr val="accent5">
+        <a:tint val="40000"/>
+        <a:alpha val="90000"/>
+      </a:schemeClr>
+      <a:schemeClr val="accent6">
+        <a:tint val="40000"/>
+        <a:alpha val="90000"/>
+      </a:schemeClr>
+    </dgm:linClrLst>
+    <dgm:effectClrLst/>
+    <dgm:txLinClrLst/>
+    <dgm:txFillClrLst meth="repeat">
+      <a:schemeClr val="dk1"/>
+    </dgm:txFillClrLst>
+    <dgm:txEffectClrLst/>
+  </dgm:styleLbl>
+  <dgm:styleLbl name="bgAccFollowNode1">
+    <dgm:fillClrLst meth="repeat">
+      <a:schemeClr val="accent2">
+        <a:tint val="40000"/>
+        <a:alpha val="90000"/>
+      </a:schemeClr>
+      <a:schemeClr val="accent3">
+        <a:tint val="40000"/>
+        <a:alpha val="90000"/>
+      </a:schemeClr>
+      <a:schemeClr val="accent4">
+        <a:tint val="40000"/>
+        <a:alpha val="90000"/>
+      </a:schemeClr>
+      <a:schemeClr val="accent5">
+        <a:tint val="40000"/>
+        <a:alpha val="90000"/>
+      </a:schemeClr>
+      <a:schemeClr val="accent6">
+        <a:tint val="40000"/>
+        <a:alpha val="90000"/>
+      </a:schemeClr>
+    </dgm:fillClrLst>
+    <dgm:linClrLst meth="repeat">
+      <a:schemeClr val="accent2">
+        <a:tint val="40000"/>
+        <a:alpha val="90000"/>
+      </a:schemeClr>
+      <a:schemeClr val="accent3">
+        <a:tint val="40000"/>
+        <a:alpha val="90000"/>
+      </a:schemeClr>
+      <a:schemeClr val="accent4">
+        <a:tint val="40000"/>
+        <a:alpha val="90000"/>
+      </a:schemeClr>
+      <a:schemeClr val="accent5">
+        <a:tint val="40000"/>
+        <a:alpha val="90000"/>
+      </a:schemeClr>
+      <a:schemeClr val="accent6">
+        <a:tint val="40000"/>
+        <a:alpha val="90000"/>
+      </a:schemeClr>
+    </dgm:linClrLst>
+    <dgm:effectClrLst/>
+    <dgm:txLinClrLst/>
+    <dgm:txFillClrLst meth="repeat">
+      <a:schemeClr val="dk1"/>
+    </dgm:txFillClrLst>
+    <dgm:txEffectClrLst/>
+  </dgm:styleLbl>
+  <dgm:styleLbl name="fgAcc0">
+    <dgm:fillClrLst meth="repeat">
+      <a:schemeClr val="lt1">
+        <a:alpha val="90000"/>
+      </a:schemeClr>
+    </dgm:fillClrLst>
+    <dgm:linClrLst>
+      <a:schemeClr val="accent1"/>
+    </dgm:linClrLst>
+    <dgm:effectClrLst/>
+    <dgm:txLinClrLst/>
+    <dgm:txFillClrLst meth="repeat">
+      <a:schemeClr val="dk1"/>
+    </dgm:txFillClrLst>
+    <dgm:txEffectClrLst/>
+  </dgm:styleLbl>
+  <dgm:styleLbl name="fgAcc2">
+    <dgm:fillClrLst meth="repeat">
+      <a:schemeClr val="lt1">
+        <a:alpha val="90000"/>
+      </a:schemeClr>
+    </dgm:fillClrLst>
+    <dgm:linClrLst>
+      <a:schemeClr val="accent2"/>
+    </dgm:linClrLst>
+    <dgm:effectClrLst/>
+    <dgm:txLinClrLst/>
+    <dgm:txFillClrLst meth="repeat">
+      <a:schemeClr val="dk1"/>
+    </dgm:txFillClrLst>
+    <dgm:txEffectClrLst/>
+  </dgm:styleLbl>
+  <dgm:styleLbl name="fgAcc3">
+    <dgm:fillClrLst meth="repeat">
+      <a:schemeClr val="lt1">
+        <a:alpha val="90000"/>
+      </a:schemeClr>
+    </dgm:fillClrLst>
+    <dgm:linClrLst>
+      <a:schemeClr val="accent3"/>
+    </dgm:linClrLst>
+    <dgm:effectClrLst/>
+    <dgm:txLinClrLst/>
+    <dgm:txFillClrLst meth="repeat">
+      <a:schemeClr val="dk1"/>
+    </dgm:txFillClrLst>
+    <dgm:txEffectClrLst/>
+  </dgm:styleLbl>
+  <dgm:styleLbl name="fgAcc4">
+    <dgm:fillClrLst meth="repeat">
+      <a:schemeClr val="lt1">
+        <a:alpha val="90000"/>
+      </a:schemeClr>
+    </dgm:fillClrLst>
+    <dgm:linClrLst>
+      <a:schemeClr val="accent4"/>
+    </dgm:linClrLst>
+    <dgm:effectClrLst/>
+    <dgm:txLinClrLst/>
+    <dgm:txFillClrLst meth="repeat">
+      <a:schemeClr val="dk1"/>
+    </dgm:txFillClrLst>
+    <dgm:txEffectClrLst/>
+  </dgm:styleLbl>
+  <dgm:styleLbl name="bgShp">
+    <dgm:fillClrLst meth="repeat">
+      <a:schemeClr val="accent2">
+        <a:tint val="40000"/>
+      </a:schemeClr>
+    </dgm:fillClrLst>
+    <dgm:linClrLst meth="repeat">
+      <a:schemeClr val="dk1"/>
+    </dgm:linClrLst>
+    <dgm:effectClrLst/>
+    <dgm:txLinClrLst/>
+    <dgm:txFillClrLst meth="repeat">
+      <a:schemeClr val="dk1"/>
+    </dgm:txFillClrLst>
+    <dgm:txEffectClrLst/>
+  </dgm:styleLbl>
+  <dgm:styleLbl name="dkBgShp">
+    <dgm:fillClrLst meth="repeat">
+      <a:schemeClr val="accent2">
+        <a:shade val="90000"/>
+      </a:schemeClr>
+    </dgm:fillClrLst>
+    <dgm:linClrLst meth="repeat">
+      <a:schemeClr val="dk1"/>
+    </dgm:linClrLst>
+    <dgm:effectClrLst/>
+    <dgm:txLinClrLst/>
+    <dgm:txFillClrLst meth="repeat">
+      <a:schemeClr val="lt1"/>
+    </dgm:txFillClrLst>
+    <dgm:txEffectClrLst/>
+  </dgm:styleLbl>
+  <dgm:styleLbl name="trBgShp">
+    <dgm:fillClrLst meth="repeat">
+      <a:schemeClr val="accent1">
+        <a:tint val="50000"/>
+        <a:alpha val="40000"/>
+      </a:schemeClr>
+    </dgm:fillClrLst>
+    <dgm:linClrLst meth="repeat">
+      <a:schemeClr val="accent2"/>
+    </dgm:linClrLst>
+    <dgm:effectClrLst/>
+    <dgm:txLinClrLst/>
+    <dgm:txFillClrLst meth="repeat">
+      <a:schemeClr val="lt1"/>
+    </dgm:txFillClrLst>
+    <dgm:txEffectClrLst/>
+  </dgm:styleLbl>
+  <dgm:styleLbl name="fgShp">
+    <dgm:fillClrLst meth="repeat">
+      <a:schemeClr val="accent2">
+        <a:tint val="40000"/>
       </a:schemeClr>
     </dgm:fillClrLst>
     <dgm:linClrLst meth="repeat">
@@ -4866,7 +5785,7 @@
           <a:blip xmlns:r="http://schemas.openxmlformats.org/officeDocument/2006/relationships" r:embed="rId1" cstate="print">
             <a:extLst>
               <a:ext uri="{28A0092B-C50C-407E-A947-70E740481C1C}">
-                <a14:useLocalDpi xmlns:a14="http://schemas.microsoft.com/office/drawing/2010/main" xmlns="" val="0"/>
+                <a14:useLocalDpi xmlns="" xmlns:a14="http://schemas.microsoft.com/office/drawing/2010/main" val="0"/>
               </a:ext>
             </a:extLst>
           </a:blip>
@@ -4928,7 +5847,7 @@
           <a:blip xmlns:r="http://schemas.openxmlformats.org/officeDocument/2006/relationships" r:embed="rId2">
             <a:extLst>
               <a:ext uri="{28A0092B-C50C-407E-A947-70E740481C1C}">
-                <a14:useLocalDpi xmlns:a14="http://schemas.microsoft.com/office/drawing/2010/main" xmlns="" val="0"/>
+                <a14:useLocalDpi xmlns="" xmlns:a14="http://schemas.microsoft.com/office/drawing/2010/main" val="0"/>
               </a:ext>
             </a:extLst>
           </a:blip>
@@ -4990,7 +5909,7 @@
           <a:blip xmlns:r="http://schemas.openxmlformats.org/officeDocument/2006/relationships" r:embed="rId3">
             <a:extLst>
               <a:ext uri="{28A0092B-C50C-407E-A947-70E740481C1C}">
-                <a14:useLocalDpi xmlns:a14="http://schemas.microsoft.com/office/drawing/2010/main" xmlns="" val="0"/>
+                <a14:useLocalDpi xmlns="" xmlns:a14="http://schemas.microsoft.com/office/drawing/2010/main" val="0"/>
               </a:ext>
             </a:extLst>
           </a:blip>
@@ -5052,7 +5971,7 @@
           <a:blip xmlns:r="http://schemas.openxmlformats.org/officeDocument/2006/relationships" r:embed="rId4" cstate="print">
             <a:extLst>
               <a:ext uri="{28A0092B-C50C-407E-A947-70E740481C1C}">
-                <a14:useLocalDpi xmlns:a14="http://schemas.microsoft.com/office/drawing/2010/main" xmlns="" val="0"/>
+                <a14:useLocalDpi xmlns="" xmlns:a14="http://schemas.microsoft.com/office/drawing/2010/main" val="0"/>
               </a:ext>
             </a:extLst>
           </a:blip>
@@ -5114,7 +6033,7 @@
           <a:blip xmlns:r="http://schemas.openxmlformats.org/officeDocument/2006/relationships" r:embed="rId5">
             <a:extLst>
               <a:ext uri="{28A0092B-C50C-407E-A947-70E740481C1C}">
-                <a14:useLocalDpi xmlns:a14="http://schemas.microsoft.com/office/drawing/2010/main" xmlns="" val="0"/>
+                <a14:useLocalDpi xmlns="" xmlns:a14="http://schemas.microsoft.com/office/drawing/2010/main" val="0"/>
               </a:ext>
             </a:extLst>
           </a:blip>
@@ -5176,7 +6095,7 @@
           <a:blip xmlns:r="http://schemas.openxmlformats.org/officeDocument/2006/relationships" r:embed="rId6">
             <a:extLst>
               <a:ext uri="{28A0092B-C50C-407E-A947-70E740481C1C}">
-                <a14:useLocalDpi xmlns:a14="http://schemas.microsoft.com/office/drawing/2010/main" xmlns="" val="0"/>
+                <a14:useLocalDpi xmlns="" xmlns:a14="http://schemas.microsoft.com/office/drawing/2010/main" val="0"/>
               </a:ext>
             </a:extLst>
           </a:blip>
@@ -5396,7 +6315,7 @@
         <a:p>
           <a:r>
             <a:rPr lang="en-US" sz="1600" b="1" dirty="0" smtClean="0"/>
-            <a:t>Suggest Job Requests for Recruitment</a:t>
+            <a:t>Suggest Job Requests </a:t>
           </a:r>
         </a:p>
         <a:p>
@@ -5577,7 +6496,7 @@
       <dgm:spPr/>
     </dgm:pt>
     <dgm:pt modelId="{BEA9B02E-282A-492B-A76D-963DEB7A0B53}" type="pres">
-      <dgm:prSet presAssocID="{DE6FE937-4436-490A-A9C3-C492B894CA71}" presName="singleCenter" presStyleLbl="node1" presStyleIdx="0" presStyleCnt="7">
+      <dgm:prSet presAssocID="{DE6FE937-4436-490A-A9C3-C492B894CA71}" presName="singleCenter" presStyleLbl="node1" presStyleIdx="0" presStyleCnt="7" custLinFactNeighborX="-3252">
         <dgm:presLayoutVars>
           <dgm:chMax val="7"/>
           <dgm:chPref val="7"/>
@@ -5604,7 +6523,7 @@
       </dgm:t>
     </dgm:pt>
     <dgm:pt modelId="{AD09EB9C-CBCF-4C0B-810A-07C4C2BC73E0}" type="pres">
-      <dgm:prSet presAssocID="{4EF8AD6B-981F-4437-A5E4-CBF86072FDC3}" presName="text0" presStyleLbl="node1" presStyleIdx="1" presStyleCnt="7" custScaleX="380314" custScaleY="125965">
+      <dgm:prSet presAssocID="{4EF8AD6B-981F-4437-A5E4-CBF86072FDC3}" presName="text0" presStyleLbl="node1" presStyleIdx="1" presStyleCnt="7" custScaleX="263994" custScaleY="122741">
         <dgm:presLayoutVars>
           <dgm:bulletEnabled val="1"/>
         </dgm:presLayoutVars>
@@ -5656,7 +6575,7 @@
       </dgm:t>
     </dgm:pt>
     <dgm:pt modelId="{AA30E48A-81FF-4978-A9FE-FA4924DBD6BB}" type="pres">
-      <dgm:prSet presAssocID="{3D58E1FE-7A76-479D-898D-76E67CDD2881}" presName="text0" presStyleLbl="node1" presStyleIdx="3" presStyleCnt="7" custScaleX="309040" custScaleY="150722" custRadScaleRad="202909" custRadScaleInc="-42909">
+      <dgm:prSet presAssocID="{3D58E1FE-7A76-479D-898D-76E67CDD2881}" presName="text0" presStyleLbl="node1" presStyleIdx="3" presStyleCnt="7" custScaleX="309040" custScaleY="119588" custRadScaleRad="202909" custRadScaleInc="-42909">
         <dgm:presLayoutVars>
           <dgm:bulletEnabled val="1"/>
         </dgm:presLayoutVars>
@@ -5682,7 +6601,7 @@
       </dgm:t>
     </dgm:pt>
     <dgm:pt modelId="{47880A75-48AD-494C-BE9B-DBB57AE026B1}" type="pres">
-      <dgm:prSet presAssocID="{92F912E5-CA5E-4BC7-AFD6-395722F0571A}" presName="text0" presStyleLbl="node1" presStyleIdx="4" presStyleCnt="7" custScaleX="338310" custScaleY="121452" custRadScaleRad="100330" custRadScaleInc="15493">
+      <dgm:prSet presAssocID="{92F912E5-CA5E-4BC7-AFD6-395722F0571A}" presName="text0" presStyleLbl="node1" presStyleIdx="4" presStyleCnt="7" custScaleX="260763" custScaleY="121452" custRadScaleRad="100330" custRadScaleInc="15493">
         <dgm:presLayoutVars>
           <dgm:bulletEnabled val="1"/>
         </dgm:presLayoutVars>
@@ -5785,6 +6704,576 @@
     <dgm:cxn modelId="{4C1829BD-1383-4320-A8AD-F3ECEA371645}" type="presParOf" srcId="{DDA281E3-3920-44E1-9C5C-65E343769BF7}" destId="{7340F618-5C5F-46FC-B9BC-FED89C972F4C}" srcOrd="10" destOrd="0" presId="urn:microsoft.com/office/officeart/2008/layout/RadialCluster"/>
     <dgm:cxn modelId="{B038C515-5BE1-452B-AA4A-D942DA8CFEF2}" type="presParOf" srcId="{DDA281E3-3920-44E1-9C5C-65E343769BF7}" destId="{7B668053-1248-4B84-AF17-B088BDD289B0}" srcOrd="11" destOrd="0" presId="urn:microsoft.com/office/officeart/2008/layout/RadialCluster"/>
     <dgm:cxn modelId="{A95BFACE-B4B5-4477-87B8-7731AF5ED306}" type="presParOf" srcId="{DDA281E3-3920-44E1-9C5C-65E343769BF7}" destId="{49F2D9BA-9553-4A21-ADE2-1A45312597AA}" srcOrd="12" destOrd="0" presId="urn:microsoft.com/office/officeart/2008/layout/RadialCluster"/>
+  </dgm:cxnLst>
+  <dgm:bg/>
+  <dgm:whole/>
+  <dgm:extLst>
+    <a:ext uri="http://schemas.microsoft.com/office/drawing/2008/diagram">
+      <dsp:dataModelExt xmlns:dsp="http://schemas.microsoft.com/office/drawing/2008/diagram" xmlns="" relId="rId6" minVer="http://schemas.openxmlformats.org/drawingml/2006/diagram"/>
+    </a:ext>
+  </dgm:extLst>
+</dgm:dataModel>
+</file>
+
+<file path=ppt/diagrams/data6.xml><?xml version="1.0" encoding="utf-8"?>
+<dgm:dataModel xmlns:dgm="http://schemas.openxmlformats.org/drawingml/2006/diagram" xmlns:a="http://schemas.openxmlformats.org/drawingml/2006/main">
+  <dgm:ptLst>
+    <dgm:pt modelId="{1BC4BE4F-6B82-491E-83B0-699FD1CEE645}" type="doc">
+      <dgm:prSet loTypeId="urn:microsoft.com/office/officeart/2005/8/layout/process4" loCatId="list" qsTypeId="urn:microsoft.com/office/officeart/2005/8/quickstyle/simple3" qsCatId="simple" csTypeId="urn:microsoft.com/office/officeart/2005/8/colors/colorful1#1" csCatId="colorful" phldr="1"/>
+      <dgm:spPr/>
+      <dgm:t>
+        <a:bodyPr/>
+        <a:lstStyle/>
+        <a:p>
+          <a:endParaRPr lang="en-US"/>
+        </a:p>
+      </dgm:t>
+    </dgm:pt>
+    <dgm:pt modelId="{6FBEBB23-369B-48D2-AEA2-3E277602578F}">
+      <dgm:prSet phldrT="[Text]" custT="1"/>
+      <dgm:spPr/>
+      <dgm:t>
+        <a:bodyPr/>
+        <a:lstStyle/>
+        <a:p>
+          <a:r>
+            <a:rPr lang="en-US" sz="2000" dirty="0" smtClean="0">
+              <a:latin typeface="Cambria" panose="02040503050406030204" pitchFamily="18" charset="0"/>
+            </a:rPr>
+            <a:t>Customer 1 pays on PayPal.</a:t>
+          </a:r>
+          <a:endParaRPr lang="en-US" sz="2000" dirty="0">
+            <a:latin typeface="Cambria" panose="02040503050406030204" pitchFamily="18" charset="0"/>
+          </a:endParaRPr>
+        </a:p>
+      </dgm:t>
+    </dgm:pt>
+    <dgm:pt modelId="{CFD0DE64-CCF5-4CE4-A464-AE312A262E2A}" type="parTrans" cxnId="{BA442A2B-D941-451B-82FF-CF5C83D6C40A}">
+      <dgm:prSet/>
+      <dgm:spPr/>
+      <dgm:t>
+        <a:bodyPr/>
+        <a:lstStyle/>
+        <a:p>
+          <a:endParaRPr lang="en-US"/>
+        </a:p>
+      </dgm:t>
+    </dgm:pt>
+    <dgm:pt modelId="{6D24B453-A51B-4C02-92D9-1F314B2E53EE}" type="sibTrans" cxnId="{BA442A2B-D941-451B-82FF-CF5C83D6C40A}">
+      <dgm:prSet/>
+      <dgm:spPr/>
+      <dgm:t>
+        <a:bodyPr/>
+        <a:lstStyle/>
+        <a:p>
+          <a:endParaRPr lang="en-US"/>
+        </a:p>
+      </dgm:t>
+    </dgm:pt>
+    <dgm:pt modelId="{4664EDA6-4DD2-49CC-AC67-C960EAE241D0}">
+      <dgm:prSet phldrT="[Text]" custT="1"/>
+      <dgm:spPr/>
+      <dgm:t>
+        <a:bodyPr/>
+        <a:lstStyle/>
+        <a:p>
+          <a:r>
+            <a:rPr lang="en-US" sz="2000" dirty="0" smtClean="0">
+              <a:latin typeface="Cambria" panose="02040503050406030204" pitchFamily="18" charset="0"/>
+            </a:rPr>
+            <a:t>Customer 1 views new posted recruitment.</a:t>
+          </a:r>
+          <a:endParaRPr lang="en-US" sz="2000" dirty="0">
+            <a:latin typeface="Cambria" panose="02040503050406030204" pitchFamily="18" charset="0"/>
+          </a:endParaRPr>
+        </a:p>
+      </dgm:t>
+    </dgm:pt>
+    <dgm:pt modelId="{4F49EF6E-5E9F-4B29-9225-D252E33555B9}" type="parTrans" cxnId="{1B4A3C9F-5A55-4D69-A086-831B810F3777}">
+      <dgm:prSet/>
+      <dgm:spPr/>
+      <dgm:t>
+        <a:bodyPr/>
+        <a:lstStyle/>
+        <a:p>
+          <a:endParaRPr lang="en-US"/>
+        </a:p>
+      </dgm:t>
+    </dgm:pt>
+    <dgm:pt modelId="{830F349F-B88F-41F0-9D1E-AC3962FF0401}" type="sibTrans" cxnId="{1B4A3C9F-5A55-4D69-A086-831B810F3777}">
+      <dgm:prSet/>
+      <dgm:spPr/>
+      <dgm:t>
+        <a:bodyPr/>
+        <a:lstStyle/>
+        <a:p>
+          <a:endParaRPr lang="en-US"/>
+        </a:p>
+      </dgm:t>
+    </dgm:pt>
+    <dgm:pt modelId="{1BF0EFA8-4E7E-4D89-9D16-20389AD19D38}">
+      <dgm:prSet phldrT="[Text]" custT="1"/>
+      <dgm:spPr/>
+      <dgm:t>
+        <a:bodyPr/>
+        <a:lstStyle/>
+        <a:p>
+          <a:r>
+            <a:rPr lang="en-US" sz="2000" dirty="0" smtClean="0">
+              <a:latin typeface="Cambria" panose="02040503050406030204" pitchFamily="18" charset="0"/>
+            </a:rPr>
+            <a:t>Customer 2 views a recruitment.</a:t>
+          </a:r>
+          <a:endParaRPr lang="en-US" sz="2000" dirty="0">
+            <a:latin typeface="Cambria" panose="02040503050406030204" pitchFamily="18" charset="0"/>
+          </a:endParaRPr>
+        </a:p>
+      </dgm:t>
+    </dgm:pt>
+    <dgm:pt modelId="{B6A2437C-C4C4-48B2-94F6-556B2E0653A6}" type="parTrans" cxnId="{4B2E4122-4A1C-4233-83A5-800BE56841B4}">
+      <dgm:prSet/>
+      <dgm:spPr/>
+      <dgm:t>
+        <a:bodyPr/>
+        <a:lstStyle/>
+        <a:p>
+          <a:endParaRPr lang="en-US"/>
+        </a:p>
+      </dgm:t>
+    </dgm:pt>
+    <dgm:pt modelId="{A0277C76-B9AB-49ED-ACC8-165D311E3474}" type="sibTrans" cxnId="{4B2E4122-4A1C-4233-83A5-800BE56841B4}">
+      <dgm:prSet/>
+      <dgm:spPr/>
+      <dgm:t>
+        <a:bodyPr/>
+        <a:lstStyle/>
+        <a:p>
+          <a:endParaRPr lang="en-US"/>
+        </a:p>
+      </dgm:t>
+    </dgm:pt>
+    <dgm:pt modelId="{029C6C4F-9CBC-4C34-90EF-E8DC8938A184}">
+      <dgm:prSet phldrT="[Text]" custT="1"/>
+      <dgm:spPr/>
+      <dgm:t>
+        <a:bodyPr/>
+        <a:lstStyle/>
+        <a:p>
+          <a:pPr algn="ctr"/>
+          <a:r>
+            <a:rPr lang="en-US" sz="2000" dirty="0" smtClean="0">
+              <a:solidFill>
+                <a:schemeClr val="tx1"/>
+              </a:solidFill>
+              <a:latin typeface="Cambria" panose="02040503050406030204" pitchFamily="18" charset="0"/>
+            </a:rPr>
+            <a:t>Customer 1 posts a recruitment.</a:t>
+          </a:r>
+          <a:endParaRPr lang="en-US" sz="2000" dirty="0">
+            <a:solidFill>
+              <a:schemeClr val="tx1"/>
+            </a:solidFill>
+            <a:latin typeface="Cambria" panose="02040503050406030204" pitchFamily="18" charset="0"/>
+          </a:endParaRPr>
+        </a:p>
+      </dgm:t>
+    </dgm:pt>
+    <dgm:pt modelId="{723EFF27-CC14-40D7-ADFD-1C747B4526D9}" type="sibTrans" cxnId="{C54BF948-F8FB-4F5A-99B0-B728BC9B6DCA}">
+      <dgm:prSet/>
+      <dgm:spPr/>
+      <dgm:t>
+        <a:bodyPr/>
+        <a:lstStyle/>
+        <a:p>
+          <a:endParaRPr lang="en-US"/>
+        </a:p>
+      </dgm:t>
+    </dgm:pt>
+    <dgm:pt modelId="{C1097F38-687C-472F-A467-CD60EB740D27}" type="parTrans" cxnId="{C54BF948-F8FB-4F5A-99B0-B728BC9B6DCA}">
+      <dgm:prSet/>
+      <dgm:spPr/>
+      <dgm:t>
+        <a:bodyPr/>
+        <a:lstStyle/>
+        <a:p>
+          <a:endParaRPr lang="en-US"/>
+        </a:p>
+      </dgm:t>
+    </dgm:pt>
+    <dgm:pt modelId="{28BB52BF-2D93-46A1-B20A-95FF47C07878}">
+      <dgm:prSet phldrT="[Text]" custT="1"/>
+      <dgm:spPr/>
+      <dgm:t>
+        <a:bodyPr/>
+        <a:lstStyle/>
+        <a:p>
+          <a:r>
+            <a:rPr lang="en-US" sz="2000" dirty="0" smtClean="0">
+              <a:latin typeface="Cambria" panose="02040503050406030204" pitchFamily="18" charset="0"/>
+            </a:rPr>
+            <a:t>Customer 1 applies a suggested recruitment.</a:t>
+          </a:r>
+          <a:endParaRPr lang="en-US" sz="2000" dirty="0">
+            <a:latin typeface="Cambria" panose="02040503050406030204" pitchFamily="18" charset="0"/>
+          </a:endParaRPr>
+        </a:p>
+      </dgm:t>
+    </dgm:pt>
+    <dgm:pt modelId="{2A0F38F6-E696-454E-8C18-D5F88505FD0C}" type="sibTrans" cxnId="{6D46763E-8B6A-4045-8F6E-114703230621}">
+      <dgm:prSet/>
+      <dgm:spPr/>
+      <dgm:t>
+        <a:bodyPr/>
+        <a:lstStyle/>
+        <a:p>
+          <a:endParaRPr lang="vi-VN"/>
+        </a:p>
+      </dgm:t>
+    </dgm:pt>
+    <dgm:pt modelId="{02BF94DC-1C04-4C2C-A11B-E0D53C8E3AAF}" type="parTrans" cxnId="{6D46763E-8B6A-4045-8F6E-114703230621}">
+      <dgm:prSet/>
+      <dgm:spPr/>
+      <dgm:t>
+        <a:bodyPr/>
+        <a:lstStyle/>
+        <a:p>
+          <a:endParaRPr lang="vi-VN"/>
+        </a:p>
+      </dgm:t>
+    </dgm:pt>
+    <dgm:pt modelId="{5AC9D903-D0A9-4E1E-9533-DCA2F21FE272}">
+      <dgm:prSet phldrT="[Text]" custT="1"/>
+      <dgm:spPr/>
+      <dgm:t>
+        <a:bodyPr/>
+        <a:lstStyle/>
+        <a:p>
+          <a:r>
+            <a:rPr lang="en-US" sz="2000" dirty="0" smtClean="0">
+              <a:latin typeface="Cambria" panose="02040503050406030204" pitchFamily="18" charset="0"/>
+            </a:rPr>
+            <a:t>Customer 2 searches a job request. </a:t>
+          </a:r>
+          <a:endParaRPr lang="en-US" sz="2000" dirty="0">
+            <a:latin typeface="Cambria" panose="02040503050406030204" pitchFamily="18" charset="0"/>
+          </a:endParaRPr>
+        </a:p>
+      </dgm:t>
+    </dgm:pt>
+    <dgm:pt modelId="{44EE6A67-4383-4CF4-9A8F-447F597D46E7}" type="parTrans" cxnId="{77F52FE2-CB6E-4921-8FA3-CCB3F2726D19}">
+      <dgm:prSet/>
+      <dgm:spPr/>
+      <dgm:t>
+        <a:bodyPr/>
+        <a:lstStyle/>
+        <a:p>
+          <a:endParaRPr lang="en-US"/>
+        </a:p>
+      </dgm:t>
+    </dgm:pt>
+    <dgm:pt modelId="{FDBB6AF6-ABCB-4ECE-A3D8-C11FEDD0765D}" type="sibTrans" cxnId="{77F52FE2-CB6E-4921-8FA3-CCB3F2726D19}">
+      <dgm:prSet/>
+      <dgm:spPr/>
+      <dgm:t>
+        <a:bodyPr/>
+        <a:lstStyle/>
+        <a:p>
+          <a:endParaRPr lang="en-US"/>
+        </a:p>
+      </dgm:t>
+    </dgm:pt>
+    <dgm:pt modelId="{7C44F473-DC00-4BE1-BE3A-0A84208EDA52}">
+      <dgm:prSet phldrT="[Text]" custT="1"/>
+      <dgm:spPr/>
+      <dgm:t>
+        <a:bodyPr/>
+        <a:lstStyle/>
+        <a:p>
+          <a:r>
+            <a:rPr lang="en-US" sz="1800" dirty="0" smtClean="0">
+              <a:latin typeface="Cambria" panose="02040503050406030204" pitchFamily="18" charset="0"/>
+            </a:rPr>
+            <a:t>Customer 2 </a:t>
+          </a:r>
+          <a:r>
+            <a:rPr lang="en-US" sz="2000" dirty="0" smtClean="0">
+              <a:latin typeface="Cambria" panose="02040503050406030204" pitchFamily="18" charset="0"/>
+            </a:rPr>
+            <a:t>applies</a:t>
+          </a:r>
+          <a:r>
+            <a:rPr lang="en-US" sz="1800" dirty="0" smtClean="0">
+              <a:latin typeface="Cambria" panose="02040503050406030204" pitchFamily="18" charset="0"/>
+            </a:rPr>
+            <a:t> a searched job request.</a:t>
+          </a:r>
+          <a:endParaRPr lang="en-US" sz="1800" dirty="0">
+            <a:latin typeface="Cambria" panose="02040503050406030204" pitchFamily="18" charset="0"/>
+          </a:endParaRPr>
+        </a:p>
+      </dgm:t>
+    </dgm:pt>
+    <dgm:pt modelId="{691F8E01-0DA3-4538-9B1D-3EFECC626563}" type="parTrans" cxnId="{BC201A4A-30AB-4427-B36B-E7D0386000B4}">
+      <dgm:prSet/>
+      <dgm:spPr/>
+      <dgm:t>
+        <a:bodyPr/>
+        <a:lstStyle/>
+        <a:p>
+          <a:endParaRPr lang="en-US"/>
+        </a:p>
+      </dgm:t>
+    </dgm:pt>
+    <dgm:pt modelId="{2B825825-3F23-4C4A-817C-5078F310C376}" type="sibTrans" cxnId="{BC201A4A-30AB-4427-B36B-E7D0386000B4}">
+      <dgm:prSet/>
+      <dgm:spPr/>
+      <dgm:t>
+        <a:bodyPr/>
+        <a:lstStyle/>
+        <a:p>
+          <a:endParaRPr lang="en-US"/>
+        </a:p>
+      </dgm:t>
+    </dgm:pt>
+    <dgm:pt modelId="{4EBD7CF8-2B15-4F2A-8C5A-80AF1123C734}" type="pres">
+      <dgm:prSet presAssocID="{1BC4BE4F-6B82-491E-83B0-699FD1CEE645}" presName="Name0" presStyleCnt="0">
+        <dgm:presLayoutVars>
+          <dgm:dir/>
+          <dgm:animLvl val="lvl"/>
+          <dgm:resizeHandles val="exact"/>
+        </dgm:presLayoutVars>
+      </dgm:prSet>
+      <dgm:spPr/>
+      <dgm:t>
+        <a:bodyPr/>
+        <a:lstStyle/>
+        <a:p>
+          <a:endParaRPr lang="en-US"/>
+        </a:p>
+      </dgm:t>
+    </dgm:pt>
+    <dgm:pt modelId="{9B7B1943-22E1-4BE2-9A39-46A8D2BAF7F9}" type="pres">
+      <dgm:prSet presAssocID="{7C44F473-DC00-4BE1-BE3A-0A84208EDA52}" presName="boxAndChildren" presStyleCnt="0"/>
+      <dgm:spPr/>
+    </dgm:pt>
+    <dgm:pt modelId="{C2F09B1F-9D99-40B4-BB38-E5A09E00C74E}" type="pres">
+      <dgm:prSet presAssocID="{7C44F473-DC00-4BE1-BE3A-0A84208EDA52}" presName="parentTextBox" presStyleLbl="node1" presStyleIdx="0" presStyleCnt="7"/>
+      <dgm:spPr/>
+      <dgm:t>
+        <a:bodyPr/>
+        <a:lstStyle/>
+        <a:p>
+          <a:endParaRPr lang="en-US"/>
+        </a:p>
+      </dgm:t>
+    </dgm:pt>
+    <dgm:pt modelId="{EA06F4E6-940F-4487-BCFD-E30A2066BCED}" type="pres">
+      <dgm:prSet presAssocID="{FDBB6AF6-ABCB-4ECE-A3D8-C11FEDD0765D}" presName="sp" presStyleCnt="0"/>
+      <dgm:spPr/>
+    </dgm:pt>
+    <dgm:pt modelId="{CEDACEE3-8333-4A30-9BE9-FB59F94EF2C7}" type="pres">
+      <dgm:prSet presAssocID="{5AC9D903-D0A9-4E1E-9533-DCA2F21FE272}" presName="arrowAndChildren" presStyleCnt="0"/>
+      <dgm:spPr/>
+    </dgm:pt>
+    <dgm:pt modelId="{466987B7-924A-4A1B-BB88-B4454A092342}" type="pres">
+      <dgm:prSet presAssocID="{5AC9D903-D0A9-4E1E-9533-DCA2F21FE272}" presName="parentTextArrow" presStyleLbl="node1" presStyleIdx="1" presStyleCnt="7"/>
+      <dgm:spPr/>
+      <dgm:t>
+        <a:bodyPr/>
+        <a:lstStyle/>
+        <a:p>
+          <a:endParaRPr lang="en-US"/>
+        </a:p>
+      </dgm:t>
+    </dgm:pt>
+    <dgm:pt modelId="{1F8334FB-D226-40CE-8BA3-84F9787863A4}" type="pres">
+      <dgm:prSet presAssocID="{2A0F38F6-E696-454E-8C18-D5F88505FD0C}" presName="sp" presStyleCnt="0"/>
+      <dgm:spPr/>
+    </dgm:pt>
+    <dgm:pt modelId="{9D6A2585-1A8E-4C1E-8D79-D7693967927F}" type="pres">
+      <dgm:prSet presAssocID="{28BB52BF-2D93-46A1-B20A-95FF47C07878}" presName="arrowAndChildren" presStyleCnt="0"/>
+      <dgm:spPr/>
+    </dgm:pt>
+    <dgm:pt modelId="{35915DB5-D6D2-40C4-9F03-037EE892B65C}" type="pres">
+      <dgm:prSet presAssocID="{28BB52BF-2D93-46A1-B20A-95FF47C07878}" presName="parentTextArrow" presStyleLbl="node1" presStyleIdx="2" presStyleCnt="7"/>
+      <dgm:spPr/>
+      <dgm:t>
+        <a:bodyPr/>
+        <a:lstStyle/>
+        <a:p>
+          <a:endParaRPr lang="en-US"/>
+        </a:p>
+      </dgm:t>
+    </dgm:pt>
+    <dgm:pt modelId="{D311DA50-1D50-4B01-B514-FFCBFE96D77B}" type="pres">
+      <dgm:prSet presAssocID="{A0277C76-B9AB-49ED-ACC8-165D311E3474}" presName="sp" presStyleCnt="0"/>
+      <dgm:spPr/>
+      <dgm:t>
+        <a:bodyPr/>
+        <a:lstStyle/>
+        <a:p>
+          <a:endParaRPr lang="vi-VN"/>
+        </a:p>
+      </dgm:t>
+    </dgm:pt>
+    <dgm:pt modelId="{13544D3F-CA11-457A-B225-D6292D04AA5F}" type="pres">
+      <dgm:prSet presAssocID="{1BF0EFA8-4E7E-4D89-9D16-20389AD19D38}" presName="arrowAndChildren" presStyleCnt="0"/>
+      <dgm:spPr/>
+      <dgm:t>
+        <a:bodyPr/>
+        <a:lstStyle/>
+        <a:p>
+          <a:endParaRPr lang="vi-VN"/>
+        </a:p>
+      </dgm:t>
+    </dgm:pt>
+    <dgm:pt modelId="{0C6950F5-6141-4D83-9995-5D0ED435D196}" type="pres">
+      <dgm:prSet presAssocID="{1BF0EFA8-4E7E-4D89-9D16-20389AD19D38}" presName="parentTextArrow" presStyleLbl="node1" presStyleIdx="3" presStyleCnt="7"/>
+      <dgm:spPr/>
+      <dgm:t>
+        <a:bodyPr/>
+        <a:lstStyle/>
+        <a:p>
+          <a:endParaRPr lang="en-US"/>
+        </a:p>
+      </dgm:t>
+    </dgm:pt>
+    <dgm:pt modelId="{92C2C3B2-4F08-40C3-B36A-E8677DF65D25}" type="pres">
+      <dgm:prSet presAssocID="{830F349F-B88F-41F0-9D1E-AC3962FF0401}" presName="sp" presStyleCnt="0"/>
+      <dgm:spPr/>
+      <dgm:t>
+        <a:bodyPr/>
+        <a:lstStyle/>
+        <a:p>
+          <a:endParaRPr lang="vi-VN"/>
+        </a:p>
+      </dgm:t>
+    </dgm:pt>
+    <dgm:pt modelId="{5B864F7E-49A9-4C26-A011-953999E43D53}" type="pres">
+      <dgm:prSet presAssocID="{4664EDA6-4DD2-49CC-AC67-C960EAE241D0}" presName="arrowAndChildren" presStyleCnt="0"/>
+      <dgm:spPr/>
+      <dgm:t>
+        <a:bodyPr/>
+        <a:lstStyle/>
+        <a:p>
+          <a:endParaRPr lang="vi-VN"/>
+        </a:p>
+      </dgm:t>
+    </dgm:pt>
+    <dgm:pt modelId="{1E9FC37E-2DF9-4FD8-B3F5-C966A3E6AF86}" type="pres">
+      <dgm:prSet presAssocID="{4664EDA6-4DD2-49CC-AC67-C960EAE241D0}" presName="parentTextArrow" presStyleLbl="node1" presStyleIdx="4" presStyleCnt="7"/>
+      <dgm:spPr/>
+      <dgm:t>
+        <a:bodyPr/>
+        <a:lstStyle/>
+        <a:p>
+          <a:endParaRPr lang="en-US"/>
+        </a:p>
+      </dgm:t>
+    </dgm:pt>
+    <dgm:pt modelId="{56E7675A-4274-48AA-8BF9-625EF6C34740}" type="pres">
+      <dgm:prSet presAssocID="{6D24B453-A51B-4C02-92D9-1F314B2E53EE}" presName="sp" presStyleCnt="0"/>
+      <dgm:spPr/>
+      <dgm:t>
+        <a:bodyPr/>
+        <a:lstStyle/>
+        <a:p>
+          <a:endParaRPr lang="vi-VN"/>
+        </a:p>
+      </dgm:t>
+    </dgm:pt>
+    <dgm:pt modelId="{9182DEB3-B80C-4E20-B99A-30C1A81D2E0E}" type="pres">
+      <dgm:prSet presAssocID="{6FBEBB23-369B-48D2-AEA2-3E277602578F}" presName="arrowAndChildren" presStyleCnt="0"/>
+      <dgm:spPr/>
+      <dgm:t>
+        <a:bodyPr/>
+        <a:lstStyle/>
+        <a:p>
+          <a:endParaRPr lang="vi-VN"/>
+        </a:p>
+      </dgm:t>
+    </dgm:pt>
+    <dgm:pt modelId="{F434CAEE-BD19-47AC-B6A2-7CF11DF8B8FA}" type="pres">
+      <dgm:prSet presAssocID="{6FBEBB23-369B-48D2-AEA2-3E277602578F}" presName="parentTextArrow" presStyleLbl="node1" presStyleIdx="5" presStyleCnt="7"/>
+      <dgm:spPr/>
+      <dgm:t>
+        <a:bodyPr/>
+        <a:lstStyle/>
+        <a:p>
+          <a:endParaRPr lang="en-US"/>
+        </a:p>
+      </dgm:t>
+    </dgm:pt>
+    <dgm:pt modelId="{B78AA16F-5926-4435-9533-D22B9763880C}" type="pres">
+      <dgm:prSet presAssocID="{723EFF27-CC14-40D7-ADFD-1C747B4526D9}" presName="sp" presStyleCnt="0"/>
+      <dgm:spPr/>
+      <dgm:t>
+        <a:bodyPr/>
+        <a:lstStyle/>
+        <a:p>
+          <a:endParaRPr lang="vi-VN"/>
+        </a:p>
+      </dgm:t>
+    </dgm:pt>
+    <dgm:pt modelId="{EFFE8938-F64C-4FC0-83A9-A1658194E78C}" type="pres">
+      <dgm:prSet presAssocID="{029C6C4F-9CBC-4C34-90EF-E8DC8938A184}" presName="arrowAndChildren" presStyleCnt="0"/>
+      <dgm:spPr/>
+      <dgm:t>
+        <a:bodyPr/>
+        <a:lstStyle/>
+        <a:p>
+          <a:endParaRPr lang="vi-VN"/>
+        </a:p>
+      </dgm:t>
+    </dgm:pt>
+    <dgm:pt modelId="{AF0EDC65-2722-4C26-B531-55D94F73B734}" type="pres">
+      <dgm:prSet presAssocID="{029C6C4F-9CBC-4C34-90EF-E8DC8938A184}" presName="parentTextArrow" presStyleLbl="node1" presStyleIdx="6" presStyleCnt="7" custLinFactNeighborX="5171" custLinFactNeighborY="-792"/>
+      <dgm:spPr/>
+      <dgm:t>
+        <a:bodyPr/>
+        <a:lstStyle/>
+        <a:p>
+          <a:endParaRPr lang="en-US"/>
+        </a:p>
+      </dgm:t>
+    </dgm:pt>
+  </dgm:ptLst>
+  <dgm:cxnLst>
+    <dgm:cxn modelId="{ABAC1759-18AE-48F5-8E2E-49D5C7E474DE}" type="presOf" srcId="{029C6C4F-9CBC-4C34-90EF-E8DC8938A184}" destId="{AF0EDC65-2722-4C26-B531-55D94F73B734}" srcOrd="0" destOrd="0" presId="urn:microsoft.com/office/officeart/2005/8/layout/process4"/>
+    <dgm:cxn modelId="{4B2E4122-4A1C-4233-83A5-800BE56841B4}" srcId="{1BC4BE4F-6B82-491E-83B0-699FD1CEE645}" destId="{1BF0EFA8-4E7E-4D89-9D16-20389AD19D38}" srcOrd="3" destOrd="0" parTransId="{B6A2437C-C4C4-48B2-94F6-556B2E0653A6}" sibTransId="{A0277C76-B9AB-49ED-ACC8-165D311E3474}"/>
+    <dgm:cxn modelId="{C5402ECB-D6D9-4A91-AB10-03D8FDCFFB4A}" type="presOf" srcId="{7C44F473-DC00-4BE1-BE3A-0A84208EDA52}" destId="{C2F09B1F-9D99-40B4-BB38-E5A09E00C74E}" srcOrd="0" destOrd="0" presId="urn:microsoft.com/office/officeart/2005/8/layout/process4"/>
+    <dgm:cxn modelId="{BC07FC0B-97A7-4193-9352-48FA7904CFAD}" type="presOf" srcId="{4664EDA6-4DD2-49CC-AC67-C960EAE241D0}" destId="{1E9FC37E-2DF9-4FD8-B3F5-C966A3E6AF86}" srcOrd="0" destOrd="0" presId="urn:microsoft.com/office/officeart/2005/8/layout/process4"/>
+    <dgm:cxn modelId="{C54BF948-F8FB-4F5A-99B0-B728BC9B6DCA}" srcId="{1BC4BE4F-6B82-491E-83B0-699FD1CEE645}" destId="{029C6C4F-9CBC-4C34-90EF-E8DC8938A184}" srcOrd="0" destOrd="0" parTransId="{C1097F38-687C-472F-A467-CD60EB740D27}" sibTransId="{723EFF27-CC14-40D7-ADFD-1C747B4526D9}"/>
+    <dgm:cxn modelId="{80DB441B-66C6-4D1B-91BA-8AD9C4020F8D}" type="presOf" srcId="{1BC4BE4F-6B82-491E-83B0-699FD1CEE645}" destId="{4EBD7CF8-2B15-4F2A-8C5A-80AF1123C734}" srcOrd="0" destOrd="0" presId="urn:microsoft.com/office/officeart/2005/8/layout/process4"/>
+    <dgm:cxn modelId="{EB505FDC-2FA0-4B30-9CD3-62832922FAF2}" type="presOf" srcId="{5AC9D903-D0A9-4E1E-9533-DCA2F21FE272}" destId="{466987B7-924A-4A1B-BB88-B4454A092342}" srcOrd="0" destOrd="0" presId="urn:microsoft.com/office/officeart/2005/8/layout/process4"/>
+    <dgm:cxn modelId="{1B4A3C9F-5A55-4D69-A086-831B810F3777}" srcId="{1BC4BE4F-6B82-491E-83B0-699FD1CEE645}" destId="{4664EDA6-4DD2-49CC-AC67-C960EAE241D0}" srcOrd="2" destOrd="0" parTransId="{4F49EF6E-5E9F-4B29-9225-D252E33555B9}" sibTransId="{830F349F-B88F-41F0-9D1E-AC3962FF0401}"/>
+    <dgm:cxn modelId="{6D46763E-8B6A-4045-8F6E-114703230621}" srcId="{1BC4BE4F-6B82-491E-83B0-699FD1CEE645}" destId="{28BB52BF-2D93-46A1-B20A-95FF47C07878}" srcOrd="4" destOrd="0" parTransId="{02BF94DC-1C04-4C2C-A11B-E0D53C8E3AAF}" sibTransId="{2A0F38F6-E696-454E-8C18-D5F88505FD0C}"/>
+    <dgm:cxn modelId="{BC201A4A-30AB-4427-B36B-E7D0386000B4}" srcId="{1BC4BE4F-6B82-491E-83B0-699FD1CEE645}" destId="{7C44F473-DC00-4BE1-BE3A-0A84208EDA52}" srcOrd="6" destOrd="0" parTransId="{691F8E01-0DA3-4538-9B1D-3EFECC626563}" sibTransId="{2B825825-3F23-4C4A-817C-5078F310C376}"/>
+    <dgm:cxn modelId="{2DA9B4CD-8B09-4820-863D-CDF28409318E}" type="presOf" srcId="{1BF0EFA8-4E7E-4D89-9D16-20389AD19D38}" destId="{0C6950F5-6141-4D83-9995-5D0ED435D196}" srcOrd="0" destOrd="0" presId="urn:microsoft.com/office/officeart/2005/8/layout/process4"/>
+    <dgm:cxn modelId="{2E56C73D-12C0-40B1-9F4F-5414641D5348}" type="presOf" srcId="{6FBEBB23-369B-48D2-AEA2-3E277602578F}" destId="{F434CAEE-BD19-47AC-B6A2-7CF11DF8B8FA}" srcOrd="0" destOrd="0" presId="urn:microsoft.com/office/officeart/2005/8/layout/process4"/>
+    <dgm:cxn modelId="{BA442A2B-D941-451B-82FF-CF5C83D6C40A}" srcId="{1BC4BE4F-6B82-491E-83B0-699FD1CEE645}" destId="{6FBEBB23-369B-48D2-AEA2-3E277602578F}" srcOrd="1" destOrd="0" parTransId="{CFD0DE64-CCF5-4CE4-A464-AE312A262E2A}" sibTransId="{6D24B453-A51B-4C02-92D9-1F314B2E53EE}"/>
+    <dgm:cxn modelId="{91C23132-AA73-44E5-8396-FD5A0CE9629B}" type="presOf" srcId="{28BB52BF-2D93-46A1-B20A-95FF47C07878}" destId="{35915DB5-D6D2-40C4-9F03-037EE892B65C}" srcOrd="0" destOrd="0" presId="urn:microsoft.com/office/officeart/2005/8/layout/process4"/>
+    <dgm:cxn modelId="{77F52FE2-CB6E-4921-8FA3-CCB3F2726D19}" srcId="{1BC4BE4F-6B82-491E-83B0-699FD1CEE645}" destId="{5AC9D903-D0A9-4E1E-9533-DCA2F21FE272}" srcOrd="5" destOrd="0" parTransId="{44EE6A67-4383-4CF4-9A8F-447F597D46E7}" sibTransId="{FDBB6AF6-ABCB-4ECE-A3D8-C11FEDD0765D}"/>
+    <dgm:cxn modelId="{4C33BFC2-076F-42D1-B2AF-50033612DBEC}" type="presParOf" srcId="{4EBD7CF8-2B15-4F2A-8C5A-80AF1123C734}" destId="{9B7B1943-22E1-4BE2-9A39-46A8D2BAF7F9}" srcOrd="0" destOrd="0" presId="urn:microsoft.com/office/officeart/2005/8/layout/process4"/>
+    <dgm:cxn modelId="{A09E9D5D-6B0D-4870-9459-017D81A38C5A}" type="presParOf" srcId="{9B7B1943-22E1-4BE2-9A39-46A8D2BAF7F9}" destId="{C2F09B1F-9D99-40B4-BB38-E5A09E00C74E}" srcOrd="0" destOrd="0" presId="urn:microsoft.com/office/officeart/2005/8/layout/process4"/>
+    <dgm:cxn modelId="{082349A8-8224-4805-AC71-712BC136AE72}" type="presParOf" srcId="{4EBD7CF8-2B15-4F2A-8C5A-80AF1123C734}" destId="{EA06F4E6-940F-4487-BCFD-E30A2066BCED}" srcOrd="1" destOrd="0" presId="urn:microsoft.com/office/officeart/2005/8/layout/process4"/>
+    <dgm:cxn modelId="{4649B6F6-FC68-4BB6-833B-F4ADEDCD2489}" type="presParOf" srcId="{4EBD7CF8-2B15-4F2A-8C5A-80AF1123C734}" destId="{CEDACEE3-8333-4A30-9BE9-FB59F94EF2C7}" srcOrd="2" destOrd="0" presId="urn:microsoft.com/office/officeart/2005/8/layout/process4"/>
+    <dgm:cxn modelId="{C8B6C728-2608-4C36-91D1-BEA347960640}" type="presParOf" srcId="{CEDACEE3-8333-4A30-9BE9-FB59F94EF2C7}" destId="{466987B7-924A-4A1B-BB88-B4454A092342}" srcOrd="0" destOrd="0" presId="urn:microsoft.com/office/officeart/2005/8/layout/process4"/>
+    <dgm:cxn modelId="{4D732D54-DEA7-4E67-8F6F-547866706451}" type="presParOf" srcId="{4EBD7CF8-2B15-4F2A-8C5A-80AF1123C734}" destId="{1F8334FB-D226-40CE-8BA3-84F9787863A4}" srcOrd="3" destOrd="0" presId="urn:microsoft.com/office/officeart/2005/8/layout/process4"/>
+    <dgm:cxn modelId="{7E9C3F24-1FB9-475A-95A1-57F31D0E7777}" type="presParOf" srcId="{4EBD7CF8-2B15-4F2A-8C5A-80AF1123C734}" destId="{9D6A2585-1A8E-4C1E-8D79-D7693967927F}" srcOrd="4" destOrd="0" presId="urn:microsoft.com/office/officeart/2005/8/layout/process4"/>
+    <dgm:cxn modelId="{27AA0E46-EE6F-49DB-9E17-B3E7EE0EEA9B}" type="presParOf" srcId="{9D6A2585-1A8E-4C1E-8D79-D7693967927F}" destId="{35915DB5-D6D2-40C4-9F03-037EE892B65C}" srcOrd="0" destOrd="0" presId="urn:microsoft.com/office/officeart/2005/8/layout/process4"/>
+    <dgm:cxn modelId="{8D786B6D-F2E5-4D2A-A626-4825091CE64B}" type="presParOf" srcId="{4EBD7CF8-2B15-4F2A-8C5A-80AF1123C734}" destId="{D311DA50-1D50-4B01-B514-FFCBFE96D77B}" srcOrd="5" destOrd="0" presId="urn:microsoft.com/office/officeart/2005/8/layout/process4"/>
+    <dgm:cxn modelId="{BE0202AD-5349-4F0D-A85E-DF826580BDD4}" type="presParOf" srcId="{4EBD7CF8-2B15-4F2A-8C5A-80AF1123C734}" destId="{13544D3F-CA11-457A-B225-D6292D04AA5F}" srcOrd="6" destOrd="0" presId="urn:microsoft.com/office/officeart/2005/8/layout/process4"/>
+    <dgm:cxn modelId="{F81C848C-BD0B-4DFD-BE9A-E094CCDB4C7A}" type="presParOf" srcId="{13544D3F-CA11-457A-B225-D6292D04AA5F}" destId="{0C6950F5-6141-4D83-9995-5D0ED435D196}" srcOrd="0" destOrd="0" presId="urn:microsoft.com/office/officeart/2005/8/layout/process4"/>
+    <dgm:cxn modelId="{47973DFD-3768-410D-91AA-088C8BA68C94}" type="presParOf" srcId="{4EBD7CF8-2B15-4F2A-8C5A-80AF1123C734}" destId="{92C2C3B2-4F08-40C3-B36A-E8677DF65D25}" srcOrd="7" destOrd="0" presId="urn:microsoft.com/office/officeart/2005/8/layout/process4"/>
+    <dgm:cxn modelId="{98C13ED0-6CB5-4208-B5C4-D650483082FD}" type="presParOf" srcId="{4EBD7CF8-2B15-4F2A-8C5A-80AF1123C734}" destId="{5B864F7E-49A9-4C26-A011-953999E43D53}" srcOrd="8" destOrd="0" presId="urn:microsoft.com/office/officeart/2005/8/layout/process4"/>
+    <dgm:cxn modelId="{87C7DD61-EC60-4703-AEFA-E6BD624496D6}" type="presParOf" srcId="{5B864F7E-49A9-4C26-A011-953999E43D53}" destId="{1E9FC37E-2DF9-4FD8-B3F5-C966A3E6AF86}" srcOrd="0" destOrd="0" presId="urn:microsoft.com/office/officeart/2005/8/layout/process4"/>
+    <dgm:cxn modelId="{B5F2B2FB-EC82-4AA1-A7EA-8E54F3B01792}" type="presParOf" srcId="{4EBD7CF8-2B15-4F2A-8C5A-80AF1123C734}" destId="{56E7675A-4274-48AA-8BF9-625EF6C34740}" srcOrd="9" destOrd="0" presId="urn:microsoft.com/office/officeart/2005/8/layout/process4"/>
+    <dgm:cxn modelId="{AE921B72-4631-47B3-8F12-B662E6F005F5}" type="presParOf" srcId="{4EBD7CF8-2B15-4F2A-8C5A-80AF1123C734}" destId="{9182DEB3-B80C-4E20-B99A-30C1A81D2E0E}" srcOrd="10" destOrd="0" presId="urn:microsoft.com/office/officeart/2005/8/layout/process4"/>
+    <dgm:cxn modelId="{14CEA276-1DEC-4739-9F06-2B9694363706}" type="presParOf" srcId="{9182DEB3-B80C-4E20-B99A-30C1A81D2E0E}" destId="{F434CAEE-BD19-47AC-B6A2-7CF11DF8B8FA}" srcOrd="0" destOrd="0" presId="urn:microsoft.com/office/officeart/2005/8/layout/process4"/>
+    <dgm:cxn modelId="{DAC3E183-4305-4C1C-A6F5-988BD36FC1D7}" type="presParOf" srcId="{4EBD7CF8-2B15-4F2A-8C5A-80AF1123C734}" destId="{B78AA16F-5926-4435-9533-D22B9763880C}" srcOrd="11" destOrd="0" presId="urn:microsoft.com/office/officeart/2005/8/layout/process4"/>
+    <dgm:cxn modelId="{ABAE9213-9E61-499E-BBB7-34491B10BFD4}" type="presParOf" srcId="{4EBD7CF8-2B15-4F2A-8C5A-80AF1123C734}" destId="{EFFE8938-F64C-4FC0-83A9-A1658194E78C}" srcOrd="12" destOrd="0" presId="urn:microsoft.com/office/officeart/2005/8/layout/process4"/>
+    <dgm:cxn modelId="{62A0A283-10EA-4100-A605-1823C231AC56}" type="presParOf" srcId="{EFFE8938-F64C-4FC0-83A9-A1658194E78C}" destId="{AF0EDC65-2722-4C26-B531-55D94F73B734}" srcOrd="0" destOrd="0" presId="urn:microsoft.com/office/officeart/2005/8/layout/process4"/>
   </dgm:cxnLst>
   <dgm:bg/>
   <dgm:whole/>
@@ -6805,7 +8294,7 @@
           <a:blip xmlns:r="http://schemas.openxmlformats.org/officeDocument/2006/relationships" r:embed="rId1" cstate="print">
             <a:extLst>
               <a:ext uri="{28A0092B-C50C-407E-A947-70E740481C1C}">
-                <a14:useLocalDpi xmlns:a14="http://schemas.microsoft.com/office/drawing/2010/main" xmlns="" val="0"/>
+                <a14:useLocalDpi xmlns="" xmlns:a14="http://schemas.microsoft.com/office/drawing/2010/main" val="0"/>
               </a:ext>
             </a:extLst>
           </a:blip>
@@ -6934,7 +8423,7 @@
           <a:blip xmlns:r="http://schemas.openxmlformats.org/officeDocument/2006/relationships" r:embed="rId2">
             <a:extLst>
               <a:ext uri="{28A0092B-C50C-407E-A947-70E740481C1C}">
-                <a14:useLocalDpi xmlns:a14="http://schemas.microsoft.com/office/drawing/2010/main" xmlns="" val="0"/>
+                <a14:useLocalDpi xmlns="" xmlns:a14="http://schemas.microsoft.com/office/drawing/2010/main" val="0"/>
               </a:ext>
             </a:extLst>
           </a:blip>
@@ -7063,7 +8552,7 @@
           <a:blip xmlns:r="http://schemas.openxmlformats.org/officeDocument/2006/relationships" r:embed="rId3">
             <a:extLst>
               <a:ext uri="{28A0092B-C50C-407E-A947-70E740481C1C}">
-                <a14:useLocalDpi xmlns:a14="http://schemas.microsoft.com/office/drawing/2010/main" xmlns="" val="0"/>
+                <a14:useLocalDpi xmlns="" xmlns:a14="http://schemas.microsoft.com/office/drawing/2010/main" val="0"/>
               </a:ext>
             </a:extLst>
           </a:blip>
@@ -7192,7 +8681,7 @@
           <a:blip xmlns:r="http://schemas.openxmlformats.org/officeDocument/2006/relationships" r:embed="rId4" cstate="print">
             <a:extLst>
               <a:ext uri="{28A0092B-C50C-407E-A947-70E740481C1C}">
-                <a14:useLocalDpi xmlns:a14="http://schemas.microsoft.com/office/drawing/2010/main" xmlns="" val="0"/>
+                <a14:useLocalDpi xmlns="" xmlns:a14="http://schemas.microsoft.com/office/drawing/2010/main" val="0"/>
               </a:ext>
             </a:extLst>
           </a:blip>
@@ -7321,7 +8810,7 @@
           <a:blip xmlns:r="http://schemas.openxmlformats.org/officeDocument/2006/relationships" r:embed="rId5">
             <a:extLst>
               <a:ext uri="{28A0092B-C50C-407E-A947-70E740481C1C}">
-                <a14:useLocalDpi xmlns:a14="http://schemas.microsoft.com/office/drawing/2010/main" xmlns="" val="0"/>
+                <a14:useLocalDpi xmlns="" xmlns:a14="http://schemas.microsoft.com/office/drawing/2010/main" val="0"/>
               </a:ext>
             </a:extLst>
           </a:blip>
@@ -7450,7 +8939,7 @@
           <a:blip xmlns:r="http://schemas.openxmlformats.org/officeDocument/2006/relationships" r:embed="rId6">
             <a:extLst>
               <a:ext uri="{28A0092B-C50C-407E-A947-70E740481C1C}">
-                <a14:useLocalDpi xmlns:a14="http://schemas.microsoft.com/office/drawing/2010/main" xmlns="" val="0"/>
+                <a14:useLocalDpi xmlns="" xmlns:a14="http://schemas.microsoft.com/office/drawing/2010/main" val="0"/>
               </a:ext>
             </a:extLst>
           </a:blip>
@@ -7581,7 +9070,7 @@
       </dsp:nvSpPr>
       <dsp:spPr>
         <a:xfrm>
-          <a:off x="3045631" y="1417076"/>
+          <a:off x="2941129" y="1410559"/>
           <a:ext cx="1206817" cy="1206817"/>
         </a:xfrm>
         <a:prstGeom prst="roundRect">
@@ -7647,7 +9136,7 @@
         </a:p>
       </dsp:txBody>
       <dsp:txXfrm>
-        <a:off x="3045631" y="1417076"/>
+        <a:off x="2941129" y="1410559"/>
         <a:ext cx="1206817" cy="1206817"/>
       </dsp:txXfrm>
     </dsp:sp>
@@ -7657,9 +9146,9 @@
         <dsp:cNvSpPr/>
       </dsp:nvSpPr>
       <dsp:spPr>
-        <a:xfrm rot="16200000">
-          <a:off x="3402006" y="1170042"/>
-          <a:ext cx="494068" cy="0"/>
+        <a:xfrm rot="16423277">
+          <a:off x="3346188" y="1157008"/>
+          <a:ext cx="508173" cy="0"/>
         </a:xfrm>
         <a:custGeom>
           <a:avLst/>
@@ -7673,7 +9162,7 @@
                 <a:pt x="0" y="0"/>
               </a:moveTo>
               <a:lnTo>
-                <a:pt x="494068" y="0"/>
+                <a:pt x="508173" y="0"/>
               </a:lnTo>
             </a:path>
           </a:pathLst>
@@ -7713,8 +9202,8 @@
       </dsp:nvSpPr>
       <dsp:spPr>
         <a:xfrm>
-          <a:off x="2111492" y="-95503"/>
-          <a:ext cx="3075096" cy="1018512"/>
+          <a:off x="2581755" y="-88986"/>
+          <a:ext cx="2134570" cy="992444"/>
         </a:xfrm>
         <a:prstGeom prst="roundRect">
           <a:avLst/>
@@ -7783,8 +9272,8 @@
         </a:p>
       </dsp:txBody>
       <dsp:txXfrm>
-        <a:off x="2111492" y="-95503"/>
-        <a:ext cx="3075096" cy="1018512"/>
+        <a:off x="2581755" y="-88986"/>
+        <a:ext cx="2134570" cy="992444"/>
       </dsp:txXfrm>
     </dsp:sp>
     <dsp:sp modelId="{22AC08DB-BC4E-44E3-BBD2-B983FEC114D0}">
@@ -7793,9 +9282,9 @@
         <dsp:cNvSpPr/>
       </dsp:nvSpPr>
       <dsp:spPr>
-        <a:xfrm rot="20370078">
-          <a:off x="4216862" y="1598087"/>
-          <a:ext cx="1124019" cy="0"/>
+        <a:xfrm rot="20411648">
+          <a:off x="4111563" y="1588255"/>
+          <a:ext cx="1230114" cy="0"/>
         </a:xfrm>
         <a:custGeom>
           <a:avLst/>
@@ -7809,7 +9298,7 @@
                 <a:pt x="0" y="0"/>
               </a:moveTo>
               <a:lnTo>
-                <a:pt x="1124019" y="0"/>
+                <a:pt x="1230114" y="0"/>
               </a:lnTo>
             </a:path>
           </a:pathLst>
@@ -7849,7 +9338,7 @@
       </dsp:nvSpPr>
       <dsp:spPr>
         <a:xfrm>
-          <a:off x="5305295" y="505324"/>
+          <a:off x="5305295" y="498807"/>
           <a:ext cx="2173195" cy="979442"/>
         </a:xfrm>
         <a:prstGeom prst="roundRect">
@@ -7915,7 +9404,7 @@
         </a:p>
       </dsp:txBody>
       <dsp:txXfrm>
-        <a:off x="5305295" y="505324"/>
+        <a:off x="5305295" y="498807"/>
         <a:ext cx="2173195" cy="979442"/>
       </dsp:txXfrm>
     </dsp:sp>
@@ -7925,9 +9414,9 @@
         <dsp:cNvSpPr/>
       </dsp:nvSpPr>
       <dsp:spPr>
-        <a:xfrm rot="1196882">
-          <a:off x="4227155" y="2383314"/>
-          <a:ext cx="843139" cy="0"/>
+        <a:xfrm rot="1154801">
+          <a:off x="4121393" y="2381252"/>
+          <a:ext cx="950161" cy="0"/>
         </a:xfrm>
         <a:custGeom>
           <a:avLst/>
@@ -7941,7 +9430,7 @@
                 <a:pt x="0" y="0"/>
               </a:moveTo>
               <a:lnTo>
-                <a:pt x="843139" y="0"/>
+                <a:pt x="950161" y="0"/>
               </a:lnTo>
             </a:path>
           </a:pathLst>
@@ -7981,8 +9470,8 @@
       </dsp:nvSpPr>
       <dsp:spPr>
         <a:xfrm>
-          <a:off x="5045002" y="2371257"/>
-          <a:ext cx="2498797" cy="1218689"/>
+          <a:off x="5045002" y="2490609"/>
+          <a:ext cx="2498797" cy="966949"/>
         </a:xfrm>
         <a:prstGeom prst="roundRect">
           <a:avLst/>
@@ -8041,7 +9530,7 @@
           </a:pPr>
           <a:r>
             <a:rPr lang="en-US" sz="1600" b="1" kern="1200" dirty="0" smtClean="0"/>
-            <a:t>Suggest Job Requests for Recruitment</a:t>
+            <a:t>Suggest Job Requests </a:t>
           </a:r>
         </a:p>
         <a:p>
@@ -8060,8 +9549,8 @@
         </a:p>
       </dsp:txBody>
       <dsp:txXfrm>
-        <a:off x="5045002" y="2371257"/>
-        <a:ext cx="2498797" cy="1218689"/>
+        <a:off x="5045002" y="2490609"/>
+        <a:ext cx="2498797" cy="966949"/>
       </dsp:txXfrm>
     </dsp:sp>
     <dsp:sp modelId="{2E52EB9A-038B-491E-9F25-86B5BF98C010}">
@@ -8070,9 +9559,9 @@
         <dsp:cNvSpPr/>
       </dsp:nvSpPr>
       <dsp:spPr>
-        <a:xfrm rot="5678874">
-          <a:off x="3322155" y="2880050"/>
-          <a:ext cx="514003" cy="0"/>
+        <a:xfrm rot="5455892">
+          <a:off x="3274371" y="2873533"/>
+          <a:ext cx="512381" cy="0"/>
         </a:xfrm>
         <a:custGeom>
           <a:avLst/>
@@ -8086,7 +9575,7 @@
                 <a:pt x="0" y="0"/>
               </a:moveTo>
               <a:lnTo>
-                <a:pt x="514003" y="0"/>
+                <a:pt x="512381" y="0"/>
               </a:lnTo>
             </a:path>
           </a:pathLst>
@@ -8126,8 +9615,8 @@
       </dsp:nvSpPr>
       <dsp:spPr>
         <a:xfrm>
-          <a:off x="2150680" y="3136207"/>
-          <a:ext cx="2735465" cy="982021"/>
+          <a:off x="2464190" y="3129690"/>
+          <a:ext cx="2108445" cy="982021"/>
         </a:xfrm>
         <a:prstGeom prst="roundRect">
           <a:avLst/>
@@ -8205,8 +9694,8 @@
         </a:p>
       </dsp:txBody>
       <dsp:txXfrm>
-        <a:off x="2150680" y="3136207"/>
-        <a:ext cx="2735465" cy="982021"/>
+        <a:off x="2464190" y="3129690"/>
+        <a:ext cx="2108445" cy="982021"/>
       </dsp:txXfrm>
     </dsp:sp>
     <dsp:sp modelId="{12D23E3E-AFC0-4121-B240-5B40947DB5B0}">
@@ -8215,9 +9704,9 @@
         <dsp:cNvSpPr/>
       </dsp:nvSpPr>
       <dsp:spPr>
-        <a:xfrm rot="9603121">
-          <a:off x="1974223" y="2427904"/>
-          <a:ext cx="1104542" cy="0"/>
+        <a:xfrm rot="9557996">
+          <a:off x="1975137" y="2418400"/>
+          <a:ext cx="998212" cy="0"/>
         </a:xfrm>
         <a:custGeom>
           <a:avLst/>
@@ -8231,7 +9720,7 @@
                 <a:pt x="0" y="0"/>
               </a:moveTo>
               <a:lnTo>
-                <a:pt x="1104542" y="0"/>
+                <a:pt x="998212" y="0"/>
               </a:lnTo>
             </a:path>
           </a:pathLst>
@@ -8271,7 +9760,7 @@
       </dsp:nvSpPr>
       <dsp:spPr>
         <a:xfrm>
-          <a:off x="0" y="2371242"/>
+          <a:off x="0" y="2364725"/>
           <a:ext cx="2007358" cy="1218713"/>
         </a:xfrm>
         <a:prstGeom prst="roundRect">
@@ -8350,7 +9839,7 @@
         </a:p>
       </dsp:txBody>
       <dsp:txXfrm>
-        <a:off x="0" y="2371242"/>
+        <a:off x="0" y="2364725"/>
         <a:ext cx="2007358" cy="1218713"/>
       </dsp:txXfrm>
     </dsp:sp>
@@ -8360,9 +9849,9 @@
         <dsp:cNvSpPr/>
       </dsp:nvSpPr>
       <dsp:spPr>
-        <a:xfrm rot="11920556">
-          <a:off x="1974539" y="1640398"/>
-          <a:ext cx="1100053" cy="0"/>
+        <a:xfrm rot="11963233">
+          <a:off x="1975320" y="1636647"/>
+          <a:ext cx="993990" cy="0"/>
         </a:xfrm>
         <a:custGeom>
           <a:avLst/>
@@ -8376,7 +9865,7 @@
                 <a:pt x="0" y="0"/>
               </a:moveTo>
               <a:lnTo>
-                <a:pt x="1100053" y="0"/>
+                <a:pt x="993990" y="0"/>
               </a:lnTo>
             </a:path>
           </a:pathLst>
@@ -8416,7 +9905,7 @@
       </dsp:nvSpPr>
       <dsp:spPr>
         <a:xfrm>
-          <a:off x="0" y="620804"/>
+          <a:off x="0" y="614287"/>
           <a:ext cx="2003501" cy="1009723"/>
         </a:xfrm>
         <a:prstGeom prst="roundRect">
@@ -8495,8 +9984,815 @@
         </a:p>
       </dsp:txBody>
       <dsp:txXfrm>
-        <a:off x="0" y="620804"/>
+        <a:off x="0" y="614287"/>
         <a:ext cx="2003501" cy="1009723"/>
+      </dsp:txXfrm>
+    </dsp:sp>
+  </dsp:spTree>
+</dsp:drawing>
+</file>
+
+<file path=ppt/diagrams/drawing6.xml><?xml version="1.0" encoding="utf-8"?>
+<dsp:drawing xmlns:dgm="http://schemas.openxmlformats.org/drawingml/2006/diagram" xmlns:a="http://schemas.openxmlformats.org/drawingml/2006/main" xmlns:dsp="http://schemas.microsoft.com/office/drawing/2008/diagram">
+  <dsp:spTree>
+    <dsp:nvGrpSpPr>
+      <dsp:cNvPr id="0" name=""/>
+      <dsp:cNvGrpSpPr/>
+    </dsp:nvGrpSpPr>
+    <dsp:grpSpPr/>
+    <dsp:sp modelId="{C2F09B1F-9D99-40B4-BB38-E5A09E00C74E}">
+      <dsp:nvSpPr>
+        <dsp:cNvPr id="0" name=""/>
+        <dsp:cNvSpPr/>
+      </dsp:nvSpPr>
+      <dsp:spPr>
+        <a:xfrm>
+          <a:off x="0" y="4065435"/>
+          <a:ext cx="7485017" cy="444878"/>
+        </a:xfrm>
+        <a:prstGeom prst="rect">
+          <a:avLst/>
+        </a:prstGeom>
+        <a:gradFill rotWithShape="0">
+          <a:gsLst>
+            <a:gs pos="0">
+              <a:schemeClr val="accent2">
+                <a:hueOff val="0"/>
+                <a:satOff val="0"/>
+                <a:lumOff val="0"/>
+                <a:alphaOff val="0"/>
+                <a:tint val="65000"/>
+                <a:shade val="92000"/>
+                <a:satMod val="130000"/>
+              </a:schemeClr>
+            </a:gs>
+            <a:gs pos="45000">
+              <a:schemeClr val="accent2">
+                <a:hueOff val="0"/>
+                <a:satOff val="0"/>
+                <a:lumOff val="0"/>
+                <a:alphaOff val="0"/>
+                <a:tint val="60000"/>
+                <a:shade val="99000"/>
+                <a:satMod val="120000"/>
+              </a:schemeClr>
+            </a:gs>
+            <a:gs pos="100000">
+              <a:schemeClr val="accent2">
+                <a:hueOff val="0"/>
+                <a:satOff val="0"/>
+                <a:lumOff val="0"/>
+                <a:alphaOff val="0"/>
+                <a:tint val="55000"/>
+                <a:satMod val="140000"/>
+              </a:schemeClr>
+            </a:gs>
+          </a:gsLst>
+          <a:path path="circle">
+            <a:fillToRect l="100000" t="100000" r="100000" b="100000"/>
+          </a:path>
+        </a:gradFill>
+        <a:ln>
+          <a:noFill/>
+        </a:ln>
+        <a:effectLst/>
+        <a:scene3d>
+          <a:camera prst="orthographicFront"/>
+          <a:lightRig rig="flat" dir="t"/>
+        </a:scene3d>
+        <a:sp3d prstMaterial="dkEdge">
+          <a:bevelT w="8200" h="38100"/>
+        </a:sp3d>
+      </dsp:spPr>
+      <dsp:style>
+        <a:lnRef idx="0">
+          <a:scrgbClr r="0" g="0" b="0"/>
+        </a:lnRef>
+        <a:fillRef idx="2">
+          <a:scrgbClr r="0" g="0" b="0"/>
+        </a:fillRef>
+        <a:effectRef idx="1">
+          <a:scrgbClr r="0" g="0" b="0"/>
+        </a:effectRef>
+        <a:fontRef idx="minor">
+          <a:schemeClr val="dk1"/>
+        </a:fontRef>
+      </dsp:style>
+      <dsp:txBody>
+        <a:bodyPr spcFirstLastPara="0" vert="horz" wrap="square" lIns="128016" tIns="128016" rIns="128016" bIns="128016" numCol="1" spcCol="1270" anchor="ctr" anchorCtr="0">
+          <a:noAutofit/>
+        </a:bodyPr>
+        <a:lstStyle/>
+        <a:p>
+          <a:pPr lvl="0" algn="ctr" defTabSz="800100">
+            <a:lnSpc>
+              <a:spcPct val="90000"/>
+            </a:lnSpc>
+            <a:spcBef>
+              <a:spcPct val="0"/>
+            </a:spcBef>
+            <a:spcAft>
+              <a:spcPct val="35000"/>
+            </a:spcAft>
+          </a:pPr>
+          <a:r>
+            <a:rPr lang="en-US" sz="1800" kern="1200" dirty="0" smtClean="0">
+              <a:latin typeface="Cambria" panose="02040503050406030204" pitchFamily="18" charset="0"/>
+            </a:rPr>
+            <a:t>Customer 2 </a:t>
+          </a:r>
+          <a:r>
+            <a:rPr lang="en-US" sz="2000" kern="1200" dirty="0" smtClean="0">
+              <a:latin typeface="Cambria" panose="02040503050406030204" pitchFamily="18" charset="0"/>
+            </a:rPr>
+            <a:t>applies</a:t>
+          </a:r>
+          <a:r>
+            <a:rPr lang="en-US" sz="1800" kern="1200" dirty="0" smtClean="0">
+              <a:latin typeface="Cambria" panose="02040503050406030204" pitchFamily="18" charset="0"/>
+            </a:rPr>
+            <a:t> a searched job request.</a:t>
+          </a:r>
+          <a:endParaRPr lang="en-US" sz="1800" kern="1200" dirty="0">
+            <a:latin typeface="Cambria" panose="02040503050406030204" pitchFamily="18" charset="0"/>
+          </a:endParaRPr>
+        </a:p>
+      </dsp:txBody>
+      <dsp:txXfrm>
+        <a:off x="0" y="4065435"/>
+        <a:ext cx="7485017" cy="444878"/>
+      </dsp:txXfrm>
+    </dsp:sp>
+    <dsp:sp modelId="{466987B7-924A-4A1B-BB88-B4454A092342}">
+      <dsp:nvSpPr>
+        <dsp:cNvPr id="0" name=""/>
+        <dsp:cNvSpPr/>
+      </dsp:nvSpPr>
+      <dsp:spPr>
+        <a:xfrm rot="10800000">
+          <a:off x="0" y="3387886"/>
+          <a:ext cx="7485017" cy="684223"/>
+        </a:xfrm>
+        <a:prstGeom prst="upArrowCallout">
+          <a:avLst/>
+        </a:prstGeom>
+        <a:gradFill rotWithShape="0">
+          <a:gsLst>
+            <a:gs pos="0">
+              <a:schemeClr val="accent3">
+                <a:hueOff val="0"/>
+                <a:satOff val="0"/>
+                <a:lumOff val="0"/>
+                <a:alphaOff val="0"/>
+                <a:tint val="65000"/>
+                <a:shade val="92000"/>
+                <a:satMod val="130000"/>
+              </a:schemeClr>
+            </a:gs>
+            <a:gs pos="45000">
+              <a:schemeClr val="accent3">
+                <a:hueOff val="0"/>
+                <a:satOff val="0"/>
+                <a:lumOff val="0"/>
+                <a:alphaOff val="0"/>
+                <a:tint val="60000"/>
+                <a:shade val="99000"/>
+                <a:satMod val="120000"/>
+              </a:schemeClr>
+            </a:gs>
+            <a:gs pos="100000">
+              <a:schemeClr val="accent3">
+                <a:hueOff val="0"/>
+                <a:satOff val="0"/>
+                <a:lumOff val="0"/>
+                <a:alphaOff val="0"/>
+                <a:tint val="55000"/>
+                <a:satMod val="140000"/>
+              </a:schemeClr>
+            </a:gs>
+          </a:gsLst>
+          <a:path path="circle">
+            <a:fillToRect l="100000" t="100000" r="100000" b="100000"/>
+          </a:path>
+        </a:gradFill>
+        <a:ln>
+          <a:noFill/>
+        </a:ln>
+        <a:effectLst/>
+        <a:scene3d>
+          <a:camera prst="orthographicFront"/>
+          <a:lightRig rig="flat" dir="t"/>
+        </a:scene3d>
+        <a:sp3d prstMaterial="dkEdge">
+          <a:bevelT w="8200" h="38100"/>
+        </a:sp3d>
+      </dsp:spPr>
+      <dsp:style>
+        <a:lnRef idx="0">
+          <a:scrgbClr r="0" g="0" b="0"/>
+        </a:lnRef>
+        <a:fillRef idx="2">
+          <a:scrgbClr r="0" g="0" b="0"/>
+        </a:fillRef>
+        <a:effectRef idx="1">
+          <a:scrgbClr r="0" g="0" b="0"/>
+        </a:effectRef>
+        <a:fontRef idx="minor">
+          <a:schemeClr val="dk1"/>
+        </a:fontRef>
+      </dsp:style>
+      <dsp:txBody>
+        <a:bodyPr spcFirstLastPara="0" vert="horz" wrap="square" lIns="142240" tIns="142240" rIns="142240" bIns="142240" numCol="1" spcCol="1270" anchor="ctr" anchorCtr="0">
+          <a:noAutofit/>
+        </a:bodyPr>
+        <a:lstStyle/>
+        <a:p>
+          <a:pPr lvl="0" algn="ctr" defTabSz="889000">
+            <a:lnSpc>
+              <a:spcPct val="90000"/>
+            </a:lnSpc>
+            <a:spcBef>
+              <a:spcPct val="0"/>
+            </a:spcBef>
+            <a:spcAft>
+              <a:spcPct val="35000"/>
+            </a:spcAft>
+          </a:pPr>
+          <a:r>
+            <a:rPr lang="en-US" sz="2000" kern="1200" dirty="0" smtClean="0">
+              <a:latin typeface="Cambria" panose="02040503050406030204" pitchFamily="18" charset="0"/>
+            </a:rPr>
+            <a:t>Customer 2 searches a job request. </a:t>
+          </a:r>
+          <a:endParaRPr lang="en-US" sz="2000" kern="1200" dirty="0">
+            <a:latin typeface="Cambria" panose="02040503050406030204" pitchFamily="18" charset="0"/>
+          </a:endParaRPr>
+        </a:p>
+      </dsp:txBody>
+      <dsp:txXfrm rot="10800000">
+        <a:off x="0" y="3387886"/>
+        <a:ext cx="7485017" cy="684223"/>
+      </dsp:txXfrm>
+    </dsp:sp>
+    <dsp:sp modelId="{35915DB5-D6D2-40C4-9F03-037EE892B65C}">
+      <dsp:nvSpPr>
+        <dsp:cNvPr id="0" name=""/>
+        <dsp:cNvSpPr/>
+      </dsp:nvSpPr>
+      <dsp:spPr>
+        <a:xfrm rot="10800000">
+          <a:off x="0" y="2710336"/>
+          <a:ext cx="7485017" cy="684223"/>
+        </a:xfrm>
+        <a:prstGeom prst="upArrowCallout">
+          <a:avLst/>
+        </a:prstGeom>
+        <a:gradFill rotWithShape="0">
+          <a:gsLst>
+            <a:gs pos="0">
+              <a:schemeClr val="accent4">
+                <a:hueOff val="0"/>
+                <a:satOff val="0"/>
+                <a:lumOff val="0"/>
+                <a:alphaOff val="0"/>
+                <a:tint val="65000"/>
+                <a:shade val="92000"/>
+                <a:satMod val="130000"/>
+              </a:schemeClr>
+            </a:gs>
+            <a:gs pos="45000">
+              <a:schemeClr val="accent4">
+                <a:hueOff val="0"/>
+                <a:satOff val="0"/>
+                <a:lumOff val="0"/>
+                <a:alphaOff val="0"/>
+                <a:tint val="60000"/>
+                <a:shade val="99000"/>
+                <a:satMod val="120000"/>
+              </a:schemeClr>
+            </a:gs>
+            <a:gs pos="100000">
+              <a:schemeClr val="accent4">
+                <a:hueOff val="0"/>
+                <a:satOff val="0"/>
+                <a:lumOff val="0"/>
+                <a:alphaOff val="0"/>
+                <a:tint val="55000"/>
+                <a:satMod val="140000"/>
+              </a:schemeClr>
+            </a:gs>
+          </a:gsLst>
+          <a:path path="circle">
+            <a:fillToRect l="100000" t="100000" r="100000" b="100000"/>
+          </a:path>
+        </a:gradFill>
+        <a:ln>
+          <a:noFill/>
+        </a:ln>
+        <a:effectLst/>
+        <a:scene3d>
+          <a:camera prst="orthographicFront"/>
+          <a:lightRig rig="flat" dir="t"/>
+        </a:scene3d>
+        <a:sp3d prstMaterial="dkEdge">
+          <a:bevelT w="8200" h="38100"/>
+        </a:sp3d>
+      </dsp:spPr>
+      <dsp:style>
+        <a:lnRef idx="0">
+          <a:scrgbClr r="0" g="0" b="0"/>
+        </a:lnRef>
+        <a:fillRef idx="2">
+          <a:scrgbClr r="0" g="0" b="0"/>
+        </a:fillRef>
+        <a:effectRef idx="1">
+          <a:scrgbClr r="0" g="0" b="0"/>
+        </a:effectRef>
+        <a:fontRef idx="minor">
+          <a:schemeClr val="dk1"/>
+        </a:fontRef>
+      </dsp:style>
+      <dsp:txBody>
+        <a:bodyPr spcFirstLastPara="0" vert="horz" wrap="square" lIns="142240" tIns="142240" rIns="142240" bIns="142240" numCol="1" spcCol="1270" anchor="ctr" anchorCtr="0">
+          <a:noAutofit/>
+        </a:bodyPr>
+        <a:lstStyle/>
+        <a:p>
+          <a:pPr lvl="0" algn="ctr" defTabSz="889000">
+            <a:lnSpc>
+              <a:spcPct val="90000"/>
+            </a:lnSpc>
+            <a:spcBef>
+              <a:spcPct val="0"/>
+            </a:spcBef>
+            <a:spcAft>
+              <a:spcPct val="35000"/>
+            </a:spcAft>
+          </a:pPr>
+          <a:r>
+            <a:rPr lang="en-US" sz="2000" kern="1200" dirty="0" smtClean="0">
+              <a:latin typeface="Cambria" panose="02040503050406030204" pitchFamily="18" charset="0"/>
+            </a:rPr>
+            <a:t>Customer 1 applies a suggested recruitment.</a:t>
+          </a:r>
+          <a:endParaRPr lang="en-US" sz="2000" kern="1200" dirty="0">
+            <a:latin typeface="Cambria" panose="02040503050406030204" pitchFamily="18" charset="0"/>
+          </a:endParaRPr>
+        </a:p>
+      </dsp:txBody>
+      <dsp:txXfrm rot="10800000">
+        <a:off x="0" y="2710336"/>
+        <a:ext cx="7485017" cy="684223"/>
+      </dsp:txXfrm>
+    </dsp:sp>
+    <dsp:sp modelId="{0C6950F5-6141-4D83-9995-5D0ED435D196}">
+      <dsp:nvSpPr>
+        <dsp:cNvPr id="0" name=""/>
+        <dsp:cNvSpPr/>
+      </dsp:nvSpPr>
+      <dsp:spPr>
+        <a:xfrm rot="10800000">
+          <a:off x="0" y="2032786"/>
+          <a:ext cx="7485017" cy="684223"/>
+        </a:xfrm>
+        <a:prstGeom prst="upArrowCallout">
+          <a:avLst/>
+        </a:prstGeom>
+        <a:gradFill rotWithShape="0">
+          <a:gsLst>
+            <a:gs pos="0">
+              <a:schemeClr val="accent5">
+                <a:hueOff val="0"/>
+                <a:satOff val="0"/>
+                <a:lumOff val="0"/>
+                <a:alphaOff val="0"/>
+                <a:tint val="65000"/>
+                <a:shade val="92000"/>
+                <a:satMod val="130000"/>
+              </a:schemeClr>
+            </a:gs>
+            <a:gs pos="45000">
+              <a:schemeClr val="accent5">
+                <a:hueOff val="0"/>
+                <a:satOff val="0"/>
+                <a:lumOff val="0"/>
+                <a:alphaOff val="0"/>
+                <a:tint val="60000"/>
+                <a:shade val="99000"/>
+                <a:satMod val="120000"/>
+              </a:schemeClr>
+            </a:gs>
+            <a:gs pos="100000">
+              <a:schemeClr val="accent5">
+                <a:hueOff val="0"/>
+                <a:satOff val="0"/>
+                <a:lumOff val="0"/>
+                <a:alphaOff val="0"/>
+                <a:tint val="55000"/>
+                <a:satMod val="140000"/>
+              </a:schemeClr>
+            </a:gs>
+          </a:gsLst>
+          <a:path path="circle">
+            <a:fillToRect l="100000" t="100000" r="100000" b="100000"/>
+          </a:path>
+        </a:gradFill>
+        <a:ln>
+          <a:noFill/>
+        </a:ln>
+        <a:effectLst/>
+        <a:scene3d>
+          <a:camera prst="orthographicFront"/>
+          <a:lightRig rig="flat" dir="t"/>
+        </a:scene3d>
+        <a:sp3d prstMaterial="dkEdge">
+          <a:bevelT w="8200" h="38100"/>
+        </a:sp3d>
+      </dsp:spPr>
+      <dsp:style>
+        <a:lnRef idx="0">
+          <a:scrgbClr r="0" g="0" b="0"/>
+        </a:lnRef>
+        <a:fillRef idx="2">
+          <a:scrgbClr r="0" g="0" b="0"/>
+        </a:fillRef>
+        <a:effectRef idx="1">
+          <a:scrgbClr r="0" g="0" b="0"/>
+        </a:effectRef>
+        <a:fontRef idx="minor">
+          <a:schemeClr val="dk1"/>
+        </a:fontRef>
+      </dsp:style>
+      <dsp:txBody>
+        <a:bodyPr spcFirstLastPara="0" vert="horz" wrap="square" lIns="142240" tIns="142240" rIns="142240" bIns="142240" numCol="1" spcCol="1270" anchor="ctr" anchorCtr="0">
+          <a:noAutofit/>
+        </a:bodyPr>
+        <a:lstStyle/>
+        <a:p>
+          <a:pPr lvl="0" algn="ctr" defTabSz="889000">
+            <a:lnSpc>
+              <a:spcPct val="90000"/>
+            </a:lnSpc>
+            <a:spcBef>
+              <a:spcPct val="0"/>
+            </a:spcBef>
+            <a:spcAft>
+              <a:spcPct val="35000"/>
+            </a:spcAft>
+          </a:pPr>
+          <a:r>
+            <a:rPr lang="en-US" sz="2000" kern="1200" dirty="0" smtClean="0">
+              <a:latin typeface="Cambria" panose="02040503050406030204" pitchFamily="18" charset="0"/>
+            </a:rPr>
+            <a:t>Customer 2 views a recruitment.</a:t>
+          </a:r>
+          <a:endParaRPr lang="en-US" sz="2000" kern="1200" dirty="0">
+            <a:latin typeface="Cambria" panose="02040503050406030204" pitchFamily="18" charset="0"/>
+          </a:endParaRPr>
+        </a:p>
+      </dsp:txBody>
+      <dsp:txXfrm rot="10800000">
+        <a:off x="0" y="2032786"/>
+        <a:ext cx="7485017" cy="684223"/>
+      </dsp:txXfrm>
+    </dsp:sp>
+    <dsp:sp modelId="{1E9FC37E-2DF9-4FD8-B3F5-C966A3E6AF86}">
+      <dsp:nvSpPr>
+        <dsp:cNvPr id="0" name=""/>
+        <dsp:cNvSpPr/>
+      </dsp:nvSpPr>
+      <dsp:spPr>
+        <a:xfrm rot="10800000">
+          <a:off x="0" y="1355236"/>
+          <a:ext cx="7485017" cy="684223"/>
+        </a:xfrm>
+        <a:prstGeom prst="upArrowCallout">
+          <a:avLst/>
+        </a:prstGeom>
+        <a:gradFill rotWithShape="0">
+          <a:gsLst>
+            <a:gs pos="0">
+              <a:schemeClr val="accent6">
+                <a:hueOff val="0"/>
+                <a:satOff val="0"/>
+                <a:lumOff val="0"/>
+                <a:alphaOff val="0"/>
+                <a:tint val="65000"/>
+                <a:shade val="92000"/>
+                <a:satMod val="130000"/>
+              </a:schemeClr>
+            </a:gs>
+            <a:gs pos="45000">
+              <a:schemeClr val="accent6">
+                <a:hueOff val="0"/>
+                <a:satOff val="0"/>
+                <a:lumOff val="0"/>
+                <a:alphaOff val="0"/>
+                <a:tint val="60000"/>
+                <a:shade val="99000"/>
+                <a:satMod val="120000"/>
+              </a:schemeClr>
+            </a:gs>
+            <a:gs pos="100000">
+              <a:schemeClr val="accent6">
+                <a:hueOff val="0"/>
+                <a:satOff val="0"/>
+                <a:lumOff val="0"/>
+                <a:alphaOff val="0"/>
+                <a:tint val="55000"/>
+                <a:satMod val="140000"/>
+              </a:schemeClr>
+            </a:gs>
+          </a:gsLst>
+          <a:path path="circle">
+            <a:fillToRect l="100000" t="100000" r="100000" b="100000"/>
+          </a:path>
+        </a:gradFill>
+        <a:ln>
+          <a:noFill/>
+        </a:ln>
+        <a:effectLst/>
+        <a:scene3d>
+          <a:camera prst="orthographicFront"/>
+          <a:lightRig rig="flat" dir="t"/>
+        </a:scene3d>
+        <a:sp3d prstMaterial="dkEdge">
+          <a:bevelT w="8200" h="38100"/>
+        </a:sp3d>
+      </dsp:spPr>
+      <dsp:style>
+        <a:lnRef idx="0">
+          <a:scrgbClr r="0" g="0" b="0"/>
+        </a:lnRef>
+        <a:fillRef idx="2">
+          <a:scrgbClr r="0" g="0" b="0"/>
+        </a:fillRef>
+        <a:effectRef idx="1">
+          <a:scrgbClr r="0" g="0" b="0"/>
+        </a:effectRef>
+        <a:fontRef idx="minor">
+          <a:schemeClr val="dk1"/>
+        </a:fontRef>
+      </dsp:style>
+      <dsp:txBody>
+        <a:bodyPr spcFirstLastPara="0" vert="horz" wrap="square" lIns="142240" tIns="142240" rIns="142240" bIns="142240" numCol="1" spcCol="1270" anchor="ctr" anchorCtr="0">
+          <a:noAutofit/>
+        </a:bodyPr>
+        <a:lstStyle/>
+        <a:p>
+          <a:pPr lvl="0" algn="ctr" defTabSz="889000">
+            <a:lnSpc>
+              <a:spcPct val="90000"/>
+            </a:lnSpc>
+            <a:spcBef>
+              <a:spcPct val="0"/>
+            </a:spcBef>
+            <a:spcAft>
+              <a:spcPct val="35000"/>
+            </a:spcAft>
+          </a:pPr>
+          <a:r>
+            <a:rPr lang="en-US" sz="2000" kern="1200" dirty="0" smtClean="0">
+              <a:latin typeface="Cambria" panose="02040503050406030204" pitchFamily="18" charset="0"/>
+            </a:rPr>
+            <a:t>Customer 1 views new posted recruitment.</a:t>
+          </a:r>
+          <a:endParaRPr lang="en-US" sz="2000" kern="1200" dirty="0">
+            <a:latin typeface="Cambria" panose="02040503050406030204" pitchFamily="18" charset="0"/>
+          </a:endParaRPr>
+        </a:p>
+      </dsp:txBody>
+      <dsp:txXfrm rot="10800000">
+        <a:off x="0" y="1355236"/>
+        <a:ext cx="7485017" cy="684223"/>
+      </dsp:txXfrm>
+    </dsp:sp>
+    <dsp:sp modelId="{F434CAEE-BD19-47AC-B6A2-7CF11DF8B8FA}">
+      <dsp:nvSpPr>
+        <dsp:cNvPr id="0" name=""/>
+        <dsp:cNvSpPr/>
+      </dsp:nvSpPr>
+      <dsp:spPr>
+        <a:xfrm rot="10800000">
+          <a:off x="0" y="677686"/>
+          <a:ext cx="7485017" cy="684223"/>
+        </a:xfrm>
+        <a:prstGeom prst="upArrowCallout">
+          <a:avLst/>
+        </a:prstGeom>
+        <a:gradFill rotWithShape="0">
+          <a:gsLst>
+            <a:gs pos="0">
+              <a:schemeClr val="accent2">
+                <a:hueOff val="0"/>
+                <a:satOff val="0"/>
+                <a:lumOff val="0"/>
+                <a:alphaOff val="0"/>
+                <a:tint val="65000"/>
+                <a:shade val="92000"/>
+                <a:satMod val="130000"/>
+              </a:schemeClr>
+            </a:gs>
+            <a:gs pos="45000">
+              <a:schemeClr val="accent2">
+                <a:hueOff val="0"/>
+                <a:satOff val="0"/>
+                <a:lumOff val="0"/>
+                <a:alphaOff val="0"/>
+                <a:tint val="60000"/>
+                <a:shade val="99000"/>
+                <a:satMod val="120000"/>
+              </a:schemeClr>
+            </a:gs>
+            <a:gs pos="100000">
+              <a:schemeClr val="accent2">
+                <a:hueOff val="0"/>
+                <a:satOff val="0"/>
+                <a:lumOff val="0"/>
+                <a:alphaOff val="0"/>
+                <a:tint val="55000"/>
+                <a:satMod val="140000"/>
+              </a:schemeClr>
+            </a:gs>
+          </a:gsLst>
+          <a:path path="circle">
+            <a:fillToRect l="100000" t="100000" r="100000" b="100000"/>
+          </a:path>
+        </a:gradFill>
+        <a:ln>
+          <a:noFill/>
+        </a:ln>
+        <a:effectLst/>
+        <a:scene3d>
+          <a:camera prst="orthographicFront"/>
+          <a:lightRig rig="flat" dir="t"/>
+        </a:scene3d>
+        <a:sp3d prstMaterial="dkEdge">
+          <a:bevelT w="8200" h="38100"/>
+        </a:sp3d>
+      </dsp:spPr>
+      <dsp:style>
+        <a:lnRef idx="0">
+          <a:scrgbClr r="0" g="0" b="0"/>
+        </a:lnRef>
+        <a:fillRef idx="2">
+          <a:scrgbClr r="0" g="0" b="0"/>
+        </a:fillRef>
+        <a:effectRef idx="1">
+          <a:scrgbClr r="0" g="0" b="0"/>
+        </a:effectRef>
+        <a:fontRef idx="minor">
+          <a:schemeClr val="dk1"/>
+        </a:fontRef>
+      </dsp:style>
+      <dsp:txBody>
+        <a:bodyPr spcFirstLastPara="0" vert="horz" wrap="square" lIns="142240" tIns="142240" rIns="142240" bIns="142240" numCol="1" spcCol="1270" anchor="ctr" anchorCtr="0">
+          <a:noAutofit/>
+        </a:bodyPr>
+        <a:lstStyle/>
+        <a:p>
+          <a:pPr lvl="0" algn="ctr" defTabSz="889000">
+            <a:lnSpc>
+              <a:spcPct val="90000"/>
+            </a:lnSpc>
+            <a:spcBef>
+              <a:spcPct val="0"/>
+            </a:spcBef>
+            <a:spcAft>
+              <a:spcPct val="35000"/>
+            </a:spcAft>
+          </a:pPr>
+          <a:r>
+            <a:rPr lang="en-US" sz="2000" kern="1200" dirty="0" smtClean="0">
+              <a:latin typeface="Cambria" panose="02040503050406030204" pitchFamily="18" charset="0"/>
+            </a:rPr>
+            <a:t>Customer 1 pays on PayPal.</a:t>
+          </a:r>
+          <a:endParaRPr lang="en-US" sz="2000" kern="1200" dirty="0">
+            <a:latin typeface="Cambria" panose="02040503050406030204" pitchFamily="18" charset="0"/>
+          </a:endParaRPr>
+        </a:p>
+      </dsp:txBody>
+      <dsp:txXfrm rot="10800000">
+        <a:off x="0" y="677686"/>
+        <a:ext cx="7485017" cy="684223"/>
+      </dsp:txXfrm>
+    </dsp:sp>
+    <dsp:sp modelId="{AF0EDC65-2722-4C26-B531-55D94F73B734}">
+      <dsp:nvSpPr>
+        <dsp:cNvPr id="0" name=""/>
+        <dsp:cNvSpPr/>
+      </dsp:nvSpPr>
+      <dsp:spPr>
+        <a:xfrm rot="10800000">
+          <a:off x="0" y="0"/>
+          <a:ext cx="7485017" cy="684223"/>
+        </a:xfrm>
+        <a:prstGeom prst="upArrowCallout">
+          <a:avLst/>
+        </a:prstGeom>
+        <a:gradFill rotWithShape="0">
+          <a:gsLst>
+            <a:gs pos="0">
+              <a:schemeClr val="accent3">
+                <a:hueOff val="0"/>
+                <a:satOff val="0"/>
+                <a:lumOff val="0"/>
+                <a:alphaOff val="0"/>
+                <a:tint val="65000"/>
+                <a:shade val="92000"/>
+                <a:satMod val="130000"/>
+              </a:schemeClr>
+            </a:gs>
+            <a:gs pos="45000">
+              <a:schemeClr val="accent3">
+                <a:hueOff val="0"/>
+                <a:satOff val="0"/>
+                <a:lumOff val="0"/>
+                <a:alphaOff val="0"/>
+                <a:tint val="60000"/>
+                <a:shade val="99000"/>
+                <a:satMod val="120000"/>
+              </a:schemeClr>
+            </a:gs>
+            <a:gs pos="100000">
+              <a:schemeClr val="accent3">
+                <a:hueOff val="0"/>
+                <a:satOff val="0"/>
+                <a:lumOff val="0"/>
+                <a:alphaOff val="0"/>
+                <a:tint val="55000"/>
+                <a:satMod val="140000"/>
+              </a:schemeClr>
+            </a:gs>
+          </a:gsLst>
+          <a:path path="circle">
+            <a:fillToRect l="100000" t="100000" r="100000" b="100000"/>
+          </a:path>
+        </a:gradFill>
+        <a:ln>
+          <a:noFill/>
+        </a:ln>
+        <a:effectLst/>
+        <a:scene3d>
+          <a:camera prst="orthographicFront"/>
+          <a:lightRig rig="flat" dir="t"/>
+        </a:scene3d>
+        <a:sp3d prstMaterial="dkEdge">
+          <a:bevelT w="8200" h="38100"/>
+        </a:sp3d>
+      </dsp:spPr>
+      <dsp:style>
+        <a:lnRef idx="0">
+          <a:scrgbClr r="0" g="0" b="0"/>
+        </a:lnRef>
+        <a:fillRef idx="2">
+          <a:scrgbClr r="0" g="0" b="0"/>
+        </a:fillRef>
+        <a:effectRef idx="1">
+          <a:scrgbClr r="0" g="0" b="0"/>
+        </a:effectRef>
+        <a:fontRef idx="minor">
+          <a:schemeClr val="dk1"/>
+        </a:fontRef>
+      </dsp:style>
+      <dsp:txBody>
+        <a:bodyPr spcFirstLastPara="0" vert="horz" wrap="square" lIns="142240" tIns="142240" rIns="142240" bIns="142240" numCol="1" spcCol="1270" anchor="ctr" anchorCtr="0">
+          <a:noAutofit/>
+        </a:bodyPr>
+        <a:lstStyle/>
+        <a:p>
+          <a:pPr lvl="0" algn="ctr" defTabSz="889000">
+            <a:lnSpc>
+              <a:spcPct val="90000"/>
+            </a:lnSpc>
+            <a:spcBef>
+              <a:spcPct val="0"/>
+            </a:spcBef>
+            <a:spcAft>
+              <a:spcPct val="35000"/>
+            </a:spcAft>
+          </a:pPr>
+          <a:r>
+            <a:rPr lang="en-US" sz="2000" kern="1200" dirty="0" smtClean="0">
+              <a:solidFill>
+                <a:schemeClr val="tx1"/>
+              </a:solidFill>
+              <a:latin typeface="Cambria" panose="02040503050406030204" pitchFamily="18" charset="0"/>
+            </a:rPr>
+            <a:t>Customer 1 posts a recruitment.</a:t>
+          </a:r>
+          <a:endParaRPr lang="en-US" sz="2000" kern="1200" dirty="0">
+            <a:solidFill>
+              <a:schemeClr val="tx1"/>
+            </a:solidFill>
+            <a:latin typeface="Cambria" panose="02040503050406030204" pitchFamily="18" charset="0"/>
+          </a:endParaRPr>
+        </a:p>
+      </dsp:txBody>
+      <dsp:txXfrm rot="10800000">
+        <a:off x="0" y="0"/>
+        <a:ext cx="7485017" cy="684223"/>
       </dsp:txXfrm>
     </dsp:sp>
   </dsp:spTree>
@@ -13363,6 +15659,359 @@
 </dgm:layoutDef>
 </file>
 
+<file path=ppt/diagrams/layout6.xml><?xml version="1.0" encoding="utf-8"?>
+<dgm:layoutDef xmlns:dgm="http://schemas.openxmlformats.org/drawingml/2006/diagram" xmlns:a="http://schemas.openxmlformats.org/drawingml/2006/main" uniqueId="urn:microsoft.com/office/officeart/2005/8/layout/process4">
+  <dgm:title val=""/>
+  <dgm:desc val=""/>
+  <dgm:catLst>
+    <dgm:cat type="process" pri="16000"/>
+    <dgm:cat type="list" pri="20000"/>
+  </dgm:catLst>
+  <dgm:sampData>
+    <dgm:dataModel>
+      <dgm:ptLst>
+        <dgm:pt modelId="0" type="doc"/>
+        <dgm:pt modelId="1">
+          <dgm:prSet phldr="1"/>
+        </dgm:pt>
+        <dgm:pt modelId="11">
+          <dgm:prSet phldr="1"/>
+        </dgm:pt>
+        <dgm:pt modelId="12">
+          <dgm:prSet phldr="1"/>
+        </dgm:pt>
+        <dgm:pt modelId="2">
+          <dgm:prSet phldr="1"/>
+        </dgm:pt>
+        <dgm:pt modelId="21">
+          <dgm:prSet phldr="1"/>
+        </dgm:pt>
+        <dgm:pt modelId="22">
+          <dgm:prSet phldr="1"/>
+        </dgm:pt>
+        <dgm:pt modelId="3">
+          <dgm:prSet phldr="1"/>
+        </dgm:pt>
+        <dgm:pt modelId="31">
+          <dgm:prSet phldr="1"/>
+        </dgm:pt>
+        <dgm:pt modelId="32">
+          <dgm:prSet phldr="1"/>
+        </dgm:pt>
+      </dgm:ptLst>
+      <dgm:cxnLst>
+        <dgm:cxn modelId="4" srcId="0" destId="1" srcOrd="0" destOrd="0"/>
+        <dgm:cxn modelId="5" srcId="0" destId="2" srcOrd="1" destOrd="0"/>
+        <dgm:cxn modelId="6" srcId="0" destId="3" srcOrd="2" destOrd="0"/>
+        <dgm:cxn modelId="13" srcId="1" destId="11" srcOrd="0" destOrd="0"/>
+        <dgm:cxn modelId="14" srcId="1" destId="12" srcOrd="1" destOrd="0"/>
+        <dgm:cxn modelId="23" srcId="2" destId="21" srcOrd="0" destOrd="0"/>
+        <dgm:cxn modelId="24" srcId="2" destId="22" srcOrd="1" destOrd="0"/>
+        <dgm:cxn modelId="33" srcId="3" destId="31" srcOrd="0" destOrd="0"/>
+        <dgm:cxn modelId="34" srcId="3" destId="32" srcOrd="1" destOrd="0"/>
+      </dgm:cxnLst>
+      <dgm:bg/>
+      <dgm:whole/>
+    </dgm:dataModel>
+  </dgm:sampData>
+  <dgm:styleData>
+    <dgm:dataModel>
+      <dgm:ptLst>
+        <dgm:pt modelId="0" type="doc"/>
+        <dgm:pt modelId="1"/>
+        <dgm:pt modelId="11"/>
+        <dgm:pt modelId="2"/>
+        <dgm:pt modelId="21"/>
+      </dgm:ptLst>
+      <dgm:cxnLst>
+        <dgm:cxn modelId="4" srcId="0" destId="1" srcOrd="0" destOrd="0"/>
+        <dgm:cxn modelId="5" srcId="0" destId="2" srcOrd="1" destOrd="0"/>
+        <dgm:cxn modelId="13" srcId="1" destId="11" srcOrd="0" destOrd="0"/>
+        <dgm:cxn modelId="23" srcId="2" destId="21" srcOrd="0" destOrd="0"/>
+      </dgm:cxnLst>
+      <dgm:bg/>
+      <dgm:whole/>
+    </dgm:dataModel>
+  </dgm:styleData>
+  <dgm:clrData>
+    <dgm:dataModel>
+      <dgm:ptLst>
+        <dgm:pt modelId="0" type="doc"/>
+        <dgm:pt modelId="1"/>
+        <dgm:pt modelId="11"/>
+        <dgm:pt modelId="2"/>
+        <dgm:pt modelId="21"/>
+        <dgm:pt modelId="3"/>
+        <dgm:pt modelId="31"/>
+        <dgm:pt modelId="4"/>
+        <dgm:pt modelId="41"/>
+      </dgm:ptLst>
+      <dgm:cxnLst>
+        <dgm:cxn modelId="5" srcId="0" destId="1" srcOrd="0" destOrd="0"/>
+        <dgm:cxn modelId="6" srcId="0" destId="2" srcOrd="1" destOrd="0"/>
+        <dgm:cxn modelId="7" srcId="0" destId="3" srcOrd="2" destOrd="0"/>
+        <dgm:cxn modelId="8" srcId="0" destId="4" srcOrd="3" destOrd="0"/>
+        <dgm:cxn modelId="13" srcId="1" destId="11" srcOrd="0" destOrd="0"/>
+        <dgm:cxn modelId="23" srcId="2" destId="21" srcOrd="0" destOrd="0"/>
+        <dgm:cxn modelId="33" srcId="3" destId="31" srcOrd="0" destOrd="0"/>
+        <dgm:cxn modelId="43" srcId="4" destId="41" srcOrd="0" destOrd="0"/>
+      </dgm:cxnLst>
+      <dgm:bg/>
+      <dgm:whole/>
+    </dgm:dataModel>
+  </dgm:clrData>
+  <dgm:layoutNode name="Name0">
+    <dgm:varLst>
+      <dgm:dir/>
+      <dgm:animLvl val="lvl"/>
+      <dgm:resizeHandles val="exact"/>
+    </dgm:varLst>
+    <dgm:alg type="lin">
+      <dgm:param type="linDir" val="fromB"/>
+    </dgm:alg>
+    <dgm:shape xmlns:r="http://schemas.openxmlformats.org/officeDocument/2006/relationships" r:blip="">
+      <dgm:adjLst/>
+    </dgm:shape>
+    <dgm:presOf/>
+    <dgm:constrLst>
+      <dgm:constr type="h" for="ch" forName="boxAndChildren" refType="h"/>
+      <dgm:constr type="h" for="ch" forName="arrowAndChildren" refType="h" refFor="ch" refForName="boxAndChildren" op="equ" fact="1.538"/>
+      <dgm:constr type="w" for="ch" forName="arrowAndChildren" refType="w"/>
+      <dgm:constr type="w" for="ch" forName="boxAndChildren" refType="w"/>
+      <dgm:constr type="h" for="ch" forName="sp" refType="h" fact="-0.015"/>
+      <dgm:constr type="primFontSz" for="des" forName="parentTextBox" val="65"/>
+      <dgm:constr type="primFontSz" for="des" forName="parentTextArrow" refType="primFontSz" refFor="des" refForName="parentTextBox" op="equ"/>
+      <dgm:constr type="primFontSz" for="des" forName="childTextArrow" val="65"/>
+      <dgm:constr type="primFontSz" for="des" forName="childTextBox" refType="primFontSz" refFor="des" refForName="childTextArrow" op="equ"/>
+    </dgm:constrLst>
+    <dgm:ruleLst/>
+    <dgm:forEach name="Name1" axis="ch" ptType="node" st="-1" step="-1">
+      <dgm:choose name="Name2">
+        <dgm:if name="Name3" axis="self" ptType="node" func="revPos" op="equ" val="1">
+          <dgm:layoutNode name="boxAndChildren">
+            <dgm:alg type="composite"/>
+            <dgm:shape xmlns:r="http://schemas.openxmlformats.org/officeDocument/2006/relationships" r:blip="">
+              <dgm:adjLst/>
+            </dgm:shape>
+            <dgm:presOf/>
+            <dgm:choose name="Name4">
+              <dgm:if name="Name5" axis="ch" ptType="node" func="cnt" op="gte" val="1">
+                <dgm:constrLst>
+                  <dgm:constr type="w" for="ch" forName="parentTextBox" refType="w"/>
+                  <dgm:constr type="h" for="ch" forName="parentTextBox" refType="h" fact="0.54"/>
+                  <dgm:constr type="t" for="ch" forName="parentTextBox"/>
+                  <dgm:constr type="w" for="ch" forName="entireBox" refType="w"/>
+                  <dgm:constr type="h" for="ch" forName="entireBox" refType="h"/>
+                  <dgm:constr type="w" for="ch" forName="descendantBox" refType="w"/>
+                  <dgm:constr type="b" for="ch" forName="descendantBox" refType="h" fact="0.98"/>
+                  <dgm:constr type="h" for="ch" forName="descendantBox" refType="h" fact="0.46"/>
+                </dgm:constrLst>
+              </dgm:if>
+              <dgm:else name="Name6">
+                <dgm:constrLst>
+                  <dgm:constr type="w" for="ch" forName="parentTextBox" refType="w"/>
+                  <dgm:constr type="h" for="ch" forName="parentTextBox" refType="h"/>
+                </dgm:constrLst>
+              </dgm:else>
+            </dgm:choose>
+            <dgm:ruleLst/>
+            <dgm:layoutNode name="parentTextBox">
+              <dgm:alg type="tx"/>
+              <dgm:choose name="Name7">
+                <dgm:if name="Name8" axis="ch" ptType="node" func="cnt" op="gte" val="1">
+                  <dgm:shape xmlns:r="http://schemas.openxmlformats.org/officeDocument/2006/relationships" type="rect" r:blip="" zOrderOff="1" hideGeom="1">
+                    <dgm:adjLst/>
+                  </dgm:shape>
+                </dgm:if>
+                <dgm:else name="Name9">
+                  <dgm:shape xmlns:r="http://schemas.openxmlformats.org/officeDocument/2006/relationships" type="rect" r:blip="">
+                    <dgm:adjLst/>
+                  </dgm:shape>
+                </dgm:else>
+              </dgm:choose>
+              <dgm:presOf axis="self"/>
+              <dgm:constrLst/>
+              <dgm:ruleLst>
+                <dgm:rule type="primFontSz" val="5" fact="NaN" max="NaN"/>
+              </dgm:ruleLst>
+            </dgm:layoutNode>
+            <dgm:choose name="Name10">
+              <dgm:if name="Name11" axis="ch" ptType="node" func="cnt" op="gte" val="1">
+                <dgm:layoutNode name="entireBox">
+                  <dgm:alg type="sp"/>
+                  <dgm:shape xmlns:r="http://schemas.openxmlformats.org/officeDocument/2006/relationships" type="rect" r:blip="">
+                    <dgm:adjLst/>
+                  </dgm:shape>
+                  <dgm:presOf axis="self"/>
+                  <dgm:constrLst/>
+                  <dgm:ruleLst/>
+                </dgm:layoutNode>
+                <dgm:layoutNode name="descendantBox" styleLbl="fgAccFollowNode1">
+                  <dgm:choose name="Name12">
+                    <dgm:if name="Name13" func="var" arg="dir" op="equ" val="norm">
+                      <dgm:alg type="lin"/>
+                    </dgm:if>
+                    <dgm:else name="Name14">
+                      <dgm:alg type="lin">
+                        <dgm:param type="linDir" val="fromR"/>
+                      </dgm:alg>
+                    </dgm:else>
+                  </dgm:choose>
+                  <dgm:shape xmlns:r="http://schemas.openxmlformats.org/officeDocument/2006/relationships" r:blip="">
+                    <dgm:adjLst/>
+                  </dgm:shape>
+                  <dgm:presOf/>
+                  <dgm:constrLst>
+                    <dgm:constr type="w" for="ch" forName="childTextBox" refType="w"/>
+                    <dgm:constr type="h" for="ch" forName="childTextBox" refType="h"/>
+                  </dgm:constrLst>
+                  <dgm:ruleLst/>
+                  <dgm:forEach name="Name15" axis="ch" ptType="node">
+                    <dgm:layoutNode name="childTextBox" styleLbl="fgAccFollowNode1">
+                      <dgm:varLst>
+                        <dgm:bulletEnabled val="1"/>
+                      </dgm:varLst>
+                      <dgm:alg type="tx"/>
+                      <dgm:shape xmlns:r="http://schemas.openxmlformats.org/officeDocument/2006/relationships" type="rect" r:blip="">
+                        <dgm:adjLst/>
+                      </dgm:shape>
+                      <dgm:presOf axis="desOrSelf" ptType="node"/>
+                      <dgm:constrLst>
+                        <dgm:constr type="tMarg" refType="primFontSz" fact="0.1"/>
+                        <dgm:constr type="bMarg" refType="primFontSz" fact="0.1"/>
+                      </dgm:constrLst>
+                      <dgm:ruleLst>
+                        <dgm:rule type="primFontSz" val="5" fact="NaN" max="NaN"/>
+                      </dgm:ruleLst>
+                    </dgm:layoutNode>
+                  </dgm:forEach>
+                </dgm:layoutNode>
+              </dgm:if>
+              <dgm:else name="Name16"/>
+            </dgm:choose>
+          </dgm:layoutNode>
+        </dgm:if>
+        <dgm:else name="Name17">
+          <dgm:layoutNode name="arrowAndChildren">
+            <dgm:alg type="composite"/>
+            <dgm:shape xmlns:r="http://schemas.openxmlformats.org/officeDocument/2006/relationships" r:blip="">
+              <dgm:adjLst/>
+            </dgm:shape>
+            <dgm:presOf/>
+            <dgm:choose name="Name18">
+              <dgm:if name="Name19" axis="ch" ptType="node" func="cnt" op="gte" val="1">
+                <dgm:constrLst>
+                  <dgm:constr type="w" for="ch" forName="parentTextArrow" refType="w"/>
+                  <dgm:constr type="t" for="ch" forName="parentTextArrow"/>
+                  <dgm:constr type="h" for="ch" forName="parentTextArrow" refType="h" fact="0.351"/>
+                  <dgm:constr type="w" for="ch" forName="arrow" refType="w"/>
+                  <dgm:constr type="h" for="ch" forName="arrow" refType="h"/>
+                  <dgm:constr type="w" for="ch" forName="descendantArrow" refType="w"/>
+                  <dgm:constr type="b" for="ch" forName="descendantArrow" refType="h" fact="0.65"/>
+                  <dgm:constr type="h" for="ch" forName="descendantArrow" refType="h" fact="0.299"/>
+                </dgm:constrLst>
+              </dgm:if>
+              <dgm:else name="Name20">
+                <dgm:constrLst>
+                  <dgm:constr type="w" for="ch" forName="parentTextArrow" refType="w"/>
+                  <dgm:constr type="h" for="ch" forName="parentTextArrow" refType="h"/>
+                </dgm:constrLst>
+              </dgm:else>
+            </dgm:choose>
+            <dgm:ruleLst/>
+            <dgm:layoutNode name="parentTextArrow">
+              <dgm:alg type="tx"/>
+              <dgm:choose name="Name21">
+                <dgm:if name="Name22" axis="ch" ptType="node" func="cnt" op="gte" val="1">
+                  <dgm:shape xmlns:r="http://schemas.openxmlformats.org/officeDocument/2006/relationships" type="rect" r:blip="" zOrderOff="1" hideGeom="1">
+                    <dgm:adjLst/>
+                  </dgm:shape>
+                </dgm:if>
+                <dgm:else name="Name23">
+                  <dgm:shape xmlns:r="http://schemas.openxmlformats.org/officeDocument/2006/relationships" rot="180" type="upArrowCallout" r:blip="">
+                    <dgm:adjLst/>
+                  </dgm:shape>
+                </dgm:else>
+              </dgm:choose>
+              <dgm:presOf axis="self"/>
+              <dgm:constrLst/>
+              <dgm:ruleLst>
+                <dgm:rule type="primFontSz" val="5" fact="NaN" max="NaN"/>
+              </dgm:ruleLst>
+            </dgm:layoutNode>
+            <dgm:choose name="Name24">
+              <dgm:if name="Name25" axis="ch" ptType="node" func="cnt" op="gte" val="1">
+                <dgm:layoutNode name="arrow">
+                  <dgm:alg type="sp"/>
+                  <dgm:shape xmlns:r="http://schemas.openxmlformats.org/officeDocument/2006/relationships" rot="180" type="upArrowCallout" r:blip="">
+                    <dgm:adjLst/>
+                  </dgm:shape>
+                  <dgm:presOf axis="self"/>
+                  <dgm:constrLst/>
+                  <dgm:ruleLst/>
+                </dgm:layoutNode>
+                <dgm:layoutNode name="descendantArrow">
+                  <dgm:choose name="Name26">
+                    <dgm:if name="Name27" func="var" arg="dir" op="equ" val="norm">
+                      <dgm:alg type="lin"/>
+                    </dgm:if>
+                    <dgm:else name="Name28">
+                      <dgm:alg type="lin">
+                        <dgm:param type="linDir" val="fromR"/>
+                      </dgm:alg>
+                    </dgm:else>
+                  </dgm:choose>
+                  <dgm:shape xmlns:r="http://schemas.openxmlformats.org/officeDocument/2006/relationships" r:blip="">
+                    <dgm:adjLst/>
+                  </dgm:shape>
+                  <dgm:presOf/>
+                  <dgm:constrLst>
+                    <dgm:constr type="w" for="ch" forName="childTextArrow" refType="w"/>
+                    <dgm:constr type="h" for="ch" forName="childTextArrow" refType="h"/>
+                  </dgm:constrLst>
+                  <dgm:ruleLst/>
+                  <dgm:forEach name="Name29" axis="ch" ptType="node">
+                    <dgm:layoutNode name="childTextArrow" styleLbl="fgAccFollowNode1">
+                      <dgm:varLst>
+                        <dgm:bulletEnabled val="1"/>
+                      </dgm:varLst>
+                      <dgm:alg type="tx"/>
+                      <dgm:shape xmlns:r="http://schemas.openxmlformats.org/officeDocument/2006/relationships" type="rect" r:blip="">
+                        <dgm:adjLst/>
+                      </dgm:shape>
+                      <dgm:presOf axis="desOrSelf" ptType="node"/>
+                      <dgm:constrLst>
+                        <dgm:constr type="tMarg" refType="primFontSz" fact="0.1"/>
+                        <dgm:constr type="bMarg" refType="primFontSz" fact="0.1"/>
+                      </dgm:constrLst>
+                      <dgm:ruleLst>
+                        <dgm:rule type="primFontSz" val="5" fact="NaN" max="NaN"/>
+                      </dgm:ruleLst>
+                    </dgm:layoutNode>
+                  </dgm:forEach>
+                </dgm:layoutNode>
+              </dgm:if>
+              <dgm:else name="Name30"/>
+            </dgm:choose>
+          </dgm:layoutNode>
+        </dgm:else>
+      </dgm:choose>
+      <dgm:forEach name="Name31" axis="precedSib" ptType="sibTrans" st="-1" cnt="1">
+        <dgm:layoutNode name="sp">
+          <dgm:alg type="sp"/>
+          <dgm:shape xmlns:r="http://schemas.openxmlformats.org/officeDocument/2006/relationships" r:blip="">
+            <dgm:adjLst/>
+          </dgm:shape>
+          <dgm:presOf axis="self"/>
+          <dgm:constrLst/>
+          <dgm:ruleLst/>
+        </dgm:layoutNode>
+      </dgm:forEach>
+    </dgm:forEach>
+  </dgm:layoutNode>
+</dgm:layoutDef>
+</file>
+
 <file path=ppt/diagrams/quickStyle1.xml><?xml version="1.0" encoding="utf-8"?>
 <dgm:styleDef xmlns:dgm="http://schemas.openxmlformats.org/drawingml/2006/diagram" xmlns:a="http://schemas.openxmlformats.org/drawingml/2006/main" uniqueId="urn:microsoft.com/office/officeart/2005/8/quickstyle/simple1">
   <dgm:title val=""/>
@@ -18505,6 +21154,1066 @@
         <a:scrgbClr r="0" g="0" b="0"/>
       </a:fillRef>
       <a:effectRef idx="0">
+        <a:scrgbClr r="0" g="0" b="0"/>
+      </a:effectRef>
+      <a:fontRef idx="minor"/>
+    </dgm:style>
+  </dgm:styleLbl>
+  <dgm:styleLbl name="revTx">
+    <dgm:scene3d>
+      <a:camera prst="orthographicFront"/>
+      <a:lightRig rig="threePt" dir="t"/>
+    </dgm:scene3d>
+    <dgm:sp3d/>
+    <dgm:txPr/>
+    <dgm:style>
+      <a:lnRef idx="0">
+        <a:scrgbClr r="0" g="0" b="0"/>
+      </a:lnRef>
+      <a:fillRef idx="0">
+        <a:scrgbClr r="0" g="0" b="0"/>
+      </a:fillRef>
+      <a:effectRef idx="0">
+        <a:scrgbClr r="0" g="0" b="0"/>
+      </a:effectRef>
+      <a:fontRef idx="minor"/>
+    </dgm:style>
+  </dgm:styleLbl>
+</dgm:styleDef>
+</file>
+
+<file path=ppt/diagrams/quickStyle6.xml><?xml version="1.0" encoding="utf-8"?>
+<dgm:styleDef xmlns:dgm="http://schemas.openxmlformats.org/drawingml/2006/diagram" xmlns:a="http://schemas.openxmlformats.org/drawingml/2006/main" uniqueId="urn:microsoft.com/office/officeart/2005/8/quickstyle/simple3">
+  <dgm:title val=""/>
+  <dgm:desc val=""/>
+  <dgm:catLst>
+    <dgm:cat type="simple" pri="10300"/>
+  </dgm:catLst>
+  <dgm:scene3d>
+    <a:camera prst="orthographicFront"/>
+    <a:lightRig rig="threePt" dir="t"/>
+  </dgm:scene3d>
+  <dgm:styleLbl name="node0">
+    <dgm:scene3d>
+      <a:camera prst="orthographicFront"/>
+      <a:lightRig rig="flat" dir="t"/>
+    </dgm:scene3d>
+    <dgm:sp3d prstMaterial="dkEdge">
+      <a:bevelT w="8200" h="38100"/>
+    </dgm:sp3d>
+    <dgm:txPr/>
+    <dgm:style>
+      <a:lnRef idx="0">
+        <a:scrgbClr r="0" g="0" b="0"/>
+      </a:lnRef>
+      <a:fillRef idx="2">
+        <a:scrgbClr r="0" g="0" b="0"/>
+      </a:fillRef>
+      <a:effectRef idx="1">
+        <a:scrgbClr r="0" g="0" b="0"/>
+      </a:effectRef>
+      <a:fontRef idx="minor">
+        <a:schemeClr val="dk1"/>
+      </a:fontRef>
+    </dgm:style>
+  </dgm:styleLbl>
+  <dgm:styleLbl name="lnNode1">
+    <dgm:scene3d>
+      <a:camera prst="orthographicFront"/>
+      <a:lightRig rig="flat" dir="t"/>
+    </dgm:scene3d>
+    <dgm:sp3d prstMaterial="dkEdge">
+      <a:bevelT w="8200" h="38100"/>
+    </dgm:sp3d>
+    <dgm:txPr/>
+    <dgm:style>
+      <a:lnRef idx="1">
+        <a:scrgbClr r="0" g="0" b="0"/>
+      </a:lnRef>
+      <a:fillRef idx="2">
+        <a:scrgbClr r="0" g="0" b="0"/>
+      </a:fillRef>
+      <a:effectRef idx="0">
+        <a:scrgbClr r="0" g="0" b="0"/>
+      </a:effectRef>
+      <a:fontRef idx="minor">
+        <a:schemeClr val="dk1"/>
+      </a:fontRef>
+    </dgm:style>
+  </dgm:styleLbl>
+  <dgm:styleLbl name="vennNode1">
+    <dgm:scene3d>
+      <a:camera prst="orthographicFront"/>
+      <a:lightRig rig="flat" dir="t"/>
+    </dgm:scene3d>
+    <dgm:sp3d prstMaterial="dkEdge">
+      <a:bevelT w="8200" h="38100"/>
+    </dgm:sp3d>
+    <dgm:txPr/>
+    <dgm:style>
+      <a:lnRef idx="0">
+        <a:scrgbClr r="0" g="0" b="0"/>
+      </a:lnRef>
+      <a:fillRef idx="2">
+        <a:scrgbClr r="0" g="0" b="0"/>
+      </a:fillRef>
+      <a:effectRef idx="0">
+        <a:scrgbClr r="0" g="0" b="0"/>
+      </a:effectRef>
+      <a:fontRef idx="minor">
+        <a:schemeClr val="tx1"/>
+      </a:fontRef>
+    </dgm:style>
+  </dgm:styleLbl>
+  <dgm:styleLbl name="alignNode1">
+    <dgm:scene3d>
+      <a:camera prst="orthographicFront"/>
+      <a:lightRig rig="threePt" dir="t"/>
+    </dgm:scene3d>
+    <dgm:sp3d/>
+    <dgm:txPr/>
+    <dgm:style>
+      <a:lnRef idx="1">
+        <a:scrgbClr r="0" g="0" b="0"/>
+      </a:lnRef>
+      <a:fillRef idx="2">
+        <a:scrgbClr r="0" g="0" b="0"/>
+      </a:fillRef>
+      <a:effectRef idx="1">
+        <a:scrgbClr r="0" g="0" b="0"/>
+      </a:effectRef>
+      <a:fontRef idx="minor">
+        <a:schemeClr val="dk1"/>
+      </a:fontRef>
+    </dgm:style>
+  </dgm:styleLbl>
+  <dgm:styleLbl name="node1">
+    <dgm:scene3d>
+      <a:camera prst="orthographicFront"/>
+      <a:lightRig rig="flat" dir="t"/>
+    </dgm:scene3d>
+    <dgm:sp3d prstMaterial="dkEdge">
+      <a:bevelT w="8200" h="38100"/>
+    </dgm:sp3d>
+    <dgm:txPr/>
+    <dgm:style>
+      <a:lnRef idx="0">
+        <a:scrgbClr r="0" g="0" b="0"/>
+      </a:lnRef>
+      <a:fillRef idx="2">
+        <a:scrgbClr r="0" g="0" b="0"/>
+      </a:fillRef>
+      <a:effectRef idx="1">
+        <a:scrgbClr r="0" g="0" b="0"/>
+      </a:effectRef>
+      <a:fontRef idx="minor">
+        <a:schemeClr val="dk1"/>
+      </a:fontRef>
+    </dgm:style>
+  </dgm:styleLbl>
+  <dgm:styleLbl name="node2">
+    <dgm:scene3d>
+      <a:camera prst="orthographicFront"/>
+      <a:lightRig rig="flat" dir="t"/>
+    </dgm:scene3d>
+    <dgm:sp3d prstMaterial="dkEdge">
+      <a:bevelT w="8200" h="38100"/>
+    </dgm:sp3d>
+    <dgm:txPr/>
+    <dgm:style>
+      <a:lnRef idx="0">
+        <a:scrgbClr r="0" g="0" b="0"/>
+      </a:lnRef>
+      <a:fillRef idx="2">
+        <a:scrgbClr r="0" g="0" b="0"/>
+      </a:fillRef>
+      <a:effectRef idx="1">
+        <a:scrgbClr r="0" g="0" b="0"/>
+      </a:effectRef>
+      <a:fontRef idx="minor">
+        <a:schemeClr val="dk1"/>
+      </a:fontRef>
+    </dgm:style>
+  </dgm:styleLbl>
+  <dgm:styleLbl name="node3">
+    <dgm:scene3d>
+      <a:camera prst="orthographicFront"/>
+      <a:lightRig rig="flat" dir="t"/>
+    </dgm:scene3d>
+    <dgm:sp3d prstMaterial="dkEdge">
+      <a:bevelT w="8200" h="38100"/>
+    </dgm:sp3d>
+    <dgm:txPr/>
+    <dgm:style>
+      <a:lnRef idx="0">
+        <a:scrgbClr r="0" g="0" b="0"/>
+      </a:lnRef>
+      <a:fillRef idx="2">
+        <a:scrgbClr r="0" g="0" b="0"/>
+      </a:fillRef>
+      <a:effectRef idx="1">
+        <a:scrgbClr r="0" g="0" b="0"/>
+      </a:effectRef>
+      <a:fontRef idx="minor">
+        <a:schemeClr val="dk1"/>
+      </a:fontRef>
+    </dgm:style>
+  </dgm:styleLbl>
+  <dgm:styleLbl name="node4">
+    <dgm:scene3d>
+      <a:camera prst="orthographicFront"/>
+      <a:lightRig rig="flat" dir="t"/>
+    </dgm:scene3d>
+    <dgm:sp3d prstMaterial="dkEdge">
+      <a:bevelT w="8200" h="38100"/>
+    </dgm:sp3d>
+    <dgm:txPr/>
+    <dgm:style>
+      <a:lnRef idx="0">
+        <a:scrgbClr r="0" g="0" b="0"/>
+      </a:lnRef>
+      <a:fillRef idx="2">
+        <a:scrgbClr r="0" g="0" b="0"/>
+      </a:fillRef>
+      <a:effectRef idx="1">
+        <a:scrgbClr r="0" g="0" b="0"/>
+      </a:effectRef>
+      <a:fontRef idx="minor">
+        <a:schemeClr val="dk1"/>
+      </a:fontRef>
+    </dgm:style>
+  </dgm:styleLbl>
+  <dgm:styleLbl name="fgImgPlace1">
+    <dgm:scene3d>
+      <a:camera prst="orthographicFront"/>
+      <a:lightRig rig="threePt" dir="t"/>
+    </dgm:scene3d>
+    <dgm:sp3d/>
+    <dgm:txPr/>
+    <dgm:style>
+      <a:lnRef idx="1">
+        <a:scrgbClr r="0" g="0" b="0"/>
+      </a:lnRef>
+      <a:fillRef idx="1">
+        <a:scrgbClr r="0" g="0" b="0"/>
+      </a:fillRef>
+      <a:effectRef idx="1">
+        <a:scrgbClr r="0" g="0" b="0"/>
+      </a:effectRef>
+      <a:fontRef idx="minor"/>
+    </dgm:style>
+  </dgm:styleLbl>
+  <dgm:styleLbl name="alignImgPlace1">
+    <dgm:scene3d>
+      <a:camera prst="orthographicFront"/>
+      <a:lightRig rig="threePt" dir="t"/>
+    </dgm:scene3d>
+    <dgm:sp3d/>
+    <dgm:txPr/>
+    <dgm:style>
+      <a:lnRef idx="1">
+        <a:scrgbClr r="0" g="0" b="0"/>
+      </a:lnRef>
+      <a:fillRef idx="1">
+        <a:scrgbClr r="0" g="0" b="0"/>
+      </a:fillRef>
+      <a:effectRef idx="1">
+        <a:scrgbClr r="0" g="0" b="0"/>
+      </a:effectRef>
+      <a:fontRef idx="minor"/>
+    </dgm:style>
+  </dgm:styleLbl>
+  <dgm:styleLbl name="bgImgPlace1">
+    <dgm:scene3d>
+      <a:camera prst="orthographicFront"/>
+      <a:lightRig rig="threePt" dir="t"/>
+    </dgm:scene3d>
+    <dgm:sp3d/>
+    <dgm:txPr/>
+    <dgm:style>
+      <a:lnRef idx="1">
+        <a:scrgbClr r="0" g="0" b="0"/>
+      </a:lnRef>
+      <a:fillRef idx="1">
+        <a:scrgbClr r="0" g="0" b="0"/>
+      </a:fillRef>
+      <a:effectRef idx="1">
+        <a:scrgbClr r="0" g="0" b="0"/>
+      </a:effectRef>
+      <a:fontRef idx="minor"/>
+    </dgm:style>
+  </dgm:styleLbl>
+  <dgm:styleLbl name="sibTrans2D1">
+    <dgm:scene3d>
+      <a:camera prst="orthographicFront"/>
+      <a:lightRig rig="threePt" dir="t"/>
+    </dgm:scene3d>
+    <dgm:sp3d/>
+    <dgm:txPr/>
+    <dgm:style>
+      <a:lnRef idx="0">
+        <a:scrgbClr r="0" g="0" b="0"/>
+      </a:lnRef>
+      <a:fillRef idx="2">
+        <a:scrgbClr r="0" g="0" b="0"/>
+      </a:fillRef>
+      <a:effectRef idx="1">
+        <a:scrgbClr r="0" g="0" b="0"/>
+      </a:effectRef>
+      <a:fontRef idx="minor">
+        <a:schemeClr val="dk1"/>
+      </a:fontRef>
+    </dgm:style>
+  </dgm:styleLbl>
+  <dgm:styleLbl name="fgSibTrans2D1">
+    <dgm:scene3d>
+      <a:camera prst="orthographicFront"/>
+      <a:lightRig rig="threePt" dir="t"/>
+    </dgm:scene3d>
+    <dgm:sp3d/>
+    <dgm:txPr/>
+    <dgm:style>
+      <a:lnRef idx="0">
+        <a:scrgbClr r="0" g="0" b="0"/>
+      </a:lnRef>
+      <a:fillRef idx="2">
+        <a:scrgbClr r="0" g="0" b="0"/>
+      </a:fillRef>
+      <a:effectRef idx="1">
+        <a:scrgbClr r="0" g="0" b="0"/>
+      </a:effectRef>
+      <a:fontRef idx="minor">
+        <a:schemeClr val="dk1"/>
+      </a:fontRef>
+    </dgm:style>
+  </dgm:styleLbl>
+  <dgm:styleLbl name="bgSibTrans2D1">
+    <dgm:scene3d>
+      <a:camera prst="orthographicFront"/>
+      <a:lightRig rig="threePt" dir="t"/>
+    </dgm:scene3d>
+    <dgm:sp3d/>
+    <dgm:txPr/>
+    <dgm:style>
+      <a:lnRef idx="0">
+        <a:scrgbClr r="0" g="0" b="0"/>
+      </a:lnRef>
+      <a:fillRef idx="2">
+        <a:scrgbClr r="0" g="0" b="0"/>
+      </a:fillRef>
+      <a:effectRef idx="1">
+        <a:scrgbClr r="0" g="0" b="0"/>
+      </a:effectRef>
+      <a:fontRef idx="minor">
+        <a:schemeClr val="dk1"/>
+      </a:fontRef>
+    </dgm:style>
+  </dgm:styleLbl>
+  <dgm:styleLbl name="sibTrans1D1">
+    <dgm:scene3d>
+      <a:camera prst="orthographicFront"/>
+      <a:lightRig rig="threePt" dir="t"/>
+    </dgm:scene3d>
+    <dgm:sp3d/>
+    <dgm:txPr/>
+    <dgm:style>
+      <a:lnRef idx="1">
+        <a:scrgbClr r="0" g="0" b="0"/>
+      </a:lnRef>
+      <a:fillRef idx="0">
+        <a:scrgbClr r="0" g="0" b="0"/>
+      </a:fillRef>
+      <a:effectRef idx="0">
+        <a:scrgbClr r="0" g="0" b="0"/>
+      </a:effectRef>
+      <a:fontRef idx="minor"/>
+    </dgm:style>
+  </dgm:styleLbl>
+  <dgm:styleLbl name="callout">
+    <dgm:scene3d>
+      <a:camera prst="orthographicFront"/>
+      <a:lightRig rig="threePt" dir="t"/>
+    </dgm:scene3d>
+    <dgm:sp3d/>
+    <dgm:txPr/>
+    <dgm:style>
+      <a:lnRef idx="1">
+        <a:scrgbClr r="0" g="0" b="0"/>
+      </a:lnRef>
+      <a:fillRef idx="2">
+        <a:scrgbClr r="0" g="0" b="0"/>
+      </a:fillRef>
+      <a:effectRef idx="1">
+        <a:scrgbClr r="0" g="0" b="0"/>
+      </a:effectRef>
+      <a:fontRef idx="minor"/>
+    </dgm:style>
+  </dgm:styleLbl>
+  <dgm:styleLbl name="asst0">
+    <dgm:scene3d>
+      <a:camera prst="orthographicFront"/>
+      <a:lightRig rig="flat" dir="t"/>
+    </dgm:scene3d>
+    <dgm:sp3d prstMaterial="dkEdge">
+      <a:bevelT w="8200" h="38100"/>
+    </dgm:sp3d>
+    <dgm:txPr/>
+    <dgm:style>
+      <a:lnRef idx="0">
+        <a:scrgbClr r="0" g="0" b="0"/>
+      </a:lnRef>
+      <a:fillRef idx="2">
+        <a:scrgbClr r="0" g="0" b="0"/>
+      </a:fillRef>
+      <a:effectRef idx="1">
+        <a:scrgbClr r="0" g="0" b="0"/>
+      </a:effectRef>
+      <a:fontRef idx="minor">
+        <a:schemeClr val="dk1"/>
+      </a:fontRef>
+    </dgm:style>
+  </dgm:styleLbl>
+  <dgm:styleLbl name="asst1">
+    <dgm:scene3d>
+      <a:camera prst="orthographicFront"/>
+      <a:lightRig rig="flat" dir="t"/>
+    </dgm:scene3d>
+    <dgm:sp3d prstMaterial="dkEdge">
+      <a:bevelT w="8200" h="38100"/>
+    </dgm:sp3d>
+    <dgm:txPr/>
+    <dgm:style>
+      <a:lnRef idx="0">
+        <a:scrgbClr r="0" g="0" b="0"/>
+      </a:lnRef>
+      <a:fillRef idx="2">
+        <a:scrgbClr r="0" g="0" b="0"/>
+      </a:fillRef>
+      <a:effectRef idx="1">
+        <a:scrgbClr r="0" g="0" b="0"/>
+      </a:effectRef>
+      <a:fontRef idx="minor">
+        <a:schemeClr val="dk1"/>
+      </a:fontRef>
+    </dgm:style>
+  </dgm:styleLbl>
+  <dgm:styleLbl name="asst2">
+    <dgm:scene3d>
+      <a:camera prst="orthographicFront"/>
+      <a:lightRig rig="flat" dir="t"/>
+    </dgm:scene3d>
+    <dgm:sp3d prstMaterial="dkEdge">
+      <a:bevelT w="8200" h="38100"/>
+    </dgm:sp3d>
+    <dgm:txPr/>
+    <dgm:style>
+      <a:lnRef idx="0">
+        <a:scrgbClr r="0" g="0" b="0"/>
+      </a:lnRef>
+      <a:fillRef idx="2">
+        <a:scrgbClr r="0" g="0" b="0"/>
+      </a:fillRef>
+      <a:effectRef idx="1">
+        <a:scrgbClr r="0" g="0" b="0"/>
+      </a:effectRef>
+      <a:fontRef idx="minor">
+        <a:schemeClr val="dk1"/>
+      </a:fontRef>
+    </dgm:style>
+  </dgm:styleLbl>
+  <dgm:styleLbl name="asst3">
+    <dgm:scene3d>
+      <a:camera prst="orthographicFront"/>
+      <a:lightRig rig="flat" dir="t"/>
+    </dgm:scene3d>
+    <dgm:sp3d prstMaterial="dkEdge">
+      <a:bevelT w="8200" h="38100"/>
+    </dgm:sp3d>
+    <dgm:txPr/>
+    <dgm:style>
+      <a:lnRef idx="0">
+        <a:scrgbClr r="0" g="0" b="0"/>
+      </a:lnRef>
+      <a:fillRef idx="2">
+        <a:scrgbClr r="0" g="0" b="0"/>
+      </a:fillRef>
+      <a:effectRef idx="1">
+        <a:scrgbClr r="0" g="0" b="0"/>
+      </a:effectRef>
+      <a:fontRef idx="minor">
+        <a:schemeClr val="dk1"/>
+      </a:fontRef>
+    </dgm:style>
+  </dgm:styleLbl>
+  <dgm:styleLbl name="asst4">
+    <dgm:scene3d>
+      <a:camera prst="orthographicFront"/>
+      <a:lightRig rig="flat" dir="t"/>
+    </dgm:scene3d>
+    <dgm:sp3d prstMaterial="dkEdge">
+      <a:bevelT w="8200" h="38100"/>
+    </dgm:sp3d>
+    <dgm:txPr/>
+    <dgm:style>
+      <a:lnRef idx="0">
+        <a:scrgbClr r="0" g="0" b="0"/>
+      </a:lnRef>
+      <a:fillRef idx="2">
+        <a:scrgbClr r="0" g="0" b="0"/>
+      </a:fillRef>
+      <a:effectRef idx="1">
+        <a:scrgbClr r="0" g="0" b="0"/>
+      </a:effectRef>
+      <a:fontRef idx="minor">
+        <a:schemeClr val="dk1"/>
+      </a:fontRef>
+    </dgm:style>
+  </dgm:styleLbl>
+  <dgm:styleLbl name="parChTrans2D1">
+    <dgm:scene3d>
+      <a:camera prst="orthographicFront"/>
+      <a:lightRig rig="threePt" dir="t"/>
+    </dgm:scene3d>
+    <dgm:sp3d/>
+    <dgm:txPr/>
+    <dgm:style>
+      <a:lnRef idx="1">
+        <a:scrgbClr r="0" g="0" b="0"/>
+      </a:lnRef>
+      <a:fillRef idx="2">
+        <a:scrgbClr r="0" g="0" b="0"/>
+      </a:fillRef>
+      <a:effectRef idx="1">
+        <a:scrgbClr r="0" g="0" b="0"/>
+      </a:effectRef>
+      <a:fontRef idx="minor">
+        <a:schemeClr val="dk1"/>
+      </a:fontRef>
+    </dgm:style>
+  </dgm:styleLbl>
+  <dgm:styleLbl name="parChTrans2D2">
+    <dgm:scene3d>
+      <a:camera prst="orthographicFront"/>
+      <a:lightRig rig="threePt" dir="t"/>
+    </dgm:scene3d>
+    <dgm:sp3d/>
+    <dgm:txPr/>
+    <dgm:style>
+      <a:lnRef idx="1">
+        <a:scrgbClr r="0" g="0" b="0"/>
+      </a:lnRef>
+      <a:fillRef idx="2">
+        <a:scrgbClr r="0" g="0" b="0"/>
+      </a:fillRef>
+      <a:effectRef idx="1">
+        <a:scrgbClr r="0" g="0" b="0"/>
+      </a:effectRef>
+      <a:fontRef idx="minor">
+        <a:schemeClr val="dk1"/>
+      </a:fontRef>
+    </dgm:style>
+  </dgm:styleLbl>
+  <dgm:styleLbl name="parChTrans2D3">
+    <dgm:scene3d>
+      <a:camera prst="orthographicFront"/>
+      <a:lightRig rig="threePt" dir="t"/>
+    </dgm:scene3d>
+    <dgm:sp3d/>
+    <dgm:txPr/>
+    <dgm:style>
+      <a:lnRef idx="1">
+        <a:scrgbClr r="0" g="0" b="0"/>
+      </a:lnRef>
+      <a:fillRef idx="2">
+        <a:scrgbClr r="0" g="0" b="0"/>
+      </a:fillRef>
+      <a:effectRef idx="1">
+        <a:scrgbClr r="0" g="0" b="0"/>
+      </a:effectRef>
+      <a:fontRef idx="minor">
+        <a:schemeClr val="dk1"/>
+      </a:fontRef>
+    </dgm:style>
+  </dgm:styleLbl>
+  <dgm:styleLbl name="parChTrans2D4">
+    <dgm:scene3d>
+      <a:camera prst="orthographicFront"/>
+      <a:lightRig rig="threePt" dir="t"/>
+    </dgm:scene3d>
+    <dgm:sp3d/>
+    <dgm:txPr/>
+    <dgm:style>
+      <a:lnRef idx="1">
+        <a:scrgbClr r="0" g="0" b="0"/>
+      </a:lnRef>
+      <a:fillRef idx="2">
+        <a:scrgbClr r="0" g="0" b="0"/>
+      </a:fillRef>
+      <a:effectRef idx="1">
+        <a:scrgbClr r="0" g="0" b="0"/>
+      </a:effectRef>
+      <a:fontRef idx="minor">
+        <a:schemeClr val="dk1"/>
+      </a:fontRef>
+    </dgm:style>
+  </dgm:styleLbl>
+  <dgm:styleLbl name="parChTrans1D1">
+    <dgm:scene3d>
+      <a:camera prst="orthographicFront"/>
+      <a:lightRig rig="threePt" dir="t"/>
+    </dgm:scene3d>
+    <dgm:sp3d/>
+    <dgm:txPr/>
+    <dgm:style>
+      <a:lnRef idx="2">
+        <a:scrgbClr r="0" g="0" b="0"/>
+      </a:lnRef>
+      <a:fillRef idx="0">
+        <a:scrgbClr r="0" g="0" b="0"/>
+      </a:fillRef>
+      <a:effectRef idx="0">
+        <a:scrgbClr r="0" g="0" b="0"/>
+      </a:effectRef>
+      <a:fontRef idx="minor"/>
+    </dgm:style>
+  </dgm:styleLbl>
+  <dgm:styleLbl name="parChTrans1D2">
+    <dgm:scene3d>
+      <a:camera prst="orthographicFront"/>
+      <a:lightRig rig="threePt" dir="t"/>
+    </dgm:scene3d>
+    <dgm:sp3d/>
+    <dgm:txPr/>
+    <dgm:style>
+      <a:lnRef idx="2">
+        <a:scrgbClr r="0" g="0" b="0"/>
+      </a:lnRef>
+      <a:fillRef idx="0">
+        <a:scrgbClr r="0" g="0" b="0"/>
+      </a:fillRef>
+      <a:effectRef idx="0">
+        <a:scrgbClr r="0" g="0" b="0"/>
+      </a:effectRef>
+      <a:fontRef idx="minor"/>
+    </dgm:style>
+  </dgm:styleLbl>
+  <dgm:styleLbl name="parChTrans1D3">
+    <dgm:scene3d>
+      <a:camera prst="orthographicFront"/>
+      <a:lightRig rig="threePt" dir="t"/>
+    </dgm:scene3d>
+    <dgm:sp3d/>
+    <dgm:txPr/>
+    <dgm:style>
+      <a:lnRef idx="2">
+        <a:scrgbClr r="0" g="0" b="0"/>
+      </a:lnRef>
+      <a:fillRef idx="0">
+        <a:scrgbClr r="0" g="0" b="0"/>
+      </a:fillRef>
+      <a:effectRef idx="0">
+        <a:scrgbClr r="0" g="0" b="0"/>
+      </a:effectRef>
+      <a:fontRef idx="minor"/>
+    </dgm:style>
+  </dgm:styleLbl>
+  <dgm:styleLbl name="parChTrans1D4">
+    <dgm:scene3d>
+      <a:camera prst="orthographicFront"/>
+      <a:lightRig rig="threePt" dir="t"/>
+    </dgm:scene3d>
+    <dgm:sp3d/>
+    <dgm:txPr/>
+    <dgm:style>
+      <a:lnRef idx="2">
+        <a:scrgbClr r="0" g="0" b="0"/>
+      </a:lnRef>
+      <a:fillRef idx="0">
+        <a:scrgbClr r="0" g="0" b="0"/>
+      </a:fillRef>
+      <a:effectRef idx="0">
+        <a:scrgbClr r="0" g="0" b="0"/>
+      </a:effectRef>
+      <a:fontRef idx="minor"/>
+    </dgm:style>
+  </dgm:styleLbl>
+  <dgm:styleLbl name="fgAcc1">
+    <dgm:scene3d>
+      <a:camera prst="orthographicFront"/>
+      <a:lightRig rig="threePt" dir="t"/>
+    </dgm:scene3d>
+    <dgm:sp3d/>
+    <dgm:txPr/>
+    <dgm:style>
+      <a:lnRef idx="1">
+        <a:scrgbClr r="0" g="0" b="0"/>
+      </a:lnRef>
+      <a:fillRef idx="1">
+        <a:scrgbClr r="0" g="0" b="0"/>
+      </a:fillRef>
+      <a:effectRef idx="0">
+        <a:scrgbClr r="0" g="0" b="0"/>
+      </a:effectRef>
+      <a:fontRef idx="minor"/>
+    </dgm:style>
+  </dgm:styleLbl>
+  <dgm:styleLbl name="conFgAcc1">
+    <dgm:scene3d>
+      <a:camera prst="orthographicFront"/>
+      <a:lightRig rig="threePt" dir="t"/>
+    </dgm:scene3d>
+    <dgm:sp3d/>
+    <dgm:txPr/>
+    <dgm:style>
+      <a:lnRef idx="1">
+        <a:scrgbClr r="0" g="0" b="0"/>
+      </a:lnRef>
+      <a:fillRef idx="1">
+        <a:scrgbClr r="0" g="0" b="0"/>
+      </a:fillRef>
+      <a:effectRef idx="0">
+        <a:scrgbClr r="0" g="0" b="0"/>
+      </a:effectRef>
+      <a:fontRef idx="minor"/>
+    </dgm:style>
+  </dgm:styleLbl>
+  <dgm:styleLbl name="alignAcc1">
+    <dgm:scene3d>
+      <a:camera prst="orthographicFront"/>
+      <a:lightRig rig="threePt" dir="t"/>
+    </dgm:scene3d>
+    <dgm:sp3d/>
+    <dgm:txPr/>
+    <dgm:style>
+      <a:lnRef idx="1">
+        <a:scrgbClr r="0" g="0" b="0"/>
+      </a:lnRef>
+      <a:fillRef idx="1">
+        <a:scrgbClr r="0" g="0" b="0"/>
+      </a:fillRef>
+      <a:effectRef idx="0">
+        <a:scrgbClr r="0" g="0" b="0"/>
+      </a:effectRef>
+      <a:fontRef idx="minor"/>
+    </dgm:style>
+  </dgm:styleLbl>
+  <dgm:styleLbl name="trAlignAcc1">
+    <dgm:scene3d>
+      <a:camera prst="orthographicFront"/>
+      <a:lightRig rig="threePt" dir="t"/>
+    </dgm:scene3d>
+    <dgm:sp3d/>
+    <dgm:txPr/>
+    <dgm:style>
+      <a:lnRef idx="1">
+        <a:scrgbClr r="0" g="0" b="0"/>
+      </a:lnRef>
+      <a:fillRef idx="1">
+        <a:scrgbClr r="0" g="0" b="0"/>
+      </a:fillRef>
+      <a:effectRef idx="0">
+        <a:scrgbClr r="0" g="0" b="0"/>
+      </a:effectRef>
+      <a:fontRef idx="minor"/>
+    </dgm:style>
+  </dgm:styleLbl>
+  <dgm:styleLbl name="bgAcc1">
+    <dgm:scene3d>
+      <a:camera prst="orthographicFront"/>
+      <a:lightRig rig="threePt" dir="t"/>
+    </dgm:scene3d>
+    <dgm:sp3d/>
+    <dgm:txPr/>
+    <dgm:style>
+      <a:lnRef idx="1">
+        <a:scrgbClr r="0" g="0" b="0"/>
+      </a:lnRef>
+      <a:fillRef idx="1">
+        <a:scrgbClr r="0" g="0" b="0"/>
+      </a:fillRef>
+      <a:effectRef idx="0">
+        <a:scrgbClr r="0" g="0" b="0"/>
+      </a:effectRef>
+      <a:fontRef idx="minor"/>
+    </dgm:style>
+  </dgm:styleLbl>
+  <dgm:styleLbl name="solidFgAcc1">
+    <dgm:scene3d>
+      <a:camera prst="orthographicFront"/>
+      <a:lightRig rig="threePt" dir="t"/>
+    </dgm:scene3d>
+    <dgm:sp3d/>
+    <dgm:txPr/>
+    <dgm:style>
+      <a:lnRef idx="1">
+        <a:scrgbClr r="0" g="0" b="0"/>
+      </a:lnRef>
+      <a:fillRef idx="2">
+        <a:scrgbClr r="0" g="0" b="0"/>
+      </a:fillRef>
+      <a:effectRef idx="0">
+        <a:scrgbClr r="0" g="0" b="0"/>
+      </a:effectRef>
+      <a:fontRef idx="minor"/>
+    </dgm:style>
+  </dgm:styleLbl>
+  <dgm:styleLbl name="solidAlignAcc1">
+    <dgm:scene3d>
+      <a:camera prst="orthographicFront"/>
+      <a:lightRig rig="threePt" dir="t"/>
+    </dgm:scene3d>
+    <dgm:sp3d/>
+    <dgm:txPr/>
+    <dgm:style>
+      <a:lnRef idx="1">
+        <a:scrgbClr r="0" g="0" b="0"/>
+      </a:lnRef>
+      <a:fillRef idx="1">
+        <a:scrgbClr r="0" g="0" b="0"/>
+      </a:fillRef>
+      <a:effectRef idx="0">
+        <a:scrgbClr r="0" g="0" b="0"/>
+      </a:effectRef>
+      <a:fontRef idx="minor"/>
+    </dgm:style>
+  </dgm:styleLbl>
+  <dgm:styleLbl name="solidBgAcc1">
+    <dgm:scene3d>
+      <a:camera prst="orthographicFront"/>
+      <a:lightRig rig="threePt" dir="t"/>
+    </dgm:scene3d>
+    <dgm:sp3d/>
+    <dgm:txPr/>
+    <dgm:style>
+      <a:lnRef idx="1">
+        <a:scrgbClr r="0" g="0" b="0"/>
+      </a:lnRef>
+      <a:fillRef idx="1">
+        <a:scrgbClr r="0" g="0" b="0"/>
+      </a:fillRef>
+      <a:effectRef idx="0">
+        <a:scrgbClr r="0" g="0" b="0"/>
+      </a:effectRef>
+      <a:fontRef idx="minor"/>
+    </dgm:style>
+  </dgm:styleLbl>
+  <dgm:styleLbl name="fgAccFollowNode1">
+    <dgm:scene3d>
+      <a:camera prst="orthographicFront"/>
+      <a:lightRig rig="threePt" dir="t"/>
+    </dgm:scene3d>
+    <dgm:sp3d/>
+    <dgm:txPr/>
+    <dgm:style>
+      <a:lnRef idx="1">
+        <a:scrgbClr r="0" g="0" b="0"/>
+      </a:lnRef>
+      <a:fillRef idx="1">
+        <a:scrgbClr r="0" g="0" b="0"/>
+      </a:fillRef>
+      <a:effectRef idx="0">
+        <a:scrgbClr r="0" g="0" b="0"/>
+      </a:effectRef>
+      <a:fontRef idx="minor"/>
+    </dgm:style>
+  </dgm:styleLbl>
+  <dgm:styleLbl name="alignAccFollowNode1">
+    <dgm:scene3d>
+      <a:camera prst="orthographicFront"/>
+      <a:lightRig rig="threePt" dir="t"/>
+    </dgm:scene3d>
+    <dgm:sp3d/>
+    <dgm:txPr/>
+    <dgm:style>
+      <a:lnRef idx="1">
+        <a:scrgbClr r="0" g="0" b="0"/>
+      </a:lnRef>
+      <a:fillRef idx="1">
+        <a:scrgbClr r="0" g="0" b="0"/>
+      </a:fillRef>
+      <a:effectRef idx="0">
+        <a:scrgbClr r="0" g="0" b="0"/>
+      </a:effectRef>
+      <a:fontRef idx="minor"/>
+    </dgm:style>
+  </dgm:styleLbl>
+  <dgm:styleLbl name="bgAccFollowNode1">
+    <dgm:scene3d>
+      <a:camera prst="orthographicFront"/>
+      <a:lightRig rig="threePt" dir="t"/>
+    </dgm:scene3d>
+    <dgm:sp3d/>
+    <dgm:txPr/>
+    <dgm:style>
+      <a:lnRef idx="1">
+        <a:scrgbClr r="0" g="0" b="0"/>
+      </a:lnRef>
+      <a:fillRef idx="1">
+        <a:scrgbClr r="0" g="0" b="0"/>
+      </a:fillRef>
+      <a:effectRef idx="0">
+        <a:scrgbClr r="0" g="0" b="0"/>
+      </a:effectRef>
+      <a:fontRef idx="minor"/>
+    </dgm:style>
+  </dgm:styleLbl>
+  <dgm:styleLbl name="fgAcc0">
+    <dgm:scene3d>
+      <a:camera prst="orthographicFront"/>
+      <a:lightRig rig="threePt" dir="t"/>
+    </dgm:scene3d>
+    <dgm:sp3d/>
+    <dgm:txPr/>
+    <dgm:style>
+      <a:lnRef idx="1">
+        <a:scrgbClr r="0" g="0" b="0"/>
+      </a:lnRef>
+      <a:fillRef idx="1">
+        <a:scrgbClr r="0" g="0" b="0"/>
+      </a:fillRef>
+      <a:effectRef idx="0">
+        <a:scrgbClr r="0" g="0" b="0"/>
+      </a:effectRef>
+      <a:fontRef idx="minor"/>
+    </dgm:style>
+  </dgm:styleLbl>
+  <dgm:styleLbl name="fgAcc2">
+    <dgm:scene3d>
+      <a:camera prst="orthographicFront"/>
+      <a:lightRig rig="threePt" dir="t"/>
+    </dgm:scene3d>
+    <dgm:sp3d/>
+    <dgm:txPr/>
+    <dgm:style>
+      <a:lnRef idx="1">
+        <a:scrgbClr r="0" g="0" b="0"/>
+      </a:lnRef>
+      <a:fillRef idx="1">
+        <a:scrgbClr r="0" g="0" b="0"/>
+      </a:fillRef>
+      <a:effectRef idx="0">
+        <a:scrgbClr r="0" g="0" b="0"/>
+      </a:effectRef>
+      <a:fontRef idx="minor"/>
+    </dgm:style>
+  </dgm:styleLbl>
+  <dgm:styleLbl name="fgAcc3">
+    <dgm:scene3d>
+      <a:camera prst="orthographicFront"/>
+      <a:lightRig rig="threePt" dir="t"/>
+    </dgm:scene3d>
+    <dgm:sp3d/>
+    <dgm:txPr/>
+    <dgm:style>
+      <a:lnRef idx="1">
+        <a:scrgbClr r="0" g="0" b="0"/>
+      </a:lnRef>
+      <a:fillRef idx="1">
+        <a:scrgbClr r="0" g="0" b="0"/>
+      </a:fillRef>
+      <a:effectRef idx="0">
+        <a:scrgbClr r="0" g="0" b="0"/>
+      </a:effectRef>
+      <a:fontRef idx="minor"/>
+    </dgm:style>
+  </dgm:styleLbl>
+  <dgm:styleLbl name="fgAcc4">
+    <dgm:scene3d>
+      <a:camera prst="orthographicFront"/>
+      <a:lightRig rig="threePt" dir="t"/>
+    </dgm:scene3d>
+    <dgm:sp3d/>
+    <dgm:txPr/>
+    <dgm:style>
+      <a:lnRef idx="1">
+        <a:scrgbClr r="0" g="0" b="0"/>
+      </a:lnRef>
+      <a:fillRef idx="1">
+        <a:scrgbClr r="0" g="0" b="0"/>
+      </a:fillRef>
+      <a:effectRef idx="0">
+        <a:scrgbClr r="0" g="0" b="0"/>
+      </a:effectRef>
+      <a:fontRef idx="minor"/>
+    </dgm:style>
+  </dgm:styleLbl>
+  <dgm:styleLbl name="bgShp">
+    <dgm:scene3d>
+      <a:camera prst="orthographicFront"/>
+      <a:lightRig rig="threePt" dir="t"/>
+    </dgm:scene3d>
+    <dgm:sp3d/>
+    <dgm:txPr/>
+    <dgm:style>
+      <a:lnRef idx="0">
+        <a:scrgbClr r="0" g="0" b="0"/>
+      </a:lnRef>
+      <a:fillRef idx="1">
+        <a:scrgbClr r="0" g="0" b="0"/>
+      </a:fillRef>
+      <a:effectRef idx="1">
+        <a:scrgbClr r="0" g="0" b="0"/>
+      </a:effectRef>
+      <a:fontRef idx="minor"/>
+    </dgm:style>
+  </dgm:styleLbl>
+  <dgm:styleLbl name="dkBgShp">
+    <dgm:scene3d>
+      <a:camera prst="orthographicFront"/>
+      <a:lightRig rig="threePt" dir="t"/>
+    </dgm:scene3d>
+    <dgm:sp3d/>
+    <dgm:txPr/>
+    <dgm:style>
+      <a:lnRef idx="0">
+        <a:scrgbClr r="0" g="0" b="0"/>
+      </a:lnRef>
+      <a:fillRef idx="1">
+        <a:scrgbClr r="0" g="0" b="0"/>
+      </a:fillRef>
+      <a:effectRef idx="1">
+        <a:scrgbClr r="0" g="0" b="0"/>
+      </a:effectRef>
+      <a:fontRef idx="minor"/>
+    </dgm:style>
+  </dgm:styleLbl>
+  <dgm:styleLbl name="trBgShp">
+    <dgm:scene3d>
+      <a:camera prst="orthographicFront"/>
+      <a:lightRig rig="threePt" dir="t"/>
+    </dgm:scene3d>
+    <dgm:sp3d/>
+    <dgm:txPr/>
+    <dgm:style>
+      <a:lnRef idx="0">
+        <a:scrgbClr r="0" g="0" b="0"/>
+      </a:lnRef>
+      <a:fillRef idx="1">
+        <a:scrgbClr r="0" g="0" b="0"/>
+      </a:fillRef>
+      <a:effectRef idx="0">
+        <a:scrgbClr r="0" g="0" b="0"/>
+      </a:effectRef>
+      <a:fontRef idx="minor"/>
+    </dgm:style>
+  </dgm:styleLbl>
+  <dgm:styleLbl name="fgShp">
+    <dgm:scene3d>
+      <a:camera prst="orthographicFront"/>
+      <a:lightRig rig="flat" dir="t"/>
+    </dgm:scene3d>
+    <dgm:sp3d prstMaterial="dkEdge">
+      <a:bevelT w="8200" h="38100"/>
+    </dgm:sp3d>
+    <dgm:txPr/>
+    <dgm:style>
+      <a:lnRef idx="1">
+        <a:scrgbClr r="0" g="0" b="0"/>
+      </a:lnRef>
+      <a:fillRef idx="2">
+        <a:scrgbClr r="0" g="0" b="0"/>
+      </a:fillRef>
+      <a:effectRef idx="1">
         <a:scrgbClr r="0" g="0" b="0"/>
       </a:effectRef>
       <a:fontRef idx="minor"/>
@@ -18692,7 +22401,7 @@
     </p:spTree>
     <p:extLst>
       <p:ext uri="{BB962C8B-B14F-4D97-AF65-F5344CB8AC3E}">
-        <p14:creationId xmlns:p14="http://schemas.microsoft.com/office/powerpoint/2010/main" xmlns="" val="499418375"/>
+        <p14:creationId xmlns="" xmlns:p14="http://schemas.microsoft.com/office/powerpoint/2010/main" val="499418375"/>
       </p:ext>
     </p:extLst>
   </p:cSld>
@@ -18952,7 +22661,7 @@
     </p:spTree>
     <p:extLst>
       <p:ext uri="{BB962C8B-B14F-4D97-AF65-F5344CB8AC3E}">
-        <p14:creationId xmlns:p14="http://schemas.microsoft.com/office/powerpoint/2010/main" xmlns="" val="190255619"/>
+        <p14:creationId xmlns="" xmlns:p14="http://schemas.microsoft.com/office/powerpoint/2010/main" val="190255619"/>
       </p:ext>
     </p:extLst>
   </p:cSld>
@@ -19127,7 +22836,7 @@
     </p:spTree>
     <p:extLst>
       <p:ext uri="{BB962C8B-B14F-4D97-AF65-F5344CB8AC3E}">
-        <p14:creationId xmlns:p14="http://schemas.microsoft.com/office/powerpoint/2010/main" xmlns="" val="1492241335"/>
+        <p14:creationId xmlns="" xmlns:p14="http://schemas.microsoft.com/office/powerpoint/2010/main" val="1492241335"/>
       </p:ext>
     </p:extLst>
   </p:cSld>
@@ -19217,7 +22926,7 @@
     </p:spTree>
     <p:extLst>
       <p:ext uri="{BB962C8B-B14F-4D97-AF65-F5344CB8AC3E}">
-        <p14:creationId xmlns:p14="http://schemas.microsoft.com/office/powerpoint/2010/main" xmlns="" val="2214256827"/>
+        <p14:creationId xmlns="" xmlns:p14="http://schemas.microsoft.com/office/powerpoint/2010/main" val="2214256827"/>
       </p:ext>
     </p:extLst>
   </p:cSld>
@@ -19547,7 +23256,7 @@
     </p:spTree>
     <p:extLst>
       <p:ext uri="{BB962C8B-B14F-4D97-AF65-F5344CB8AC3E}">
-        <p14:creationId xmlns:p14="http://schemas.microsoft.com/office/powerpoint/2010/main" xmlns="" val="1187610024"/>
+        <p14:creationId xmlns="" xmlns:p14="http://schemas.microsoft.com/office/powerpoint/2010/main" val="1187610024"/>
       </p:ext>
     </p:extLst>
   </p:cSld>
@@ -19722,7 +23431,7 @@
     </p:spTree>
     <p:extLst>
       <p:ext uri="{BB962C8B-B14F-4D97-AF65-F5344CB8AC3E}">
-        <p14:creationId xmlns:p14="http://schemas.microsoft.com/office/powerpoint/2010/main" xmlns="" val="1162950190"/>
+        <p14:creationId xmlns="" xmlns:p14="http://schemas.microsoft.com/office/powerpoint/2010/main" val="1162950190"/>
       </p:ext>
     </p:extLst>
   </p:cSld>
@@ -19983,7 +23692,7 @@
     </p:spTree>
     <p:extLst>
       <p:ext uri="{BB962C8B-B14F-4D97-AF65-F5344CB8AC3E}">
-        <p14:creationId xmlns:p14="http://schemas.microsoft.com/office/powerpoint/2010/main" xmlns="" val="1725342705"/>
+        <p14:creationId xmlns="" xmlns:p14="http://schemas.microsoft.com/office/powerpoint/2010/main" val="1725342705"/>
       </p:ext>
     </p:extLst>
   </p:cSld>
@@ -20158,7 +23867,7 @@
     </p:spTree>
     <p:extLst>
       <p:ext uri="{BB962C8B-B14F-4D97-AF65-F5344CB8AC3E}">
-        <p14:creationId xmlns:p14="http://schemas.microsoft.com/office/powerpoint/2010/main" xmlns="" val="2357780028"/>
+        <p14:creationId xmlns="" xmlns:p14="http://schemas.microsoft.com/office/powerpoint/2010/main" val="2357780028"/>
       </p:ext>
     </p:extLst>
   </p:cSld>
@@ -20544,7 +24253,7 @@
     </p:spTree>
     <p:extLst>
       <p:ext uri="{BB962C8B-B14F-4D97-AF65-F5344CB8AC3E}">
-        <p14:creationId xmlns:p14="http://schemas.microsoft.com/office/powerpoint/2010/main" xmlns="" val="853254902"/>
+        <p14:creationId xmlns="" xmlns:p14="http://schemas.microsoft.com/office/powerpoint/2010/main" val="853254902"/>
       </p:ext>
     </p:extLst>
   </p:cSld>
@@ -20786,7 +24495,7 @@
     </p:spTree>
     <p:extLst>
       <p:ext uri="{BB962C8B-B14F-4D97-AF65-F5344CB8AC3E}">
-        <p14:creationId xmlns:p14="http://schemas.microsoft.com/office/powerpoint/2010/main" xmlns="" val="2558859688"/>
+        <p14:creationId xmlns="" xmlns:p14="http://schemas.microsoft.com/office/powerpoint/2010/main" val="2558859688"/>
       </p:ext>
     </p:extLst>
   </p:cSld>
@@ -21170,7 +24879,7 @@
     </p:spTree>
     <p:extLst>
       <p:ext uri="{BB962C8B-B14F-4D97-AF65-F5344CB8AC3E}">
-        <p14:creationId xmlns:p14="http://schemas.microsoft.com/office/powerpoint/2010/main" xmlns="" val="3790003400"/>
+        <p14:creationId xmlns="" xmlns:p14="http://schemas.microsoft.com/office/powerpoint/2010/main" val="3790003400"/>
       </p:ext>
     </p:extLst>
   </p:cSld>
@@ -21293,7 +25002,7 @@
     </p:spTree>
     <p:extLst>
       <p:ext uri="{BB962C8B-B14F-4D97-AF65-F5344CB8AC3E}">
-        <p14:creationId xmlns:p14="http://schemas.microsoft.com/office/powerpoint/2010/main" xmlns="" val="2340859831"/>
+        <p14:creationId xmlns="" xmlns:p14="http://schemas.microsoft.com/office/powerpoint/2010/main" val="2340859831"/>
       </p:ext>
     </p:extLst>
   </p:cSld>
@@ -21477,7 +25186,7 @@
     </p:spTree>
     <p:extLst>
       <p:ext uri="{BB962C8B-B14F-4D97-AF65-F5344CB8AC3E}">
-        <p14:creationId xmlns:p14="http://schemas.microsoft.com/office/powerpoint/2010/main" xmlns="" val="3134017901"/>
+        <p14:creationId xmlns="" xmlns:p14="http://schemas.microsoft.com/office/powerpoint/2010/main" val="3134017901"/>
       </p:ext>
     </p:extLst>
   </p:cSld>
@@ -21849,7 +25558,7 @@
     </p:spTree>
     <p:extLst>
       <p:ext uri="{BB962C8B-B14F-4D97-AF65-F5344CB8AC3E}">
-        <p14:creationId xmlns:p14="http://schemas.microsoft.com/office/powerpoint/2010/main" xmlns="" val="1327644465"/>
+        <p14:creationId xmlns="" xmlns:p14="http://schemas.microsoft.com/office/powerpoint/2010/main" val="1327644465"/>
       </p:ext>
     </p:extLst>
   </p:cSld>
@@ -22210,7 +25919,7 @@
     </p:spTree>
     <p:extLst>
       <p:ext uri="{BB962C8B-B14F-4D97-AF65-F5344CB8AC3E}">
-        <p14:creationId xmlns:p14="http://schemas.microsoft.com/office/powerpoint/2010/main" xmlns="" val="816183116"/>
+        <p14:creationId xmlns="" xmlns:p14="http://schemas.microsoft.com/office/powerpoint/2010/main" val="816183116"/>
       </p:ext>
     </p:extLst>
   </p:cSld>
@@ -22572,7 +26281,7 @@
     </p:spTree>
     <p:extLst>
       <p:ext uri="{BB962C8B-B14F-4D97-AF65-F5344CB8AC3E}">
-        <p14:creationId xmlns:p14="http://schemas.microsoft.com/office/powerpoint/2010/main" xmlns="" val="3493115414"/>
+        <p14:creationId xmlns="" xmlns:p14="http://schemas.microsoft.com/office/powerpoint/2010/main" val="3493115414"/>
       </p:ext>
     </p:extLst>
   </p:cSld>
@@ -23095,7 +26804,7 @@
     </p:spTree>
     <p:extLst>
       <p:ext uri="{BB962C8B-B14F-4D97-AF65-F5344CB8AC3E}">
-        <p14:creationId xmlns:p14="http://schemas.microsoft.com/office/powerpoint/2010/main" xmlns="" val="3586003426"/>
+        <p14:creationId xmlns="" xmlns:p14="http://schemas.microsoft.com/office/powerpoint/2010/main" val="3586003426"/>
       </p:ext>
     </p:extLst>
   </p:cSld>
@@ -23139,35 +26848,64 @@
             <p:ph type="title"/>
           </p:nvPr>
         </p:nvSpPr>
-        <p:spPr/>
+        <p:spPr>
+          <a:xfrm>
+            <a:off x="822960" y="286604"/>
+            <a:ext cx="7543800" cy="928242"/>
+          </a:xfrm>
+        </p:spPr>
         <p:txBody>
-          <a:bodyPr/>
+          <a:bodyPr>
+            <a:normAutofit/>
+          </a:bodyPr>
           <a:lstStyle/>
           <a:p>
+            <a:pPr algn="ctr"/>
             <a:r>
-              <a:rPr lang="en-US" dirty="0" smtClean="0"/>
+              <a:rPr lang="en-US" sz="2800" b="1" dirty="0" smtClean="0">
+                <a:solidFill>
+                  <a:schemeClr val="accent4"/>
+                </a:solidFill>
+                <a:latin typeface="Cambria" panose="02040503050406030204" pitchFamily="18" charset="0"/>
+              </a:rPr>
+              <a:t>Flow1</a:t>
+            </a:r>
+            <a:r>
+              <a:rPr lang="en-US" sz="2800" b="1" dirty="0" smtClean="0">
+                <a:solidFill>
+                  <a:srgbClr val="0070C0"/>
+                </a:solidFill>
+                <a:latin typeface="Cambria" panose="02040503050406030204" pitchFamily="18" charset="0"/>
+              </a:rPr>
+              <a:t>. </a:t>
+            </a:r>
+            <a:r>
+              <a:rPr lang="en-US" sz="2800" b="1" dirty="0" smtClean="0">
+                <a:solidFill>
+                  <a:srgbClr val="0070C0"/>
+                </a:solidFill>
+                <a:latin typeface="Cambria" panose="02040503050406030204" pitchFamily="18" charset="0"/>
+              </a:rPr>
+              <a:t>Customer Scenario </a:t>
+            </a:r>
+            <a:r>
+              <a:rPr lang="en-US" sz="2800" b="1" dirty="0" smtClean="0">
+                <a:solidFill>
+                  <a:srgbClr val="0070C0"/>
+                </a:solidFill>
+                <a:latin typeface="Cambria" panose="02040503050406030204" pitchFamily="18" charset="0"/>
+              </a:rPr>
               <a:t>Demo</a:t>
             </a:r>
-            <a:endParaRPr lang="en-US" dirty="0"/>
-          </a:p>
-        </p:txBody>
-      </p:sp>
-      <p:sp>
-        <p:nvSpPr>
-          <p:cNvPr id="3" name="Content Placeholder 2"/>
-          <p:cNvSpPr>
-            <a:spLocks noGrp="1"/>
-          </p:cNvSpPr>
-          <p:nvPr>
-            <p:ph idx="1"/>
-          </p:nvPr>
-        </p:nvSpPr>
-        <p:spPr/>
-        <p:txBody>
-          <a:bodyPr/>
-          <a:lstStyle/>
-          <a:p>
-            <a:endParaRPr lang="en-US"/>
+            <a:r>
+              <a:rPr lang="en-US" sz="2800" b="1" dirty="0" smtClean="0">
+                <a:solidFill>
+                  <a:srgbClr val="C00000"/>
+                </a:solidFill>
+              </a:rPr>
+              <a:t>	</a:t>
+            </a:r>
+            <a:endParaRPr lang="en-US" sz="2800" dirty="0"/>
           </a:p>
         </p:txBody>
       </p:sp>
@@ -23241,10 +26979,462 @@
           </a:p>
         </p:txBody>
       </p:sp>
+      <p:graphicFrame>
+        <p:nvGraphicFramePr>
+          <p:cNvPr id="7" name="Content Placeholder 6"/>
+          <p:cNvGraphicFramePr>
+            <a:graphicFrameLocks noGrp="1"/>
+          </p:cNvGraphicFramePr>
+          <p:nvPr>
+            <p:ph idx="1"/>
+            <p:extLst>
+              <p:ext uri="{D42A27DB-BD31-4B8C-83A1-F6EECF244321}">
+                <p14:modId xmlns:p14="http://schemas.microsoft.com/office/powerpoint/2010/main" xmlns="" val="1269209925"/>
+              </p:ext>
+            </p:extLst>
+          </p:nvPr>
+        </p:nvGraphicFramePr>
+        <p:xfrm>
+          <a:off x="901336" y="1358537"/>
+          <a:ext cx="7485017" cy="4510451"/>
+        </p:xfrm>
+        <a:graphic>
+          <a:graphicData uri="http://schemas.openxmlformats.org/drawingml/2006/diagram">
+            <dgm:relIds xmlns:dgm="http://schemas.openxmlformats.org/drawingml/2006/diagram" xmlns:r="http://schemas.openxmlformats.org/officeDocument/2006/relationships" r:dm="rId2" r:lo="rId3" r:qs="rId4" r:cs="rId5"/>
+          </a:graphicData>
+        </a:graphic>
+      </p:graphicFrame>
+      <p:sp>
+        <p:nvSpPr>
+          <p:cNvPr id="8" name="Rounded Rectangle 7"/>
+          <p:cNvSpPr/>
+          <p:nvPr/>
+        </p:nvSpPr>
+        <p:spPr>
+          <a:xfrm>
+            <a:off x="300447" y="1304590"/>
+            <a:ext cx="574764" cy="524211"/>
+          </a:xfrm>
+          <a:prstGeom prst="roundRect">
+            <a:avLst>
+              <a:gd name="adj" fmla="val 10000"/>
+            </a:avLst>
+          </a:prstGeom>
+          <a:blipFill>
+            <a:blip r:embed="rId7">
+              <a:extLst>
+                <a:ext uri="{28A0092B-C50C-407E-A947-70E740481C1C}">
+                  <a14:useLocalDpi xmlns="" xmlns:dgm="http://schemas.openxmlformats.org/drawingml/2006/diagram" xmlns:a14="http://schemas.microsoft.com/office/drawing/2010/main" xmlns:lc="http://schemas.openxmlformats.org/drawingml/2006/lockedCanvas" val="0"/>
+                </a:ext>
+              </a:extLst>
+            </a:blip>
+            <a:srcRect/>
+            <a:stretch>
+              <a:fillRect t="-3000" b="-3000"/>
+            </a:stretch>
+          </a:blipFill>
+        </p:spPr>
+        <p:style>
+          <a:lnRef idx="2">
+            <a:schemeClr val="lt1">
+              <a:hueOff val="0"/>
+              <a:satOff val="0"/>
+              <a:lumOff val="0"/>
+              <a:alphaOff val="0"/>
+            </a:schemeClr>
+          </a:lnRef>
+          <a:fillRef idx="1">
+            <a:scrgbClr r="0" g="0" b="0"/>
+          </a:fillRef>
+          <a:effectRef idx="0">
+            <a:schemeClr val="accent1">
+              <a:tint val="50000"/>
+              <a:hueOff val="0"/>
+              <a:satOff val="0"/>
+              <a:lumOff val="0"/>
+              <a:alphaOff val="0"/>
+            </a:schemeClr>
+          </a:effectRef>
+          <a:fontRef idx="minor">
+            <a:schemeClr val="lt1">
+              <a:hueOff val="0"/>
+              <a:satOff val="0"/>
+              <a:lumOff val="0"/>
+              <a:alphaOff val="0"/>
+            </a:schemeClr>
+          </a:fontRef>
+        </p:style>
+      </p:sp>
+      <p:sp>
+        <p:nvSpPr>
+          <p:cNvPr id="9" name="Rounded Rectangle 8"/>
+          <p:cNvSpPr/>
+          <p:nvPr/>
+        </p:nvSpPr>
+        <p:spPr>
+          <a:xfrm>
+            <a:off x="296092" y="1979504"/>
+            <a:ext cx="574764" cy="524211"/>
+          </a:xfrm>
+          <a:prstGeom prst="roundRect">
+            <a:avLst>
+              <a:gd name="adj" fmla="val 10000"/>
+            </a:avLst>
+          </a:prstGeom>
+          <a:blipFill>
+            <a:blip r:embed="rId7">
+              <a:extLst>
+                <a:ext uri="{28A0092B-C50C-407E-A947-70E740481C1C}">
+                  <a14:useLocalDpi xmlns="" xmlns:dgm="http://schemas.openxmlformats.org/drawingml/2006/diagram" xmlns:a14="http://schemas.microsoft.com/office/drawing/2010/main" xmlns:lc="http://schemas.openxmlformats.org/drawingml/2006/lockedCanvas" val="0"/>
+                </a:ext>
+              </a:extLst>
+            </a:blip>
+            <a:srcRect/>
+            <a:stretch>
+              <a:fillRect t="-3000" b="-3000"/>
+            </a:stretch>
+          </a:blipFill>
+        </p:spPr>
+        <p:style>
+          <a:lnRef idx="2">
+            <a:schemeClr val="lt1">
+              <a:hueOff val="0"/>
+              <a:satOff val="0"/>
+              <a:lumOff val="0"/>
+              <a:alphaOff val="0"/>
+            </a:schemeClr>
+          </a:lnRef>
+          <a:fillRef idx="1">
+            <a:scrgbClr r="0" g="0" b="0"/>
+          </a:fillRef>
+          <a:effectRef idx="0">
+            <a:schemeClr val="accent1">
+              <a:tint val="50000"/>
+              <a:hueOff val="0"/>
+              <a:satOff val="0"/>
+              <a:lumOff val="0"/>
+              <a:alphaOff val="0"/>
+            </a:schemeClr>
+          </a:effectRef>
+          <a:fontRef idx="minor">
+            <a:schemeClr val="lt1">
+              <a:hueOff val="0"/>
+              <a:satOff val="0"/>
+              <a:lumOff val="0"/>
+              <a:alphaOff val="0"/>
+            </a:schemeClr>
+          </a:fontRef>
+        </p:style>
+      </p:sp>
+      <p:sp>
+        <p:nvSpPr>
+          <p:cNvPr id="10" name="Rounded Rectangle 9"/>
+          <p:cNvSpPr/>
+          <p:nvPr/>
+        </p:nvSpPr>
+        <p:spPr>
+          <a:xfrm>
+            <a:off x="296093" y="2645710"/>
+            <a:ext cx="574764" cy="524211"/>
+          </a:xfrm>
+          <a:prstGeom prst="roundRect">
+            <a:avLst>
+              <a:gd name="adj" fmla="val 10000"/>
+            </a:avLst>
+          </a:prstGeom>
+          <a:blipFill>
+            <a:blip r:embed="rId7">
+              <a:extLst>
+                <a:ext uri="{28A0092B-C50C-407E-A947-70E740481C1C}">
+                  <a14:useLocalDpi xmlns="" xmlns:dgm="http://schemas.openxmlformats.org/drawingml/2006/diagram" xmlns:a14="http://schemas.microsoft.com/office/drawing/2010/main" xmlns:lc="http://schemas.openxmlformats.org/drawingml/2006/lockedCanvas" val="0"/>
+                </a:ext>
+              </a:extLst>
+            </a:blip>
+            <a:srcRect/>
+            <a:stretch>
+              <a:fillRect t="-3000" b="-3000"/>
+            </a:stretch>
+          </a:blipFill>
+        </p:spPr>
+        <p:style>
+          <a:lnRef idx="2">
+            <a:schemeClr val="lt1">
+              <a:hueOff val="0"/>
+              <a:satOff val="0"/>
+              <a:lumOff val="0"/>
+              <a:alphaOff val="0"/>
+            </a:schemeClr>
+          </a:lnRef>
+          <a:fillRef idx="1">
+            <a:scrgbClr r="0" g="0" b="0"/>
+          </a:fillRef>
+          <a:effectRef idx="0">
+            <a:schemeClr val="accent1">
+              <a:tint val="50000"/>
+              <a:hueOff val="0"/>
+              <a:satOff val="0"/>
+              <a:lumOff val="0"/>
+              <a:alphaOff val="0"/>
+            </a:schemeClr>
+          </a:effectRef>
+          <a:fontRef idx="minor">
+            <a:schemeClr val="lt1">
+              <a:hueOff val="0"/>
+              <a:satOff val="0"/>
+              <a:lumOff val="0"/>
+              <a:alphaOff val="0"/>
+            </a:schemeClr>
+          </a:fontRef>
+        </p:style>
+      </p:sp>
+      <p:sp>
+        <p:nvSpPr>
+          <p:cNvPr id="11" name="Rounded Rectangle 10"/>
+          <p:cNvSpPr/>
+          <p:nvPr/>
+        </p:nvSpPr>
+        <p:spPr>
+          <a:xfrm>
+            <a:off x="296092" y="3338041"/>
+            <a:ext cx="574764" cy="524211"/>
+          </a:xfrm>
+          <a:prstGeom prst="roundRect">
+            <a:avLst>
+              <a:gd name="adj" fmla="val 10000"/>
+            </a:avLst>
+          </a:prstGeom>
+          <a:blipFill>
+            <a:blip r:embed="rId7">
+              <a:extLst>
+                <a:ext uri="{28A0092B-C50C-407E-A947-70E740481C1C}">
+                  <a14:useLocalDpi xmlns="" xmlns:dgm="http://schemas.openxmlformats.org/drawingml/2006/diagram" xmlns:a14="http://schemas.microsoft.com/office/drawing/2010/main" xmlns:lc="http://schemas.openxmlformats.org/drawingml/2006/lockedCanvas" val="0"/>
+                </a:ext>
+              </a:extLst>
+            </a:blip>
+            <a:srcRect/>
+            <a:stretch>
+              <a:fillRect t="-3000" b="-3000"/>
+            </a:stretch>
+          </a:blipFill>
+        </p:spPr>
+        <p:style>
+          <a:lnRef idx="2">
+            <a:schemeClr val="lt1">
+              <a:hueOff val="0"/>
+              <a:satOff val="0"/>
+              <a:lumOff val="0"/>
+              <a:alphaOff val="0"/>
+            </a:schemeClr>
+          </a:lnRef>
+          <a:fillRef idx="1">
+            <a:scrgbClr r="0" g="0" b="0"/>
+          </a:fillRef>
+          <a:effectRef idx="0">
+            <a:schemeClr val="accent1">
+              <a:tint val="50000"/>
+              <a:hueOff val="0"/>
+              <a:satOff val="0"/>
+              <a:lumOff val="0"/>
+              <a:alphaOff val="0"/>
+            </a:schemeClr>
+          </a:effectRef>
+          <a:fontRef idx="minor">
+            <a:schemeClr val="lt1">
+              <a:hueOff val="0"/>
+              <a:satOff val="0"/>
+              <a:lumOff val="0"/>
+              <a:alphaOff val="0"/>
+            </a:schemeClr>
+          </a:fontRef>
+        </p:style>
+      </p:sp>
+      <p:sp>
+        <p:nvSpPr>
+          <p:cNvPr id="12" name="Rounded Rectangle 11"/>
+          <p:cNvSpPr/>
+          <p:nvPr/>
+        </p:nvSpPr>
+        <p:spPr>
+          <a:xfrm>
+            <a:off x="283030" y="3991185"/>
+            <a:ext cx="574764" cy="524211"/>
+          </a:xfrm>
+          <a:prstGeom prst="roundRect">
+            <a:avLst>
+              <a:gd name="adj" fmla="val 10000"/>
+            </a:avLst>
+          </a:prstGeom>
+          <a:blipFill>
+            <a:blip r:embed="rId7">
+              <a:extLst>
+                <a:ext uri="{28A0092B-C50C-407E-A947-70E740481C1C}">
+                  <a14:useLocalDpi xmlns="" xmlns:dgm="http://schemas.openxmlformats.org/drawingml/2006/diagram" xmlns:a14="http://schemas.microsoft.com/office/drawing/2010/main" xmlns:lc="http://schemas.openxmlformats.org/drawingml/2006/lockedCanvas" val="0"/>
+                </a:ext>
+              </a:extLst>
+            </a:blip>
+            <a:srcRect/>
+            <a:stretch>
+              <a:fillRect t="-3000" b="-3000"/>
+            </a:stretch>
+          </a:blipFill>
+        </p:spPr>
+        <p:style>
+          <a:lnRef idx="2">
+            <a:schemeClr val="lt1">
+              <a:hueOff val="0"/>
+              <a:satOff val="0"/>
+              <a:lumOff val="0"/>
+              <a:alphaOff val="0"/>
+            </a:schemeClr>
+          </a:lnRef>
+          <a:fillRef idx="1">
+            <a:scrgbClr r="0" g="0" b="0"/>
+          </a:fillRef>
+          <a:effectRef idx="0">
+            <a:schemeClr val="accent1">
+              <a:tint val="50000"/>
+              <a:hueOff val="0"/>
+              <a:satOff val="0"/>
+              <a:lumOff val="0"/>
+              <a:alphaOff val="0"/>
+            </a:schemeClr>
+          </a:effectRef>
+          <a:fontRef idx="minor">
+            <a:schemeClr val="lt1">
+              <a:hueOff val="0"/>
+              <a:satOff val="0"/>
+              <a:lumOff val="0"/>
+              <a:alphaOff val="0"/>
+            </a:schemeClr>
+          </a:fontRef>
+        </p:style>
+      </p:sp>
+      <p:sp>
+        <p:nvSpPr>
+          <p:cNvPr id="13" name="Rounded Rectangle 12"/>
+          <p:cNvSpPr/>
+          <p:nvPr/>
+        </p:nvSpPr>
+        <p:spPr>
+          <a:xfrm>
+            <a:off x="283030" y="4683516"/>
+            <a:ext cx="574764" cy="524211"/>
+          </a:xfrm>
+          <a:prstGeom prst="roundRect">
+            <a:avLst>
+              <a:gd name="adj" fmla="val 10000"/>
+            </a:avLst>
+          </a:prstGeom>
+          <a:blipFill>
+            <a:blip r:embed="rId7">
+              <a:extLst>
+                <a:ext uri="{28A0092B-C50C-407E-A947-70E740481C1C}">
+                  <a14:useLocalDpi xmlns="" xmlns:dgm="http://schemas.openxmlformats.org/drawingml/2006/diagram" xmlns:a14="http://schemas.microsoft.com/office/drawing/2010/main" xmlns:lc="http://schemas.openxmlformats.org/drawingml/2006/lockedCanvas" val="0"/>
+                </a:ext>
+              </a:extLst>
+            </a:blip>
+            <a:srcRect/>
+            <a:stretch>
+              <a:fillRect t="-3000" b="-3000"/>
+            </a:stretch>
+          </a:blipFill>
+        </p:spPr>
+        <p:style>
+          <a:lnRef idx="2">
+            <a:schemeClr val="lt1">
+              <a:hueOff val="0"/>
+              <a:satOff val="0"/>
+              <a:lumOff val="0"/>
+              <a:alphaOff val="0"/>
+            </a:schemeClr>
+          </a:lnRef>
+          <a:fillRef idx="1">
+            <a:scrgbClr r="0" g="0" b="0"/>
+          </a:fillRef>
+          <a:effectRef idx="0">
+            <a:schemeClr val="accent1">
+              <a:tint val="50000"/>
+              <a:hueOff val="0"/>
+              <a:satOff val="0"/>
+              <a:lumOff val="0"/>
+              <a:alphaOff val="0"/>
+            </a:schemeClr>
+          </a:effectRef>
+          <a:fontRef idx="minor">
+            <a:schemeClr val="lt1">
+              <a:hueOff val="0"/>
+              <a:satOff val="0"/>
+              <a:lumOff val="0"/>
+              <a:alphaOff val="0"/>
+            </a:schemeClr>
+          </a:fontRef>
+        </p:style>
+      </p:sp>
+      <p:sp>
+        <p:nvSpPr>
+          <p:cNvPr id="14" name="Rounded Rectangle 13"/>
+          <p:cNvSpPr/>
+          <p:nvPr/>
+        </p:nvSpPr>
+        <p:spPr>
+          <a:xfrm>
+            <a:off x="269967" y="5349722"/>
+            <a:ext cx="574764" cy="524211"/>
+          </a:xfrm>
+          <a:prstGeom prst="roundRect">
+            <a:avLst>
+              <a:gd name="adj" fmla="val 10000"/>
+            </a:avLst>
+          </a:prstGeom>
+          <a:blipFill>
+            <a:blip r:embed="rId7">
+              <a:extLst>
+                <a:ext uri="{28A0092B-C50C-407E-A947-70E740481C1C}">
+                  <a14:useLocalDpi xmlns="" xmlns:dgm="http://schemas.openxmlformats.org/drawingml/2006/diagram" xmlns:a14="http://schemas.microsoft.com/office/drawing/2010/main" xmlns:lc="http://schemas.openxmlformats.org/drawingml/2006/lockedCanvas" val="0"/>
+                </a:ext>
+              </a:extLst>
+            </a:blip>
+            <a:srcRect/>
+            <a:stretch>
+              <a:fillRect t="-3000" b="-3000"/>
+            </a:stretch>
+          </a:blipFill>
+        </p:spPr>
+        <p:style>
+          <a:lnRef idx="2">
+            <a:schemeClr val="lt1">
+              <a:hueOff val="0"/>
+              <a:satOff val="0"/>
+              <a:lumOff val="0"/>
+              <a:alphaOff val="0"/>
+            </a:schemeClr>
+          </a:lnRef>
+          <a:fillRef idx="1">
+            <a:scrgbClr r="0" g="0" b="0"/>
+          </a:fillRef>
+          <a:effectRef idx="0">
+            <a:schemeClr val="accent1">
+              <a:tint val="50000"/>
+              <a:hueOff val="0"/>
+              <a:satOff val="0"/>
+              <a:lumOff val="0"/>
+              <a:alphaOff val="0"/>
+            </a:schemeClr>
+          </a:effectRef>
+          <a:fontRef idx="minor">
+            <a:schemeClr val="lt1">
+              <a:hueOff val="0"/>
+              <a:satOff val="0"/>
+              <a:lumOff val="0"/>
+              <a:alphaOff val="0"/>
+            </a:schemeClr>
+          </a:fontRef>
+        </p:style>
+      </p:sp>
     </p:spTree>
     <p:extLst>
       <p:ext uri="{BB962C8B-B14F-4D97-AF65-F5344CB8AC3E}">
-        <p14:creationId xmlns:p14="http://schemas.microsoft.com/office/powerpoint/2010/main" xmlns="" val="2689736753"/>
+        <p14:creationId xmlns="" xmlns:p14="http://schemas.microsoft.com/office/powerpoint/2010/main" val="2689736753"/>
       </p:ext>
     </p:extLst>
   </p:cSld>
@@ -23392,7 +27582,7 @@
     </p:spTree>
     <p:extLst>
       <p:ext uri="{BB962C8B-B14F-4D97-AF65-F5344CB8AC3E}">
-        <p14:creationId xmlns:p14="http://schemas.microsoft.com/office/powerpoint/2010/main" xmlns="" val="1703287306"/>
+        <p14:creationId xmlns="" xmlns:p14="http://schemas.microsoft.com/office/powerpoint/2010/main" val="1703287306"/>
       </p:ext>
     </p:extLst>
   </p:cSld>
@@ -23540,7 +27730,7 @@
     </p:spTree>
     <p:extLst>
       <p:ext uri="{BB962C8B-B14F-4D97-AF65-F5344CB8AC3E}">
-        <p14:creationId xmlns:p14="http://schemas.microsoft.com/office/powerpoint/2010/main" xmlns="" val="1621092056"/>
+        <p14:creationId xmlns="" xmlns:p14="http://schemas.microsoft.com/office/powerpoint/2010/main" val="1621092056"/>
       </p:ext>
     </p:extLst>
   </p:cSld>
@@ -23688,7 +27878,7 @@
     </p:spTree>
     <p:extLst>
       <p:ext uri="{BB962C8B-B14F-4D97-AF65-F5344CB8AC3E}">
-        <p14:creationId xmlns:p14="http://schemas.microsoft.com/office/powerpoint/2010/main" xmlns="" val="1135753333"/>
+        <p14:creationId xmlns="" xmlns:p14="http://schemas.microsoft.com/office/powerpoint/2010/main" val="1135753333"/>
       </p:ext>
     </p:extLst>
   </p:cSld>
@@ -23859,7 +28049,7 @@
     </p:spTree>
     <p:extLst>
       <p:ext uri="{BB962C8B-B14F-4D97-AF65-F5344CB8AC3E}">
-        <p14:creationId xmlns:p14="http://schemas.microsoft.com/office/powerpoint/2010/main" xmlns="" val="2646807255"/>
+        <p14:creationId xmlns="" xmlns:p14="http://schemas.microsoft.com/office/powerpoint/2010/main" val="2646807255"/>
       </p:ext>
     </p:extLst>
   </p:cSld>
@@ -23926,7 +28116,7 @@
             <p:ph idx="1"/>
             <p:extLst>
               <p:ext uri="{D42A27DB-BD31-4B8C-83A1-F6EECF244321}">
-                <p14:modId xmlns:p14="http://schemas.microsoft.com/office/powerpoint/2010/main" xmlns="" val="4242633985"/>
+                <p14:modId xmlns="" xmlns:p14="http://schemas.microsoft.com/office/powerpoint/2010/main" val="4242633985"/>
               </p:ext>
             </p:extLst>
           </p:nvPr>
@@ -24101,7 +28291,7 @@
     </p:spTree>
     <p:extLst>
       <p:ext uri="{BB962C8B-B14F-4D97-AF65-F5344CB8AC3E}">
-        <p14:creationId xmlns:p14="http://schemas.microsoft.com/office/powerpoint/2010/main" xmlns="" val="2747474174"/>
+        <p14:creationId xmlns="" xmlns:p14="http://schemas.microsoft.com/office/powerpoint/2010/main" val="2747474174"/>
       </p:ext>
     </p:extLst>
   </p:cSld>
@@ -24317,7 +28507,7 @@
     </p:spTree>
     <p:extLst>
       <p:ext uri="{BB962C8B-B14F-4D97-AF65-F5344CB8AC3E}">
-        <p14:creationId xmlns:p14="http://schemas.microsoft.com/office/powerpoint/2010/main" xmlns="" val="666675940"/>
+        <p14:creationId xmlns="" xmlns:p14="http://schemas.microsoft.com/office/powerpoint/2010/main" val="666675940"/>
       </p:ext>
     </p:extLst>
   </p:cSld>
@@ -24465,7 +28655,7 @@
     </p:spTree>
     <p:extLst>
       <p:ext uri="{BB962C8B-B14F-4D97-AF65-F5344CB8AC3E}">
-        <p14:creationId xmlns:p14="http://schemas.microsoft.com/office/powerpoint/2010/main" xmlns="" val="3636028069"/>
+        <p14:creationId xmlns="" xmlns:p14="http://schemas.microsoft.com/office/powerpoint/2010/main" val="3636028069"/>
       </p:ext>
     </p:extLst>
   </p:cSld>
@@ -24613,7 +28803,7 @@
     </p:spTree>
     <p:extLst>
       <p:ext uri="{BB962C8B-B14F-4D97-AF65-F5344CB8AC3E}">
-        <p14:creationId xmlns:p14="http://schemas.microsoft.com/office/powerpoint/2010/main" xmlns="" val="4197648542"/>
+        <p14:creationId xmlns="" xmlns:p14="http://schemas.microsoft.com/office/powerpoint/2010/main" val="4197648542"/>
       </p:ext>
     </p:extLst>
   </p:cSld>
@@ -24820,7 +29010,7 @@
           <p:nvPr>
             <p:extLst>
               <p:ext uri="{D42A27DB-BD31-4B8C-83A1-F6EECF244321}">
-                <p14:modId xmlns:p14="http://schemas.microsoft.com/office/powerpoint/2010/main" xmlns="" val="2487949516"/>
+                <p14:modId xmlns="" xmlns:p14="http://schemas.microsoft.com/office/powerpoint/2010/main" val="2487949516"/>
               </p:ext>
             </p:extLst>
           </p:nvPr>
@@ -24842,7 +29032,7 @@
           <p:nvPr>
             <p:extLst>
               <p:ext uri="{D42A27DB-BD31-4B8C-83A1-F6EECF244321}">
-                <p14:modId xmlns:p14="http://schemas.microsoft.com/office/powerpoint/2010/main" xmlns="" val="36929602"/>
+                <p14:modId xmlns="" xmlns:p14="http://schemas.microsoft.com/office/powerpoint/2010/main" val="36929602"/>
               </p:ext>
             </p:extLst>
           </p:nvPr>
@@ -24860,7 +29050,7 @@
     </p:spTree>
     <p:extLst>
       <p:ext uri="{BB962C8B-B14F-4D97-AF65-F5344CB8AC3E}">
-        <p14:creationId xmlns:p14="http://schemas.microsoft.com/office/powerpoint/2010/main" xmlns="" val="2719066063"/>
+        <p14:creationId xmlns="" xmlns:p14="http://schemas.microsoft.com/office/powerpoint/2010/main" val="2719066063"/>
       </p:ext>
     </p:extLst>
   </p:cSld>
@@ -25008,7 +29198,7 @@
     </p:spTree>
     <p:extLst>
       <p:ext uri="{BB962C8B-B14F-4D97-AF65-F5344CB8AC3E}">
-        <p14:creationId xmlns:p14="http://schemas.microsoft.com/office/powerpoint/2010/main" xmlns="" val="1903023486"/>
+        <p14:creationId xmlns="" xmlns:p14="http://schemas.microsoft.com/office/powerpoint/2010/main" val="1903023486"/>
       </p:ext>
     </p:extLst>
   </p:cSld>
@@ -25143,7 +29333,7 @@
           <p:nvPr>
             <p:extLst>
               <p:ext uri="{D42A27DB-BD31-4B8C-83A1-F6EECF244321}">
-                <p14:modId xmlns:p14="http://schemas.microsoft.com/office/powerpoint/2010/main" xmlns="" val="425347809"/>
+                <p14:modId xmlns="" xmlns:p14="http://schemas.microsoft.com/office/powerpoint/2010/main" val="425347809"/>
               </p:ext>
             </p:extLst>
           </p:nvPr>
@@ -25161,7 +29351,7 @@
     </p:spTree>
     <p:extLst>
       <p:ext uri="{BB962C8B-B14F-4D97-AF65-F5344CB8AC3E}">
-        <p14:creationId xmlns:p14="http://schemas.microsoft.com/office/powerpoint/2010/main" xmlns="" val="1824380513"/>
+        <p14:creationId xmlns="" xmlns:p14="http://schemas.microsoft.com/office/powerpoint/2010/main" val="1824380513"/>
       </p:ext>
     </p:extLst>
   </p:cSld>
@@ -25227,7 +29417,7 @@
             <p:ph idx="1"/>
             <p:extLst>
               <p:ext uri="{D42A27DB-BD31-4B8C-83A1-F6EECF244321}">
-                <p14:modId xmlns:p14="http://schemas.microsoft.com/office/powerpoint/2010/main" xmlns="" val="384026271"/>
+                <p14:modId xmlns="" xmlns:p14="http://schemas.microsoft.com/office/powerpoint/2010/main" val="384026271"/>
               </p:ext>
             </p:extLst>
           </p:nvPr>
@@ -25328,7 +29518,7 @@
         </p:blipFill>
         <p:spPr>
           <a:xfrm>
-            <a:off x="1385755" y="2854097"/>
+            <a:off x="1359629" y="2827972"/>
             <a:ext cx="978624" cy="568466"/>
           </a:xfrm>
           <a:prstGeom prst="roundRect">
@@ -25363,7 +29553,7 @@
         </p:blipFill>
         <p:spPr>
           <a:xfrm>
-            <a:off x="1384664" y="4807131"/>
+            <a:off x="1358538" y="4794069"/>
             <a:ext cx="1005839" cy="587828"/>
           </a:xfrm>
           <a:prstGeom prst="roundRect">
@@ -25468,7 +29658,7 @@
         </p:blipFill>
         <p:spPr>
           <a:xfrm>
-            <a:off x="3966753" y="2090055"/>
+            <a:off x="4005941" y="2090055"/>
             <a:ext cx="984068" cy="585869"/>
           </a:xfrm>
           <a:prstGeom prst="roundRect">
@@ -25503,7 +29693,7 @@
         </p:blipFill>
         <p:spPr>
           <a:xfrm>
-            <a:off x="6626887" y="4794069"/>
+            <a:off x="6653013" y="4663440"/>
             <a:ext cx="962632" cy="587830"/>
           </a:xfrm>
           <a:prstGeom prst="roundRect">
@@ -25525,7 +29715,7 @@
     </p:spTree>
     <p:extLst>
       <p:ext uri="{BB962C8B-B14F-4D97-AF65-F5344CB8AC3E}">
-        <p14:creationId xmlns:p14="http://schemas.microsoft.com/office/powerpoint/2010/main" xmlns="" val="3474466239"/>
+        <p14:creationId xmlns="" xmlns:p14="http://schemas.microsoft.com/office/powerpoint/2010/main" val="3474466239"/>
       </p:ext>
     </p:extLst>
   </p:cSld>
@@ -25819,7 +30009,7 @@
   <a:extraClrSchemeLst/>
   <a:extLst>
     <a:ext uri="{05A4C25C-085E-4340-85A3-A5531E510DB2}">
-      <thm15:themeFamily xmlns:thm15="http://schemas.microsoft.com/office/thememl/2012/main" xmlns="" name="Retrospect" id="{5F128B03-DCCA-4EEB-AB3B-CF2899314A46}" vid="{D26EA377-59BD-4C9C-9D94-EE8416EE4C79}"/>
+      <thm15:themeFamily xmlns="" xmlns:thm15="http://schemas.microsoft.com/office/thememl/2012/main" name="Retrospect" id="{5F128B03-DCCA-4EEB-AB3B-CF2899314A46}" vid="{D26EA377-59BD-4C9C-9D94-EE8416EE4C79}"/>
     </a:ext>
   </a:extLst>
 </a:theme>
@@ -26080,7 +30270,7 @@
   <a:extraClrSchemeLst/>
   <a:extLst>
     <a:ext uri="{05A4C25C-085E-4340-85A3-A5531E510DB2}">
-      <thm15:themeFamily xmlns:thm15="http://schemas.microsoft.com/office/thememl/2012/main" xmlns="" name="Office Theme" id="{62F939B6-93AF-4DB8-9C6B-D6C7DFDC589F}" vid="{4A3C46E8-61CC-4603-A589-7422A47A8E4A}"/>
+      <thm15:themeFamily xmlns="" xmlns:thm15="http://schemas.microsoft.com/office/thememl/2012/main" name="Office Theme" id="{62F939B6-93AF-4DB8-9C6B-D6C7DFDC589F}" vid="{4A3C46E8-61CC-4603-A589-7422A47A8E4A}"/>
     </a:ext>
   </a:extLst>
 </a:theme>
@@ -26341,7 +30531,7 @@
   <a:extraClrSchemeLst/>
   <a:extLst>
     <a:ext uri="{05A4C25C-085E-4340-85A3-A5531E510DB2}">
-      <thm15:themeFamily xmlns:thm15="http://schemas.microsoft.com/office/thememl/2012/main" xmlns="" name="Office Theme" id="{62F939B6-93AF-4DB8-9C6B-D6C7DFDC589F}" vid="{4A3C46E8-61CC-4603-A589-7422A47A8E4A}"/>
+      <thm15:themeFamily xmlns="" xmlns:thm15="http://schemas.microsoft.com/office/thememl/2012/main" name="Office Theme" id="{62F939B6-93AF-4DB8-9C6B-D6C7DFDC589F}" vid="{4A3C46E8-61CC-4603-A589-7422A47A8E4A}"/>
     </a:ext>
   </a:extLst>
 </a:theme>

--- a/trunk/06.Personal Archives/02.TuyenMQ/MS_Slide.pptx
+++ b/trunk/06.Personal Archives/02.TuyenMQ/MS_Slide.pptx
@@ -5,16 +5,17 @@
     <p:sldMasterId id="2147483673" r:id="rId1"/>
   </p:sldMasterIdLst>
   <p:notesMasterIdLst>
-    <p:notesMasterId r:id="rId6"/>
+    <p:notesMasterId r:id="rId7"/>
   </p:notesMasterIdLst>
   <p:handoutMasterIdLst>
-    <p:handoutMasterId r:id="rId7"/>
+    <p:handoutMasterId r:id="rId8"/>
   </p:handoutMasterIdLst>
   <p:sldIdLst>
     <p:sldId id="270" r:id="rId2"/>
     <p:sldId id="269" r:id="rId3"/>
     <p:sldId id="257" r:id="rId4"/>
     <p:sldId id="271" r:id="rId5"/>
+    <p:sldId id="272" r:id="rId6"/>
   </p:sldIdLst>
   <p:sldSz cx="9144000" cy="6858000" type="screen4x3"/>
   <p:notesSz cx="6858000" cy="9144000"/>
@@ -5439,6 +5440,96 @@
 </p:notes>
 </file>
 
+<file path=ppt/notesSlides/notesSlide4.xml><?xml version="1.0" encoding="utf-8"?>
+<p:notes xmlns:a="http://schemas.openxmlformats.org/drawingml/2006/main" xmlns:r="http://schemas.openxmlformats.org/officeDocument/2006/relationships" xmlns:p="http://schemas.openxmlformats.org/presentationml/2006/main">
+  <p:cSld>
+    <p:spTree>
+      <p:nvGrpSpPr>
+        <p:cNvPr id="1" name=""/>
+        <p:cNvGrpSpPr/>
+        <p:nvPr/>
+      </p:nvGrpSpPr>
+      <p:grpSpPr>
+        <a:xfrm>
+          <a:off x="0" y="0"/>
+          <a:ext cx="0" cy="0"/>
+          <a:chOff x="0" y="0"/>
+          <a:chExt cx="0" cy="0"/>
+        </a:xfrm>
+      </p:grpSpPr>
+      <p:sp>
+        <p:nvSpPr>
+          <p:cNvPr id="2" name="Slide Image Placeholder 1"/>
+          <p:cNvSpPr>
+            <a:spLocks noGrp="1" noRot="1" noChangeAspect="1"/>
+          </p:cNvSpPr>
+          <p:nvPr>
+            <p:ph type="sldImg"/>
+          </p:nvPr>
+        </p:nvSpPr>
+        <p:spPr>
+          <a:xfrm>
+            <a:off x="1371600" y="1143000"/>
+            <a:ext cx="4114800" cy="3086100"/>
+          </a:xfrm>
+        </p:spPr>
+      </p:sp>
+      <p:sp>
+        <p:nvSpPr>
+          <p:cNvPr id="3" name="Notes Placeholder 2"/>
+          <p:cNvSpPr>
+            <a:spLocks noGrp="1"/>
+          </p:cNvSpPr>
+          <p:nvPr>
+            <p:ph type="body" idx="1"/>
+          </p:nvPr>
+        </p:nvSpPr>
+        <p:spPr/>
+        <p:txBody>
+          <a:bodyPr/>
+          <a:lstStyle/>
+          <a:p>
+            <a:endParaRPr lang="en-US"/>
+          </a:p>
+        </p:txBody>
+      </p:sp>
+      <p:sp>
+        <p:nvSpPr>
+          <p:cNvPr id="4" name="Slide Number Placeholder 3"/>
+          <p:cNvSpPr>
+            <a:spLocks noGrp="1"/>
+          </p:cNvSpPr>
+          <p:nvPr>
+            <p:ph type="sldNum" sz="quarter" idx="10"/>
+          </p:nvPr>
+        </p:nvSpPr>
+        <p:spPr/>
+        <p:txBody>
+          <a:bodyPr/>
+          <a:lstStyle/>
+          <a:p>
+            <a:fld id="{0521FCE3-7D4A-4844-8F6D-60AC8CFC57BE}" type="slidenum">
+              <a:rPr lang="en-US" smtClean="0"/>
+              <a:pPr/>
+              <a:t>5</a:t>
+            </a:fld>
+            <a:endParaRPr lang="en-US"/>
+          </a:p>
+        </p:txBody>
+      </p:sp>
+    </p:spTree>
+    <p:extLst>
+      <p:ext uri="{BB962C8B-B14F-4D97-AF65-F5344CB8AC3E}">
+        <p14:creationId xmlns:p14="http://schemas.microsoft.com/office/powerpoint/2010/main" xmlns="" val="2214256827"/>
+      </p:ext>
+    </p:extLst>
+  </p:cSld>
+  <p:clrMapOvr>
+    <a:masterClrMapping/>
+  </p:clrMapOvr>
+</p:notes>
+</file>
+
 <file path=ppt/slideLayouts/slideLayout1.xml><?xml version="1.0" encoding="utf-8"?>
 <p:sldLayout xmlns:a="http://schemas.openxmlformats.org/drawingml/2006/main" xmlns:r="http://schemas.openxmlformats.org/officeDocument/2006/relationships" xmlns:p="http://schemas.openxmlformats.org/presentationml/2006/main" type="title" preserve="1">
   <p:cSld name="Title Slide">
@@ -10820,6 +10911,1005 @@
         </p:nvSpPr>
         <p:spPr>
           <a:xfrm>
+            <a:off x="2354414" y="2047957"/>
+            <a:ext cx="806598" cy="817173"/>
+          </a:xfrm>
+          <a:prstGeom prst="roundRect">
+            <a:avLst>
+              <a:gd name="adj" fmla="val 10000"/>
+            </a:avLst>
+          </a:prstGeom>
+          <a:blipFill>
+            <a:blip r:embed="rId4">
+              <a:extLst>
+                <a:ext uri="{28A0092B-C50C-407E-A947-70E740481C1C}">
+                  <a14:useLocalDpi xmlns="" xmlns:dgm="http://schemas.openxmlformats.org/drawingml/2006/diagram" xmlns:a14="http://schemas.microsoft.com/office/drawing/2010/main" xmlns:lc="http://schemas.openxmlformats.org/drawingml/2006/lockedCanvas" val="0"/>
+                </a:ext>
+              </a:extLst>
+            </a:blip>
+            <a:srcRect/>
+            <a:stretch>
+              <a:fillRect t="-4000" b="-4000"/>
+            </a:stretch>
+          </a:blipFill>
+        </p:spPr>
+        <p:style>
+          <a:lnRef idx="2">
+            <a:schemeClr val="lt1">
+              <a:hueOff val="0"/>
+              <a:satOff val="0"/>
+              <a:lumOff val="0"/>
+              <a:alphaOff val="0"/>
+            </a:schemeClr>
+          </a:lnRef>
+          <a:fillRef idx="1">
+            <a:scrgbClr r="0" g="0" b="0"/>
+          </a:fillRef>
+          <a:effectRef idx="0">
+            <a:schemeClr val="accent1">
+              <a:tint val="50000"/>
+              <a:hueOff val="0"/>
+              <a:satOff val="0"/>
+              <a:lumOff val="0"/>
+              <a:alphaOff val="0"/>
+            </a:schemeClr>
+          </a:effectRef>
+          <a:fontRef idx="minor">
+            <a:schemeClr val="lt1">
+              <a:hueOff val="0"/>
+              <a:satOff val="0"/>
+              <a:lumOff val="0"/>
+              <a:alphaOff val="0"/>
+            </a:schemeClr>
+          </a:fontRef>
+        </p:style>
+      </p:sp>
+      <p:sp>
+        <p:nvSpPr>
+          <p:cNvPr id="13" name="Right Arrow 12"/>
+          <p:cNvSpPr/>
+          <p:nvPr/>
+        </p:nvSpPr>
+        <p:spPr>
+          <a:xfrm>
+            <a:off x="3321249" y="2302650"/>
+            <a:ext cx="1440612" cy="293586"/>
+          </a:xfrm>
+          <a:prstGeom prst="rightArrow">
+            <a:avLst/>
+          </a:prstGeom>
+        </p:spPr>
+        <p:style>
+          <a:lnRef idx="2">
+            <a:schemeClr val="accent1">
+              <a:shade val="50000"/>
+            </a:schemeClr>
+          </a:lnRef>
+          <a:fillRef idx="1">
+            <a:schemeClr val="accent1"/>
+          </a:fillRef>
+          <a:effectRef idx="0">
+            <a:schemeClr val="accent1"/>
+          </a:effectRef>
+          <a:fontRef idx="minor">
+            <a:schemeClr val="lt1"/>
+          </a:fontRef>
+        </p:style>
+        <p:txBody>
+          <a:bodyPr rtlCol="0" anchor="ctr"/>
+          <a:lstStyle/>
+          <a:p>
+            <a:endParaRPr lang="vi-VN">
+              <a:solidFill>
+                <a:prstClr val="white"/>
+              </a:solidFill>
+            </a:endParaRPr>
+          </a:p>
+        </p:txBody>
+      </p:sp>
+      <p:pic>
+        <p:nvPicPr>
+          <p:cNvPr id="14" name="Picture 13" descr="view-doc.png"/>
+          <p:cNvPicPr>
+            <a:picLocks noChangeAspect="1"/>
+          </p:cNvPicPr>
+          <p:nvPr/>
+        </p:nvPicPr>
+        <p:blipFill>
+          <a:blip r:embed="rId5"/>
+          <a:stretch>
+            <a:fillRect/>
+          </a:stretch>
+        </p:blipFill>
+        <p:spPr>
+          <a:xfrm>
+            <a:off x="4949372" y="1919515"/>
+            <a:ext cx="1012372" cy="1012372"/>
+          </a:xfrm>
+          <a:prstGeom prst="rect">
+            <a:avLst/>
+          </a:prstGeom>
+        </p:spPr>
+      </p:pic>
+      <p:pic>
+        <p:nvPicPr>
+          <p:cNvPr id="18" name="Picture 17" descr="view-doc.png"/>
+          <p:cNvPicPr>
+            <a:picLocks noChangeAspect="1"/>
+          </p:cNvPicPr>
+          <p:nvPr/>
+        </p:nvPicPr>
+        <p:blipFill>
+          <a:blip r:embed="rId5"/>
+          <a:stretch>
+            <a:fillRect/>
+          </a:stretch>
+        </p:blipFill>
+        <p:spPr>
+          <a:xfrm>
+            <a:off x="2286000" y="4742544"/>
+            <a:ext cx="1012372" cy="1012372"/>
+          </a:xfrm>
+          <a:prstGeom prst="rect">
+            <a:avLst/>
+          </a:prstGeom>
+        </p:spPr>
+      </p:pic>
+      <p:sp>
+        <p:nvSpPr>
+          <p:cNvPr id="19" name="Down Arrow 18"/>
+          <p:cNvSpPr/>
+          <p:nvPr/>
+        </p:nvSpPr>
+        <p:spPr>
+          <a:xfrm>
+            <a:off x="2602352" y="3541484"/>
+            <a:ext cx="315020" cy="1103087"/>
+          </a:xfrm>
+          <a:prstGeom prst="downArrow">
+            <a:avLst/>
+          </a:prstGeom>
+        </p:spPr>
+        <p:style>
+          <a:lnRef idx="2">
+            <a:schemeClr val="accent1">
+              <a:shade val="50000"/>
+            </a:schemeClr>
+          </a:lnRef>
+          <a:fillRef idx="1">
+            <a:schemeClr val="accent1"/>
+          </a:fillRef>
+          <a:effectRef idx="0">
+            <a:schemeClr val="accent1"/>
+          </a:effectRef>
+          <a:fontRef idx="minor">
+            <a:schemeClr val="lt1"/>
+          </a:fontRef>
+        </p:style>
+        <p:txBody>
+          <a:bodyPr rtlCol="0" anchor="ctr"/>
+          <a:lstStyle/>
+          <a:p>
+            <a:endParaRPr lang="vi-VN">
+              <a:solidFill>
+                <a:prstClr val="white"/>
+              </a:solidFill>
+            </a:endParaRPr>
+          </a:p>
+        </p:txBody>
+      </p:sp>
+      <p:sp>
+        <p:nvSpPr>
+          <p:cNvPr id="20" name="Right Arrow 19"/>
+          <p:cNvSpPr/>
+          <p:nvPr/>
+        </p:nvSpPr>
+        <p:spPr>
+          <a:xfrm>
+            <a:off x="3393820" y="4987793"/>
+            <a:ext cx="1440612" cy="293586"/>
+          </a:xfrm>
+          <a:prstGeom prst="rightArrow">
+            <a:avLst/>
+          </a:prstGeom>
+        </p:spPr>
+        <p:style>
+          <a:lnRef idx="2">
+            <a:schemeClr val="accent1">
+              <a:shade val="50000"/>
+            </a:schemeClr>
+          </a:lnRef>
+          <a:fillRef idx="1">
+            <a:schemeClr val="accent1"/>
+          </a:fillRef>
+          <a:effectRef idx="0">
+            <a:schemeClr val="accent1"/>
+          </a:effectRef>
+          <a:fontRef idx="minor">
+            <a:schemeClr val="lt1"/>
+          </a:fontRef>
+        </p:style>
+        <p:txBody>
+          <a:bodyPr rtlCol="0" anchor="ctr"/>
+          <a:lstStyle/>
+          <a:p>
+            <a:endParaRPr lang="vi-VN">
+              <a:solidFill>
+                <a:prstClr val="white"/>
+              </a:solidFill>
+            </a:endParaRPr>
+          </a:p>
+        </p:txBody>
+      </p:sp>
+      <p:pic>
+        <p:nvPicPr>
+          <p:cNvPr id="21" name="Picture 20" descr="icon-apply.png"/>
+          <p:cNvPicPr>
+            <a:picLocks noChangeAspect="1"/>
+          </p:cNvPicPr>
+          <p:nvPr/>
+        </p:nvPicPr>
+        <p:blipFill>
+          <a:blip r:embed="rId6"/>
+          <a:stretch>
+            <a:fillRect/>
+          </a:stretch>
+        </p:blipFill>
+        <p:spPr>
+          <a:xfrm>
+            <a:off x="4808764" y="4778829"/>
+            <a:ext cx="1367065" cy="994229"/>
+          </a:xfrm>
+          <a:prstGeom prst="rect">
+            <a:avLst/>
+          </a:prstGeom>
+        </p:spPr>
+      </p:pic>
+      <p:sp>
+        <p:nvSpPr>
+          <p:cNvPr id="22" name="TextBox 21"/>
+          <p:cNvSpPr txBox="1"/>
+          <p:nvPr/>
+        </p:nvSpPr>
+        <p:spPr>
+          <a:xfrm>
+            <a:off x="2467428" y="3018971"/>
+            <a:ext cx="612668" cy="369332"/>
+          </a:xfrm>
+          <a:prstGeom prst="rect">
+            <a:avLst/>
+          </a:prstGeom>
+          <a:noFill/>
+        </p:spPr>
+        <p:txBody>
+          <a:bodyPr wrap="none" rtlCol="0">
+            <a:spAutoFit/>
+          </a:bodyPr>
+          <a:lstStyle/>
+          <a:p>
+            <a:r>
+              <a:rPr lang="en-US" dirty="0" smtClean="0"/>
+              <a:t>Staff</a:t>
+            </a:r>
+            <a:endParaRPr lang="en-US" dirty="0"/>
+          </a:p>
+        </p:txBody>
+      </p:sp>
+      <p:sp>
+        <p:nvSpPr>
+          <p:cNvPr id="24" name="TextBox 23"/>
+          <p:cNvSpPr txBox="1"/>
+          <p:nvPr/>
+        </p:nvSpPr>
+        <p:spPr>
+          <a:xfrm>
+            <a:off x="3904341" y="3004457"/>
+            <a:ext cx="3174267" cy="369332"/>
+          </a:xfrm>
+          <a:prstGeom prst="rect">
+            <a:avLst/>
+          </a:prstGeom>
+          <a:noFill/>
+        </p:spPr>
+        <p:txBody>
+          <a:bodyPr wrap="none" rtlCol="0">
+            <a:spAutoFit/>
+          </a:bodyPr>
+          <a:lstStyle/>
+          <a:p>
+            <a:r>
+              <a:rPr lang="en-US" dirty="0" smtClean="0"/>
+              <a:t>View a </a:t>
+            </a:r>
+            <a:r>
+              <a:rPr lang="en-US" b="1" u="sng" dirty="0" smtClean="0"/>
+              <a:t>recommend</a:t>
+            </a:r>
+            <a:r>
+              <a:rPr lang="en-US" dirty="0" smtClean="0"/>
+              <a:t> recruitment</a:t>
+            </a:r>
+            <a:endParaRPr lang="en-US" dirty="0"/>
+          </a:p>
+        </p:txBody>
+      </p:sp>
+      <p:sp>
+        <p:nvSpPr>
+          <p:cNvPr id="26" name="TextBox 25"/>
+          <p:cNvSpPr txBox="1"/>
+          <p:nvPr/>
+        </p:nvSpPr>
+        <p:spPr>
+          <a:xfrm>
+            <a:off x="1538514" y="5834743"/>
+            <a:ext cx="2772106" cy="369332"/>
+          </a:xfrm>
+          <a:prstGeom prst="rect">
+            <a:avLst/>
+          </a:prstGeom>
+          <a:noFill/>
+        </p:spPr>
+        <p:txBody>
+          <a:bodyPr wrap="none" rtlCol="0">
+            <a:spAutoFit/>
+          </a:bodyPr>
+          <a:lstStyle/>
+          <a:p>
+            <a:r>
+              <a:rPr lang="en-US" dirty="0" smtClean="0"/>
+              <a:t>View a </a:t>
+            </a:r>
+            <a:r>
+              <a:rPr lang="en-US" b="1" u="sng" dirty="0" smtClean="0"/>
+              <a:t>random</a:t>
+            </a:r>
+            <a:r>
+              <a:rPr lang="en-US" dirty="0" smtClean="0"/>
+              <a:t> recruitment</a:t>
+            </a:r>
+            <a:endParaRPr lang="en-US" dirty="0"/>
+          </a:p>
+        </p:txBody>
+      </p:sp>
+      <p:sp>
+        <p:nvSpPr>
+          <p:cNvPr id="27" name="TextBox 26"/>
+          <p:cNvSpPr txBox="1"/>
+          <p:nvPr/>
+        </p:nvSpPr>
+        <p:spPr>
+          <a:xfrm>
+            <a:off x="5072743" y="5812971"/>
+            <a:ext cx="993092" cy="369332"/>
+          </a:xfrm>
+          <a:prstGeom prst="rect">
+            <a:avLst/>
+          </a:prstGeom>
+          <a:noFill/>
+        </p:spPr>
+        <p:txBody>
+          <a:bodyPr wrap="none" rtlCol="0">
+            <a:spAutoFit/>
+          </a:bodyPr>
+          <a:lstStyle/>
+          <a:p>
+            <a:r>
+              <a:rPr lang="en-US" dirty="0" smtClean="0"/>
+              <a:t>Register </a:t>
+            </a:r>
+          </a:p>
+        </p:txBody>
+      </p:sp>
+      <p:sp>
+        <p:nvSpPr>
+          <p:cNvPr id="29" name="Down Arrow 28"/>
+          <p:cNvSpPr/>
+          <p:nvPr/>
+        </p:nvSpPr>
+        <p:spPr>
+          <a:xfrm>
+            <a:off x="5294752" y="3534227"/>
+            <a:ext cx="315020" cy="1103087"/>
+          </a:xfrm>
+          <a:prstGeom prst="downArrow">
+            <a:avLst/>
+          </a:prstGeom>
+        </p:spPr>
+        <p:style>
+          <a:lnRef idx="2">
+            <a:schemeClr val="accent1">
+              <a:shade val="50000"/>
+            </a:schemeClr>
+          </a:lnRef>
+          <a:fillRef idx="1">
+            <a:schemeClr val="accent1"/>
+          </a:fillRef>
+          <a:effectRef idx="0">
+            <a:schemeClr val="accent1"/>
+          </a:effectRef>
+          <a:fontRef idx="minor">
+            <a:schemeClr val="lt1"/>
+          </a:fontRef>
+        </p:style>
+        <p:txBody>
+          <a:bodyPr rtlCol="0" anchor="ctr"/>
+          <a:lstStyle/>
+          <a:p>
+            <a:endParaRPr lang="vi-VN">
+              <a:solidFill>
+                <a:prstClr val="white"/>
+              </a:solidFill>
+            </a:endParaRPr>
+          </a:p>
+        </p:txBody>
+      </p:sp>
+    </p:spTree>
+    <p:extLst>
+      <p:ext uri="{BB962C8B-B14F-4D97-AF65-F5344CB8AC3E}">
+        <p14:creationId xmlns:p14="http://schemas.microsoft.com/office/powerpoint/2010/main" xmlns="" val="666675940"/>
+      </p:ext>
+    </p:extLst>
+  </p:cSld>
+  <p:clrMapOvr>
+    <a:masterClrMapping/>
+  </p:clrMapOvr>
+  <p:timing>
+    <p:tnLst>
+      <p:par>
+        <p:cTn id="1" dur="indefinite" restart="never" nodeType="tmRoot">
+          <p:childTnLst>
+            <p:seq concurrent="1" nextAc="seek">
+              <p:cTn id="2" dur="indefinite" nodeType="mainSeq">
+                <p:childTnLst>
+                  <p:par>
+                    <p:cTn id="3" fill="hold">
+                      <p:stCondLst>
+                        <p:cond delay="indefinite"/>
+                      </p:stCondLst>
+                      <p:childTnLst>
+                        <p:par>
+                          <p:cTn id="4" fill="hold">
+                            <p:stCondLst>
+                              <p:cond delay="0"/>
+                            </p:stCondLst>
+                            <p:childTnLst>
+                              <p:par>
+                                <p:cTn id="5" presetID="2" presetClass="entr" presetSubtype="8" fill="hold" grpId="0" nodeType="clickEffect">
+                                  <p:stCondLst>
+                                    <p:cond delay="0"/>
+                                  </p:stCondLst>
+                                  <p:childTnLst>
+                                    <p:set>
+                                      <p:cBhvr>
+                                        <p:cTn id="6" dur="1" fill="hold">
+                                          <p:stCondLst>
+                                            <p:cond delay="0"/>
+                                          </p:stCondLst>
+                                        </p:cTn>
+                                        <p:tgtEl>
+                                          <p:spTgt spid="13"/>
+                                        </p:tgtEl>
+                                        <p:attrNameLst>
+                                          <p:attrName>style.visibility</p:attrName>
+                                        </p:attrNameLst>
+                                      </p:cBhvr>
+                                      <p:to>
+                                        <p:strVal val="visible"/>
+                                      </p:to>
+                                    </p:set>
+                                    <p:anim calcmode="lin" valueType="num">
+                                      <p:cBhvr additive="base">
+                                        <p:cTn id="7" dur="500" fill="hold"/>
+                                        <p:tgtEl>
+                                          <p:spTgt spid="13"/>
+                                        </p:tgtEl>
+                                        <p:attrNameLst>
+                                          <p:attrName>ppt_x</p:attrName>
+                                        </p:attrNameLst>
+                                      </p:cBhvr>
+                                      <p:tavLst>
+                                        <p:tav tm="0">
+                                          <p:val>
+                                            <p:strVal val="0-#ppt_w/2"/>
+                                          </p:val>
+                                        </p:tav>
+                                        <p:tav tm="100000">
+                                          <p:val>
+                                            <p:strVal val="#ppt_x"/>
+                                          </p:val>
+                                        </p:tav>
+                                      </p:tavLst>
+                                    </p:anim>
+                                    <p:anim calcmode="lin" valueType="num">
+                                      <p:cBhvr additive="base">
+                                        <p:cTn id="8" dur="500" fill="hold"/>
+                                        <p:tgtEl>
+                                          <p:spTgt spid="13"/>
+                                        </p:tgtEl>
+                                        <p:attrNameLst>
+                                          <p:attrName>ppt_y</p:attrName>
+                                        </p:attrNameLst>
+                                      </p:cBhvr>
+                                      <p:tavLst>
+                                        <p:tav tm="0">
+                                          <p:val>
+                                            <p:strVal val="#ppt_y"/>
+                                          </p:val>
+                                        </p:tav>
+                                        <p:tav tm="100000">
+                                          <p:val>
+                                            <p:strVal val="#ppt_y"/>
+                                          </p:val>
+                                        </p:tav>
+                                      </p:tavLst>
+                                    </p:anim>
+                                  </p:childTnLst>
+                                </p:cTn>
+                              </p:par>
+                            </p:childTnLst>
+                          </p:cTn>
+                        </p:par>
+                      </p:childTnLst>
+                    </p:cTn>
+                  </p:par>
+                  <p:par>
+                    <p:cTn id="9" fill="hold">
+                      <p:stCondLst>
+                        <p:cond delay="indefinite"/>
+                      </p:stCondLst>
+                      <p:childTnLst>
+                        <p:par>
+                          <p:cTn id="10" fill="hold">
+                            <p:stCondLst>
+                              <p:cond delay="0"/>
+                            </p:stCondLst>
+                            <p:childTnLst>
+                              <p:par>
+                                <p:cTn id="11" presetID="2" presetClass="entr" presetSubtype="1" fill="hold" grpId="0" nodeType="clickEffect">
+                                  <p:stCondLst>
+                                    <p:cond delay="0"/>
+                                  </p:stCondLst>
+                                  <p:childTnLst>
+                                    <p:set>
+                                      <p:cBhvr>
+                                        <p:cTn id="12" dur="1" fill="hold">
+                                          <p:stCondLst>
+                                            <p:cond delay="0"/>
+                                          </p:stCondLst>
+                                        </p:cTn>
+                                        <p:tgtEl>
+                                          <p:spTgt spid="19"/>
+                                        </p:tgtEl>
+                                        <p:attrNameLst>
+                                          <p:attrName>style.visibility</p:attrName>
+                                        </p:attrNameLst>
+                                      </p:cBhvr>
+                                      <p:to>
+                                        <p:strVal val="visible"/>
+                                      </p:to>
+                                    </p:set>
+                                    <p:anim calcmode="lin" valueType="num">
+                                      <p:cBhvr additive="base">
+                                        <p:cTn id="13" dur="500" fill="hold"/>
+                                        <p:tgtEl>
+                                          <p:spTgt spid="19"/>
+                                        </p:tgtEl>
+                                        <p:attrNameLst>
+                                          <p:attrName>ppt_x</p:attrName>
+                                        </p:attrNameLst>
+                                      </p:cBhvr>
+                                      <p:tavLst>
+                                        <p:tav tm="0">
+                                          <p:val>
+                                            <p:strVal val="#ppt_x"/>
+                                          </p:val>
+                                        </p:tav>
+                                        <p:tav tm="100000">
+                                          <p:val>
+                                            <p:strVal val="#ppt_x"/>
+                                          </p:val>
+                                        </p:tav>
+                                      </p:tavLst>
+                                    </p:anim>
+                                    <p:anim calcmode="lin" valueType="num">
+                                      <p:cBhvr additive="base">
+                                        <p:cTn id="14" dur="500" fill="hold"/>
+                                        <p:tgtEl>
+                                          <p:spTgt spid="19"/>
+                                        </p:tgtEl>
+                                        <p:attrNameLst>
+                                          <p:attrName>ppt_y</p:attrName>
+                                        </p:attrNameLst>
+                                      </p:cBhvr>
+                                      <p:tavLst>
+                                        <p:tav tm="0">
+                                          <p:val>
+                                            <p:strVal val="0-#ppt_h/2"/>
+                                          </p:val>
+                                        </p:tav>
+                                        <p:tav tm="100000">
+                                          <p:val>
+                                            <p:strVal val="#ppt_y"/>
+                                          </p:val>
+                                        </p:tav>
+                                      </p:tavLst>
+                                    </p:anim>
+                                  </p:childTnLst>
+                                </p:cTn>
+                              </p:par>
+                            </p:childTnLst>
+                          </p:cTn>
+                        </p:par>
+                      </p:childTnLst>
+                    </p:cTn>
+                  </p:par>
+                  <p:par>
+                    <p:cTn id="15" fill="hold">
+                      <p:stCondLst>
+                        <p:cond delay="indefinite"/>
+                      </p:stCondLst>
+                      <p:childTnLst>
+                        <p:par>
+                          <p:cTn id="16" fill="hold">
+                            <p:stCondLst>
+                              <p:cond delay="0"/>
+                            </p:stCondLst>
+                            <p:childTnLst>
+                              <p:par>
+                                <p:cTn id="17" presetID="2" presetClass="entr" presetSubtype="8" fill="hold" grpId="0" nodeType="clickEffect">
+                                  <p:stCondLst>
+                                    <p:cond delay="0"/>
+                                  </p:stCondLst>
+                                  <p:childTnLst>
+                                    <p:set>
+                                      <p:cBhvr>
+                                        <p:cTn id="18" dur="1" fill="hold">
+                                          <p:stCondLst>
+                                            <p:cond delay="0"/>
+                                          </p:stCondLst>
+                                        </p:cTn>
+                                        <p:tgtEl>
+                                          <p:spTgt spid="20"/>
+                                        </p:tgtEl>
+                                        <p:attrNameLst>
+                                          <p:attrName>style.visibility</p:attrName>
+                                        </p:attrNameLst>
+                                      </p:cBhvr>
+                                      <p:to>
+                                        <p:strVal val="visible"/>
+                                      </p:to>
+                                    </p:set>
+                                    <p:anim calcmode="lin" valueType="num">
+                                      <p:cBhvr additive="base">
+                                        <p:cTn id="19" dur="500" fill="hold"/>
+                                        <p:tgtEl>
+                                          <p:spTgt spid="20"/>
+                                        </p:tgtEl>
+                                        <p:attrNameLst>
+                                          <p:attrName>ppt_x</p:attrName>
+                                        </p:attrNameLst>
+                                      </p:cBhvr>
+                                      <p:tavLst>
+                                        <p:tav tm="0">
+                                          <p:val>
+                                            <p:strVal val="0-#ppt_w/2"/>
+                                          </p:val>
+                                        </p:tav>
+                                        <p:tav tm="100000">
+                                          <p:val>
+                                            <p:strVal val="#ppt_x"/>
+                                          </p:val>
+                                        </p:tav>
+                                      </p:tavLst>
+                                    </p:anim>
+                                    <p:anim calcmode="lin" valueType="num">
+                                      <p:cBhvr additive="base">
+                                        <p:cTn id="20" dur="500" fill="hold"/>
+                                        <p:tgtEl>
+                                          <p:spTgt spid="20"/>
+                                        </p:tgtEl>
+                                        <p:attrNameLst>
+                                          <p:attrName>ppt_y</p:attrName>
+                                        </p:attrNameLst>
+                                      </p:cBhvr>
+                                      <p:tavLst>
+                                        <p:tav tm="0">
+                                          <p:val>
+                                            <p:strVal val="#ppt_y"/>
+                                          </p:val>
+                                        </p:tav>
+                                        <p:tav tm="100000">
+                                          <p:val>
+                                            <p:strVal val="#ppt_y"/>
+                                          </p:val>
+                                        </p:tav>
+                                      </p:tavLst>
+                                    </p:anim>
+                                  </p:childTnLst>
+                                </p:cTn>
+                              </p:par>
+                            </p:childTnLst>
+                          </p:cTn>
+                        </p:par>
+                      </p:childTnLst>
+                    </p:cTn>
+                  </p:par>
+                  <p:par>
+                    <p:cTn id="21" fill="hold">
+                      <p:stCondLst>
+                        <p:cond delay="indefinite"/>
+                      </p:stCondLst>
+                      <p:childTnLst>
+                        <p:par>
+                          <p:cTn id="22" fill="hold">
+                            <p:stCondLst>
+                              <p:cond delay="0"/>
+                            </p:stCondLst>
+                            <p:childTnLst>
+                              <p:par>
+                                <p:cTn id="23" presetID="2" presetClass="entr" presetSubtype="1" fill="hold" grpId="0" nodeType="clickEffect">
+                                  <p:stCondLst>
+                                    <p:cond delay="0"/>
+                                  </p:stCondLst>
+                                  <p:childTnLst>
+                                    <p:set>
+                                      <p:cBhvr>
+                                        <p:cTn id="24" dur="1" fill="hold">
+                                          <p:stCondLst>
+                                            <p:cond delay="0"/>
+                                          </p:stCondLst>
+                                        </p:cTn>
+                                        <p:tgtEl>
+                                          <p:spTgt spid="29"/>
+                                        </p:tgtEl>
+                                        <p:attrNameLst>
+                                          <p:attrName>style.visibility</p:attrName>
+                                        </p:attrNameLst>
+                                      </p:cBhvr>
+                                      <p:to>
+                                        <p:strVal val="visible"/>
+                                      </p:to>
+                                    </p:set>
+                                    <p:anim calcmode="lin" valueType="num">
+                                      <p:cBhvr additive="base">
+                                        <p:cTn id="25" dur="500" fill="hold"/>
+                                        <p:tgtEl>
+                                          <p:spTgt spid="29"/>
+                                        </p:tgtEl>
+                                        <p:attrNameLst>
+                                          <p:attrName>ppt_x</p:attrName>
+                                        </p:attrNameLst>
+                                      </p:cBhvr>
+                                      <p:tavLst>
+                                        <p:tav tm="0">
+                                          <p:val>
+                                            <p:strVal val="#ppt_x"/>
+                                          </p:val>
+                                        </p:tav>
+                                        <p:tav tm="100000">
+                                          <p:val>
+                                            <p:strVal val="#ppt_x"/>
+                                          </p:val>
+                                        </p:tav>
+                                      </p:tavLst>
+                                    </p:anim>
+                                    <p:anim calcmode="lin" valueType="num">
+                                      <p:cBhvr additive="base">
+                                        <p:cTn id="26" dur="500" fill="hold"/>
+                                        <p:tgtEl>
+                                          <p:spTgt spid="29"/>
+                                        </p:tgtEl>
+                                        <p:attrNameLst>
+                                          <p:attrName>ppt_y</p:attrName>
+                                        </p:attrNameLst>
+                                      </p:cBhvr>
+                                      <p:tavLst>
+                                        <p:tav tm="0">
+                                          <p:val>
+                                            <p:strVal val="0-#ppt_h/2"/>
+                                          </p:val>
+                                        </p:tav>
+                                        <p:tav tm="100000">
+                                          <p:val>
+                                            <p:strVal val="#ppt_y"/>
+                                          </p:val>
+                                        </p:tav>
+                                      </p:tavLst>
+                                    </p:anim>
+                                  </p:childTnLst>
+                                </p:cTn>
+                              </p:par>
+                            </p:childTnLst>
+                          </p:cTn>
+                        </p:par>
+                      </p:childTnLst>
+                    </p:cTn>
+                  </p:par>
+                </p:childTnLst>
+              </p:cTn>
+              <p:prevCondLst>
+                <p:cond evt="onPrev" delay="0">
+                  <p:tgtEl>
+                    <p:sldTgt/>
+                  </p:tgtEl>
+                </p:cond>
+              </p:prevCondLst>
+              <p:nextCondLst>
+                <p:cond evt="onNext" delay="0">
+                  <p:tgtEl>
+                    <p:sldTgt/>
+                  </p:tgtEl>
+                </p:cond>
+              </p:nextCondLst>
+            </p:seq>
+          </p:childTnLst>
+        </p:cTn>
+      </p:par>
+    </p:tnLst>
+    <p:bldLst>
+      <p:bldP spid="13" grpId="0" animBg="1"/>
+      <p:bldP spid="19" grpId="0" animBg="1"/>
+      <p:bldP spid="20" grpId="0" animBg="1"/>
+      <p:bldP spid="29" grpId="0" animBg="1"/>
+    </p:bldLst>
+  </p:timing>
+</p:sld>
+</file>
+
+<file path=ppt/slides/slide5.xml><?xml version="1.0" encoding="utf-8"?>
+<p:sld xmlns:a="http://schemas.openxmlformats.org/drawingml/2006/main" xmlns:r="http://schemas.openxmlformats.org/officeDocument/2006/relationships" xmlns:p="http://schemas.openxmlformats.org/presentationml/2006/main">
+  <p:cSld>
+    <p:spTree>
+      <p:nvGrpSpPr>
+        <p:cNvPr id="1" name=""/>
+        <p:cNvGrpSpPr/>
+        <p:nvPr/>
+      </p:nvGrpSpPr>
+      <p:grpSpPr>
+        <a:xfrm>
+          <a:off x="0" y="0"/>
+          <a:ext cx="0" cy="0"/>
+          <a:chOff x="0" y="0"/>
+          <a:chExt cx="0" cy="0"/>
+        </a:xfrm>
+      </p:grpSpPr>
+      <p:sp>
+        <p:nvSpPr>
+          <p:cNvPr id="2" name="Title 1"/>
+          <p:cNvSpPr>
+            <a:spLocks noGrp="1"/>
+          </p:cNvSpPr>
+          <p:nvPr>
+            <p:ph type="title"/>
+          </p:nvPr>
+        </p:nvSpPr>
+        <p:spPr/>
+        <p:txBody>
+          <a:bodyPr/>
+          <a:lstStyle/>
+          <a:p>
+            <a:r>
+              <a:rPr lang="en-US" dirty="0" smtClean="0"/>
+              <a:t>Customer demo</a:t>
+            </a:r>
+            <a:endParaRPr lang="en-US" dirty="0"/>
+          </a:p>
+        </p:txBody>
+      </p:sp>
+      <p:sp>
+        <p:nvSpPr>
+          <p:cNvPr id="8" name="Date Placeholder 7"/>
+          <p:cNvSpPr>
+            <a:spLocks noGrp="1"/>
+          </p:cNvSpPr>
+          <p:nvPr>
+            <p:ph type="dt" sz="half" idx="10"/>
+          </p:nvPr>
+        </p:nvSpPr>
+        <p:spPr/>
+        <p:txBody>
+          <a:bodyPr/>
+          <a:lstStyle/>
+          <a:p>
+            <a:r>
+              <a:rPr lang="en-US" smtClean="0"/>
+              <a:t>Group 6</a:t>
+            </a:r>
+            <a:endParaRPr lang="en-US" dirty="0"/>
+          </a:p>
+        </p:txBody>
+      </p:sp>
+      <p:sp>
+        <p:nvSpPr>
+          <p:cNvPr id="6" name="Footer Placeholder 5"/>
+          <p:cNvSpPr>
+            <a:spLocks noGrp="1"/>
+          </p:cNvSpPr>
+          <p:nvPr>
+            <p:ph type="ftr" sz="quarter" idx="11"/>
+          </p:nvPr>
+        </p:nvSpPr>
+        <p:spPr/>
+        <p:txBody>
+          <a:bodyPr/>
+          <a:lstStyle/>
+          <a:p>
+            <a:r>
+              <a:rPr lang="en-US" dirty="0" smtClean="0"/>
+              <a:t>Maid Service</a:t>
+            </a:r>
+            <a:endParaRPr lang="en-US" dirty="0"/>
+          </a:p>
+        </p:txBody>
+      </p:sp>
+      <p:sp>
+        <p:nvSpPr>
+          <p:cNvPr id="7" name="Slide Number Placeholder 6"/>
+          <p:cNvSpPr>
+            <a:spLocks noGrp="1"/>
+          </p:cNvSpPr>
+          <p:nvPr>
+            <p:ph type="sldNum" sz="quarter" idx="12"/>
+          </p:nvPr>
+        </p:nvSpPr>
+        <p:spPr/>
+        <p:txBody>
+          <a:bodyPr/>
+          <a:lstStyle/>
+          <a:p>
+            <a:fld id="{6113E31D-E2AB-40D1-8B51-AFA5AFEF393A}" type="slidenum">
+              <a:rPr lang="en-US" smtClean="0"/>
+              <a:pPr/>
+              <a:t>5</a:t>
+            </a:fld>
+            <a:endParaRPr lang="en-US" dirty="0"/>
+          </a:p>
+        </p:txBody>
+      </p:sp>
+      <p:pic>
+        <p:nvPicPr>
+          <p:cNvPr id="9" name="Picture 8"/>
+          <p:cNvPicPr>
+            <a:picLocks noChangeAspect="1"/>
+          </p:cNvPicPr>
+          <p:nvPr/>
+        </p:nvPicPr>
+        <p:blipFill>
+          <a:blip r:embed="rId3">
+            <a:extLst>
+              <a:ext uri="{28A0092B-C50C-407E-A947-70E740481C1C}">
+                <a14:useLocalDpi xmlns:a14="http://schemas.microsoft.com/office/drawing/2010/main" xmlns="" val="0"/>
+              </a:ext>
+            </a:extLst>
+          </a:blip>
+          <a:stretch>
+            <a:fillRect/>
+          </a:stretch>
+        </p:blipFill>
+        <p:spPr>
+          <a:xfrm>
+            <a:off x="8249003" y="66355"/>
+            <a:ext cx="822961" cy="822961"/>
+          </a:xfrm>
+          <a:prstGeom prst="ellipse">
+            <a:avLst/>
+          </a:prstGeom>
+          <a:ln>
+            <a:noFill/>
+          </a:ln>
+          <a:effectLst>
+            <a:reflection blurRad="6350" stA="52000" endA="300" endPos="35000" dir="5400000" sy="-100000" algn="bl" rotWithShape="0"/>
+          </a:effectLst>
+        </p:spPr>
+      </p:pic>
+      <p:sp>
+        <p:nvSpPr>
+          <p:cNvPr id="12" name="Rounded Rectangle 11"/>
+          <p:cNvSpPr/>
+          <p:nvPr/>
+        </p:nvSpPr>
+        <p:spPr>
+          <a:xfrm>
             <a:off x="815900" y="2062471"/>
             <a:ext cx="806598" cy="817173"/>
           </a:xfrm>
@@ -10941,30 +12031,6 @@
           </a:prstGeom>
         </p:spPr>
       </p:pic>
-      <p:pic>
-        <p:nvPicPr>
-          <p:cNvPr id="15" name="Picture 14" descr="icon-apply.png"/>
-          <p:cNvPicPr>
-            <a:picLocks noChangeAspect="1"/>
-          </p:cNvPicPr>
-          <p:nvPr/>
-        </p:nvPicPr>
-        <p:blipFill>
-          <a:blip r:embed="rId6"/>
-          <a:stretch>
-            <a:fillRect/>
-          </a:stretch>
-        </p:blipFill>
-        <p:spPr>
-          <a:xfrm>
-            <a:off x="6209393" y="1970314"/>
-            <a:ext cx="1367065" cy="994229"/>
-          </a:xfrm>
-          <a:prstGeom prst="rect">
-            <a:avLst/>
-          </a:prstGeom>
-        </p:spPr>
-      </p:pic>
       <p:sp>
         <p:nvSpPr>
           <p:cNvPr id="16" name="Right Arrow 15"/>
@@ -11121,9 +12187,173 @@
           </a:p>
         </p:txBody>
       </p:sp>
+      <p:sp>
+        <p:nvSpPr>
+          <p:cNvPr id="22" name="TextBox 21"/>
+          <p:cNvSpPr txBox="1"/>
+          <p:nvPr/>
+        </p:nvSpPr>
+        <p:spPr>
+          <a:xfrm>
+            <a:off x="740229" y="3033485"/>
+            <a:ext cx="1093569" cy="369332"/>
+          </a:xfrm>
+          <a:prstGeom prst="rect">
+            <a:avLst/>
+          </a:prstGeom>
+          <a:noFill/>
+        </p:spPr>
+        <p:txBody>
+          <a:bodyPr wrap="none" rtlCol="0">
+            <a:spAutoFit/>
+          </a:bodyPr>
+          <a:lstStyle/>
+          <a:p>
+            <a:r>
+              <a:rPr lang="en-US" dirty="0" smtClean="0"/>
+              <a:t>Customer</a:t>
+            </a:r>
+            <a:endParaRPr lang="en-US" dirty="0"/>
+          </a:p>
+        </p:txBody>
+      </p:sp>
+      <p:sp>
+        <p:nvSpPr>
+          <p:cNvPr id="24" name="TextBox 23"/>
+          <p:cNvSpPr txBox="1"/>
+          <p:nvPr/>
+        </p:nvSpPr>
+        <p:spPr>
+          <a:xfrm>
+            <a:off x="2438399" y="3018971"/>
+            <a:ext cx="2855397" cy="369332"/>
+          </a:xfrm>
+          <a:prstGeom prst="rect">
+            <a:avLst/>
+          </a:prstGeom>
+          <a:noFill/>
+        </p:spPr>
+        <p:txBody>
+          <a:bodyPr wrap="none" rtlCol="0">
+            <a:spAutoFit/>
+          </a:bodyPr>
+          <a:lstStyle/>
+          <a:p>
+            <a:r>
+              <a:rPr lang="en-US" dirty="0" smtClean="0"/>
+              <a:t>View an </a:t>
+            </a:r>
+            <a:r>
+              <a:rPr lang="en-US" b="1" u="sng" dirty="0" smtClean="0"/>
+              <a:t>applied</a:t>
+            </a:r>
+            <a:r>
+              <a:rPr lang="en-US" dirty="0" smtClean="0"/>
+              <a:t> recruitment</a:t>
+            </a:r>
+            <a:endParaRPr lang="en-US" dirty="0"/>
+          </a:p>
+        </p:txBody>
+      </p:sp>
+      <p:sp>
+        <p:nvSpPr>
+          <p:cNvPr id="25" name="TextBox 24"/>
+          <p:cNvSpPr txBox="1"/>
+          <p:nvPr/>
+        </p:nvSpPr>
+        <p:spPr>
+          <a:xfrm>
+            <a:off x="6052457" y="3018971"/>
+            <a:ext cx="1707519" cy="369332"/>
+          </a:xfrm>
+          <a:prstGeom prst="rect">
+            <a:avLst/>
+          </a:prstGeom>
+          <a:noFill/>
+        </p:spPr>
+        <p:txBody>
+          <a:bodyPr wrap="none" rtlCol="0">
+            <a:spAutoFit/>
+          </a:bodyPr>
+          <a:lstStyle/>
+          <a:p>
+            <a:r>
+              <a:rPr lang="en-US" dirty="0" smtClean="0"/>
+              <a:t>Cancel applying </a:t>
+            </a:r>
+          </a:p>
+        </p:txBody>
+      </p:sp>
+      <p:sp>
+        <p:nvSpPr>
+          <p:cNvPr id="26" name="TextBox 25"/>
+          <p:cNvSpPr txBox="1"/>
+          <p:nvPr/>
+        </p:nvSpPr>
+        <p:spPr>
+          <a:xfrm>
+            <a:off x="0" y="5849257"/>
+            <a:ext cx="3048783" cy="369332"/>
+          </a:xfrm>
+          <a:prstGeom prst="rect">
+            <a:avLst/>
+          </a:prstGeom>
+          <a:noFill/>
+        </p:spPr>
+        <p:txBody>
+          <a:bodyPr wrap="none" rtlCol="0">
+            <a:spAutoFit/>
+          </a:bodyPr>
+          <a:lstStyle/>
+          <a:p>
+            <a:r>
+              <a:rPr lang="en-US" dirty="0" smtClean="0"/>
+              <a:t>View an </a:t>
+            </a:r>
+            <a:r>
+              <a:rPr lang="en-US" b="1" u="sng" dirty="0" smtClean="0"/>
+              <a:t>approved</a:t>
+            </a:r>
+            <a:r>
+              <a:rPr lang="en-US" dirty="0" smtClean="0"/>
+              <a:t> recruitment</a:t>
+            </a:r>
+            <a:endParaRPr lang="en-US" dirty="0"/>
+          </a:p>
+        </p:txBody>
+      </p:sp>
+      <p:sp>
+        <p:nvSpPr>
+          <p:cNvPr id="27" name="TextBox 26"/>
+          <p:cNvSpPr txBox="1"/>
+          <p:nvPr/>
+        </p:nvSpPr>
+        <p:spPr>
+          <a:xfrm>
+            <a:off x="3693886" y="5827485"/>
+            <a:ext cx="874727" cy="369332"/>
+          </a:xfrm>
+          <a:prstGeom prst="rect">
+            <a:avLst/>
+          </a:prstGeom>
+          <a:noFill/>
+        </p:spPr>
+        <p:txBody>
+          <a:bodyPr wrap="none" rtlCol="0">
+            <a:spAutoFit/>
+          </a:bodyPr>
+          <a:lstStyle/>
+          <a:p>
+            <a:r>
+              <a:rPr lang="en-US" dirty="0" smtClean="0"/>
+              <a:t>Report </a:t>
+            </a:r>
+          </a:p>
+        </p:txBody>
+      </p:sp>
       <p:pic>
         <p:nvPicPr>
-          <p:cNvPr id="21" name="Picture 20" descr="icon-apply.png"/>
+          <p:cNvPr id="23" name="Picture 22" descr="man-with-cross-sign-01.png"/>
           <p:cNvPicPr>
             <a:picLocks noChangeAspect="1"/>
           </p:cNvPicPr>
@@ -11137,162 +12367,38 @@
         </p:blipFill>
         <p:spPr>
           <a:xfrm>
-            <a:off x="3313793" y="4706257"/>
-            <a:ext cx="1367065" cy="994229"/>
+            <a:off x="6233596" y="1897454"/>
+            <a:ext cx="1150547" cy="1150547"/>
           </a:xfrm>
           <a:prstGeom prst="rect">
             <a:avLst/>
           </a:prstGeom>
         </p:spPr>
       </p:pic>
-      <p:sp>
-        <p:nvSpPr>
-          <p:cNvPr id="22" name="TextBox 21"/>
-          <p:cNvSpPr txBox="1"/>
+      <p:pic>
+        <p:nvPicPr>
+          <p:cNvPr id="28" name="Picture 27" descr="it_photo_96688.jpg"/>
+          <p:cNvPicPr>
+            <a:picLocks noChangeAspect="1"/>
+          </p:cNvPicPr>
           <p:nvPr/>
-        </p:nvSpPr>
+        </p:nvPicPr>
+        <p:blipFill>
+          <a:blip r:embed="rId7"/>
+          <a:stretch>
+            <a:fillRect/>
+          </a:stretch>
+        </p:blipFill>
         <p:spPr>
           <a:xfrm>
-            <a:off x="928914" y="3033485"/>
-            <a:ext cx="612668" cy="369332"/>
+            <a:off x="3317421" y="4695598"/>
+            <a:ext cx="1620769" cy="1081087"/>
           </a:xfrm>
           <a:prstGeom prst="rect">
             <a:avLst/>
           </a:prstGeom>
-          <a:noFill/>
         </p:spPr>
-        <p:txBody>
-          <a:bodyPr wrap="none" rtlCol="0">
-            <a:spAutoFit/>
-          </a:bodyPr>
-          <a:lstStyle/>
-          <a:p>
-            <a:r>
-              <a:rPr lang="en-US" dirty="0" smtClean="0"/>
-              <a:t>Staff</a:t>
-            </a:r>
-            <a:endParaRPr lang="en-US" dirty="0"/>
-          </a:p>
-        </p:txBody>
-      </p:sp>
-      <p:sp>
-        <p:nvSpPr>
-          <p:cNvPr id="24" name="TextBox 23"/>
-          <p:cNvSpPr txBox="1"/>
-          <p:nvPr/>
-        </p:nvSpPr>
-        <p:spPr>
-          <a:xfrm>
-            <a:off x="2365827" y="3018971"/>
-            <a:ext cx="3174267" cy="369332"/>
-          </a:xfrm>
-          <a:prstGeom prst="rect">
-            <a:avLst/>
-          </a:prstGeom>
-          <a:noFill/>
-        </p:spPr>
-        <p:txBody>
-          <a:bodyPr wrap="none" rtlCol="0">
-            <a:spAutoFit/>
-          </a:bodyPr>
-          <a:lstStyle/>
-          <a:p>
-            <a:r>
-              <a:rPr lang="en-US" dirty="0" smtClean="0"/>
-              <a:t>View a recommend recruitment</a:t>
-            </a:r>
-            <a:endParaRPr lang="en-US" dirty="0"/>
-          </a:p>
-        </p:txBody>
-      </p:sp>
-      <p:sp>
-        <p:nvSpPr>
-          <p:cNvPr id="25" name="TextBox 24"/>
-          <p:cNvSpPr txBox="1"/>
-          <p:nvPr/>
-        </p:nvSpPr>
-        <p:spPr>
-          <a:xfrm>
-            <a:off x="6458858" y="3018971"/>
-            <a:ext cx="993092" cy="369332"/>
-          </a:xfrm>
-          <a:prstGeom prst="rect">
-            <a:avLst/>
-          </a:prstGeom>
-          <a:noFill/>
-        </p:spPr>
-        <p:txBody>
-          <a:bodyPr wrap="none" rtlCol="0">
-            <a:spAutoFit/>
-          </a:bodyPr>
-          <a:lstStyle/>
-          <a:p>
-            <a:r>
-              <a:rPr lang="en-US" dirty="0" smtClean="0"/>
-              <a:t>Register </a:t>
-            </a:r>
-          </a:p>
-        </p:txBody>
-      </p:sp>
-      <p:sp>
-        <p:nvSpPr>
-          <p:cNvPr id="26" name="TextBox 25"/>
-          <p:cNvSpPr txBox="1"/>
-          <p:nvPr/>
-        </p:nvSpPr>
-        <p:spPr>
-          <a:xfrm>
-            <a:off x="0" y="5849257"/>
-            <a:ext cx="2772106" cy="369332"/>
-          </a:xfrm>
-          <a:prstGeom prst="rect">
-            <a:avLst/>
-          </a:prstGeom>
-          <a:noFill/>
-        </p:spPr>
-        <p:txBody>
-          <a:bodyPr wrap="none" rtlCol="0">
-            <a:spAutoFit/>
-          </a:bodyPr>
-          <a:lstStyle/>
-          <a:p>
-            <a:r>
-              <a:rPr lang="en-US" dirty="0" smtClean="0"/>
-              <a:t>View a random recruitment</a:t>
-            </a:r>
-            <a:endParaRPr lang="en-US" dirty="0"/>
-          </a:p>
-        </p:txBody>
-      </p:sp>
-      <p:sp>
-        <p:nvSpPr>
-          <p:cNvPr id="27" name="TextBox 26"/>
-          <p:cNvSpPr txBox="1"/>
-          <p:nvPr/>
-        </p:nvSpPr>
-        <p:spPr>
-          <a:xfrm>
-            <a:off x="3534229" y="5827485"/>
-            <a:ext cx="993092" cy="369332"/>
-          </a:xfrm>
-          <a:prstGeom prst="rect">
-            <a:avLst/>
-          </a:prstGeom>
-          <a:noFill/>
-        </p:spPr>
-        <p:txBody>
-          <a:bodyPr wrap="none" rtlCol="0">
-            <a:spAutoFit/>
-          </a:bodyPr>
-          <a:lstStyle/>
-          <a:p>
-            <a:r>
-              <a:rPr lang="en-US" dirty="0" smtClean="0"/>
-              <a:t>Register </a:t>
-            </a:r>
-          </a:p>
-        </p:txBody>
-      </p:sp>
+      </p:pic>
     </p:spTree>
     <p:extLst>
       <p:ext uri="{BB962C8B-B14F-4D97-AF65-F5344CB8AC3E}">

--- a/trunk/06.Personal Archives/02.TuyenMQ/MS_Slide.pptx
+++ b/trunk/06.Personal Archives/02.TuyenMQ/MS_Slide.pptx
@@ -116,7 +116,7 @@
   </p:defaultTextStyle>
   <p:extLst>
     <p:ext uri="{EFAFB233-063F-42B5-8137-9DF3F51BA10A}">
-      <p15:sldGuideLst xmlns:p15="http://schemas.microsoft.com/office/powerpoint/2012/main" xmlns="">
+      <p15:sldGuideLst xmlns:p15="http://schemas.microsoft.com/office/powerpoint/2012/main">
         <p15:guide id="1" pos="2880" userDrawn="1">
           <p15:clr>
             <a:srgbClr val="A4A3A4"/>
@@ -138,7 +138,7 @@
   <p:cmAuthor id="1" name="Tuân Bùi Tiến" initials="TBT" lastIdx="1" clrIdx="0">
     <p:extLst>
       <p:ext uri="{19B8F6BF-5375-455C-9EA6-DF929625EA0E}">
-        <p15:presenceInfo xmlns:p15="http://schemas.microsoft.com/office/powerpoint/2012/main" xmlns="" userId="0cb1e858a0857d96" providerId="Windows Live"/>
+        <p15:presenceInfo xmlns:p15="http://schemas.microsoft.com/office/powerpoint/2012/main" userId="0cb1e858a0857d96" providerId="Windows Live"/>
       </p:ext>
     </p:extLst>
   </p:cmAuthor>
@@ -1400,13 +1400,13 @@
     </dgm:pt>
   </dgm:ptLst>
   <dgm:cxnLst>
+    <dgm:cxn modelId="{A453504B-BF66-4179-9AE3-6BBA6BDE81FE}" type="presOf" srcId="{3DD78082-59B8-4034-8BE7-201D5173DB5B}" destId="{E5C74BB2-407C-4C7A-BBAC-CE09B1A53261}" srcOrd="0" destOrd="0" presId="urn:microsoft.com/office/officeart/2008/layout/VerticalCurvedList"/>
+    <dgm:cxn modelId="{0C36A486-7182-4981-A183-4D4AEF3BF2F4}" type="presOf" srcId="{EE33058E-4366-4BC2-A582-6C3D2B104915}" destId="{D5D63219-35F0-43D3-8417-188ADDADE577}" srcOrd="0" destOrd="0" presId="urn:microsoft.com/office/officeart/2008/layout/VerticalCurvedList"/>
+    <dgm:cxn modelId="{AB4A90FE-D53F-4984-977E-597B0C8DD2A1}" type="presOf" srcId="{0206C237-BA8D-47A4-8B66-1362DF45C9E6}" destId="{3426D3FF-2216-4F1C-B57C-51711950668F}" srcOrd="0" destOrd="0" presId="urn:microsoft.com/office/officeart/2008/layout/VerticalCurvedList"/>
+    <dgm:cxn modelId="{52AC36B5-1F1E-4B62-B656-6D2611E1FA7C}" type="presOf" srcId="{1CCD80A4-7BF7-431C-9FC7-41DAA8D3FAAB}" destId="{BA3D70A7-0CF4-42E6-ACF4-89DA1F16F828}" srcOrd="0" destOrd="0" presId="urn:microsoft.com/office/officeart/2008/layout/VerticalCurvedList"/>
+    <dgm:cxn modelId="{ACA9514D-F2FA-4ABF-AC27-2DBF483D59F5}" type="presOf" srcId="{FADC98C6-B691-4235-881B-E8955DEB0F9B}" destId="{55BFB2CD-17F2-485E-9587-E7D0985F8E17}" srcOrd="0" destOrd="0" presId="urn:microsoft.com/office/officeart/2008/layout/VerticalCurvedList"/>
     <dgm:cxn modelId="{A13145BB-CE77-48AC-B6D8-61EF278D71B1}" srcId="{EE33058E-4366-4BC2-A582-6C3D2B104915}" destId="{1CCD80A4-7BF7-431C-9FC7-41DAA8D3FAAB}" srcOrd="0" destOrd="0" parTransId="{C2335D92-9DE4-49E7-9552-6EEC33E0A01A}" sibTransId="{3DD78082-59B8-4034-8BE7-201D5173DB5B}"/>
-    <dgm:cxn modelId="{0C36A486-7182-4981-A183-4D4AEF3BF2F4}" type="presOf" srcId="{EE33058E-4366-4BC2-A582-6C3D2B104915}" destId="{D5D63219-35F0-43D3-8417-188ADDADE577}" srcOrd="0" destOrd="0" presId="urn:microsoft.com/office/officeart/2008/layout/VerticalCurvedList"/>
-    <dgm:cxn modelId="{52AC36B5-1F1E-4B62-B656-6D2611E1FA7C}" type="presOf" srcId="{1CCD80A4-7BF7-431C-9FC7-41DAA8D3FAAB}" destId="{BA3D70A7-0CF4-42E6-ACF4-89DA1F16F828}" srcOrd="0" destOrd="0" presId="urn:microsoft.com/office/officeart/2008/layout/VerticalCurvedList"/>
     <dgm:cxn modelId="{3FA94AE0-7B03-435F-8D37-1463BCD04C7F}" srcId="{EE33058E-4366-4BC2-A582-6C3D2B104915}" destId="{FADC98C6-B691-4235-881B-E8955DEB0F9B}" srcOrd="2" destOrd="0" parTransId="{39F86D3C-ABD6-4FF5-A2B1-F70A1F1BDC1C}" sibTransId="{02B4915D-9647-4D43-83AD-182AFFFADD11}"/>
-    <dgm:cxn modelId="{AB4A90FE-D53F-4984-977E-597B0C8DD2A1}" type="presOf" srcId="{0206C237-BA8D-47A4-8B66-1362DF45C9E6}" destId="{3426D3FF-2216-4F1C-B57C-51711950668F}" srcOrd="0" destOrd="0" presId="urn:microsoft.com/office/officeart/2008/layout/VerticalCurvedList"/>
-    <dgm:cxn modelId="{A453504B-BF66-4179-9AE3-6BBA6BDE81FE}" type="presOf" srcId="{3DD78082-59B8-4034-8BE7-201D5173DB5B}" destId="{E5C74BB2-407C-4C7A-BBAC-CE09B1A53261}" srcOrd="0" destOrd="0" presId="urn:microsoft.com/office/officeart/2008/layout/VerticalCurvedList"/>
-    <dgm:cxn modelId="{ACA9514D-F2FA-4ABF-AC27-2DBF483D59F5}" type="presOf" srcId="{FADC98C6-B691-4235-881B-E8955DEB0F9B}" destId="{55BFB2CD-17F2-485E-9587-E7D0985F8E17}" srcOrd="0" destOrd="0" presId="urn:microsoft.com/office/officeart/2008/layout/VerticalCurvedList"/>
     <dgm:cxn modelId="{ED59DA7E-CB15-4326-A756-1FED3D29C026}" srcId="{EE33058E-4366-4BC2-A582-6C3D2B104915}" destId="{0206C237-BA8D-47A4-8B66-1362DF45C9E6}" srcOrd="1" destOrd="0" parTransId="{92246644-9D70-4ECB-AD8D-9C79034093AD}" sibTransId="{C23ED707-3C96-4E9B-A24A-E838617229D8}"/>
     <dgm:cxn modelId="{852C85F2-49C6-4EFA-87CC-913F7D82CD74}" type="presParOf" srcId="{D5D63219-35F0-43D3-8417-188ADDADE577}" destId="{8BB6B3B8-F6C9-4FC0-BBAA-FD1AB9AD704F}" srcOrd="0" destOrd="0" presId="urn:microsoft.com/office/officeart/2008/layout/VerticalCurvedList"/>
     <dgm:cxn modelId="{BCE46F11-687E-437D-9D44-ED6605C79B29}" type="presParOf" srcId="{8BB6B3B8-F6C9-4FC0-BBAA-FD1AB9AD704F}" destId="{09F88E44-FB08-48E2-9AD4-AEA624B48CD1}" srcOrd="0" destOrd="0" presId="urn:microsoft.com/office/officeart/2008/layout/VerticalCurvedList"/>
@@ -1428,14 +1428,14 @@
   <dgm:whole/>
   <dgm:extLst>
     <a:ext uri="http://schemas.microsoft.com/office/drawing/2008/diagram">
-      <dsp:dataModelExt xmlns:dsp="http://schemas.microsoft.com/office/drawing/2008/diagram" xmlns="" relId="rId6" minVer="http://schemas.openxmlformats.org/drawingml/2006/diagram"/>
+      <dsp:dataModelExt xmlns:dsp="http://schemas.microsoft.com/office/drawing/2008/diagram" relId="rId6" minVer="http://schemas.openxmlformats.org/drawingml/2006/diagram"/>
     </a:ext>
   </dgm:extLst>
 </dgm:dataModel>
 </file>
 
 <file path=ppt/diagrams/drawing1.xml><?xml version="1.0" encoding="utf-8"?>
-<dsp:drawing xmlns:dgm="http://schemas.openxmlformats.org/drawingml/2006/diagram" xmlns:a="http://schemas.openxmlformats.org/drawingml/2006/main" xmlns:dsp="http://schemas.microsoft.com/office/drawing/2008/diagram">
+<dsp:drawing xmlns:dgm="http://schemas.openxmlformats.org/drawingml/2006/diagram" xmlns:dsp="http://schemas.microsoft.com/office/drawing/2008/diagram" xmlns:a="http://schemas.openxmlformats.org/drawingml/2006/main">
   <dsp:spTree>
     <dsp:nvGrpSpPr>
       <dsp:cNvPr id="0" name=""/>
@@ -4522,7 +4522,7 @@
             <a:fld id="{E4C0CD76-90FD-4E78-B015-66019683F49A}" type="datetimeFigureOut">
               <a:rPr lang="en-US" smtClean="0"/>
               <a:pPr/>
-              <a:t>1/15/2015</a:t>
+              <a:t>1/20/2015</a:t>
             </a:fld>
             <a:endParaRPr lang="en-US"/>
           </a:p>
@@ -4598,7 +4598,7 @@
     </p:spTree>
     <p:extLst>
       <p:ext uri="{BB962C8B-B14F-4D97-AF65-F5344CB8AC3E}">
-        <p14:creationId xmlns:p14="http://schemas.microsoft.com/office/powerpoint/2010/main" xmlns="" val="499418375"/>
+        <p14:creationId xmlns:p14="http://schemas.microsoft.com/office/powerpoint/2010/main" val="499418375"/>
       </p:ext>
     </p:extLst>
   </p:cSld>
@@ -4689,7 +4689,7 @@
             <a:fld id="{364B29F3-0D72-4315-8074-333A98851BF8}" type="datetimeFigureOut">
               <a:rPr lang="en-US" smtClean="0"/>
               <a:pPr/>
-              <a:t>1/15/2015</a:t>
+              <a:t>1/20/2015</a:t>
             </a:fld>
             <a:endParaRPr lang="en-US"/>
           </a:p>
@@ -4858,7 +4858,7 @@
     </p:spTree>
     <p:extLst>
       <p:ext uri="{BB962C8B-B14F-4D97-AF65-F5344CB8AC3E}">
-        <p14:creationId xmlns:p14="http://schemas.microsoft.com/office/powerpoint/2010/main" xmlns="" val="190255619"/>
+        <p14:creationId xmlns:p14="http://schemas.microsoft.com/office/powerpoint/2010/main" val="190255619"/>
       </p:ext>
     </p:extLst>
   </p:cSld>
@@ -5250,7 +5250,7 @@
     </p:spTree>
     <p:extLst>
       <p:ext uri="{BB962C8B-B14F-4D97-AF65-F5344CB8AC3E}">
-        <p14:creationId xmlns:p14="http://schemas.microsoft.com/office/powerpoint/2010/main" xmlns="" val="416740946"/>
+        <p14:creationId xmlns:p14="http://schemas.microsoft.com/office/powerpoint/2010/main" val="416740946"/>
       </p:ext>
     </p:extLst>
   </p:cSld>
@@ -5340,7 +5340,7 @@
     </p:spTree>
     <p:extLst>
       <p:ext uri="{BB962C8B-B14F-4D97-AF65-F5344CB8AC3E}">
-        <p14:creationId xmlns:p14="http://schemas.microsoft.com/office/powerpoint/2010/main" xmlns="" val="2214256827"/>
+        <p14:creationId xmlns:p14="http://schemas.microsoft.com/office/powerpoint/2010/main" val="2214256827"/>
       </p:ext>
     </p:extLst>
   </p:cSld>
@@ -5430,7 +5430,7 @@
     </p:spTree>
     <p:extLst>
       <p:ext uri="{BB962C8B-B14F-4D97-AF65-F5344CB8AC3E}">
-        <p14:creationId xmlns:p14="http://schemas.microsoft.com/office/powerpoint/2010/main" xmlns="" val="2214256827"/>
+        <p14:creationId xmlns:p14="http://schemas.microsoft.com/office/powerpoint/2010/main" val="2214256827"/>
       </p:ext>
     </p:extLst>
   </p:cSld>
@@ -5520,7 +5520,7 @@
     </p:spTree>
     <p:extLst>
       <p:ext uri="{BB962C8B-B14F-4D97-AF65-F5344CB8AC3E}">
-        <p14:creationId xmlns:p14="http://schemas.microsoft.com/office/powerpoint/2010/main" xmlns="" val="2214256827"/>
+        <p14:creationId xmlns:p14="http://schemas.microsoft.com/office/powerpoint/2010/main" val="2214256827"/>
       </p:ext>
     </p:extLst>
   </p:cSld>
@@ -5850,7 +5850,7 @@
     </p:spTree>
     <p:extLst>
       <p:ext uri="{BB962C8B-B14F-4D97-AF65-F5344CB8AC3E}">
-        <p14:creationId xmlns:p14="http://schemas.microsoft.com/office/powerpoint/2010/main" xmlns="" val="1187610024"/>
+        <p14:creationId xmlns:p14="http://schemas.microsoft.com/office/powerpoint/2010/main" val="1187610024"/>
       </p:ext>
     </p:extLst>
   </p:cSld>
@@ -6025,7 +6025,7 @@
     </p:spTree>
     <p:extLst>
       <p:ext uri="{BB962C8B-B14F-4D97-AF65-F5344CB8AC3E}">
-        <p14:creationId xmlns:p14="http://schemas.microsoft.com/office/powerpoint/2010/main" xmlns="" val="1162950190"/>
+        <p14:creationId xmlns:p14="http://schemas.microsoft.com/office/powerpoint/2010/main" val="1162950190"/>
       </p:ext>
     </p:extLst>
   </p:cSld>
@@ -6286,7 +6286,7 @@
     </p:spTree>
     <p:extLst>
       <p:ext uri="{BB962C8B-B14F-4D97-AF65-F5344CB8AC3E}">
-        <p14:creationId xmlns:p14="http://schemas.microsoft.com/office/powerpoint/2010/main" xmlns="" val="1725342705"/>
+        <p14:creationId xmlns:p14="http://schemas.microsoft.com/office/powerpoint/2010/main" val="1725342705"/>
       </p:ext>
     </p:extLst>
   </p:cSld>
@@ -6461,7 +6461,7 @@
     </p:spTree>
     <p:extLst>
       <p:ext uri="{BB962C8B-B14F-4D97-AF65-F5344CB8AC3E}">
-        <p14:creationId xmlns:p14="http://schemas.microsoft.com/office/powerpoint/2010/main" xmlns="" val="2357780028"/>
+        <p14:creationId xmlns:p14="http://schemas.microsoft.com/office/powerpoint/2010/main" val="2357780028"/>
       </p:ext>
     </p:extLst>
   </p:cSld>
@@ -6839,7 +6839,7 @@
     </p:spTree>
     <p:extLst>
       <p:ext uri="{BB962C8B-B14F-4D97-AF65-F5344CB8AC3E}">
-        <p14:creationId xmlns:p14="http://schemas.microsoft.com/office/powerpoint/2010/main" xmlns="" val="853254902"/>
+        <p14:creationId xmlns:p14="http://schemas.microsoft.com/office/powerpoint/2010/main" val="853254902"/>
       </p:ext>
     </p:extLst>
   </p:cSld>
@@ -7081,7 +7081,7 @@
     </p:spTree>
     <p:extLst>
       <p:ext uri="{BB962C8B-B14F-4D97-AF65-F5344CB8AC3E}">
-        <p14:creationId xmlns:p14="http://schemas.microsoft.com/office/powerpoint/2010/main" xmlns="" val="2558859688"/>
+        <p14:creationId xmlns:p14="http://schemas.microsoft.com/office/powerpoint/2010/main" val="2558859688"/>
       </p:ext>
     </p:extLst>
   </p:cSld>
@@ -7465,7 +7465,7 @@
     </p:spTree>
     <p:extLst>
       <p:ext uri="{BB962C8B-B14F-4D97-AF65-F5344CB8AC3E}">
-        <p14:creationId xmlns:p14="http://schemas.microsoft.com/office/powerpoint/2010/main" xmlns="" val="3790003400"/>
+        <p14:creationId xmlns:p14="http://schemas.microsoft.com/office/powerpoint/2010/main" val="3790003400"/>
       </p:ext>
     </p:extLst>
   </p:cSld>
@@ -7588,7 +7588,7 @@
     </p:spTree>
     <p:extLst>
       <p:ext uri="{BB962C8B-B14F-4D97-AF65-F5344CB8AC3E}">
-        <p14:creationId xmlns:p14="http://schemas.microsoft.com/office/powerpoint/2010/main" xmlns="" val="2340859831"/>
+        <p14:creationId xmlns:p14="http://schemas.microsoft.com/office/powerpoint/2010/main" val="2340859831"/>
       </p:ext>
     </p:extLst>
   </p:cSld>
@@ -7772,7 +7772,7 @@
     </p:spTree>
     <p:extLst>
       <p:ext uri="{BB962C8B-B14F-4D97-AF65-F5344CB8AC3E}">
-        <p14:creationId xmlns:p14="http://schemas.microsoft.com/office/powerpoint/2010/main" xmlns="" val="3134017901"/>
+        <p14:creationId xmlns:p14="http://schemas.microsoft.com/office/powerpoint/2010/main" val="3134017901"/>
       </p:ext>
     </p:extLst>
   </p:cSld>
@@ -8144,7 +8144,7 @@
     </p:spTree>
     <p:extLst>
       <p:ext uri="{BB962C8B-B14F-4D97-AF65-F5344CB8AC3E}">
-        <p14:creationId xmlns:p14="http://schemas.microsoft.com/office/powerpoint/2010/main" xmlns="" val="1327644465"/>
+        <p14:creationId xmlns:p14="http://schemas.microsoft.com/office/powerpoint/2010/main" val="1327644465"/>
       </p:ext>
     </p:extLst>
   </p:cSld>
@@ -8505,7 +8505,7 @@
     </p:spTree>
     <p:extLst>
       <p:ext uri="{BB962C8B-B14F-4D97-AF65-F5344CB8AC3E}">
-        <p14:creationId xmlns:p14="http://schemas.microsoft.com/office/powerpoint/2010/main" xmlns="" val="816183116"/>
+        <p14:creationId xmlns:p14="http://schemas.microsoft.com/office/powerpoint/2010/main" val="816183116"/>
       </p:ext>
     </p:extLst>
   </p:cSld>
@@ -8876,7 +8876,7 @@
     </p:spTree>
     <p:extLst>
       <p:ext uri="{BB962C8B-B14F-4D97-AF65-F5344CB8AC3E}">
-        <p14:creationId xmlns:p14="http://schemas.microsoft.com/office/powerpoint/2010/main" xmlns="" val="3493115414"/>
+        <p14:creationId xmlns:p14="http://schemas.microsoft.com/office/powerpoint/2010/main" val="3493115414"/>
       </p:ext>
     </p:extLst>
   </p:cSld>
@@ -9444,7 +9444,7 @@
             </a:duotone>
             <a:extLst>
               <a:ext uri="{28A0092B-C50C-407E-A947-70E740481C1C}">
-                <a14:useLocalDpi xmlns:a14="http://schemas.microsoft.com/office/drawing/2010/main" xmlns="" val="0"/>
+                <a14:useLocalDpi xmlns:a14="http://schemas.microsoft.com/office/drawing/2010/main" val="0"/>
               </a:ext>
             </a:extLst>
           </a:blip>
@@ -9498,7 +9498,7 @@
             <a:blip r:embed="rId4" cstate="print">
               <a:extLst>
                 <a:ext uri="{28A0092B-C50C-407E-A947-70E740481C1C}">
-                  <a14:useLocalDpi xmlns:a14="http://schemas.microsoft.com/office/drawing/2010/main" xmlns="" val="0"/>
+                  <a14:useLocalDpi xmlns:a14="http://schemas.microsoft.com/office/drawing/2010/main" val="0"/>
                 </a:ext>
               </a:extLst>
             </a:blip>
@@ -9535,7 +9535,7 @@
             <a:blip r:embed="rId5" cstate="print">
               <a:extLst>
                 <a:ext uri="{28A0092B-C50C-407E-A947-70E740481C1C}">
-                  <a14:useLocalDpi xmlns:a14="http://schemas.microsoft.com/office/drawing/2010/main" xmlns="" val="0"/>
+                  <a14:useLocalDpi xmlns:a14="http://schemas.microsoft.com/office/drawing/2010/main" val="0"/>
                 </a:ext>
               </a:extLst>
             </a:blip>
@@ -9572,7 +9572,7 @@
             <a:blip r:embed="rId6" cstate="print">
               <a:extLst>
                 <a:ext uri="{28A0092B-C50C-407E-A947-70E740481C1C}">
-                  <a14:useLocalDpi xmlns:a14="http://schemas.microsoft.com/office/drawing/2010/main" xmlns="" val="0"/>
+                  <a14:useLocalDpi xmlns:a14="http://schemas.microsoft.com/office/drawing/2010/main" val="0"/>
                 </a:ext>
               </a:extLst>
             </a:blip>
@@ -9609,7 +9609,7 @@
             <a:blip r:embed="rId7" cstate="print">
               <a:extLst>
                 <a:ext uri="{28A0092B-C50C-407E-A947-70E740481C1C}">
-                  <a14:useLocalDpi xmlns:a14="http://schemas.microsoft.com/office/drawing/2010/main" xmlns="" val="0"/>
+                  <a14:useLocalDpi xmlns:a14="http://schemas.microsoft.com/office/drawing/2010/main" val="0"/>
                 </a:ext>
               </a:extLst>
             </a:blip>
@@ -9677,7 +9677,7 @@
           <a:blip r:embed="rId8">
             <a:extLst>
               <a:ext uri="{28A0092B-C50C-407E-A947-70E740481C1C}">
-                <a14:useLocalDpi xmlns:a14="http://schemas.microsoft.com/office/drawing/2010/main" xmlns="" val="0"/>
+                <a14:useLocalDpi xmlns:a14="http://schemas.microsoft.com/office/drawing/2010/main" val="0"/>
               </a:ext>
             </a:extLst>
           </a:blip>
@@ -9704,7 +9704,7 @@
     </p:spTree>
     <p:extLst>
       <p:ext uri="{BB962C8B-B14F-4D97-AF65-F5344CB8AC3E}">
-        <p14:creationId xmlns:p14="http://schemas.microsoft.com/office/powerpoint/2010/main" xmlns="" val="878553065"/>
+        <p14:creationId xmlns:p14="http://schemas.microsoft.com/office/powerpoint/2010/main" val="878553065"/>
       </p:ext>
     </p:extLst>
   </p:cSld>
@@ -9771,7 +9771,7 @@
             <p:ph idx="1"/>
             <p:extLst>
               <p:ext uri="{D42A27DB-BD31-4B8C-83A1-F6EECF244321}">
-                <p14:modId xmlns:p14="http://schemas.microsoft.com/office/powerpoint/2010/main" xmlns="" val="913984542"/>
+                <p14:modId xmlns:p14="http://schemas.microsoft.com/office/powerpoint/2010/main" val="913984542"/>
               </p:ext>
             </p:extLst>
           </p:nvPr>
@@ -10052,7 +10052,7 @@
           <a:blip r:embed="rId7">
             <a:extLst>
               <a:ext uri="{28A0092B-C50C-407E-A947-70E740481C1C}">
-                <a14:useLocalDpi xmlns:a14="http://schemas.microsoft.com/office/drawing/2010/main" xmlns="" val="0"/>
+                <a14:useLocalDpi xmlns:a14="http://schemas.microsoft.com/office/drawing/2010/main" val="0"/>
               </a:ext>
             </a:extLst>
           </a:blip>
@@ -10079,7 +10079,7 @@
     </p:spTree>
     <p:extLst>
       <p:ext uri="{BB962C8B-B14F-4D97-AF65-F5344CB8AC3E}">
-        <p14:creationId xmlns:p14="http://schemas.microsoft.com/office/powerpoint/2010/main" xmlns="" val="2747474174"/>
+        <p14:creationId xmlns:p14="http://schemas.microsoft.com/office/powerpoint/2010/main" val="2747474174"/>
       </p:ext>
     </p:extLst>
   </p:cSld>
@@ -10713,7 +10713,7 @@
           <a:blip r:embed="rId3">
             <a:extLst>
               <a:ext uri="{28A0092B-C50C-407E-A947-70E740481C1C}">
-                <a14:useLocalDpi xmlns:a14="http://schemas.microsoft.com/office/drawing/2010/main" xmlns="" val="0"/>
+                <a14:useLocalDpi xmlns:a14="http://schemas.microsoft.com/office/drawing/2010/main" val="0"/>
               </a:ext>
             </a:extLst>
           </a:blip>
@@ -10740,7 +10740,7 @@
     </p:spTree>
     <p:extLst>
       <p:ext uri="{BB962C8B-B14F-4D97-AF65-F5344CB8AC3E}">
-        <p14:creationId xmlns:p14="http://schemas.microsoft.com/office/powerpoint/2010/main" xmlns="" val="666675940"/>
+        <p14:creationId xmlns:p14="http://schemas.microsoft.com/office/powerpoint/2010/main" val="666675940"/>
       </p:ext>
     </p:extLst>
   </p:cSld>
@@ -10879,7 +10879,7 @@
           <a:blip r:embed="rId3">
             <a:extLst>
               <a:ext uri="{28A0092B-C50C-407E-A947-70E740481C1C}">
-                <a14:useLocalDpi xmlns:a14="http://schemas.microsoft.com/office/drawing/2010/main" xmlns="" val="0"/>
+                <a14:useLocalDpi xmlns:a14="http://schemas.microsoft.com/office/drawing/2010/main" val="0"/>
               </a:ext>
             </a:extLst>
           </a:blip>
@@ -10923,7 +10923,7 @@
             <a:blip r:embed="rId4">
               <a:extLst>
                 <a:ext uri="{28A0092B-C50C-407E-A947-70E740481C1C}">
-                  <a14:useLocalDpi xmlns="" xmlns:dgm="http://schemas.openxmlformats.org/drawingml/2006/diagram" xmlns:a14="http://schemas.microsoft.com/office/drawing/2010/main" xmlns:lc="http://schemas.openxmlformats.org/drawingml/2006/lockedCanvas" val="0"/>
+                  <a14:useLocalDpi xmlns:a14="http://schemas.microsoft.com/office/drawing/2010/main" val="0"/>
                 </a:ext>
               </a:extLst>
             </a:blip>
@@ -11343,10 +11343,220 @@
           </a:p>
         </p:txBody>
       </p:sp>
+      <p:pic>
+        <p:nvPicPr>
+          <p:cNvPr id="3" name="Picture 2"/>
+          <p:cNvPicPr>
+            <a:picLocks noChangeAspect="1"/>
+          </p:cNvPicPr>
+          <p:nvPr/>
+        </p:nvPicPr>
+        <p:blipFill>
+          <a:blip r:embed="rId7">
+            <a:extLst>
+              <a:ext uri="{28A0092B-C50C-407E-A947-70E740481C1C}">
+                <a14:useLocalDpi xmlns:a14="http://schemas.microsoft.com/office/drawing/2010/main" val="0"/>
+              </a:ext>
+            </a:extLst>
+          </a:blip>
+          <a:stretch>
+            <a:fillRect/>
+          </a:stretch>
+        </p:blipFill>
+        <p:spPr>
+          <a:xfrm>
+            <a:off x="10994" y="1745765"/>
+            <a:ext cx="9124391" cy="4586165"/>
+          </a:xfrm>
+          <a:prstGeom prst="rect">
+            <a:avLst/>
+          </a:prstGeom>
+        </p:spPr>
+      </p:pic>
+      <p:pic>
+        <p:nvPicPr>
+          <p:cNvPr id="4" name="Picture 3"/>
+          <p:cNvPicPr>
+            <a:picLocks noChangeAspect="1"/>
+          </p:cNvPicPr>
+          <p:nvPr/>
+        </p:nvPicPr>
+        <p:blipFill>
+          <a:blip r:embed="rId8">
+            <a:extLst>
+              <a:ext uri="{28A0092B-C50C-407E-A947-70E740481C1C}">
+                <a14:useLocalDpi xmlns:a14="http://schemas.microsoft.com/office/drawing/2010/main" val="0"/>
+              </a:ext>
+            </a:extLst>
+          </a:blip>
+          <a:stretch>
+            <a:fillRect/>
+          </a:stretch>
+        </p:blipFill>
+        <p:spPr>
+          <a:xfrm>
+            <a:off x="-8615" y="1772816"/>
+            <a:ext cx="9144000" cy="4545904"/>
+          </a:xfrm>
+          <a:prstGeom prst="rect">
+            <a:avLst/>
+          </a:prstGeom>
+        </p:spPr>
+      </p:pic>
+      <p:pic>
+        <p:nvPicPr>
+          <p:cNvPr id="5" name="Picture 4"/>
+          <p:cNvPicPr>
+            <a:picLocks noChangeAspect="1"/>
+          </p:cNvPicPr>
+          <p:nvPr/>
+        </p:nvPicPr>
+        <p:blipFill>
+          <a:blip r:embed="rId9">
+            <a:extLst>
+              <a:ext uri="{28A0092B-C50C-407E-A947-70E740481C1C}">
+                <a14:useLocalDpi xmlns:a14="http://schemas.microsoft.com/office/drawing/2010/main" val="0"/>
+              </a:ext>
+            </a:extLst>
+          </a:blip>
+          <a:stretch>
+            <a:fillRect/>
+          </a:stretch>
+        </p:blipFill>
+        <p:spPr>
+          <a:xfrm>
+            <a:off x="-7875" y="1711488"/>
+            <a:ext cx="9124391" cy="4607232"/>
+          </a:xfrm>
+          <a:prstGeom prst="rect">
+            <a:avLst/>
+          </a:prstGeom>
+        </p:spPr>
+      </p:pic>
+      <p:pic>
+        <p:nvPicPr>
+          <p:cNvPr id="11" name="Picture 10"/>
+          <p:cNvPicPr>
+            <a:picLocks noChangeAspect="1"/>
+          </p:cNvPicPr>
+          <p:nvPr/>
+        </p:nvPicPr>
+        <p:blipFill>
+          <a:blip r:embed="rId10">
+            <a:extLst>
+              <a:ext uri="{28A0092B-C50C-407E-A947-70E740481C1C}">
+                <a14:useLocalDpi xmlns:a14="http://schemas.microsoft.com/office/drawing/2010/main" val="0"/>
+              </a:ext>
+            </a:extLst>
+          </a:blip>
+          <a:stretch>
+            <a:fillRect/>
+          </a:stretch>
+        </p:blipFill>
+        <p:spPr>
+          <a:xfrm>
+            <a:off x="-27484" y="1759606"/>
+            <a:ext cx="9144000" cy="4545029"/>
+          </a:xfrm>
+          <a:prstGeom prst="rect">
+            <a:avLst/>
+          </a:prstGeom>
+        </p:spPr>
+      </p:pic>
+      <p:pic>
+        <p:nvPicPr>
+          <p:cNvPr id="15" name="Picture 14"/>
+          <p:cNvPicPr>
+            <a:picLocks noChangeAspect="1"/>
+          </p:cNvPicPr>
+          <p:nvPr/>
+        </p:nvPicPr>
+        <p:blipFill>
+          <a:blip r:embed="rId11">
+            <a:extLst>
+              <a:ext uri="{28A0092B-C50C-407E-A947-70E740481C1C}">
+                <a14:useLocalDpi xmlns:a14="http://schemas.microsoft.com/office/drawing/2010/main" val="0"/>
+              </a:ext>
+            </a:extLst>
+          </a:blip>
+          <a:stretch>
+            <a:fillRect/>
+          </a:stretch>
+        </p:blipFill>
+        <p:spPr>
+          <a:xfrm>
+            <a:off x="0" y="1737361"/>
+            <a:ext cx="9144000" cy="4521771"/>
+          </a:xfrm>
+          <a:prstGeom prst="rect">
+            <a:avLst/>
+          </a:prstGeom>
+        </p:spPr>
+      </p:pic>
+      <p:pic>
+        <p:nvPicPr>
+          <p:cNvPr id="23" name="Picture 22"/>
+          <p:cNvPicPr>
+            <a:picLocks noChangeAspect="1"/>
+          </p:cNvPicPr>
+          <p:nvPr/>
+        </p:nvPicPr>
+        <p:blipFill>
+          <a:blip r:embed="rId12">
+            <a:extLst>
+              <a:ext uri="{28A0092B-C50C-407E-A947-70E740481C1C}">
+                <a14:useLocalDpi xmlns:a14="http://schemas.microsoft.com/office/drawing/2010/main" val="0"/>
+              </a:ext>
+            </a:extLst>
+          </a:blip>
+          <a:stretch>
+            <a:fillRect/>
+          </a:stretch>
+        </p:blipFill>
+        <p:spPr>
+          <a:xfrm>
+            <a:off x="0" y="1785479"/>
+            <a:ext cx="9144000" cy="4547082"/>
+          </a:xfrm>
+          <a:prstGeom prst="rect">
+            <a:avLst/>
+          </a:prstGeom>
+        </p:spPr>
+      </p:pic>
+      <p:pic>
+        <p:nvPicPr>
+          <p:cNvPr id="25" name="Picture 24"/>
+          <p:cNvPicPr>
+            <a:picLocks noChangeAspect="1"/>
+          </p:cNvPicPr>
+          <p:nvPr/>
+        </p:nvPicPr>
+        <p:blipFill>
+          <a:blip r:embed="rId13">
+            <a:extLst>
+              <a:ext uri="{28A0092B-C50C-407E-A947-70E740481C1C}">
+                <a14:useLocalDpi xmlns:a14="http://schemas.microsoft.com/office/drawing/2010/main" val="0"/>
+              </a:ext>
+            </a:extLst>
+          </a:blip>
+          <a:stretch>
+            <a:fillRect/>
+          </a:stretch>
+        </p:blipFill>
+        <p:spPr>
+          <a:xfrm>
+            <a:off x="0" y="1710857"/>
+            <a:ext cx="9144000" cy="4593778"/>
+          </a:xfrm>
+          <a:prstGeom prst="rect">
+            <a:avLst/>
+          </a:prstGeom>
+        </p:spPr>
+      </p:pic>
     </p:spTree>
     <p:extLst>
       <p:ext uri="{BB962C8B-B14F-4D97-AF65-F5344CB8AC3E}">
-        <p14:creationId xmlns:p14="http://schemas.microsoft.com/office/powerpoint/2010/main" xmlns="" val="666675940"/>
+        <p14:creationId xmlns:p14="http://schemas.microsoft.com/office/powerpoint/2010/main" val="666675940"/>
       </p:ext>
     </p:extLst>
   </p:cSld>
@@ -11374,7 +11584,7 @@
                             </p:stCondLst>
                             <p:childTnLst>
                               <p:par>
-                                <p:cTn id="5" presetID="2" presetClass="entr" presetSubtype="8" fill="hold" grpId="0" nodeType="clickEffect">
+                                <p:cTn id="5" presetID="22" presetClass="entr" presetSubtype="8" fill="hold" grpId="1" nodeType="clickEffect">
                                   <p:stCondLst>
                                     <p:cond delay="0"/>
                                   </p:stCondLst>
@@ -11397,52 +11607,154 @@
                                         <p:strVal val="visible"/>
                                       </p:to>
                                     </p:set>
-                                    <p:anim calcmode="lin" valueType="num">
-                                      <p:cBhvr additive="base">
-                                        <p:cTn id="7" dur="500" fill="hold"/>
+                                    <p:animEffect transition="in" filter="wipe(left)">
+                                      <p:cBhvr>
+                                        <p:cTn id="7" dur="500"/>
                                         <p:tgtEl>
                                           <p:spTgt spid="13"/>
                                         </p:tgtEl>
+                                      </p:cBhvr>
+                                    </p:animEffect>
+                                  </p:childTnLst>
+                                </p:cTn>
+                              </p:par>
+                              <p:par>
+                                <p:cTn id="8" presetID="22" presetClass="entr" presetSubtype="8" fill="hold" nodeType="withEffect">
+                                  <p:stCondLst>
+                                    <p:cond delay="0"/>
+                                  </p:stCondLst>
+                                  <p:childTnLst>
+                                    <p:set>
+                                      <p:cBhvr>
+                                        <p:cTn id="9" dur="1" fill="hold">
+                                          <p:stCondLst>
+                                            <p:cond delay="0"/>
+                                          </p:stCondLst>
+                                        </p:cTn>
+                                        <p:tgtEl>
+                                          <p:spTgt spid="12"/>
+                                        </p:tgtEl>
                                         <p:attrNameLst>
-                                          <p:attrName>ppt_x</p:attrName>
+                                          <p:attrName>style.visibility</p:attrName>
                                         </p:attrNameLst>
                                       </p:cBhvr>
-                                      <p:tavLst>
-                                        <p:tav tm="0">
-                                          <p:val>
-                                            <p:strVal val="0-#ppt_w/2"/>
-                                          </p:val>
-                                        </p:tav>
-                                        <p:tav tm="100000">
-                                          <p:val>
-                                            <p:strVal val="#ppt_x"/>
-                                          </p:val>
-                                        </p:tav>
-                                      </p:tavLst>
-                                    </p:anim>
-                                    <p:anim calcmode="lin" valueType="num">
-                                      <p:cBhvr additive="base">
-                                        <p:cTn id="8" dur="500" fill="hold"/>
+                                      <p:to>
+                                        <p:strVal val="visible"/>
+                                      </p:to>
+                                    </p:set>
+                                    <p:animEffect transition="in" filter="wipe(left)">
+                                      <p:cBhvr>
+                                        <p:cTn id="10" dur="500"/>
                                         <p:tgtEl>
-                                          <p:spTgt spid="13"/>
+                                          <p:spTgt spid="12"/>
+                                        </p:tgtEl>
+                                      </p:cBhvr>
+                                    </p:animEffect>
+                                  </p:childTnLst>
+                                </p:cTn>
+                              </p:par>
+                              <p:par>
+                                <p:cTn id="11" presetID="22" presetClass="entr" presetSubtype="8" fill="hold" grpId="0" nodeType="withEffect">
+                                  <p:stCondLst>
+                                    <p:cond delay="0"/>
+                                  </p:stCondLst>
+                                  <p:childTnLst>
+                                    <p:set>
+                                      <p:cBhvr>
+                                        <p:cTn id="12" dur="1" fill="hold">
+                                          <p:stCondLst>
+                                            <p:cond delay="0"/>
+                                          </p:stCondLst>
+                                        </p:cTn>
+                                        <p:tgtEl>
+                                          <p:spTgt spid="22"/>
                                         </p:tgtEl>
                                         <p:attrNameLst>
-                                          <p:attrName>ppt_y</p:attrName>
+                                          <p:attrName>style.visibility</p:attrName>
                                         </p:attrNameLst>
                                       </p:cBhvr>
-                                      <p:tavLst>
-                                        <p:tav tm="0">
-                                          <p:val>
-                                            <p:strVal val="#ppt_y"/>
-                                          </p:val>
-                                        </p:tav>
-                                        <p:tav tm="100000">
-                                          <p:val>
-                                            <p:strVal val="#ppt_y"/>
-                                          </p:val>
-                                        </p:tav>
-                                      </p:tavLst>
-                                    </p:anim>
+                                      <p:to>
+                                        <p:strVal val="visible"/>
+                                      </p:to>
+                                    </p:set>
+                                    <p:animEffect transition="in" filter="wipe(left)">
+                                      <p:cBhvr>
+                                        <p:cTn id="13" dur="500"/>
+                                        <p:tgtEl>
+                                          <p:spTgt spid="22"/>
+                                        </p:tgtEl>
+                                      </p:cBhvr>
+                                    </p:animEffect>
+                                  </p:childTnLst>
+                                </p:cTn>
+                              </p:par>
+                              <p:par>
+                                <p:cTn id="14" presetID="22" presetClass="entr" presetSubtype="8" fill="hold" nodeType="withEffect">
+                                  <p:stCondLst>
+                                    <p:cond delay="0"/>
+                                  </p:stCondLst>
+                                  <p:childTnLst>
+                                    <p:set>
+                                      <p:cBhvr>
+                                        <p:cTn id="15" dur="1" fill="hold">
+                                          <p:stCondLst>
+                                            <p:cond delay="0"/>
+                                          </p:stCondLst>
+                                        </p:cTn>
+                                        <p:tgtEl>
+                                          <p:spTgt spid="14"/>
+                                        </p:tgtEl>
+                                        <p:attrNameLst>
+                                          <p:attrName>style.visibility</p:attrName>
+                                        </p:attrNameLst>
+                                      </p:cBhvr>
+                                      <p:to>
+                                        <p:strVal val="visible"/>
+                                      </p:to>
+                                    </p:set>
+                                    <p:animEffect transition="in" filter="wipe(left)">
+                                      <p:cBhvr>
+                                        <p:cTn id="16" dur="500"/>
+                                        <p:tgtEl>
+                                          <p:spTgt spid="14"/>
+                                        </p:tgtEl>
+                                      </p:cBhvr>
+                                    </p:animEffect>
+                                  </p:childTnLst>
+                                </p:cTn>
+                              </p:par>
+                              <p:par>
+                                <p:cTn id="17" presetID="22" presetClass="entr" presetSubtype="8" fill="hold" grpId="0" nodeType="withEffect">
+                                  <p:stCondLst>
+                                    <p:cond delay="0"/>
+                                  </p:stCondLst>
+                                  <p:childTnLst>
+                                    <p:set>
+                                      <p:cBhvr>
+                                        <p:cTn id="18" dur="1" fill="hold">
+                                          <p:stCondLst>
+                                            <p:cond delay="0"/>
+                                          </p:stCondLst>
+                                        </p:cTn>
+                                        <p:tgtEl>
+                                          <p:spTgt spid="24"/>
+                                        </p:tgtEl>
+                                        <p:attrNameLst>
+                                          <p:attrName>style.visibility</p:attrName>
+                                        </p:attrNameLst>
+                                      </p:cBhvr>
+                                      <p:to>
+                                        <p:strVal val="visible"/>
+                                      </p:to>
+                                    </p:set>
+                                    <p:animEffect transition="in" filter="wipe(left)">
+                                      <p:cBhvr>
+                                        <p:cTn id="19" dur="500"/>
+                                        <p:tgtEl>
+                                          <p:spTgt spid="24"/>
+                                        </p:tgtEl>
+                                      </p:cBhvr>
+                                    </p:animEffect>
                                   </p:childTnLst>
                                 </p:cTn>
                               </p:par>
@@ -11453,26 +11765,473 @@
                     </p:cTn>
                   </p:par>
                   <p:par>
-                    <p:cTn id="9" fill="hold">
+                    <p:cTn id="20" fill="hold">
                       <p:stCondLst>
                         <p:cond delay="indefinite"/>
                       </p:stCondLst>
                       <p:childTnLst>
                         <p:par>
-                          <p:cTn id="10" fill="hold">
+                          <p:cTn id="21" fill="hold">
                             <p:stCondLst>
                               <p:cond delay="0"/>
                             </p:stCondLst>
                             <p:childTnLst>
                               <p:par>
-                                <p:cTn id="11" presetID="2" presetClass="entr" presetSubtype="1" fill="hold" grpId="0" nodeType="clickEffect">
+                                <p:cTn id="22" presetID="1" presetClass="entr" presetSubtype="0" fill="hold" nodeType="clickEffect">
                                   <p:stCondLst>
                                     <p:cond delay="0"/>
                                   </p:stCondLst>
                                   <p:childTnLst>
                                     <p:set>
                                       <p:cBhvr>
-                                        <p:cTn id="12" dur="1" fill="hold">
+                                        <p:cTn id="23" dur="1" fill="hold">
+                                          <p:stCondLst>
+                                            <p:cond delay="0"/>
+                                          </p:stCondLst>
+                                        </p:cTn>
+                                        <p:tgtEl>
+                                          <p:spTgt spid="3"/>
+                                        </p:tgtEl>
+                                        <p:attrNameLst>
+                                          <p:attrName>style.visibility</p:attrName>
+                                        </p:attrNameLst>
+                                      </p:cBhvr>
+                                      <p:to>
+                                        <p:strVal val="visible"/>
+                                      </p:to>
+                                    </p:set>
+                                  </p:childTnLst>
+                                </p:cTn>
+                              </p:par>
+                            </p:childTnLst>
+                          </p:cTn>
+                        </p:par>
+                      </p:childTnLst>
+                    </p:cTn>
+                  </p:par>
+                  <p:par>
+                    <p:cTn id="24" fill="hold">
+                      <p:stCondLst>
+                        <p:cond delay="indefinite"/>
+                      </p:stCondLst>
+                      <p:childTnLst>
+                        <p:par>
+                          <p:cTn id="25" fill="hold">
+                            <p:stCondLst>
+                              <p:cond delay="0"/>
+                            </p:stCondLst>
+                            <p:childTnLst>
+                              <p:par>
+                                <p:cTn id="26" presetID="1" presetClass="exit" presetSubtype="0" fill="hold" nodeType="clickEffect">
+                                  <p:stCondLst>
+                                    <p:cond delay="0"/>
+                                  </p:stCondLst>
+                                  <p:childTnLst>
+                                    <p:set>
+                                      <p:cBhvr>
+                                        <p:cTn id="27" dur="1" fill="hold">
+                                          <p:stCondLst>
+                                            <p:cond delay="0"/>
+                                          </p:stCondLst>
+                                        </p:cTn>
+                                        <p:tgtEl>
+                                          <p:spTgt spid="3"/>
+                                        </p:tgtEl>
+                                        <p:attrNameLst>
+                                          <p:attrName>style.visibility</p:attrName>
+                                        </p:attrNameLst>
+                                      </p:cBhvr>
+                                      <p:to>
+                                        <p:strVal val="hidden"/>
+                                      </p:to>
+                                    </p:set>
+                                  </p:childTnLst>
+                                </p:cTn>
+                              </p:par>
+                            </p:childTnLst>
+                          </p:cTn>
+                        </p:par>
+                      </p:childTnLst>
+                    </p:cTn>
+                  </p:par>
+                  <p:par>
+                    <p:cTn id="28" fill="hold">
+                      <p:stCondLst>
+                        <p:cond delay="indefinite"/>
+                      </p:stCondLst>
+                      <p:childTnLst>
+                        <p:par>
+                          <p:cTn id="29" fill="hold">
+                            <p:stCondLst>
+                              <p:cond delay="0"/>
+                            </p:stCondLst>
+                            <p:childTnLst>
+                              <p:par>
+                                <p:cTn id="30" presetID="22" presetClass="entr" presetSubtype="1" fill="hold" grpId="1" nodeType="clickEffect">
+                                  <p:stCondLst>
+                                    <p:cond delay="0"/>
+                                  </p:stCondLst>
+                                  <p:childTnLst>
+                                    <p:set>
+                                      <p:cBhvr>
+                                        <p:cTn id="31" dur="1" fill="hold">
+                                          <p:stCondLst>
+                                            <p:cond delay="0"/>
+                                          </p:stCondLst>
+                                        </p:cTn>
+                                        <p:tgtEl>
+                                          <p:spTgt spid="29"/>
+                                        </p:tgtEl>
+                                        <p:attrNameLst>
+                                          <p:attrName>style.visibility</p:attrName>
+                                        </p:attrNameLst>
+                                      </p:cBhvr>
+                                      <p:to>
+                                        <p:strVal val="visible"/>
+                                      </p:to>
+                                    </p:set>
+                                    <p:animEffect transition="in" filter="wipe(up)">
+                                      <p:cBhvr>
+                                        <p:cTn id="32" dur="500"/>
+                                        <p:tgtEl>
+                                          <p:spTgt spid="29"/>
+                                        </p:tgtEl>
+                                      </p:cBhvr>
+                                    </p:animEffect>
+                                  </p:childTnLst>
+                                </p:cTn>
+                              </p:par>
+                              <p:par>
+                                <p:cTn id="33" presetID="22" presetClass="entr" presetSubtype="1" fill="hold" nodeType="withEffect">
+                                  <p:stCondLst>
+                                    <p:cond delay="0"/>
+                                  </p:stCondLst>
+                                  <p:childTnLst>
+                                    <p:set>
+                                      <p:cBhvr>
+                                        <p:cTn id="34" dur="1" fill="hold">
+                                          <p:stCondLst>
+                                            <p:cond delay="0"/>
+                                          </p:stCondLst>
+                                        </p:cTn>
+                                        <p:tgtEl>
+                                          <p:spTgt spid="21"/>
+                                        </p:tgtEl>
+                                        <p:attrNameLst>
+                                          <p:attrName>style.visibility</p:attrName>
+                                        </p:attrNameLst>
+                                      </p:cBhvr>
+                                      <p:to>
+                                        <p:strVal val="visible"/>
+                                      </p:to>
+                                    </p:set>
+                                    <p:animEffect transition="in" filter="wipe(up)">
+                                      <p:cBhvr>
+                                        <p:cTn id="35" dur="500"/>
+                                        <p:tgtEl>
+                                          <p:spTgt spid="21"/>
+                                        </p:tgtEl>
+                                      </p:cBhvr>
+                                    </p:animEffect>
+                                  </p:childTnLst>
+                                </p:cTn>
+                              </p:par>
+                              <p:par>
+                                <p:cTn id="36" presetID="22" presetClass="entr" presetSubtype="1" fill="hold" grpId="1" nodeType="withEffect">
+                                  <p:stCondLst>
+                                    <p:cond delay="0"/>
+                                  </p:stCondLst>
+                                  <p:childTnLst>
+                                    <p:set>
+                                      <p:cBhvr>
+                                        <p:cTn id="37" dur="1" fill="hold">
+                                          <p:stCondLst>
+                                            <p:cond delay="0"/>
+                                          </p:stCondLst>
+                                        </p:cTn>
+                                        <p:tgtEl>
+                                          <p:spTgt spid="27"/>
+                                        </p:tgtEl>
+                                        <p:attrNameLst>
+                                          <p:attrName>style.visibility</p:attrName>
+                                        </p:attrNameLst>
+                                      </p:cBhvr>
+                                      <p:to>
+                                        <p:strVal val="visible"/>
+                                      </p:to>
+                                    </p:set>
+                                    <p:animEffect transition="in" filter="wipe(up)">
+                                      <p:cBhvr>
+                                        <p:cTn id="38" dur="500"/>
+                                        <p:tgtEl>
+                                          <p:spTgt spid="27"/>
+                                        </p:tgtEl>
+                                      </p:cBhvr>
+                                    </p:animEffect>
+                                  </p:childTnLst>
+                                </p:cTn>
+                              </p:par>
+                            </p:childTnLst>
+                          </p:cTn>
+                        </p:par>
+                      </p:childTnLst>
+                    </p:cTn>
+                  </p:par>
+                  <p:par>
+                    <p:cTn id="39" fill="hold">
+                      <p:stCondLst>
+                        <p:cond delay="indefinite"/>
+                      </p:stCondLst>
+                      <p:childTnLst>
+                        <p:par>
+                          <p:cTn id="40" fill="hold">
+                            <p:stCondLst>
+                              <p:cond delay="0"/>
+                            </p:stCondLst>
+                            <p:childTnLst>
+                              <p:par>
+                                <p:cTn id="41" presetID="1" presetClass="entr" presetSubtype="0" fill="hold" nodeType="clickEffect">
+                                  <p:stCondLst>
+                                    <p:cond delay="0"/>
+                                  </p:stCondLst>
+                                  <p:childTnLst>
+                                    <p:set>
+                                      <p:cBhvr>
+                                        <p:cTn id="42" dur="1" fill="hold">
+                                          <p:stCondLst>
+                                            <p:cond delay="0"/>
+                                          </p:stCondLst>
+                                        </p:cTn>
+                                        <p:tgtEl>
+                                          <p:spTgt spid="4"/>
+                                        </p:tgtEl>
+                                        <p:attrNameLst>
+                                          <p:attrName>style.visibility</p:attrName>
+                                        </p:attrNameLst>
+                                      </p:cBhvr>
+                                      <p:to>
+                                        <p:strVal val="visible"/>
+                                      </p:to>
+                                    </p:set>
+                                  </p:childTnLst>
+                                </p:cTn>
+                              </p:par>
+                            </p:childTnLst>
+                          </p:cTn>
+                        </p:par>
+                      </p:childTnLst>
+                    </p:cTn>
+                  </p:par>
+                  <p:par>
+                    <p:cTn id="43" fill="hold">
+                      <p:stCondLst>
+                        <p:cond delay="indefinite"/>
+                      </p:stCondLst>
+                      <p:childTnLst>
+                        <p:par>
+                          <p:cTn id="44" fill="hold">
+                            <p:stCondLst>
+                              <p:cond delay="0"/>
+                            </p:stCondLst>
+                            <p:childTnLst>
+                              <p:par>
+                                <p:cTn id="45" presetID="1" presetClass="entr" presetSubtype="0" fill="hold" nodeType="clickEffect">
+                                  <p:stCondLst>
+                                    <p:cond delay="0"/>
+                                  </p:stCondLst>
+                                  <p:childTnLst>
+                                    <p:set>
+                                      <p:cBhvr>
+                                        <p:cTn id="46" dur="1" fill="hold">
+                                          <p:stCondLst>
+                                            <p:cond delay="0"/>
+                                          </p:stCondLst>
+                                        </p:cTn>
+                                        <p:tgtEl>
+                                          <p:spTgt spid="5"/>
+                                        </p:tgtEl>
+                                        <p:attrNameLst>
+                                          <p:attrName>style.visibility</p:attrName>
+                                        </p:attrNameLst>
+                                      </p:cBhvr>
+                                      <p:to>
+                                        <p:strVal val="visible"/>
+                                      </p:to>
+                                    </p:set>
+                                  </p:childTnLst>
+                                </p:cTn>
+                              </p:par>
+                            </p:childTnLst>
+                          </p:cTn>
+                        </p:par>
+                      </p:childTnLst>
+                    </p:cTn>
+                  </p:par>
+                  <p:par>
+                    <p:cTn id="47" fill="hold">
+                      <p:stCondLst>
+                        <p:cond delay="indefinite"/>
+                      </p:stCondLst>
+                      <p:childTnLst>
+                        <p:par>
+                          <p:cTn id="48" fill="hold">
+                            <p:stCondLst>
+                              <p:cond delay="0"/>
+                            </p:stCondLst>
+                            <p:childTnLst>
+                              <p:par>
+                                <p:cTn id="49" presetID="1" presetClass="entr" presetSubtype="0" fill="hold" nodeType="clickEffect">
+                                  <p:stCondLst>
+                                    <p:cond delay="0"/>
+                                  </p:stCondLst>
+                                  <p:childTnLst>
+                                    <p:set>
+                                      <p:cBhvr>
+                                        <p:cTn id="50" dur="1" fill="hold">
+                                          <p:stCondLst>
+                                            <p:cond delay="0"/>
+                                          </p:stCondLst>
+                                        </p:cTn>
+                                        <p:tgtEl>
+                                          <p:spTgt spid="11"/>
+                                        </p:tgtEl>
+                                        <p:attrNameLst>
+                                          <p:attrName>style.visibility</p:attrName>
+                                        </p:attrNameLst>
+                                      </p:cBhvr>
+                                      <p:to>
+                                        <p:strVal val="visible"/>
+                                      </p:to>
+                                    </p:set>
+                                  </p:childTnLst>
+                                </p:cTn>
+                              </p:par>
+                            </p:childTnLst>
+                          </p:cTn>
+                        </p:par>
+                      </p:childTnLst>
+                    </p:cTn>
+                  </p:par>
+                  <p:par>
+                    <p:cTn id="51" fill="hold">
+                      <p:stCondLst>
+                        <p:cond delay="indefinite"/>
+                      </p:stCondLst>
+                      <p:childTnLst>
+                        <p:par>
+                          <p:cTn id="52" fill="hold">
+                            <p:stCondLst>
+                              <p:cond delay="0"/>
+                            </p:stCondLst>
+                            <p:childTnLst>
+                              <p:par>
+                                <p:cTn id="53" presetID="1" presetClass="exit" presetSubtype="0" fill="hold" nodeType="clickEffect">
+                                  <p:stCondLst>
+                                    <p:cond delay="0"/>
+                                  </p:stCondLst>
+                                  <p:childTnLst>
+                                    <p:set>
+                                      <p:cBhvr>
+                                        <p:cTn id="54" dur="1" fill="hold">
+                                          <p:stCondLst>
+                                            <p:cond delay="0"/>
+                                          </p:stCondLst>
+                                        </p:cTn>
+                                        <p:tgtEl>
+                                          <p:spTgt spid="4"/>
+                                        </p:tgtEl>
+                                        <p:attrNameLst>
+                                          <p:attrName>style.visibility</p:attrName>
+                                        </p:attrNameLst>
+                                      </p:cBhvr>
+                                      <p:to>
+                                        <p:strVal val="hidden"/>
+                                      </p:to>
+                                    </p:set>
+                                  </p:childTnLst>
+                                </p:cTn>
+                              </p:par>
+                              <p:par>
+                                <p:cTn id="55" presetID="1" presetClass="exit" presetSubtype="0" fill="hold" nodeType="withEffect">
+                                  <p:stCondLst>
+                                    <p:cond delay="0"/>
+                                  </p:stCondLst>
+                                  <p:childTnLst>
+                                    <p:set>
+                                      <p:cBhvr>
+                                        <p:cTn id="56" dur="1" fill="hold">
+                                          <p:stCondLst>
+                                            <p:cond delay="0"/>
+                                          </p:stCondLst>
+                                        </p:cTn>
+                                        <p:tgtEl>
+                                          <p:spTgt spid="5"/>
+                                        </p:tgtEl>
+                                        <p:attrNameLst>
+                                          <p:attrName>style.visibility</p:attrName>
+                                        </p:attrNameLst>
+                                      </p:cBhvr>
+                                      <p:to>
+                                        <p:strVal val="hidden"/>
+                                      </p:to>
+                                    </p:set>
+                                  </p:childTnLst>
+                                </p:cTn>
+                              </p:par>
+                              <p:par>
+                                <p:cTn id="57" presetID="1" presetClass="exit" presetSubtype="0" fill="hold" nodeType="withEffect">
+                                  <p:stCondLst>
+                                    <p:cond delay="0"/>
+                                  </p:stCondLst>
+                                  <p:childTnLst>
+                                    <p:set>
+                                      <p:cBhvr>
+                                        <p:cTn id="58" dur="1" fill="hold">
+                                          <p:stCondLst>
+                                            <p:cond delay="0"/>
+                                          </p:stCondLst>
+                                        </p:cTn>
+                                        <p:tgtEl>
+                                          <p:spTgt spid="11"/>
+                                        </p:tgtEl>
+                                        <p:attrNameLst>
+                                          <p:attrName>style.visibility</p:attrName>
+                                        </p:attrNameLst>
+                                      </p:cBhvr>
+                                      <p:to>
+                                        <p:strVal val="hidden"/>
+                                      </p:to>
+                                    </p:set>
+                                  </p:childTnLst>
+                                </p:cTn>
+                              </p:par>
+                            </p:childTnLst>
+                          </p:cTn>
+                        </p:par>
+                      </p:childTnLst>
+                    </p:cTn>
+                  </p:par>
+                  <p:par>
+                    <p:cTn id="59" fill="hold">
+                      <p:stCondLst>
+                        <p:cond delay="indefinite"/>
+                      </p:stCondLst>
+                      <p:childTnLst>
+                        <p:par>
+                          <p:cTn id="60" fill="hold">
+                            <p:stCondLst>
+                              <p:cond delay="0"/>
+                            </p:stCondLst>
+                            <p:childTnLst>
+                              <p:par>
+                                <p:cTn id="61" presetID="22" presetClass="entr" presetSubtype="1" fill="hold" grpId="0" nodeType="clickEffect">
+                                  <p:stCondLst>
+                                    <p:cond delay="0"/>
+                                  </p:stCondLst>
+                                  <p:childTnLst>
+                                    <p:set>
+                                      <p:cBhvr>
+                                        <p:cTn id="62" dur="1" fill="hold">
                                           <p:stCondLst>
                                             <p:cond delay="0"/>
                                           </p:stCondLst>
@@ -11488,52 +12247,84 @@
                                         <p:strVal val="visible"/>
                                       </p:to>
                                     </p:set>
-                                    <p:anim calcmode="lin" valueType="num">
-                                      <p:cBhvr additive="base">
-                                        <p:cTn id="13" dur="500" fill="hold"/>
+                                    <p:animEffect transition="in" filter="wipe(up)">
+                                      <p:cBhvr>
+                                        <p:cTn id="63" dur="500"/>
                                         <p:tgtEl>
                                           <p:spTgt spid="19"/>
                                         </p:tgtEl>
+                                      </p:cBhvr>
+                                    </p:animEffect>
+                                  </p:childTnLst>
+                                </p:cTn>
+                              </p:par>
+                              <p:par>
+                                <p:cTn id="64" presetID="22" presetClass="entr" presetSubtype="1" fill="hold" nodeType="withEffect">
+                                  <p:stCondLst>
+                                    <p:cond delay="0"/>
+                                  </p:stCondLst>
+                                  <p:childTnLst>
+                                    <p:set>
+                                      <p:cBhvr>
+                                        <p:cTn id="65" dur="1" fill="hold">
+                                          <p:stCondLst>
+                                            <p:cond delay="0"/>
+                                          </p:stCondLst>
+                                        </p:cTn>
+                                        <p:tgtEl>
+                                          <p:spTgt spid="18"/>
+                                        </p:tgtEl>
                                         <p:attrNameLst>
-                                          <p:attrName>ppt_x</p:attrName>
+                                          <p:attrName>style.visibility</p:attrName>
                                         </p:attrNameLst>
                                       </p:cBhvr>
-                                      <p:tavLst>
-                                        <p:tav tm="0">
-                                          <p:val>
-                                            <p:strVal val="#ppt_x"/>
-                                          </p:val>
-                                        </p:tav>
-                                        <p:tav tm="100000">
-                                          <p:val>
-                                            <p:strVal val="#ppt_x"/>
-                                          </p:val>
-                                        </p:tav>
-                                      </p:tavLst>
-                                    </p:anim>
-                                    <p:anim calcmode="lin" valueType="num">
-                                      <p:cBhvr additive="base">
-                                        <p:cTn id="14" dur="500" fill="hold"/>
+                                      <p:to>
+                                        <p:strVal val="visible"/>
+                                      </p:to>
+                                    </p:set>
+                                    <p:animEffect transition="in" filter="wipe(up)">
+                                      <p:cBhvr>
+                                        <p:cTn id="66" dur="500"/>
                                         <p:tgtEl>
-                                          <p:spTgt spid="19"/>
+                                          <p:spTgt spid="18"/>
+                                        </p:tgtEl>
+                                      </p:cBhvr>
+                                    </p:animEffect>
+                                  </p:childTnLst>
+                                </p:cTn>
+                              </p:par>
+                              <p:par>
+                                <p:cTn id="67" presetID="22" presetClass="entr" presetSubtype="1" fill="hold" grpId="0" nodeType="withEffect">
+                                  <p:stCondLst>
+                                    <p:cond delay="0"/>
+                                  </p:stCondLst>
+                                  <p:childTnLst>
+                                    <p:set>
+                                      <p:cBhvr>
+                                        <p:cTn id="68" dur="1" fill="hold">
+                                          <p:stCondLst>
+                                            <p:cond delay="0"/>
+                                          </p:stCondLst>
+                                        </p:cTn>
+                                        <p:tgtEl>
+                                          <p:spTgt spid="26"/>
                                         </p:tgtEl>
                                         <p:attrNameLst>
-                                          <p:attrName>ppt_y</p:attrName>
+                                          <p:attrName>style.visibility</p:attrName>
                                         </p:attrNameLst>
                                       </p:cBhvr>
-                                      <p:tavLst>
-                                        <p:tav tm="0">
-                                          <p:val>
-                                            <p:strVal val="0-#ppt_h/2"/>
-                                          </p:val>
-                                        </p:tav>
-                                        <p:tav tm="100000">
-                                          <p:val>
-                                            <p:strVal val="#ppt_y"/>
-                                          </p:val>
-                                        </p:tav>
-                                      </p:tavLst>
-                                    </p:anim>
+                                      <p:to>
+                                        <p:strVal val="visible"/>
+                                      </p:to>
+                                    </p:set>
+                                    <p:animEffect transition="in" filter="wipe(up)">
+                                      <p:cBhvr>
+                                        <p:cTn id="69" dur="500"/>
+                                        <p:tgtEl>
+                                          <p:spTgt spid="26"/>
+                                        </p:tgtEl>
+                                      </p:cBhvr>
+                                    </p:animEffect>
                                   </p:childTnLst>
                                 </p:cTn>
                               </p:par>
@@ -11544,26 +12335,96 @@
                     </p:cTn>
                   </p:par>
                   <p:par>
-                    <p:cTn id="15" fill="hold">
+                    <p:cTn id="70" fill="hold">
                       <p:stCondLst>
                         <p:cond delay="indefinite"/>
                       </p:stCondLst>
                       <p:childTnLst>
                         <p:par>
-                          <p:cTn id="16" fill="hold">
+                          <p:cTn id="71" fill="hold">
                             <p:stCondLst>
                               <p:cond delay="0"/>
                             </p:stCondLst>
                             <p:childTnLst>
                               <p:par>
-                                <p:cTn id="17" presetID="2" presetClass="entr" presetSubtype="8" fill="hold" grpId="0" nodeType="clickEffect">
+                                <p:cTn id="72" presetID="22" presetClass="entr" presetSubtype="8" fill="hold" nodeType="clickEffect">
                                   <p:stCondLst>
                                     <p:cond delay="0"/>
                                   </p:stCondLst>
                                   <p:childTnLst>
                                     <p:set>
                                       <p:cBhvr>
-                                        <p:cTn id="18" dur="1" fill="hold">
+                                        <p:cTn id="73" dur="1" fill="hold">
+                                          <p:stCondLst>
+                                            <p:cond delay="0"/>
+                                          </p:stCondLst>
+                                        </p:cTn>
+                                        <p:tgtEl>
+                                          <p:spTgt spid="21"/>
+                                        </p:tgtEl>
+                                        <p:attrNameLst>
+                                          <p:attrName>style.visibility</p:attrName>
+                                        </p:attrNameLst>
+                                      </p:cBhvr>
+                                      <p:to>
+                                        <p:strVal val="visible"/>
+                                      </p:to>
+                                    </p:set>
+                                    <p:animEffect transition="in" filter="wipe(left)">
+                                      <p:cBhvr>
+                                        <p:cTn id="74" dur="500"/>
+                                        <p:tgtEl>
+                                          <p:spTgt spid="21"/>
+                                        </p:tgtEl>
+                                      </p:cBhvr>
+                                    </p:animEffect>
+                                  </p:childTnLst>
+                                </p:cTn>
+                              </p:par>
+                              <p:par>
+                                <p:cTn id="75" presetID="22" presetClass="entr" presetSubtype="8" fill="hold" grpId="2" nodeType="withEffect">
+                                  <p:stCondLst>
+                                    <p:cond delay="0"/>
+                                  </p:stCondLst>
+                                  <p:childTnLst>
+                                    <p:set>
+                                      <p:cBhvr>
+                                        <p:cTn id="76" dur="1" fill="hold">
+                                          <p:stCondLst>
+                                            <p:cond delay="0"/>
+                                          </p:stCondLst>
+                                        </p:cTn>
+                                        <p:tgtEl>
+                                          <p:spTgt spid="27"/>
+                                        </p:tgtEl>
+                                        <p:attrNameLst>
+                                          <p:attrName>style.visibility</p:attrName>
+                                        </p:attrNameLst>
+                                      </p:cBhvr>
+                                      <p:to>
+                                        <p:strVal val="visible"/>
+                                      </p:to>
+                                    </p:set>
+                                    <p:animEffect transition="in" filter="wipe(left)">
+                                      <p:cBhvr>
+                                        <p:cTn id="77" dur="500"/>
+                                        <p:tgtEl>
+                                          <p:spTgt spid="27"/>
+                                        </p:tgtEl>
+                                      </p:cBhvr>
+                                    </p:animEffect>
+                                  </p:childTnLst>
+                                </p:cTn>
+                              </p:par>
+                              <p:par>
+                                <p:cTn id="78" presetID="22" presetClass="entr" presetSubtype="8" fill="hold" grpId="0" nodeType="withEffect">
+                                  <p:stCondLst>
+                                    <p:cond delay="0"/>
+                                  </p:stCondLst>
+                                  <p:childTnLst>
+                                    <p:set>
+                                      <p:cBhvr>
+                                        <p:cTn id="79" dur="1" fill="hold">
                                           <p:stCondLst>
                                             <p:cond delay="0"/>
                                           </p:stCondLst>
@@ -11579,52 +12440,14 @@
                                         <p:strVal val="visible"/>
                                       </p:to>
                                     </p:set>
-                                    <p:anim calcmode="lin" valueType="num">
-                                      <p:cBhvr additive="base">
-                                        <p:cTn id="19" dur="500" fill="hold"/>
+                                    <p:animEffect transition="in" filter="wipe(left)">
+                                      <p:cBhvr>
+                                        <p:cTn id="80" dur="500"/>
                                         <p:tgtEl>
                                           <p:spTgt spid="20"/>
                                         </p:tgtEl>
-                                        <p:attrNameLst>
-                                          <p:attrName>ppt_x</p:attrName>
-                                        </p:attrNameLst>
                                       </p:cBhvr>
-                                      <p:tavLst>
-                                        <p:tav tm="0">
-                                          <p:val>
-                                            <p:strVal val="0-#ppt_w/2"/>
-                                          </p:val>
-                                        </p:tav>
-                                        <p:tav tm="100000">
-                                          <p:val>
-                                            <p:strVal val="#ppt_x"/>
-                                          </p:val>
-                                        </p:tav>
-                                      </p:tavLst>
-                                    </p:anim>
-                                    <p:anim calcmode="lin" valueType="num">
-                                      <p:cBhvr additive="base">
-                                        <p:cTn id="20" dur="500" fill="hold"/>
-                                        <p:tgtEl>
-                                          <p:spTgt spid="20"/>
-                                        </p:tgtEl>
-                                        <p:attrNameLst>
-                                          <p:attrName>ppt_y</p:attrName>
-                                        </p:attrNameLst>
-                                      </p:cBhvr>
-                                      <p:tavLst>
-                                        <p:tav tm="0">
-                                          <p:val>
-                                            <p:strVal val="#ppt_y"/>
-                                          </p:val>
-                                        </p:tav>
-                                        <p:tav tm="100000">
-                                          <p:val>
-                                            <p:strVal val="#ppt_y"/>
-                                          </p:val>
-                                        </p:tav>
-                                      </p:tavLst>
-                                    </p:anim>
+                                    </p:animEffect>
                                   </p:childTnLst>
                                 </p:cTn>
                               </p:par>
@@ -11635,32 +12458,32 @@
                     </p:cTn>
                   </p:par>
                   <p:par>
-                    <p:cTn id="21" fill="hold">
+                    <p:cTn id="81" fill="hold">
                       <p:stCondLst>
                         <p:cond delay="indefinite"/>
                       </p:stCondLst>
                       <p:childTnLst>
                         <p:par>
-                          <p:cTn id="22" fill="hold">
+                          <p:cTn id="82" fill="hold">
                             <p:stCondLst>
                               <p:cond delay="0"/>
                             </p:stCondLst>
                             <p:childTnLst>
                               <p:par>
-                                <p:cTn id="23" presetID="2" presetClass="entr" presetSubtype="1" fill="hold" grpId="0" nodeType="clickEffect">
+                                <p:cTn id="83" presetID="1" presetClass="entr" presetSubtype="0" fill="hold" nodeType="clickEffect">
                                   <p:stCondLst>
                                     <p:cond delay="0"/>
                                   </p:stCondLst>
                                   <p:childTnLst>
                                     <p:set>
                                       <p:cBhvr>
-                                        <p:cTn id="24" dur="1" fill="hold">
+                                        <p:cTn id="84" dur="1" fill="hold">
                                           <p:stCondLst>
                                             <p:cond delay="0"/>
                                           </p:stCondLst>
                                         </p:cTn>
                                         <p:tgtEl>
-                                          <p:spTgt spid="29"/>
+                                          <p:spTgt spid="15"/>
                                         </p:tgtEl>
                                         <p:attrNameLst>
                                           <p:attrName>style.visibility</p:attrName>
@@ -11670,52 +12493,96 @@
                                         <p:strVal val="visible"/>
                                       </p:to>
                                     </p:set>
-                                    <p:anim calcmode="lin" valueType="num">
-                                      <p:cBhvr additive="base">
-                                        <p:cTn id="25" dur="500" fill="hold"/>
+                                  </p:childTnLst>
+                                </p:cTn>
+                              </p:par>
+                            </p:childTnLst>
+                          </p:cTn>
+                        </p:par>
+                      </p:childTnLst>
+                    </p:cTn>
+                  </p:par>
+                  <p:par>
+                    <p:cTn id="85" fill="hold">
+                      <p:stCondLst>
+                        <p:cond delay="indefinite"/>
+                      </p:stCondLst>
+                      <p:childTnLst>
+                        <p:par>
+                          <p:cTn id="86" fill="hold">
+                            <p:stCondLst>
+                              <p:cond delay="0"/>
+                            </p:stCondLst>
+                            <p:childTnLst>
+                              <p:par>
+                                <p:cTn id="87" presetID="1" presetClass="entr" presetSubtype="0" fill="hold" nodeType="clickEffect">
+                                  <p:stCondLst>
+                                    <p:cond delay="0"/>
+                                  </p:stCondLst>
+                                  <p:childTnLst>
+                                    <p:set>
+                                      <p:cBhvr>
+                                        <p:cTn id="88" dur="1" fill="hold">
+                                          <p:stCondLst>
+                                            <p:cond delay="0"/>
+                                          </p:stCondLst>
+                                        </p:cTn>
                                         <p:tgtEl>
-                                          <p:spTgt spid="29"/>
+                                          <p:spTgt spid="23"/>
                                         </p:tgtEl>
                                         <p:attrNameLst>
-                                          <p:attrName>ppt_x</p:attrName>
+                                          <p:attrName>style.visibility</p:attrName>
                                         </p:attrNameLst>
                                       </p:cBhvr>
-                                      <p:tavLst>
-                                        <p:tav tm="0">
-                                          <p:val>
-                                            <p:strVal val="#ppt_x"/>
-                                          </p:val>
-                                        </p:tav>
-                                        <p:tav tm="100000">
-                                          <p:val>
-                                            <p:strVal val="#ppt_x"/>
-                                          </p:val>
-                                        </p:tav>
-                                      </p:tavLst>
-                                    </p:anim>
-                                    <p:anim calcmode="lin" valueType="num">
-                                      <p:cBhvr additive="base">
-                                        <p:cTn id="26" dur="500" fill="hold"/>
+                                      <p:to>
+                                        <p:strVal val="visible"/>
+                                      </p:to>
+                                    </p:set>
+                                  </p:childTnLst>
+                                </p:cTn>
+                              </p:par>
+                            </p:childTnLst>
+                          </p:cTn>
+                        </p:par>
+                      </p:childTnLst>
+                    </p:cTn>
+                  </p:par>
+                  <p:par>
+                    <p:cTn id="89" fill="hold">
+                      <p:stCondLst>
+                        <p:cond delay="indefinite"/>
+                      </p:stCondLst>
+                      <p:childTnLst>
+                        <p:par>
+                          <p:cTn id="90" fill="hold">
+                            <p:stCondLst>
+                              <p:cond delay="0"/>
+                            </p:stCondLst>
+                            <p:childTnLst>
+                              <p:par>
+                                <p:cTn id="91" presetID="1" presetClass="entr" presetSubtype="0" fill="hold" nodeType="clickEffect">
+                                  <p:stCondLst>
+                                    <p:cond delay="0"/>
+                                  </p:stCondLst>
+                                  <p:childTnLst>
+                                    <p:set>
+                                      <p:cBhvr>
+                                        <p:cTn id="92" dur="1" fill="hold">
+                                          <p:stCondLst>
+                                            <p:cond delay="0"/>
+                                          </p:stCondLst>
+                                        </p:cTn>
                                         <p:tgtEl>
-                                          <p:spTgt spid="29"/>
+                                          <p:spTgt spid="25"/>
                                         </p:tgtEl>
                                         <p:attrNameLst>
-                                          <p:attrName>ppt_y</p:attrName>
+                                          <p:attrName>style.visibility</p:attrName>
                                         </p:attrNameLst>
                                       </p:cBhvr>
-                                      <p:tavLst>
-                                        <p:tav tm="0">
-                                          <p:val>
-                                            <p:strVal val="0-#ppt_h/2"/>
-                                          </p:val>
-                                        </p:tav>
-                                        <p:tav tm="100000">
-                                          <p:val>
-                                            <p:strVal val="#ppt_y"/>
-                                          </p:val>
-                                        </p:tav>
-                                      </p:tavLst>
-                                    </p:anim>
+                                      <p:to>
+                                        <p:strVal val="visible"/>
+                                      </p:to>
+                                    </p:set>
                                   </p:childTnLst>
                                 </p:cTn>
                               </p:par>
@@ -11747,10 +12614,15 @@
       </p:par>
     </p:tnLst>
     <p:bldLst>
-      <p:bldP spid="13" grpId="0" animBg="1"/>
+      <p:bldP spid="13" grpId="1" animBg="1"/>
       <p:bldP spid="19" grpId="0" animBg="1"/>
       <p:bldP spid="20" grpId="0" animBg="1"/>
-      <p:bldP spid="29" grpId="0" animBg="1"/>
+      <p:bldP spid="22" grpId="0"/>
+      <p:bldP spid="24" grpId="0"/>
+      <p:bldP spid="26" grpId="0"/>
+      <p:bldP spid="27" grpId="1"/>
+      <p:bldP spid="27" grpId="2"/>
+      <p:bldP spid="29" grpId="1" animBg="1"/>
     </p:bldLst>
   </p:timing>
 </p:sld>
@@ -11878,7 +12750,7 @@
           <a:blip r:embed="rId3">
             <a:extLst>
               <a:ext uri="{28A0092B-C50C-407E-A947-70E740481C1C}">
-                <a14:useLocalDpi xmlns:a14="http://schemas.microsoft.com/office/drawing/2010/main" xmlns="" val="0"/>
+                <a14:useLocalDpi xmlns:a14="http://schemas.microsoft.com/office/drawing/2010/main" val="0"/>
               </a:ext>
             </a:extLst>
           </a:blip>
@@ -11922,7 +12794,7 @@
             <a:blip r:embed="rId4">
               <a:extLst>
                 <a:ext uri="{28A0092B-C50C-407E-A947-70E740481C1C}">
-                  <a14:useLocalDpi xmlns="" xmlns:dgm="http://schemas.openxmlformats.org/drawingml/2006/diagram" xmlns:a14="http://schemas.microsoft.com/office/drawing/2010/main" xmlns:lc="http://schemas.openxmlformats.org/drawingml/2006/lockedCanvas" val="0"/>
+                  <a14:useLocalDpi xmlns:a14="http://schemas.microsoft.com/office/drawing/2010/main" val="0"/>
                 </a:ext>
               </a:extLst>
             </a:blip>
@@ -12399,10 +13271,160 @@
           </a:prstGeom>
         </p:spPr>
       </p:pic>
+      <p:pic>
+        <p:nvPicPr>
+          <p:cNvPr id="4" name="Picture 3"/>
+          <p:cNvPicPr>
+            <a:picLocks noChangeAspect="1"/>
+          </p:cNvPicPr>
+          <p:nvPr/>
+        </p:nvPicPr>
+        <p:blipFill>
+          <a:blip r:embed="rId8">
+            <a:extLst>
+              <a:ext uri="{28A0092B-C50C-407E-A947-70E740481C1C}">
+                <a14:useLocalDpi xmlns:a14="http://schemas.microsoft.com/office/drawing/2010/main" val="0"/>
+              </a:ext>
+            </a:extLst>
+          </a:blip>
+          <a:stretch>
+            <a:fillRect/>
+          </a:stretch>
+        </p:blipFill>
+        <p:spPr>
+          <a:xfrm>
+            <a:off x="0" y="1737360"/>
+            <a:ext cx="9144000" cy="4590941"/>
+          </a:xfrm>
+          <a:prstGeom prst="rect">
+            <a:avLst/>
+          </a:prstGeom>
+        </p:spPr>
+      </p:pic>
+      <p:pic>
+        <p:nvPicPr>
+          <p:cNvPr id="5" name="Picture 4"/>
+          <p:cNvPicPr>
+            <a:picLocks noChangeAspect="1"/>
+          </p:cNvPicPr>
+          <p:nvPr/>
+        </p:nvPicPr>
+        <p:blipFill>
+          <a:blip r:embed="rId9">
+            <a:extLst>
+              <a:ext uri="{28A0092B-C50C-407E-A947-70E740481C1C}">
+                <a14:useLocalDpi xmlns:a14="http://schemas.microsoft.com/office/drawing/2010/main" val="0"/>
+              </a:ext>
+            </a:extLst>
+          </a:blip>
+          <a:stretch>
+            <a:fillRect/>
+          </a:stretch>
+        </p:blipFill>
+        <p:spPr>
+          <a:xfrm>
+            <a:off x="-3387" y="1751909"/>
+            <a:ext cx="9144000" cy="4576392"/>
+          </a:xfrm>
+          <a:prstGeom prst="rect">
+            <a:avLst/>
+          </a:prstGeom>
+        </p:spPr>
+      </p:pic>
+      <p:pic>
+        <p:nvPicPr>
+          <p:cNvPr id="10" name="Picture 9"/>
+          <p:cNvPicPr>
+            <a:picLocks noChangeAspect="1"/>
+          </p:cNvPicPr>
+          <p:nvPr/>
+        </p:nvPicPr>
+        <p:blipFill>
+          <a:blip r:embed="rId10">
+            <a:extLst>
+              <a:ext uri="{28A0092B-C50C-407E-A947-70E740481C1C}">
+                <a14:useLocalDpi xmlns:a14="http://schemas.microsoft.com/office/drawing/2010/main" val="0"/>
+              </a:ext>
+            </a:extLst>
+          </a:blip>
+          <a:stretch>
+            <a:fillRect/>
+          </a:stretch>
+        </p:blipFill>
+        <p:spPr>
+          <a:xfrm>
+            <a:off x="0" y="1737358"/>
+            <a:ext cx="9144000" cy="4569619"/>
+          </a:xfrm>
+          <a:prstGeom prst="rect">
+            <a:avLst/>
+          </a:prstGeom>
+        </p:spPr>
+      </p:pic>
+      <p:pic>
+        <p:nvPicPr>
+          <p:cNvPr id="11" name="Picture 10"/>
+          <p:cNvPicPr>
+            <a:picLocks noChangeAspect="1"/>
+          </p:cNvPicPr>
+          <p:nvPr/>
+        </p:nvPicPr>
+        <p:blipFill>
+          <a:blip r:embed="rId11">
+            <a:extLst>
+              <a:ext uri="{28A0092B-C50C-407E-A947-70E740481C1C}">
+                <a14:useLocalDpi xmlns:a14="http://schemas.microsoft.com/office/drawing/2010/main" val="0"/>
+              </a:ext>
+            </a:extLst>
+          </a:blip>
+          <a:stretch>
+            <a:fillRect/>
+          </a:stretch>
+        </p:blipFill>
+        <p:spPr>
+          <a:xfrm>
+            <a:off x="-6774" y="1737357"/>
+            <a:ext cx="9144000" cy="4590944"/>
+          </a:xfrm>
+          <a:prstGeom prst="rect">
+            <a:avLst/>
+          </a:prstGeom>
+        </p:spPr>
+      </p:pic>
+      <p:pic>
+        <p:nvPicPr>
+          <p:cNvPr id="15" name="Picture 14"/>
+          <p:cNvPicPr>
+            <a:picLocks noChangeAspect="1"/>
+          </p:cNvPicPr>
+          <p:nvPr/>
+        </p:nvPicPr>
+        <p:blipFill>
+          <a:blip r:embed="rId12">
+            <a:extLst>
+              <a:ext uri="{28A0092B-C50C-407E-A947-70E740481C1C}">
+                <a14:useLocalDpi xmlns:a14="http://schemas.microsoft.com/office/drawing/2010/main" val="0"/>
+              </a:ext>
+            </a:extLst>
+          </a:blip>
+          <a:stretch>
+            <a:fillRect/>
+          </a:stretch>
+        </p:blipFill>
+        <p:spPr>
+          <a:xfrm>
+            <a:off x="0" y="1751907"/>
+            <a:ext cx="9144000" cy="4555070"/>
+          </a:xfrm>
+          <a:prstGeom prst="rect">
+            <a:avLst/>
+          </a:prstGeom>
+        </p:spPr>
+      </p:pic>
     </p:spTree>
     <p:extLst>
       <p:ext uri="{BB962C8B-B14F-4D97-AF65-F5344CB8AC3E}">
-        <p14:creationId xmlns:p14="http://schemas.microsoft.com/office/powerpoint/2010/main" xmlns="" val="666675940"/>
+        <p14:creationId xmlns:p14="http://schemas.microsoft.com/office/powerpoint/2010/main" val="666675940"/>
       </p:ext>
     </p:extLst>
   </p:cSld>
@@ -12430,7 +13452,7 @@
                             </p:stCondLst>
                             <p:childTnLst>
                               <p:par>
-                                <p:cTn id="5" presetID="2" presetClass="entr" presetSubtype="8" fill="hold" grpId="0" nodeType="clickEffect">
+                                <p:cTn id="5" presetID="22" presetClass="entr" presetSubtype="8" fill="hold" grpId="1" nodeType="clickEffect">
                                   <p:stCondLst>
                                     <p:cond delay="0"/>
                                   </p:stCondLst>
@@ -12453,52 +13475,154 @@
                                         <p:strVal val="visible"/>
                                       </p:to>
                                     </p:set>
-                                    <p:anim calcmode="lin" valueType="num">
-                                      <p:cBhvr additive="base">
-                                        <p:cTn id="7" dur="500" fill="hold"/>
+                                    <p:animEffect transition="in" filter="wipe(left)">
+                                      <p:cBhvr>
+                                        <p:cTn id="7" dur="500"/>
                                         <p:tgtEl>
                                           <p:spTgt spid="13"/>
                                         </p:tgtEl>
+                                      </p:cBhvr>
+                                    </p:animEffect>
+                                  </p:childTnLst>
+                                </p:cTn>
+                              </p:par>
+                              <p:par>
+                                <p:cTn id="8" presetID="22" presetClass="entr" presetSubtype="8" fill="hold" nodeType="withEffect">
+                                  <p:stCondLst>
+                                    <p:cond delay="0"/>
+                                  </p:stCondLst>
+                                  <p:childTnLst>
+                                    <p:set>
+                                      <p:cBhvr>
+                                        <p:cTn id="9" dur="1" fill="hold">
+                                          <p:stCondLst>
+                                            <p:cond delay="0"/>
+                                          </p:stCondLst>
+                                        </p:cTn>
+                                        <p:tgtEl>
+                                          <p:spTgt spid="12"/>
+                                        </p:tgtEl>
                                         <p:attrNameLst>
-                                          <p:attrName>ppt_x</p:attrName>
+                                          <p:attrName>style.visibility</p:attrName>
                                         </p:attrNameLst>
                                       </p:cBhvr>
-                                      <p:tavLst>
-                                        <p:tav tm="0">
-                                          <p:val>
-                                            <p:strVal val="0-#ppt_w/2"/>
-                                          </p:val>
-                                        </p:tav>
-                                        <p:tav tm="100000">
-                                          <p:val>
-                                            <p:strVal val="#ppt_x"/>
-                                          </p:val>
-                                        </p:tav>
-                                      </p:tavLst>
-                                    </p:anim>
-                                    <p:anim calcmode="lin" valueType="num">
-                                      <p:cBhvr additive="base">
-                                        <p:cTn id="8" dur="500" fill="hold"/>
+                                      <p:to>
+                                        <p:strVal val="visible"/>
+                                      </p:to>
+                                    </p:set>
+                                    <p:animEffect transition="in" filter="wipe(left)">
+                                      <p:cBhvr>
+                                        <p:cTn id="10" dur="500"/>
                                         <p:tgtEl>
-                                          <p:spTgt spid="13"/>
+                                          <p:spTgt spid="12"/>
+                                        </p:tgtEl>
+                                      </p:cBhvr>
+                                    </p:animEffect>
+                                  </p:childTnLst>
+                                </p:cTn>
+                              </p:par>
+                              <p:par>
+                                <p:cTn id="11" presetID="22" presetClass="entr" presetSubtype="8" fill="hold" grpId="0" nodeType="withEffect">
+                                  <p:stCondLst>
+                                    <p:cond delay="0"/>
+                                  </p:stCondLst>
+                                  <p:childTnLst>
+                                    <p:set>
+                                      <p:cBhvr>
+                                        <p:cTn id="12" dur="1" fill="hold">
+                                          <p:stCondLst>
+                                            <p:cond delay="0"/>
+                                          </p:stCondLst>
+                                        </p:cTn>
+                                        <p:tgtEl>
+                                          <p:spTgt spid="22"/>
                                         </p:tgtEl>
                                         <p:attrNameLst>
-                                          <p:attrName>ppt_y</p:attrName>
+                                          <p:attrName>style.visibility</p:attrName>
                                         </p:attrNameLst>
                                       </p:cBhvr>
-                                      <p:tavLst>
-                                        <p:tav tm="0">
-                                          <p:val>
-                                            <p:strVal val="#ppt_y"/>
-                                          </p:val>
-                                        </p:tav>
-                                        <p:tav tm="100000">
-                                          <p:val>
-                                            <p:strVal val="#ppt_y"/>
-                                          </p:val>
-                                        </p:tav>
-                                      </p:tavLst>
-                                    </p:anim>
+                                      <p:to>
+                                        <p:strVal val="visible"/>
+                                      </p:to>
+                                    </p:set>
+                                    <p:animEffect transition="in" filter="wipe(left)">
+                                      <p:cBhvr>
+                                        <p:cTn id="13" dur="500"/>
+                                        <p:tgtEl>
+                                          <p:spTgt spid="22"/>
+                                        </p:tgtEl>
+                                      </p:cBhvr>
+                                    </p:animEffect>
+                                  </p:childTnLst>
+                                </p:cTn>
+                              </p:par>
+                              <p:par>
+                                <p:cTn id="14" presetID="22" presetClass="entr" presetSubtype="8" fill="hold" nodeType="withEffect">
+                                  <p:stCondLst>
+                                    <p:cond delay="0"/>
+                                  </p:stCondLst>
+                                  <p:childTnLst>
+                                    <p:set>
+                                      <p:cBhvr>
+                                        <p:cTn id="15" dur="1" fill="hold">
+                                          <p:stCondLst>
+                                            <p:cond delay="0"/>
+                                          </p:stCondLst>
+                                        </p:cTn>
+                                        <p:tgtEl>
+                                          <p:spTgt spid="14"/>
+                                        </p:tgtEl>
+                                        <p:attrNameLst>
+                                          <p:attrName>style.visibility</p:attrName>
+                                        </p:attrNameLst>
+                                      </p:cBhvr>
+                                      <p:to>
+                                        <p:strVal val="visible"/>
+                                      </p:to>
+                                    </p:set>
+                                    <p:animEffect transition="in" filter="wipe(left)">
+                                      <p:cBhvr>
+                                        <p:cTn id="16" dur="500"/>
+                                        <p:tgtEl>
+                                          <p:spTgt spid="14"/>
+                                        </p:tgtEl>
+                                      </p:cBhvr>
+                                    </p:animEffect>
+                                  </p:childTnLst>
+                                </p:cTn>
+                              </p:par>
+                              <p:par>
+                                <p:cTn id="17" presetID="22" presetClass="entr" presetSubtype="8" fill="hold" grpId="0" nodeType="withEffect">
+                                  <p:stCondLst>
+                                    <p:cond delay="0"/>
+                                  </p:stCondLst>
+                                  <p:childTnLst>
+                                    <p:set>
+                                      <p:cBhvr>
+                                        <p:cTn id="18" dur="1" fill="hold">
+                                          <p:stCondLst>
+                                            <p:cond delay="0"/>
+                                          </p:stCondLst>
+                                        </p:cTn>
+                                        <p:tgtEl>
+                                          <p:spTgt spid="24"/>
+                                        </p:tgtEl>
+                                        <p:attrNameLst>
+                                          <p:attrName>style.visibility</p:attrName>
+                                        </p:attrNameLst>
+                                      </p:cBhvr>
+                                      <p:to>
+                                        <p:strVal val="visible"/>
+                                      </p:to>
+                                    </p:set>
+                                    <p:animEffect transition="in" filter="wipe(left)">
+                                      <p:cBhvr>
+                                        <p:cTn id="19" dur="500"/>
+                                        <p:tgtEl>
+                                          <p:spTgt spid="24"/>
+                                        </p:tgtEl>
+                                      </p:cBhvr>
+                                    </p:animEffect>
                                   </p:childTnLst>
                                 </p:cTn>
                               </p:par>
@@ -12509,26 +13633,26 @@
                     </p:cTn>
                   </p:par>
                   <p:par>
-                    <p:cTn id="9" fill="hold">
+                    <p:cTn id="20" fill="hold">
                       <p:stCondLst>
                         <p:cond delay="indefinite"/>
                       </p:stCondLst>
                       <p:childTnLst>
                         <p:par>
-                          <p:cTn id="10" fill="hold">
+                          <p:cTn id="21" fill="hold">
                             <p:stCondLst>
                               <p:cond delay="0"/>
                             </p:stCondLst>
                             <p:childTnLst>
                               <p:par>
-                                <p:cTn id="11" presetID="2" presetClass="entr" presetSubtype="8" fill="hold" grpId="0" nodeType="clickEffect">
+                                <p:cTn id="22" presetID="22" presetClass="entr" presetSubtype="8" fill="hold" grpId="0" nodeType="clickEffect">
                                   <p:stCondLst>
                                     <p:cond delay="0"/>
                                   </p:stCondLst>
                                   <p:childTnLst>
                                     <p:set>
                                       <p:cBhvr>
-                                        <p:cTn id="12" dur="1" fill="hold">
+                                        <p:cTn id="23" dur="1" fill="hold">
                                           <p:stCondLst>
                                             <p:cond delay="0"/>
                                           </p:stCondLst>
@@ -12544,52 +13668,84 @@
                                         <p:strVal val="visible"/>
                                       </p:to>
                                     </p:set>
-                                    <p:anim calcmode="lin" valueType="num">
-                                      <p:cBhvr additive="base">
-                                        <p:cTn id="13" dur="500" fill="hold"/>
+                                    <p:animEffect transition="in" filter="wipe(left)">
+                                      <p:cBhvr>
+                                        <p:cTn id="24" dur="500"/>
                                         <p:tgtEl>
                                           <p:spTgt spid="16"/>
                                         </p:tgtEl>
+                                      </p:cBhvr>
+                                    </p:animEffect>
+                                  </p:childTnLst>
+                                </p:cTn>
+                              </p:par>
+                              <p:par>
+                                <p:cTn id="25" presetID="22" presetClass="entr" presetSubtype="8" fill="hold" nodeType="withEffect">
+                                  <p:stCondLst>
+                                    <p:cond delay="0"/>
+                                  </p:stCondLst>
+                                  <p:childTnLst>
+                                    <p:set>
+                                      <p:cBhvr>
+                                        <p:cTn id="26" dur="1" fill="hold">
+                                          <p:stCondLst>
+                                            <p:cond delay="0"/>
+                                          </p:stCondLst>
+                                        </p:cTn>
+                                        <p:tgtEl>
+                                          <p:spTgt spid="23"/>
+                                        </p:tgtEl>
                                         <p:attrNameLst>
-                                          <p:attrName>ppt_x</p:attrName>
+                                          <p:attrName>style.visibility</p:attrName>
                                         </p:attrNameLst>
                                       </p:cBhvr>
-                                      <p:tavLst>
-                                        <p:tav tm="0">
-                                          <p:val>
-                                            <p:strVal val="0-#ppt_w/2"/>
-                                          </p:val>
-                                        </p:tav>
-                                        <p:tav tm="100000">
-                                          <p:val>
-                                            <p:strVal val="#ppt_x"/>
-                                          </p:val>
-                                        </p:tav>
-                                      </p:tavLst>
-                                    </p:anim>
-                                    <p:anim calcmode="lin" valueType="num">
-                                      <p:cBhvr additive="base">
-                                        <p:cTn id="14" dur="500" fill="hold"/>
+                                      <p:to>
+                                        <p:strVal val="visible"/>
+                                      </p:to>
+                                    </p:set>
+                                    <p:animEffect transition="in" filter="wipe(left)">
+                                      <p:cBhvr>
+                                        <p:cTn id="27" dur="500"/>
                                         <p:tgtEl>
-                                          <p:spTgt spid="16"/>
+                                          <p:spTgt spid="23"/>
+                                        </p:tgtEl>
+                                      </p:cBhvr>
+                                    </p:animEffect>
+                                  </p:childTnLst>
+                                </p:cTn>
+                              </p:par>
+                              <p:par>
+                                <p:cTn id="28" presetID="22" presetClass="entr" presetSubtype="8" fill="hold" grpId="0" nodeType="withEffect">
+                                  <p:stCondLst>
+                                    <p:cond delay="0"/>
+                                  </p:stCondLst>
+                                  <p:childTnLst>
+                                    <p:set>
+                                      <p:cBhvr>
+                                        <p:cTn id="29" dur="1" fill="hold">
+                                          <p:stCondLst>
+                                            <p:cond delay="0"/>
+                                          </p:stCondLst>
+                                        </p:cTn>
+                                        <p:tgtEl>
+                                          <p:spTgt spid="25"/>
                                         </p:tgtEl>
                                         <p:attrNameLst>
-                                          <p:attrName>ppt_y</p:attrName>
+                                          <p:attrName>style.visibility</p:attrName>
                                         </p:attrNameLst>
                                       </p:cBhvr>
-                                      <p:tavLst>
-                                        <p:tav tm="0">
-                                          <p:val>
-                                            <p:strVal val="#ppt_y"/>
-                                          </p:val>
-                                        </p:tav>
-                                        <p:tav tm="100000">
-                                          <p:val>
-                                            <p:strVal val="#ppt_y"/>
-                                          </p:val>
-                                        </p:tav>
-                                      </p:tavLst>
-                                    </p:anim>
+                                      <p:to>
+                                        <p:strVal val="visible"/>
+                                      </p:to>
+                                    </p:set>
+                                    <p:animEffect transition="in" filter="wipe(left)">
+                                      <p:cBhvr>
+                                        <p:cTn id="30" dur="500"/>
+                                        <p:tgtEl>
+                                          <p:spTgt spid="25"/>
+                                        </p:tgtEl>
+                                      </p:cBhvr>
+                                    </p:animEffect>
                                   </p:childTnLst>
                                 </p:cTn>
                               </p:par>
@@ -12600,26 +13756,116 @@
                     </p:cTn>
                   </p:par>
                   <p:par>
-                    <p:cTn id="15" fill="hold">
+                    <p:cTn id="31" fill="hold">
                       <p:stCondLst>
                         <p:cond delay="indefinite"/>
                       </p:stCondLst>
                       <p:childTnLst>
                         <p:par>
-                          <p:cTn id="16" fill="hold">
+                          <p:cTn id="32" fill="hold">
                             <p:stCondLst>
                               <p:cond delay="0"/>
                             </p:stCondLst>
                             <p:childTnLst>
                               <p:par>
-                                <p:cTn id="17" presetID="2" presetClass="entr" presetSubtype="1" fill="hold" grpId="0" nodeType="clickEffect">
+                                <p:cTn id="33" presetID="1" presetClass="entr" presetSubtype="0" fill="hold" nodeType="clickEffect">
                                   <p:stCondLst>
                                     <p:cond delay="0"/>
                                   </p:stCondLst>
                                   <p:childTnLst>
                                     <p:set>
                                       <p:cBhvr>
-                                        <p:cTn id="18" dur="1" fill="hold">
+                                        <p:cTn id="34" dur="1" fill="hold">
+                                          <p:stCondLst>
+                                            <p:cond delay="0"/>
+                                          </p:stCondLst>
+                                        </p:cTn>
+                                        <p:tgtEl>
+                                          <p:spTgt spid="4"/>
+                                        </p:tgtEl>
+                                        <p:attrNameLst>
+                                          <p:attrName>style.visibility</p:attrName>
+                                        </p:attrNameLst>
+                                      </p:cBhvr>
+                                      <p:to>
+                                        <p:strVal val="visible"/>
+                                      </p:to>
+                                    </p:set>
+                                  </p:childTnLst>
+                                </p:cTn>
+                              </p:par>
+                            </p:childTnLst>
+                          </p:cTn>
+                        </p:par>
+                      </p:childTnLst>
+                    </p:cTn>
+                  </p:par>
+                  <p:par>
+                    <p:cTn id="35" fill="hold">
+                      <p:stCondLst>
+                        <p:cond delay="indefinite"/>
+                      </p:stCondLst>
+                      <p:childTnLst>
+                        <p:par>
+                          <p:cTn id="36" fill="hold">
+                            <p:stCondLst>
+                              <p:cond delay="0"/>
+                            </p:stCondLst>
+                            <p:childTnLst>
+                              <p:par>
+                                <p:cTn id="37" presetID="1" presetClass="exit" presetSubtype="0" fill="hold" nodeType="clickEffect">
+                                  <p:stCondLst>
+                                    <p:cond delay="0"/>
+                                  </p:stCondLst>
+                                  <p:childTnLst>
+                                    <p:set>
+                                      <p:cBhvr>
+                                        <p:cTn id="38" dur="1" fill="hold">
+                                          <p:stCondLst>
+                                            <p:cond delay="0"/>
+                                          </p:stCondLst>
+                                        </p:cTn>
+                                        <p:tgtEl>
+                                          <p:spTgt spid="4"/>
+                                        </p:tgtEl>
+                                        <p:attrNameLst>
+                                          <p:attrName>style.visibility</p:attrName>
+                                        </p:attrNameLst>
+                                      </p:cBhvr>
+                                      <p:to>
+                                        <p:strVal val="hidden"/>
+                                      </p:to>
+                                    </p:set>
+                                  </p:childTnLst>
+                                </p:cTn>
+                              </p:par>
+                            </p:childTnLst>
+                          </p:cTn>
+                        </p:par>
+                      </p:childTnLst>
+                    </p:cTn>
+                  </p:par>
+                  <p:par>
+                    <p:cTn id="39" fill="hold">
+                      <p:stCondLst>
+                        <p:cond delay="indefinite"/>
+                      </p:stCondLst>
+                      <p:childTnLst>
+                        <p:par>
+                          <p:cTn id="40" fill="hold">
+                            <p:stCondLst>
+                              <p:cond delay="0"/>
+                            </p:stCondLst>
+                            <p:childTnLst>
+                              <p:par>
+                                <p:cTn id="41" presetID="22" presetClass="entr" presetSubtype="1" fill="hold" grpId="0" nodeType="clickEffect">
+                                  <p:stCondLst>
+                                    <p:cond delay="0"/>
+                                  </p:stCondLst>
+                                  <p:childTnLst>
+                                    <p:set>
+                                      <p:cBhvr>
+                                        <p:cTn id="42" dur="1" fill="hold">
                                           <p:stCondLst>
                                             <p:cond delay="0"/>
                                           </p:stCondLst>
@@ -12635,52 +13881,84 @@
                                         <p:strVal val="visible"/>
                                       </p:to>
                                     </p:set>
-                                    <p:anim calcmode="lin" valueType="num">
-                                      <p:cBhvr additive="base">
-                                        <p:cTn id="19" dur="500" fill="hold"/>
+                                    <p:animEffect transition="in" filter="wipe(up)">
+                                      <p:cBhvr>
+                                        <p:cTn id="43" dur="500"/>
                                         <p:tgtEl>
                                           <p:spTgt spid="19"/>
                                         </p:tgtEl>
+                                      </p:cBhvr>
+                                    </p:animEffect>
+                                  </p:childTnLst>
+                                </p:cTn>
+                              </p:par>
+                              <p:par>
+                                <p:cTn id="44" presetID="22" presetClass="entr" presetSubtype="1" fill="hold" nodeType="withEffect">
+                                  <p:stCondLst>
+                                    <p:cond delay="0"/>
+                                  </p:stCondLst>
+                                  <p:childTnLst>
+                                    <p:set>
+                                      <p:cBhvr>
+                                        <p:cTn id="45" dur="1" fill="hold">
+                                          <p:stCondLst>
+                                            <p:cond delay="0"/>
+                                          </p:stCondLst>
+                                        </p:cTn>
+                                        <p:tgtEl>
+                                          <p:spTgt spid="18"/>
+                                        </p:tgtEl>
                                         <p:attrNameLst>
-                                          <p:attrName>ppt_x</p:attrName>
+                                          <p:attrName>style.visibility</p:attrName>
                                         </p:attrNameLst>
                                       </p:cBhvr>
-                                      <p:tavLst>
-                                        <p:tav tm="0">
-                                          <p:val>
-                                            <p:strVal val="#ppt_x"/>
-                                          </p:val>
-                                        </p:tav>
-                                        <p:tav tm="100000">
-                                          <p:val>
-                                            <p:strVal val="#ppt_x"/>
-                                          </p:val>
-                                        </p:tav>
-                                      </p:tavLst>
-                                    </p:anim>
-                                    <p:anim calcmode="lin" valueType="num">
-                                      <p:cBhvr additive="base">
-                                        <p:cTn id="20" dur="500" fill="hold"/>
+                                      <p:to>
+                                        <p:strVal val="visible"/>
+                                      </p:to>
+                                    </p:set>
+                                    <p:animEffect transition="in" filter="wipe(up)">
+                                      <p:cBhvr>
+                                        <p:cTn id="46" dur="500"/>
                                         <p:tgtEl>
-                                          <p:spTgt spid="19"/>
+                                          <p:spTgt spid="18"/>
+                                        </p:tgtEl>
+                                      </p:cBhvr>
+                                    </p:animEffect>
+                                  </p:childTnLst>
+                                </p:cTn>
+                              </p:par>
+                              <p:par>
+                                <p:cTn id="47" presetID="22" presetClass="entr" presetSubtype="1" fill="hold" grpId="0" nodeType="withEffect">
+                                  <p:stCondLst>
+                                    <p:cond delay="0"/>
+                                  </p:stCondLst>
+                                  <p:childTnLst>
+                                    <p:set>
+                                      <p:cBhvr>
+                                        <p:cTn id="48" dur="1" fill="hold">
+                                          <p:stCondLst>
+                                            <p:cond delay="0"/>
+                                          </p:stCondLst>
+                                        </p:cTn>
+                                        <p:tgtEl>
+                                          <p:spTgt spid="26"/>
                                         </p:tgtEl>
                                         <p:attrNameLst>
-                                          <p:attrName>ppt_y</p:attrName>
+                                          <p:attrName>style.visibility</p:attrName>
                                         </p:attrNameLst>
                                       </p:cBhvr>
-                                      <p:tavLst>
-                                        <p:tav tm="0">
-                                          <p:val>
-                                            <p:strVal val="0-#ppt_h/2"/>
-                                          </p:val>
-                                        </p:tav>
-                                        <p:tav tm="100000">
-                                          <p:val>
-                                            <p:strVal val="#ppt_y"/>
-                                          </p:val>
-                                        </p:tav>
-                                      </p:tavLst>
-                                    </p:anim>
+                                      <p:to>
+                                        <p:strVal val="visible"/>
+                                      </p:to>
+                                    </p:set>
+                                    <p:animEffect transition="in" filter="wipe(up)">
+                                      <p:cBhvr>
+                                        <p:cTn id="49" dur="500"/>
+                                        <p:tgtEl>
+                                          <p:spTgt spid="26"/>
+                                        </p:tgtEl>
+                                      </p:cBhvr>
+                                    </p:animEffect>
                                   </p:childTnLst>
                                 </p:cTn>
                               </p:par>
@@ -12691,26 +13969,26 @@
                     </p:cTn>
                   </p:par>
                   <p:par>
-                    <p:cTn id="21" fill="hold">
+                    <p:cTn id="50" fill="hold">
                       <p:stCondLst>
                         <p:cond delay="indefinite"/>
                       </p:stCondLst>
                       <p:childTnLst>
                         <p:par>
-                          <p:cTn id="22" fill="hold">
+                          <p:cTn id="51" fill="hold">
                             <p:stCondLst>
                               <p:cond delay="0"/>
                             </p:stCondLst>
                             <p:childTnLst>
                               <p:par>
-                                <p:cTn id="23" presetID="2" presetClass="entr" presetSubtype="8" fill="hold" grpId="0" nodeType="clickEffect">
+                                <p:cTn id="52" presetID="22" presetClass="entr" presetSubtype="8" fill="hold" grpId="0" nodeType="clickEffect">
                                   <p:stCondLst>
                                     <p:cond delay="0"/>
                                   </p:stCondLst>
                                   <p:childTnLst>
                                     <p:set>
                                       <p:cBhvr>
-                                        <p:cTn id="24" dur="1" fill="hold">
+                                        <p:cTn id="53" dur="1" fill="hold">
                                           <p:stCondLst>
                                             <p:cond delay="0"/>
                                           </p:stCondLst>
@@ -12726,52 +14004,264 @@
                                         <p:strVal val="visible"/>
                                       </p:to>
                                     </p:set>
-                                    <p:anim calcmode="lin" valueType="num">
-                                      <p:cBhvr additive="base">
-                                        <p:cTn id="25" dur="500" fill="hold"/>
+                                    <p:animEffect transition="in" filter="wipe(left)">
+                                      <p:cBhvr>
+                                        <p:cTn id="54" dur="500"/>
                                         <p:tgtEl>
                                           <p:spTgt spid="20"/>
                                         </p:tgtEl>
+                                      </p:cBhvr>
+                                    </p:animEffect>
+                                  </p:childTnLst>
+                                </p:cTn>
+                              </p:par>
+                              <p:par>
+                                <p:cTn id="55" presetID="22" presetClass="entr" presetSubtype="8" fill="hold" nodeType="withEffect">
+                                  <p:stCondLst>
+                                    <p:cond delay="0"/>
+                                  </p:stCondLst>
+                                  <p:childTnLst>
+                                    <p:set>
+                                      <p:cBhvr>
+                                        <p:cTn id="56" dur="1" fill="hold">
+                                          <p:stCondLst>
+                                            <p:cond delay="0"/>
+                                          </p:stCondLst>
+                                        </p:cTn>
+                                        <p:tgtEl>
+                                          <p:spTgt spid="28"/>
+                                        </p:tgtEl>
                                         <p:attrNameLst>
-                                          <p:attrName>ppt_x</p:attrName>
+                                          <p:attrName>style.visibility</p:attrName>
                                         </p:attrNameLst>
                                       </p:cBhvr>
-                                      <p:tavLst>
-                                        <p:tav tm="0">
-                                          <p:val>
-                                            <p:strVal val="0-#ppt_w/2"/>
-                                          </p:val>
-                                        </p:tav>
-                                        <p:tav tm="100000">
-                                          <p:val>
-                                            <p:strVal val="#ppt_x"/>
-                                          </p:val>
-                                        </p:tav>
-                                      </p:tavLst>
-                                    </p:anim>
-                                    <p:anim calcmode="lin" valueType="num">
-                                      <p:cBhvr additive="base">
-                                        <p:cTn id="26" dur="500" fill="hold"/>
+                                      <p:to>
+                                        <p:strVal val="visible"/>
+                                      </p:to>
+                                    </p:set>
+                                    <p:animEffect transition="in" filter="wipe(left)">
+                                      <p:cBhvr>
+                                        <p:cTn id="57" dur="500"/>
                                         <p:tgtEl>
-                                          <p:spTgt spid="20"/>
+                                          <p:spTgt spid="28"/>
+                                        </p:tgtEl>
+                                      </p:cBhvr>
+                                    </p:animEffect>
+                                  </p:childTnLst>
+                                </p:cTn>
+                              </p:par>
+                              <p:par>
+                                <p:cTn id="58" presetID="22" presetClass="entr" presetSubtype="8" fill="hold" grpId="0" nodeType="withEffect">
+                                  <p:stCondLst>
+                                    <p:cond delay="0"/>
+                                  </p:stCondLst>
+                                  <p:childTnLst>
+                                    <p:set>
+                                      <p:cBhvr>
+                                        <p:cTn id="59" dur="1" fill="hold">
+                                          <p:stCondLst>
+                                            <p:cond delay="0"/>
+                                          </p:stCondLst>
+                                        </p:cTn>
+                                        <p:tgtEl>
+                                          <p:spTgt spid="27"/>
                                         </p:tgtEl>
                                         <p:attrNameLst>
-                                          <p:attrName>ppt_y</p:attrName>
+                                          <p:attrName>style.visibility</p:attrName>
                                         </p:attrNameLst>
                                       </p:cBhvr>
-                                      <p:tavLst>
-                                        <p:tav tm="0">
-                                          <p:val>
-                                            <p:strVal val="#ppt_y"/>
-                                          </p:val>
-                                        </p:tav>
-                                        <p:tav tm="100000">
-                                          <p:val>
-                                            <p:strVal val="#ppt_y"/>
-                                          </p:val>
-                                        </p:tav>
-                                      </p:tavLst>
-                                    </p:anim>
+                                      <p:to>
+                                        <p:strVal val="visible"/>
+                                      </p:to>
+                                    </p:set>
+                                    <p:animEffect transition="in" filter="wipe(left)">
+                                      <p:cBhvr>
+                                        <p:cTn id="60" dur="500"/>
+                                        <p:tgtEl>
+                                          <p:spTgt spid="27"/>
+                                        </p:tgtEl>
+                                      </p:cBhvr>
+                                    </p:animEffect>
+                                  </p:childTnLst>
+                                </p:cTn>
+                              </p:par>
+                            </p:childTnLst>
+                          </p:cTn>
+                        </p:par>
+                      </p:childTnLst>
+                    </p:cTn>
+                  </p:par>
+                  <p:par>
+                    <p:cTn id="61" fill="hold">
+                      <p:stCondLst>
+                        <p:cond delay="indefinite"/>
+                      </p:stCondLst>
+                      <p:childTnLst>
+                        <p:par>
+                          <p:cTn id="62" fill="hold">
+                            <p:stCondLst>
+                              <p:cond delay="0"/>
+                            </p:stCondLst>
+                            <p:childTnLst>
+                              <p:par>
+                                <p:cTn id="63" presetID="1" presetClass="entr" presetSubtype="0" fill="hold" nodeType="clickEffect">
+                                  <p:stCondLst>
+                                    <p:cond delay="0"/>
+                                  </p:stCondLst>
+                                  <p:childTnLst>
+                                    <p:set>
+                                      <p:cBhvr>
+                                        <p:cTn id="64" dur="1" fill="hold">
+                                          <p:stCondLst>
+                                            <p:cond delay="0"/>
+                                          </p:stCondLst>
+                                        </p:cTn>
+                                        <p:tgtEl>
+                                          <p:spTgt spid="5"/>
+                                        </p:tgtEl>
+                                        <p:attrNameLst>
+                                          <p:attrName>style.visibility</p:attrName>
+                                        </p:attrNameLst>
+                                      </p:cBhvr>
+                                      <p:to>
+                                        <p:strVal val="visible"/>
+                                      </p:to>
+                                    </p:set>
+                                  </p:childTnLst>
+                                </p:cTn>
+                              </p:par>
+                            </p:childTnLst>
+                          </p:cTn>
+                        </p:par>
+                      </p:childTnLst>
+                    </p:cTn>
+                  </p:par>
+                  <p:par>
+                    <p:cTn id="65" fill="hold">
+                      <p:stCondLst>
+                        <p:cond delay="indefinite"/>
+                      </p:stCondLst>
+                      <p:childTnLst>
+                        <p:par>
+                          <p:cTn id="66" fill="hold">
+                            <p:stCondLst>
+                              <p:cond delay="0"/>
+                            </p:stCondLst>
+                            <p:childTnLst>
+                              <p:par>
+                                <p:cTn id="67" presetID="1" presetClass="entr" presetSubtype="0" fill="hold" nodeType="clickEffect">
+                                  <p:stCondLst>
+                                    <p:cond delay="0"/>
+                                  </p:stCondLst>
+                                  <p:childTnLst>
+                                    <p:set>
+                                      <p:cBhvr>
+                                        <p:cTn id="68" dur="1" fill="hold">
+                                          <p:stCondLst>
+                                            <p:cond delay="0"/>
+                                          </p:stCondLst>
+                                        </p:cTn>
+                                        <p:tgtEl>
+                                          <p:spTgt spid="10"/>
+                                        </p:tgtEl>
+                                        <p:attrNameLst>
+                                          <p:attrName>style.visibility</p:attrName>
+                                        </p:attrNameLst>
+                                      </p:cBhvr>
+                                      <p:to>
+                                        <p:strVal val="visible"/>
+                                      </p:to>
+                                    </p:set>
+                                  </p:childTnLst>
+                                </p:cTn>
+                              </p:par>
+                            </p:childTnLst>
+                          </p:cTn>
+                        </p:par>
+                      </p:childTnLst>
+                    </p:cTn>
+                  </p:par>
+                  <p:par>
+                    <p:cTn id="69" fill="hold">
+                      <p:stCondLst>
+                        <p:cond delay="indefinite"/>
+                      </p:stCondLst>
+                      <p:childTnLst>
+                        <p:par>
+                          <p:cTn id="70" fill="hold">
+                            <p:stCondLst>
+                              <p:cond delay="0"/>
+                            </p:stCondLst>
+                            <p:childTnLst>
+                              <p:par>
+                                <p:cTn id="71" presetID="1" presetClass="entr" presetSubtype="0" fill="hold" nodeType="clickEffect">
+                                  <p:stCondLst>
+                                    <p:cond delay="0"/>
+                                  </p:stCondLst>
+                                  <p:childTnLst>
+                                    <p:set>
+                                      <p:cBhvr>
+                                        <p:cTn id="72" dur="1" fill="hold">
+                                          <p:stCondLst>
+                                            <p:cond delay="0"/>
+                                          </p:stCondLst>
+                                        </p:cTn>
+                                        <p:tgtEl>
+                                          <p:spTgt spid="11"/>
+                                        </p:tgtEl>
+                                        <p:attrNameLst>
+                                          <p:attrName>style.visibility</p:attrName>
+                                        </p:attrNameLst>
+                                      </p:cBhvr>
+                                      <p:to>
+                                        <p:strVal val="visible"/>
+                                      </p:to>
+                                    </p:set>
+                                  </p:childTnLst>
+                                </p:cTn>
+                              </p:par>
+                            </p:childTnLst>
+                          </p:cTn>
+                        </p:par>
+                      </p:childTnLst>
+                    </p:cTn>
+                  </p:par>
+                  <p:par>
+                    <p:cTn id="73" fill="hold">
+                      <p:stCondLst>
+                        <p:cond delay="indefinite"/>
+                      </p:stCondLst>
+                      <p:childTnLst>
+                        <p:par>
+                          <p:cTn id="74" fill="hold">
+                            <p:stCondLst>
+                              <p:cond delay="0"/>
+                            </p:stCondLst>
+                            <p:childTnLst>
+                              <p:par>
+                                <p:cTn id="75" presetID="1" presetClass="entr" presetSubtype="0" fill="hold" nodeType="clickEffect">
+                                  <p:stCondLst>
+                                    <p:cond delay="0"/>
+                                  </p:stCondLst>
+                                  <p:childTnLst>
+                                    <p:set>
+                                      <p:cBhvr>
+                                        <p:cTn id="76" dur="1" fill="hold">
+                                          <p:stCondLst>
+                                            <p:cond delay="0"/>
+                                          </p:stCondLst>
+                                        </p:cTn>
+                                        <p:tgtEl>
+                                          <p:spTgt spid="15"/>
+                                        </p:tgtEl>
+                                        <p:attrNameLst>
+                                          <p:attrName>style.visibility</p:attrName>
+                                        </p:attrNameLst>
+                                      </p:cBhvr>
+                                      <p:to>
+                                        <p:strVal val="visible"/>
+                                      </p:to>
+                                    </p:set>
                                   </p:childTnLst>
                                 </p:cTn>
                               </p:par>
@@ -12803,10 +14293,15 @@
       </p:par>
     </p:tnLst>
     <p:bldLst>
-      <p:bldP spid="13" grpId="0" animBg="1"/>
+      <p:bldP spid="13" grpId="1" animBg="1"/>
       <p:bldP spid="16" grpId="0" animBg="1"/>
       <p:bldP spid="19" grpId="0" animBg="1"/>
       <p:bldP spid="20" grpId="0" animBg="1"/>
+      <p:bldP spid="22" grpId="0"/>
+      <p:bldP spid="24" grpId="0"/>
+      <p:bldP spid="25" grpId="0"/>
+      <p:bldP spid="26" grpId="0"/>
+      <p:bldP spid="27" grpId="0"/>
     </p:bldLst>
   </p:timing>
 </p:sld>
@@ -13089,7 +14584,7 @@
   <a:extraClrSchemeLst/>
   <a:extLst>
     <a:ext uri="{05A4C25C-085E-4340-85A3-A5531E510DB2}">
-      <thm15:themeFamily xmlns:thm15="http://schemas.microsoft.com/office/thememl/2012/main" xmlns="" name="Retrospect" id="{5F128B03-DCCA-4EEB-AB3B-CF2899314A46}" vid="{D26EA377-59BD-4C9C-9D94-EE8416EE4C79}"/>
+      <thm15:themeFamily xmlns:thm15="http://schemas.microsoft.com/office/thememl/2012/main" name="Retrospect" id="{5F128B03-DCCA-4EEB-AB3B-CF2899314A46}" vid="{D26EA377-59BD-4C9C-9D94-EE8416EE4C79}"/>
     </a:ext>
   </a:extLst>
 </a:theme>
@@ -13350,7 +14845,7 @@
   <a:extraClrSchemeLst/>
   <a:extLst>
     <a:ext uri="{05A4C25C-085E-4340-85A3-A5531E510DB2}">
-      <thm15:themeFamily xmlns:thm15="http://schemas.microsoft.com/office/thememl/2012/main" xmlns="" name="Office Theme" id="{62F939B6-93AF-4DB8-9C6B-D6C7DFDC589F}" vid="{4A3C46E8-61CC-4603-A589-7422A47A8E4A}"/>
+      <thm15:themeFamily xmlns:thm15="http://schemas.microsoft.com/office/thememl/2012/main" name="Office Theme" id="{62F939B6-93AF-4DB8-9C6B-D6C7DFDC589F}" vid="{4A3C46E8-61CC-4603-A589-7422A47A8E4A}"/>
     </a:ext>
   </a:extLst>
 </a:theme>
@@ -13611,7 +15106,7 @@
   <a:extraClrSchemeLst/>
   <a:extLst>
     <a:ext uri="{05A4C25C-085E-4340-85A3-A5531E510DB2}">
-      <thm15:themeFamily xmlns:thm15="http://schemas.microsoft.com/office/thememl/2012/main" xmlns="" name="Office Theme" id="{62F939B6-93AF-4DB8-9C6B-D6C7DFDC589F}" vid="{4A3C46E8-61CC-4603-A589-7422A47A8E4A}"/>
+      <thm15:themeFamily xmlns:thm15="http://schemas.microsoft.com/office/thememl/2012/main" name="Office Theme" id="{62F939B6-93AF-4DB8-9C6B-D6C7DFDC589F}" vid="{4A3C46E8-61CC-4603-A589-7422A47A8E4A}"/>
     </a:ext>
   </a:extLst>
 </a:theme>

--- a/trunk/06.Personal Archives/02.TuyenMQ/MS_Slide.pptx
+++ b/trunk/06.Personal Archives/02.TuyenMQ/MS_Slide.pptx
@@ -116,7 +116,7 @@
   </p:defaultTextStyle>
   <p:extLst>
     <p:ext uri="{EFAFB233-063F-42B5-8137-9DF3F51BA10A}">
-      <p15:sldGuideLst xmlns:p15="http://schemas.microsoft.com/office/powerpoint/2012/main">
+      <p15:sldGuideLst xmlns:p15="http://schemas.microsoft.com/office/powerpoint/2012/main" xmlns="">
         <p15:guide id="1" pos="2880" userDrawn="1">
           <p15:clr>
             <a:srgbClr val="A4A3A4"/>
@@ -138,7 +138,7 @@
   <p:cmAuthor id="1" name="Tuân Bùi Tiến" initials="TBT" lastIdx="1" clrIdx="0">
     <p:extLst>
       <p:ext uri="{19B8F6BF-5375-455C-9EA6-DF929625EA0E}">
-        <p15:presenceInfo xmlns:p15="http://schemas.microsoft.com/office/powerpoint/2012/main" userId="0cb1e858a0857d96" providerId="Windows Live"/>
+        <p15:presenceInfo xmlns:p15="http://schemas.microsoft.com/office/powerpoint/2012/main" xmlns="" userId="0cb1e858a0857d96" providerId="Windows Live"/>
       </p:ext>
     </p:extLst>
   </p:cmAuthor>
@@ -1400,13 +1400,13 @@
     </dgm:pt>
   </dgm:ptLst>
   <dgm:cxnLst>
+    <dgm:cxn modelId="{A13145BB-CE77-48AC-B6D8-61EF278D71B1}" srcId="{EE33058E-4366-4BC2-A582-6C3D2B104915}" destId="{1CCD80A4-7BF7-431C-9FC7-41DAA8D3FAAB}" srcOrd="0" destOrd="0" parTransId="{C2335D92-9DE4-49E7-9552-6EEC33E0A01A}" sibTransId="{3DD78082-59B8-4034-8BE7-201D5173DB5B}"/>
+    <dgm:cxn modelId="{0C36A486-7182-4981-A183-4D4AEF3BF2F4}" type="presOf" srcId="{EE33058E-4366-4BC2-A582-6C3D2B104915}" destId="{D5D63219-35F0-43D3-8417-188ADDADE577}" srcOrd="0" destOrd="0" presId="urn:microsoft.com/office/officeart/2008/layout/VerticalCurvedList"/>
+    <dgm:cxn modelId="{52AC36B5-1F1E-4B62-B656-6D2611E1FA7C}" type="presOf" srcId="{1CCD80A4-7BF7-431C-9FC7-41DAA8D3FAAB}" destId="{BA3D70A7-0CF4-42E6-ACF4-89DA1F16F828}" srcOrd="0" destOrd="0" presId="urn:microsoft.com/office/officeart/2008/layout/VerticalCurvedList"/>
+    <dgm:cxn modelId="{3FA94AE0-7B03-435F-8D37-1463BCD04C7F}" srcId="{EE33058E-4366-4BC2-A582-6C3D2B104915}" destId="{FADC98C6-B691-4235-881B-E8955DEB0F9B}" srcOrd="2" destOrd="0" parTransId="{39F86D3C-ABD6-4FF5-A2B1-F70A1F1BDC1C}" sibTransId="{02B4915D-9647-4D43-83AD-182AFFFADD11}"/>
+    <dgm:cxn modelId="{AB4A90FE-D53F-4984-977E-597B0C8DD2A1}" type="presOf" srcId="{0206C237-BA8D-47A4-8B66-1362DF45C9E6}" destId="{3426D3FF-2216-4F1C-B57C-51711950668F}" srcOrd="0" destOrd="0" presId="urn:microsoft.com/office/officeart/2008/layout/VerticalCurvedList"/>
     <dgm:cxn modelId="{A453504B-BF66-4179-9AE3-6BBA6BDE81FE}" type="presOf" srcId="{3DD78082-59B8-4034-8BE7-201D5173DB5B}" destId="{E5C74BB2-407C-4C7A-BBAC-CE09B1A53261}" srcOrd="0" destOrd="0" presId="urn:microsoft.com/office/officeart/2008/layout/VerticalCurvedList"/>
-    <dgm:cxn modelId="{0C36A486-7182-4981-A183-4D4AEF3BF2F4}" type="presOf" srcId="{EE33058E-4366-4BC2-A582-6C3D2B104915}" destId="{D5D63219-35F0-43D3-8417-188ADDADE577}" srcOrd="0" destOrd="0" presId="urn:microsoft.com/office/officeart/2008/layout/VerticalCurvedList"/>
-    <dgm:cxn modelId="{AB4A90FE-D53F-4984-977E-597B0C8DD2A1}" type="presOf" srcId="{0206C237-BA8D-47A4-8B66-1362DF45C9E6}" destId="{3426D3FF-2216-4F1C-B57C-51711950668F}" srcOrd="0" destOrd="0" presId="urn:microsoft.com/office/officeart/2008/layout/VerticalCurvedList"/>
-    <dgm:cxn modelId="{52AC36B5-1F1E-4B62-B656-6D2611E1FA7C}" type="presOf" srcId="{1CCD80A4-7BF7-431C-9FC7-41DAA8D3FAAB}" destId="{BA3D70A7-0CF4-42E6-ACF4-89DA1F16F828}" srcOrd="0" destOrd="0" presId="urn:microsoft.com/office/officeart/2008/layout/VerticalCurvedList"/>
     <dgm:cxn modelId="{ACA9514D-F2FA-4ABF-AC27-2DBF483D59F5}" type="presOf" srcId="{FADC98C6-B691-4235-881B-E8955DEB0F9B}" destId="{55BFB2CD-17F2-485E-9587-E7D0985F8E17}" srcOrd="0" destOrd="0" presId="urn:microsoft.com/office/officeart/2008/layout/VerticalCurvedList"/>
-    <dgm:cxn modelId="{A13145BB-CE77-48AC-B6D8-61EF278D71B1}" srcId="{EE33058E-4366-4BC2-A582-6C3D2B104915}" destId="{1CCD80A4-7BF7-431C-9FC7-41DAA8D3FAAB}" srcOrd="0" destOrd="0" parTransId="{C2335D92-9DE4-49E7-9552-6EEC33E0A01A}" sibTransId="{3DD78082-59B8-4034-8BE7-201D5173DB5B}"/>
-    <dgm:cxn modelId="{3FA94AE0-7B03-435F-8D37-1463BCD04C7F}" srcId="{EE33058E-4366-4BC2-A582-6C3D2B104915}" destId="{FADC98C6-B691-4235-881B-E8955DEB0F9B}" srcOrd="2" destOrd="0" parTransId="{39F86D3C-ABD6-4FF5-A2B1-F70A1F1BDC1C}" sibTransId="{02B4915D-9647-4D43-83AD-182AFFFADD11}"/>
     <dgm:cxn modelId="{ED59DA7E-CB15-4326-A756-1FED3D29C026}" srcId="{EE33058E-4366-4BC2-A582-6C3D2B104915}" destId="{0206C237-BA8D-47A4-8B66-1362DF45C9E6}" srcOrd="1" destOrd="0" parTransId="{92246644-9D70-4ECB-AD8D-9C79034093AD}" sibTransId="{C23ED707-3C96-4E9B-A24A-E838617229D8}"/>
     <dgm:cxn modelId="{852C85F2-49C6-4EFA-87CC-913F7D82CD74}" type="presParOf" srcId="{D5D63219-35F0-43D3-8417-188ADDADE577}" destId="{8BB6B3B8-F6C9-4FC0-BBAA-FD1AB9AD704F}" srcOrd="0" destOrd="0" presId="urn:microsoft.com/office/officeart/2008/layout/VerticalCurvedList"/>
     <dgm:cxn modelId="{BCE46F11-687E-437D-9D44-ED6605C79B29}" type="presParOf" srcId="{8BB6B3B8-F6C9-4FC0-BBAA-FD1AB9AD704F}" destId="{09F88E44-FB08-48E2-9AD4-AEA624B48CD1}" srcOrd="0" destOrd="0" presId="urn:microsoft.com/office/officeart/2008/layout/VerticalCurvedList"/>
@@ -1428,14 +1428,14 @@
   <dgm:whole/>
   <dgm:extLst>
     <a:ext uri="http://schemas.microsoft.com/office/drawing/2008/diagram">
-      <dsp:dataModelExt xmlns:dsp="http://schemas.microsoft.com/office/drawing/2008/diagram" relId="rId6" minVer="http://schemas.openxmlformats.org/drawingml/2006/diagram"/>
+      <dsp:dataModelExt xmlns:dsp="http://schemas.microsoft.com/office/drawing/2008/diagram" xmlns="" relId="rId6" minVer="http://schemas.openxmlformats.org/drawingml/2006/diagram"/>
     </a:ext>
   </dgm:extLst>
 </dgm:dataModel>
 </file>
 
 <file path=ppt/diagrams/drawing1.xml><?xml version="1.0" encoding="utf-8"?>
-<dsp:drawing xmlns:dgm="http://schemas.openxmlformats.org/drawingml/2006/diagram" xmlns:dsp="http://schemas.microsoft.com/office/drawing/2008/diagram" xmlns:a="http://schemas.openxmlformats.org/drawingml/2006/main">
+<dsp:drawing xmlns:dgm="http://schemas.openxmlformats.org/drawingml/2006/diagram" xmlns:a="http://schemas.openxmlformats.org/drawingml/2006/main" xmlns:dsp="http://schemas.microsoft.com/office/drawing/2008/diagram">
   <dsp:spTree>
     <dsp:nvGrpSpPr>
       <dsp:cNvPr id="0" name=""/>
@@ -4522,7 +4522,7 @@
             <a:fld id="{E4C0CD76-90FD-4E78-B015-66019683F49A}" type="datetimeFigureOut">
               <a:rPr lang="en-US" smtClean="0"/>
               <a:pPr/>
-              <a:t>1/20/2015</a:t>
+              <a:t>1/21/2015</a:t>
             </a:fld>
             <a:endParaRPr lang="en-US"/>
           </a:p>
@@ -4598,7 +4598,7 @@
     </p:spTree>
     <p:extLst>
       <p:ext uri="{BB962C8B-B14F-4D97-AF65-F5344CB8AC3E}">
-        <p14:creationId xmlns:p14="http://schemas.microsoft.com/office/powerpoint/2010/main" val="499418375"/>
+        <p14:creationId xmlns:p14="http://schemas.microsoft.com/office/powerpoint/2010/main" xmlns="" val="499418375"/>
       </p:ext>
     </p:extLst>
   </p:cSld>
@@ -4689,7 +4689,7 @@
             <a:fld id="{364B29F3-0D72-4315-8074-333A98851BF8}" type="datetimeFigureOut">
               <a:rPr lang="en-US" smtClean="0"/>
               <a:pPr/>
-              <a:t>1/20/2015</a:t>
+              <a:t>1/21/2015</a:t>
             </a:fld>
             <a:endParaRPr lang="en-US"/>
           </a:p>
@@ -4858,7 +4858,7 @@
     </p:spTree>
     <p:extLst>
       <p:ext uri="{BB962C8B-B14F-4D97-AF65-F5344CB8AC3E}">
-        <p14:creationId xmlns:p14="http://schemas.microsoft.com/office/powerpoint/2010/main" val="190255619"/>
+        <p14:creationId xmlns:p14="http://schemas.microsoft.com/office/powerpoint/2010/main" xmlns="" val="190255619"/>
       </p:ext>
     </p:extLst>
   </p:cSld>
@@ -5250,7 +5250,7 @@
     </p:spTree>
     <p:extLst>
       <p:ext uri="{BB962C8B-B14F-4D97-AF65-F5344CB8AC3E}">
-        <p14:creationId xmlns:p14="http://schemas.microsoft.com/office/powerpoint/2010/main" val="416740946"/>
+        <p14:creationId xmlns:p14="http://schemas.microsoft.com/office/powerpoint/2010/main" xmlns="" val="416740946"/>
       </p:ext>
     </p:extLst>
   </p:cSld>
@@ -5340,7 +5340,7 @@
     </p:spTree>
     <p:extLst>
       <p:ext uri="{BB962C8B-B14F-4D97-AF65-F5344CB8AC3E}">
-        <p14:creationId xmlns:p14="http://schemas.microsoft.com/office/powerpoint/2010/main" val="2214256827"/>
+        <p14:creationId xmlns:p14="http://schemas.microsoft.com/office/powerpoint/2010/main" xmlns="" val="2214256827"/>
       </p:ext>
     </p:extLst>
   </p:cSld>
@@ -5430,7 +5430,7 @@
     </p:spTree>
     <p:extLst>
       <p:ext uri="{BB962C8B-B14F-4D97-AF65-F5344CB8AC3E}">
-        <p14:creationId xmlns:p14="http://schemas.microsoft.com/office/powerpoint/2010/main" val="2214256827"/>
+        <p14:creationId xmlns:p14="http://schemas.microsoft.com/office/powerpoint/2010/main" xmlns="" val="2214256827"/>
       </p:ext>
     </p:extLst>
   </p:cSld>
@@ -5520,7 +5520,7 @@
     </p:spTree>
     <p:extLst>
       <p:ext uri="{BB962C8B-B14F-4D97-AF65-F5344CB8AC3E}">
-        <p14:creationId xmlns:p14="http://schemas.microsoft.com/office/powerpoint/2010/main" val="2214256827"/>
+        <p14:creationId xmlns:p14="http://schemas.microsoft.com/office/powerpoint/2010/main" xmlns="" val="2214256827"/>
       </p:ext>
     </p:extLst>
   </p:cSld>
@@ -5850,7 +5850,7 @@
     </p:spTree>
     <p:extLst>
       <p:ext uri="{BB962C8B-B14F-4D97-AF65-F5344CB8AC3E}">
-        <p14:creationId xmlns:p14="http://schemas.microsoft.com/office/powerpoint/2010/main" val="1187610024"/>
+        <p14:creationId xmlns:p14="http://schemas.microsoft.com/office/powerpoint/2010/main" xmlns="" val="1187610024"/>
       </p:ext>
     </p:extLst>
   </p:cSld>
@@ -6025,7 +6025,7 @@
     </p:spTree>
     <p:extLst>
       <p:ext uri="{BB962C8B-B14F-4D97-AF65-F5344CB8AC3E}">
-        <p14:creationId xmlns:p14="http://schemas.microsoft.com/office/powerpoint/2010/main" val="1162950190"/>
+        <p14:creationId xmlns:p14="http://schemas.microsoft.com/office/powerpoint/2010/main" xmlns="" val="1162950190"/>
       </p:ext>
     </p:extLst>
   </p:cSld>
@@ -6286,7 +6286,7 @@
     </p:spTree>
     <p:extLst>
       <p:ext uri="{BB962C8B-B14F-4D97-AF65-F5344CB8AC3E}">
-        <p14:creationId xmlns:p14="http://schemas.microsoft.com/office/powerpoint/2010/main" val="1725342705"/>
+        <p14:creationId xmlns:p14="http://schemas.microsoft.com/office/powerpoint/2010/main" xmlns="" val="1725342705"/>
       </p:ext>
     </p:extLst>
   </p:cSld>
@@ -6461,7 +6461,7 @@
     </p:spTree>
     <p:extLst>
       <p:ext uri="{BB962C8B-B14F-4D97-AF65-F5344CB8AC3E}">
-        <p14:creationId xmlns:p14="http://schemas.microsoft.com/office/powerpoint/2010/main" val="2357780028"/>
+        <p14:creationId xmlns:p14="http://schemas.microsoft.com/office/powerpoint/2010/main" xmlns="" val="2357780028"/>
       </p:ext>
     </p:extLst>
   </p:cSld>
@@ -6839,7 +6839,7 @@
     </p:spTree>
     <p:extLst>
       <p:ext uri="{BB962C8B-B14F-4D97-AF65-F5344CB8AC3E}">
-        <p14:creationId xmlns:p14="http://schemas.microsoft.com/office/powerpoint/2010/main" val="853254902"/>
+        <p14:creationId xmlns:p14="http://schemas.microsoft.com/office/powerpoint/2010/main" xmlns="" val="853254902"/>
       </p:ext>
     </p:extLst>
   </p:cSld>
@@ -7081,7 +7081,7 @@
     </p:spTree>
     <p:extLst>
       <p:ext uri="{BB962C8B-B14F-4D97-AF65-F5344CB8AC3E}">
-        <p14:creationId xmlns:p14="http://schemas.microsoft.com/office/powerpoint/2010/main" val="2558859688"/>
+        <p14:creationId xmlns:p14="http://schemas.microsoft.com/office/powerpoint/2010/main" xmlns="" val="2558859688"/>
       </p:ext>
     </p:extLst>
   </p:cSld>
@@ -7465,7 +7465,7 @@
     </p:spTree>
     <p:extLst>
       <p:ext uri="{BB962C8B-B14F-4D97-AF65-F5344CB8AC3E}">
-        <p14:creationId xmlns:p14="http://schemas.microsoft.com/office/powerpoint/2010/main" val="3790003400"/>
+        <p14:creationId xmlns:p14="http://schemas.microsoft.com/office/powerpoint/2010/main" xmlns="" val="3790003400"/>
       </p:ext>
     </p:extLst>
   </p:cSld>
@@ -7588,7 +7588,7 @@
     </p:spTree>
     <p:extLst>
       <p:ext uri="{BB962C8B-B14F-4D97-AF65-F5344CB8AC3E}">
-        <p14:creationId xmlns:p14="http://schemas.microsoft.com/office/powerpoint/2010/main" val="2340859831"/>
+        <p14:creationId xmlns:p14="http://schemas.microsoft.com/office/powerpoint/2010/main" xmlns="" val="2340859831"/>
       </p:ext>
     </p:extLst>
   </p:cSld>
@@ -7772,7 +7772,7 @@
     </p:spTree>
     <p:extLst>
       <p:ext uri="{BB962C8B-B14F-4D97-AF65-F5344CB8AC3E}">
-        <p14:creationId xmlns:p14="http://schemas.microsoft.com/office/powerpoint/2010/main" val="3134017901"/>
+        <p14:creationId xmlns:p14="http://schemas.microsoft.com/office/powerpoint/2010/main" xmlns="" val="3134017901"/>
       </p:ext>
     </p:extLst>
   </p:cSld>
@@ -8144,7 +8144,7 @@
     </p:spTree>
     <p:extLst>
       <p:ext uri="{BB962C8B-B14F-4D97-AF65-F5344CB8AC3E}">
-        <p14:creationId xmlns:p14="http://schemas.microsoft.com/office/powerpoint/2010/main" val="1327644465"/>
+        <p14:creationId xmlns:p14="http://schemas.microsoft.com/office/powerpoint/2010/main" xmlns="" val="1327644465"/>
       </p:ext>
     </p:extLst>
   </p:cSld>
@@ -8505,7 +8505,7 @@
     </p:spTree>
     <p:extLst>
       <p:ext uri="{BB962C8B-B14F-4D97-AF65-F5344CB8AC3E}">
-        <p14:creationId xmlns:p14="http://schemas.microsoft.com/office/powerpoint/2010/main" val="816183116"/>
+        <p14:creationId xmlns:p14="http://schemas.microsoft.com/office/powerpoint/2010/main" xmlns="" val="816183116"/>
       </p:ext>
     </p:extLst>
   </p:cSld>
@@ -8876,7 +8876,7 @@
     </p:spTree>
     <p:extLst>
       <p:ext uri="{BB962C8B-B14F-4D97-AF65-F5344CB8AC3E}">
-        <p14:creationId xmlns:p14="http://schemas.microsoft.com/office/powerpoint/2010/main" val="3493115414"/>
+        <p14:creationId xmlns:p14="http://schemas.microsoft.com/office/powerpoint/2010/main" xmlns="" val="3493115414"/>
       </p:ext>
     </p:extLst>
   </p:cSld>
@@ -9444,7 +9444,7 @@
             </a:duotone>
             <a:extLst>
               <a:ext uri="{28A0092B-C50C-407E-A947-70E740481C1C}">
-                <a14:useLocalDpi xmlns:a14="http://schemas.microsoft.com/office/drawing/2010/main" val="0"/>
+                <a14:useLocalDpi xmlns:a14="http://schemas.microsoft.com/office/drawing/2010/main" xmlns="" val="0"/>
               </a:ext>
             </a:extLst>
           </a:blip>
@@ -9498,7 +9498,7 @@
             <a:blip r:embed="rId4" cstate="print">
               <a:extLst>
                 <a:ext uri="{28A0092B-C50C-407E-A947-70E740481C1C}">
-                  <a14:useLocalDpi xmlns:a14="http://schemas.microsoft.com/office/drawing/2010/main" val="0"/>
+                  <a14:useLocalDpi xmlns:a14="http://schemas.microsoft.com/office/drawing/2010/main" xmlns="" val="0"/>
                 </a:ext>
               </a:extLst>
             </a:blip>
@@ -9535,7 +9535,7 @@
             <a:blip r:embed="rId5" cstate="print">
               <a:extLst>
                 <a:ext uri="{28A0092B-C50C-407E-A947-70E740481C1C}">
-                  <a14:useLocalDpi xmlns:a14="http://schemas.microsoft.com/office/drawing/2010/main" val="0"/>
+                  <a14:useLocalDpi xmlns:a14="http://schemas.microsoft.com/office/drawing/2010/main" xmlns="" val="0"/>
                 </a:ext>
               </a:extLst>
             </a:blip>
@@ -9572,7 +9572,7 @@
             <a:blip r:embed="rId6" cstate="print">
               <a:extLst>
                 <a:ext uri="{28A0092B-C50C-407E-A947-70E740481C1C}">
-                  <a14:useLocalDpi xmlns:a14="http://schemas.microsoft.com/office/drawing/2010/main" val="0"/>
+                  <a14:useLocalDpi xmlns:a14="http://schemas.microsoft.com/office/drawing/2010/main" xmlns="" val="0"/>
                 </a:ext>
               </a:extLst>
             </a:blip>
@@ -9609,7 +9609,7 @@
             <a:blip r:embed="rId7" cstate="print">
               <a:extLst>
                 <a:ext uri="{28A0092B-C50C-407E-A947-70E740481C1C}">
-                  <a14:useLocalDpi xmlns:a14="http://schemas.microsoft.com/office/drawing/2010/main" val="0"/>
+                  <a14:useLocalDpi xmlns:a14="http://schemas.microsoft.com/office/drawing/2010/main" xmlns="" val="0"/>
                 </a:ext>
               </a:extLst>
             </a:blip>
@@ -9677,7 +9677,7 @@
           <a:blip r:embed="rId8">
             <a:extLst>
               <a:ext uri="{28A0092B-C50C-407E-A947-70E740481C1C}">
-                <a14:useLocalDpi xmlns:a14="http://schemas.microsoft.com/office/drawing/2010/main" val="0"/>
+                <a14:useLocalDpi xmlns:a14="http://schemas.microsoft.com/office/drawing/2010/main" xmlns="" val="0"/>
               </a:ext>
             </a:extLst>
           </a:blip>
@@ -9704,7 +9704,7 @@
     </p:spTree>
     <p:extLst>
       <p:ext uri="{BB962C8B-B14F-4D97-AF65-F5344CB8AC3E}">
-        <p14:creationId xmlns:p14="http://schemas.microsoft.com/office/powerpoint/2010/main" val="878553065"/>
+        <p14:creationId xmlns:p14="http://schemas.microsoft.com/office/powerpoint/2010/main" xmlns="" val="878553065"/>
       </p:ext>
     </p:extLst>
   </p:cSld>
@@ -9771,7 +9771,7 @@
             <p:ph idx="1"/>
             <p:extLst>
               <p:ext uri="{D42A27DB-BD31-4B8C-83A1-F6EECF244321}">
-                <p14:modId xmlns:p14="http://schemas.microsoft.com/office/powerpoint/2010/main" val="913984542"/>
+                <p14:modId xmlns:p14="http://schemas.microsoft.com/office/powerpoint/2010/main" xmlns="" val="913984542"/>
               </p:ext>
             </p:extLst>
           </p:nvPr>
@@ -10052,7 +10052,7 @@
           <a:blip r:embed="rId7">
             <a:extLst>
               <a:ext uri="{28A0092B-C50C-407E-A947-70E740481C1C}">
-                <a14:useLocalDpi xmlns:a14="http://schemas.microsoft.com/office/drawing/2010/main" val="0"/>
+                <a14:useLocalDpi xmlns:a14="http://schemas.microsoft.com/office/drawing/2010/main" xmlns="" val="0"/>
               </a:ext>
             </a:extLst>
           </a:blip>
@@ -10079,7 +10079,7 @@
     </p:spTree>
     <p:extLst>
       <p:ext uri="{BB962C8B-B14F-4D97-AF65-F5344CB8AC3E}">
-        <p14:creationId xmlns:p14="http://schemas.microsoft.com/office/powerpoint/2010/main" val="2747474174"/>
+        <p14:creationId xmlns:p14="http://schemas.microsoft.com/office/powerpoint/2010/main" xmlns="" val="2747474174"/>
       </p:ext>
     </p:extLst>
   </p:cSld>
@@ -10594,9 +10594,10 @@
               <a:buChar char="Ø"/>
             </a:pPr>
             <a:r>
-              <a:rPr lang="en-US" dirty="0"/>
-              <a:t>Features</a:t>
-            </a:r>
+              <a:rPr lang="en-US" dirty="0" smtClean="0"/>
+              <a:t>Demo</a:t>
+            </a:r>
+            <a:endParaRPr lang="en-US" dirty="0"/>
           </a:p>
           <a:p>
             <a:pPr>
@@ -10604,28 +10605,12 @@
               <a:buChar char="Ø"/>
             </a:pPr>
             <a:r>
+              <a:rPr lang="en-US" dirty="0" smtClean="0"/>
+              <a:t>Questions </a:t>
+            </a:r>
+            <a:r>
               <a:rPr lang="en-US" dirty="0"/>
-              <a:t>Demo</a:t>
-            </a:r>
-          </a:p>
-          <a:p>
-            <a:pPr>
-              <a:buFont typeface="Wingdings" panose="05000000000000000000" pitchFamily="2" charset="2"/>
-              <a:buChar char="Ø"/>
-            </a:pPr>
-            <a:r>
-              <a:rPr lang="en-US" dirty="0"/>
-              <a:t>Achievement, Disadvantages and Future Plan</a:t>
-            </a:r>
-          </a:p>
-          <a:p>
-            <a:pPr>
-              <a:buFont typeface="Wingdings" panose="05000000000000000000" pitchFamily="2" charset="2"/>
-              <a:buChar char="Ø"/>
-            </a:pPr>
-            <a:r>
-              <a:rPr lang="en-US" dirty="0"/>
-              <a:t>Questions and Answers</a:t>
+              <a:t>and Answers</a:t>
             </a:r>
             <a:endParaRPr lang="en-US" dirty="0" smtClean="0"/>
           </a:p>
@@ -10713,7 +10698,7 @@
           <a:blip r:embed="rId3">
             <a:extLst>
               <a:ext uri="{28A0092B-C50C-407E-A947-70E740481C1C}">
-                <a14:useLocalDpi xmlns:a14="http://schemas.microsoft.com/office/drawing/2010/main" val="0"/>
+                <a14:useLocalDpi xmlns:a14="http://schemas.microsoft.com/office/drawing/2010/main" xmlns="" val="0"/>
               </a:ext>
             </a:extLst>
           </a:blip>
@@ -10740,7 +10725,7 @@
     </p:spTree>
     <p:extLst>
       <p:ext uri="{BB962C8B-B14F-4D97-AF65-F5344CB8AC3E}">
-        <p14:creationId xmlns:p14="http://schemas.microsoft.com/office/powerpoint/2010/main" val="666675940"/>
+        <p14:creationId xmlns:p14="http://schemas.microsoft.com/office/powerpoint/2010/main" xmlns="" val="666675940"/>
       </p:ext>
     </p:extLst>
   </p:cSld>
@@ -10791,7 +10776,7 @@
           <a:p>
             <a:r>
               <a:rPr lang="en-US" dirty="0" smtClean="0"/>
-              <a:t>Maid manager demo</a:t>
+              <a:t>Register demo</a:t>
             </a:r>
             <a:endParaRPr lang="en-US" dirty="0"/>
           </a:p>
@@ -10879,7 +10864,7 @@
           <a:blip r:embed="rId3">
             <a:extLst>
               <a:ext uri="{28A0092B-C50C-407E-A947-70E740481C1C}">
-                <a14:useLocalDpi xmlns:a14="http://schemas.microsoft.com/office/drawing/2010/main" val="0"/>
+                <a14:useLocalDpi xmlns:a14="http://schemas.microsoft.com/office/drawing/2010/main" xmlns="" val="0"/>
               </a:ext>
             </a:extLst>
           </a:blip>
@@ -10923,7 +10908,7 @@
             <a:blip r:embed="rId4">
               <a:extLst>
                 <a:ext uri="{28A0092B-C50C-407E-A947-70E740481C1C}">
-                  <a14:useLocalDpi xmlns:a14="http://schemas.microsoft.com/office/drawing/2010/main" val="0"/>
+                  <a14:useLocalDpi xmlns:a14="http://schemas.microsoft.com/office/drawing/2010/main" xmlns="" val="0"/>
                 </a:ext>
               </a:extLst>
             </a:blip>
@@ -11355,7 +11340,7 @@
           <a:blip r:embed="rId7">
             <a:extLst>
               <a:ext uri="{28A0092B-C50C-407E-A947-70E740481C1C}">
-                <a14:useLocalDpi xmlns:a14="http://schemas.microsoft.com/office/drawing/2010/main" val="0"/>
+                <a14:useLocalDpi xmlns:a14="http://schemas.microsoft.com/office/drawing/2010/main" xmlns="" val="0"/>
               </a:ext>
             </a:extLst>
           </a:blip>
@@ -11385,7 +11370,7 @@
           <a:blip r:embed="rId8">
             <a:extLst>
               <a:ext uri="{28A0092B-C50C-407E-A947-70E740481C1C}">
-                <a14:useLocalDpi xmlns:a14="http://schemas.microsoft.com/office/drawing/2010/main" val="0"/>
+                <a14:useLocalDpi xmlns:a14="http://schemas.microsoft.com/office/drawing/2010/main" xmlns="" val="0"/>
               </a:ext>
             </a:extLst>
           </a:blip>
@@ -11415,7 +11400,7 @@
           <a:blip r:embed="rId9">
             <a:extLst>
               <a:ext uri="{28A0092B-C50C-407E-A947-70E740481C1C}">
-                <a14:useLocalDpi xmlns:a14="http://schemas.microsoft.com/office/drawing/2010/main" val="0"/>
+                <a14:useLocalDpi xmlns:a14="http://schemas.microsoft.com/office/drawing/2010/main" xmlns="" val="0"/>
               </a:ext>
             </a:extLst>
           </a:blip>
@@ -11445,7 +11430,7 @@
           <a:blip r:embed="rId10">
             <a:extLst>
               <a:ext uri="{28A0092B-C50C-407E-A947-70E740481C1C}">
-                <a14:useLocalDpi xmlns:a14="http://schemas.microsoft.com/office/drawing/2010/main" val="0"/>
+                <a14:useLocalDpi xmlns:a14="http://schemas.microsoft.com/office/drawing/2010/main" xmlns="" val="0"/>
               </a:ext>
             </a:extLst>
           </a:blip>
@@ -11475,7 +11460,7 @@
           <a:blip r:embed="rId11">
             <a:extLst>
               <a:ext uri="{28A0092B-C50C-407E-A947-70E740481C1C}">
-                <a14:useLocalDpi xmlns:a14="http://schemas.microsoft.com/office/drawing/2010/main" val="0"/>
+                <a14:useLocalDpi xmlns:a14="http://schemas.microsoft.com/office/drawing/2010/main" xmlns="" val="0"/>
               </a:ext>
             </a:extLst>
           </a:blip>
@@ -11505,7 +11490,7 @@
           <a:blip r:embed="rId12">
             <a:extLst>
               <a:ext uri="{28A0092B-C50C-407E-A947-70E740481C1C}">
-                <a14:useLocalDpi xmlns:a14="http://schemas.microsoft.com/office/drawing/2010/main" val="0"/>
+                <a14:useLocalDpi xmlns:a14="http://schemas.microsoft.com/office/drawing/2010/main" xmlns="" val="0"/>
               </a:ext>
             </a:extLst>
           </a:blip>
@@ -11535,7 +11520,7 @@
           <a:blip r:embed="rId13">
             <a:extLst>
               <a:ext uri="{28A0092B-C50C-407E-A947-70E740481C1C}">
-                <a14:useLocalDpi xmlns:a14="http://schemas.microsoft.com/office/drawing/2010/main" val="0"/>
+                <a14:useLocalDpi xmlns:a14="http://schemas.microsoft.com/office/drawing/2010/main" xmlns="" val="0"/>
               </a:ext>
             </a:extLst>
           </a:blip>
@@ -11556,7 +11541,7 @@
     </p:spTree>
     <p:extLst>
       <p:ext uri="{BB962C8B-B14F-4D97-AF65-F5344CB8AC3E}">
-        <p14:creationId xmlns:p14="http://schemas.microsoft.com/office/powerpoint/2010/main" val="666675940"/>
+        <p14:creationId xmlns:p14="http://schemas.microsoft.com/office/powerpoint/2010/main" xmlns="" val="666675940"/>
       </p:ext>
     </p:extLst>
   </p:cSld>
@@ -12662,7 +12647,11 @@
           <a:p>
             <a:r>
               <a:rPr lang="en-US" dirty="0" smtClean="0"/>
-              <a:t>Customer demo</a:t>
+              <a:t>Cancel applying and report </a:t>
+            </a:r>
+            <a:r>
+              <a:rPr lang="en-US" dirty="0" smtClean="0"/>
+              <a:t>demo</a:t>
             </a:r>
             <a:endParaRPr lang="en-US" dirty="0"/>
           </a:p>
@@ -12750,7 +12739,7 @@
           <a:blip r:embed="rId3">
             <a:extLst>
               <a:ext uri="{28A0092B-C50C-407E-A947-70E740481C1C}">
-                <a14:useLocalDpi xmlns:a14="http://schemas.microsoft.com/office/drawing/2010/main" val="0"/>
+                <a14:useLocalDpi xmlns:a14="http://schemas.microsoft.com/office/drawing/2010/main" xmlns="" val="0"/>
               </a:ext>
             </a:extLst>
           </a:blip>
@@ -12794,7 +12783,7 @@
             <a:blip r:embed="rId4">
               <a:extLst>
                 <a:ext uri="{28A0092B-C50C-407E-A947-70E740481C1C}">
-                  <a14:useLocalDpi xmlns:a14="http://schemas.microsoft.com/office/drawing/2010/main" val="0"/>
+                  <a14:useLocalDpi xmlns:a14="http://schemas.microsoft.com/office/drawing/2010/main" xmlns="" val="0"/>
                 </a:ext>
               </a:extLst>
             </a:blip>
@@ -13283,7 +13272,7 @@
           <a:blip r:embed="rId8">
             <a:extLst>
               <a:ext uri="{28A0092B-C50C-407E-A947-70E740481C1C}">
-                <a14:useLocalDpi xmlns:a14="http://schemas.microsoft.com/office/drawing/2010/main" val="0"/>
+                <a14:useLocalDpi xmlns:a14="http://schemas.microsoft.com/office/drawing/2010/main" xmlns="" val="0"/>
               </a:ext>
             </a:extLst>
           </a:blip>
@@ -13313,7 +13302,7 @@
           <a:blip r:embed="rId9">
             <a:extLst>
               <a:ext uri="{28A0092B-C50C-407E-A947-70E740481C1C}">
-                <a14:useLocalDpi xmlns:a14="http://schemas.microsoft.com/office/drawing/2010/main" val="0"/>
+                <a14:useLocalDpi xmlns:a14="http://schemas.microsoft.com/office/drawing/2010/main" xmlns="" val="0"/>
               </a:ext>
             </a:extLst>
           </a:blip>
@@ -13343,7 +13332,7 @@
           <a:blip r:embed="rId10">
             <a:extLst>
               <a:ext uri="{28A0092B-C50C-407E-A947-70E740481C1C}">
-                <a14:useLocalDpi xmlns:a14="http://schemas.microsoft.com/office/drawing/2010/main" val="0"/>
+                <a14:useLocalDpi xmlns:a14="http://schemas.microsoft.com/office/drawing/2010/main" xmlns="" val="0"/>
               </a:ext>
             </a:extLst>
           </a:blip>
@@ -13373,7 +13362,7 @@
           <a:blip r:embed="rId11">
             <a:extLst>
               <a:ext uri="{28A0092B-C50C-407E-A947-70E740481C1C}">
-                <a14:useLocalDpi xmlns:a14="http://schemas.microsoft.com/office/drawing/2010/main" val="0"/>
+                <a14:useLocalDpi xmlns:a14="http://schemas.microsoft.com/office/drawing/2010/main" xmlns="" val="0"/>
               </a:ext>
             </a:extLst>
           </a:blip>
@@ -13403,7 +13392,7 @@
           <a:blip r:embed="rId12">
             <a:extLst>
               <a:ext uri="{28A0092B-C50C-407E-A947-70E740481C1C}">
-                <a14:useLocalDpi xmlns:a14="http://schemas.microsoft.com/office/drawing/2010/main" val="0"/>
+                <a14:useLocalDpi xmlns:a14="http://schemas.microsoft.com/office/drawing/2010/main" xmlns="" val="0"/>
               </a:ext>
             </a:extLst>
           </a:blip>
@@ -13424,7 +13413,7 @@
     </p:spTree>
     <p:extLst>
       <p:ext uri="{BB962C8B-B14F-4D97-AF65-F5344CB8AC3E}">
-        <p14:creationId xmlns:p14="http://schemas.microsoft.com/office/powerpoint/2010/main" val="666675940"/>
+        <p14:creationId xmlns:p14="http://schemas.microsoft.com/office/powerpoint/2010/main" xmlns="" val="666675940"/>
       </p:ext>
     </p:extLst>
   </p:cSld>
@@ -14584,7 +14573,7 @@
   <a:extraClrSchemeLst/>
   <a:extLst>
     <a:ext uri="{05A4C25C-085E-4340-85A3-A5531E510DB2}">
-      <thm15:themeFamily xmlns:thm15="http://schemas.microsoft.com/office/thememl/2012/main" name="Retrospect" id="{5F128B03-DCCA-4EEB-AB3B-CF2899314A46}" vid="{D26EA377-59BD-4C9C-9D94-EE8416EE4C79}"/>
+      <thm15:themeFamily xmlns:thm15="http://schemas.microsoft.com/office/thememl/2012/main" xmlns="" name="Retrospect" id="{5F128B03-DCCA-4EEB-AB3B-CF2899314A46}" vid="{D26EA377-59BD-4C9C-9D94-EE8416EE4C79}"/>
     </a:ext>
   </a:extLst>
 </a:theme>
@@ -14845,7 +14834,7 @@
   <a:extraClrSchemeLst/>
   <a:extLst>
     <a:ext uri="{05A4C25C-085E-4340-85A3-A5531E510DB2}">
-      <thm15:themeFamily xmlns:thm15="http://schemas.microsoft.com/office/thememl/2012/main" name="Office Theme" id="{62F939B6-93AF-4DB8-9C6B-D6C7DFDC589F}" vid="{4A3C46E8-61CC-4603-A589-7422A47A8E4A}"/>
+      <thm15:themeFamily xmlns:thm15="http://schemas.microsoft.com/office/thememl/2012/main" xmlns="" name="Office Theme" id="{62F939B6-93AF-4DB8-9C6B-D6C7DFDC589F}" vid="{4A3C46E8-61CC-4603-A589-7422A47A8E4A}"/>
     </a:ext>
   </a:extLst>
 </a:theme>
@@ -15106,7 +15095,7 @@
   <a:extraClrSchemeLst/>
   <a:extLst>
     <a:ext uri="{05A4C25C-085E-4340-85A3-A5531E510DB2}">
-      <thm15:themeFamily xmlns:thm15="http://schemas.microsoft.com/office/thememl/2012/main" name="Office Theme" id="{62F939B6-93AF-4DB8-9C6B-D6C7DFDC589F}" vid="{4A3C46E8-61CC-4603-A589-7422A47A8E4A}"/>
+      <thm15:themeFamily xmlns:thm15="http://schemas.microsoft.com/office/thememl/2012/main" xmlns="" name="Office Theme" id="{62F939B6-93AF-4DB8-9C6B-D6C7DFDC589F}" vid="{4A3C46E8-61CC-4603-A589-7422A47A8E4A}"/>
     </a:ext>
   </a:extLst>
 </a:theme>
